--- a/Presentation/Workshop.pptx
+++ b/Presentation/Workshop.pptx
@@ -11,11 +11,12 @@
     <p:sldId id="281" r:id="rId5"/>
     <p:sldId id="282" r:id="rId6"/>
     <p:sldId id="283" r:id="rId7"/>
-    <p:sldId id="284" r:id="rId8"/>
-    <p:sldId id="279" r:id="rId9"/>
-    <p:sldId id="280" r:id="rId10"/>
-    <p:sldId id="285" r:id="rId11"/>
-    <p:sldId id="286" r:id="rId12"/>
+    <p:sldId id="287" r:id="rId8"/>
+    <p:sldId id="284" r:id="rId9"/>
+    <p:sldId id="279" r:id="rId10"/>
+    <p:sldId id="280" r:id="rId11"/>
+    <p:sldId id="285" r:id="rId12"/>
+    <p:sldId id="286" r:id="rId13"/>
   </p:sldIdLst>
   <p:sldSz cx="12192000" cy="6858000"/>
   <p:notesSz cx="6858000" cy="9144000"/>
@@ -114,6 +115,11 @@
       </a:defRPr>
     </a:lvl9pPr>
   </p:defaultTextStyle>
+  <p:extLst>
+    <p:ext uri="{EFAFB233-063F-42B5-8137-9DF3F51BA10A}">
+      <p15:sldGuideLst xmlns:p15="http://schemas.microsoft.com/office/powerpoint/2012/main"/>
+    </p:ext>
+  </p:extLst>
 </p:presentation>
 </file>
 
@@ -830,6 +836,753 @@
   <dgm:styleLbl name="fgShp">
     <dgm:fillClrLst meth="repeat">
       <a:schemeClr val="accent1">
+        <a:tint val="60000"/>
+      </a:schemeClr>
+    </dgm:fillClrLst>
+    <dgm:linClrLst meth="repeat">
+      <a:schemeClr val="lt1"/>
+    </dgm:linClrLst>
+    <dgm:effectClrLst/>
+    <dgm:txLinClrLst/>
+    <dgm:txFillClrLst meth="repeat">
+      <a:schemeClr val="dk1"/>
+    </dgm:txFillClrLst>
+    <dgm:txEffectClrLst/>
+  </dgm:styleLbl>
+  <dgm:styleLbl name="revTx">
+    <dgm:fillClrLst meth="repeat">
+      <a:schemeClr val="lt1">
+        <a:alpha val="0"/>
+      </a:schemeClr>
+    </dgm:fillClrLst>
+    <dgm:linClrLst meth="repeat">
+      <a:schemeClr val="dk1">
+        <a:alpha val="0"/>
+      </a:schemeClr>
+    </dgm:linClrLst>
+    <dgm:effectClrLst/>
+    <dgm:txLinClrLst/>
+    <dgm:txFillClrLst meth="repeat">
+      <a:schemeClr val="tx1"/>
+    </dgm:txFillClrLst>
+    <dgm:txEffectClrLst/>
+  </dgm:styleLbl>
+</dgm:colorsDef>
+</file>
+
+<file path=ppt/diagrams/colors2.xml><?xml version="1.0" encoding="utf-8"?>
+<dgm:colorsDef xmlns:dgm="http://schemas.openxmlformats.org/drawingml/2006/diagram" xmlns:a="http://schemas.openxmlformats.org/drawingml/2006/main" uniqueId="urn:microsoft.com/office/officeart/2005/8/colors/accent4_2">
+  <dgm:title val=""/>
+  <dgm:desc val=""/>
+  <dgm:catLst>
+    <dgm:cat type="accent4" pri="11200"/>
+  </dgm:catLst>
+  <dgm:styleLbl name="node0">
+    <dgm:fillClrLst meth="repeat">
+      <a:schemeClr val="accent4"/>
+    </dgm:fillClrLst>
+    <dgm:linClrLst meth="repeat">
+      <a:schemeClr val="lt1"/>
+    </dgm:linClrLst>
+    <dgm:effectClrLst/>
+    <dgm:txLinClrLst/>
+    <dgm:txFillClrLst/>
+    <dgm:txEffectClrLst/>
+  </dgm:styleLbl>
+  <dgm:styleLbl name="node1">
+    <dgm:fillClrLst meth="repeat">
+      <a:schemeClr val="accent4"/>
+    </dgm:fillClrLst>
+    <dgm:linClrLst meth="repeat">
+      <a:schemeClr val="lt1"/>
+    </dgm:linClrLst>
+    <dgm:effectClrLst/>
+    <dgm:txLinClrLst/>
+    <dgm:txFillClrLst/>
+    <dgm:txEffectClrLst/>
+  </dgm:styleLbl>
+  <dgm:styleLbl name="alignNode1">
+    <dgm:fillClrLst meth="repeat">
+      <a:schemeClr val="accent4"/>
+    </dgm:fillClrLst>
+    <dgm:linClrLst meth="repeat">
+      <a:schemeClr val="accent4"/>
+    </dgm:linClrLst>
+    <dgm:effectClrLst/>
+    <dgm:txLinClrLst/>
+    <dgm:txFillClrLst/>
+    <dgm:txEffectClrLst/>
+  </dgm:styleLbl>
+  <dgm:styleLbl name="lnNode1">
+    <dgm:fillClrLst meth="repeat">
+      <a:schemeClr val="accent4"/>
+    </dgm:fillClrLst>
+    <dgm:linClrLst meth="repeat">
+      <a:schemeClr val="lt1"/>
+    </dgm:linClrLst>
+    <dgm:effectClrLst/>
+    <dgm:txLinClrLst/>
+    <dgm:txFillClrLst/>
+    <dgm:txEffectClrLst/>
+  </dgm:styleLbl>
+  <dgm:styleLbl name="vennNode1">
+    <dgm:fillClrLst meth="repeat">
+      <a:schemeClr val="accent4">
+        <a:alpha val="50000"/>
+      </a:schemeClr>
+    </dgm:fillClrLst>
+    <dgm:linClrLst meth="repeat">
+      <a:schemeClr val="lt1"/>
+    </dgm:linClrLst>
+    <dgm:effectClrLst/>
+    <dgm:txLinClrLst/>
+    <dgm:txFillClrLst/>
+    <dgm:txEffectClrLst/>
+  </dgm:styleLbl>
+  <dgm:styleLbl name="node2">
+    <dgm:fillClrLst meth="repeat">
+      <a:schemeClr val="accent4"/>
+    </dgm:fillClrLst>
+    <dgm:linClrLst meth="repeat">
+      <a:schemeClr val="lt1"/>
+    </dgm:linClrLst>
+    <dgm:effectClrLst/>
+    <dgm:txLinClrLst/>
+    <dgm:txFillClrLst/>
+    <dgm:txEffectClrLst/>
+  </dgm:styleLbl>
+  <dgm:styleLbl name="node3">
+    <dgm:fillClrLst meth="repeat">
+      <a:schemeClr val="accent4"/>
+    </dgm:fillClrLst>
+    <dgm:linClrLst meth="repeat">
+      <a:schemeClr val="lt1"/>
+    </dgm:linClrLst>
+    <dgm:effectClrLst/>
+    <dgm:txLinClrLst/>
+    <dgm:txFillClrLst/>
+    <dgm:txEffectClrLst/>
+  </dgm:styleLbl>
+  <dgm:styleLbl name="node4">
+    <dgm:fillClrLst meth="repeat">
+      <a:schemeClr val="accent4"/>
+    </dgm:fillClrLst>
+    <dgm:linClrLst meth="repeat">
+      <a:schemeClr val="lt1"/>
+    </dgm:linClrLst>
+    <dgm:effectClrLst/>
+    <dgm:txLinClrLst/>
+    <dgm:txFillClrLst/>
+    <dgm:txEffectClrLst/>
+  </dgm:styleLbl>
+  <dgm:styleLbl name="fgImgPlace1">
+    <dgm:fillClrLst meth="repeat">
+      <a:schemeClr val="accent4">
+        <a:tint val="50000"/>
+      </a:schemeClr>
+    </dgm:fillClrLst>
+    <dgm:linClrLst meth="repeat">
+      <a:schemeClr val="lt1"/>
+    </dgm:linClrLst>
+    <dgm:effectClrLst/>
+    <dgm:txLinClrLst/>
+    <dgm:txFillClrLst meth="repeat">
+      <a:schemeClr val="lt1"/>
+    </dgm:txFillClrLst>
+    <dgm:txEffectClrLst/>
+  </dgm:styleLbl>
+  <dgm:styleLbl name="alignImgPlace1">
+    <dgm:fillClrLst meth="repeat">
+      <a:schemeClr val="accent4">
+        <a:tint val="50000"/>
+      </a:schemeClr>
+    </dgm:fillClrLst>
+    <dgm:linClrLst meth="repeat">
+      <a:schemeClr val="lt1"/>
+    </dgm:linClrLst>
+    <dgm:effectClrLst/>
+    <dgm:txLinClrLst/>
+    <dgm:txFillClrLst meth="repeat">
+      <a:schemeClr val="lt1"/>
+    </dgm:txFillClrLst>
+    <dgm:txEffectClrLst/>
+  </dgm:styleLbl>
+  <dgm:styleLbl name="bgImgPlace1">
+    <dgm:fillClrLst meth="repeat">
+      <a:schemeClr val="accent4">
+        <a:tint val="50000"/>
+      </a:schemeClr>
+    </dgm:fillClrLst>
+    <dgm:linClrLst meth="repeat">
+      <a:schemeClr val="lt1"/>
+    </dgm:linClrLst>
+    <dgm:effectClrLst/>
+    <dgm:txLinClrLst/>
+    <dgm:txFillClrLst meth="repeat">
+      <a:schemeClr val="lt1"/>
+    </dgm:txFillClrLst>
+    <dgm:txEffectClrLst/>
+  </dgm:styleLbl>
+  <dgm:styleLbl name="sibTrans2D1">
+    <dgm:fillClrLst meth="repeat">
+      <a:schemeClr val="accent4">
+        <a:tint val="60000"/>
+      </a:schemeClr>
+    </dgm:fillClrLst>
+    <dgm:linClrLst meth="repeat">
+      <a:schemeClr val="accent4">
+        <a:tint val="60000"/>
+      </a:schemeClr>
+    </dgm:linClrLst>
+    <dgm:effectClrLst/>
+    <dgm:txLinClrLst/>
+    <dgm:txFillClrLst/>
+    <dgm:txEffectClrLst/>
+  </dgm:styleLbl>
+  <dgm:styleLbl name="fgSibTrans2D1">
+    <dgm:fillClrLst meth="repeat">
+      <a:schemeClr val="accent4">
+        <a:tint val="60000"/>
+      </a:schemeClr>
+    </dgm:fillClrLst>
+    <dgm:linClrLst meth="repeat">
+      <a:schemeClr val="accent4">
+        <a:tint val="60000"/>
+      </a:schemeClr>
+    </dgm:linClrLst>
+    <dgm:effectClrLst/>
+    <dgm:txLinClrLst/>
+    <dgm:txFillClrLst/>
+    <dgm:txEffectClrLst/>
+  </dgm:styleLbl>
+  <dgm:styleLbl name="bgSibTrans2D1">
+    <dgm:fillClrLst meth="repeat">
+      <a:schemeClr val="accent4">
+        <a:tint val="60000"/>
+      </a:schemeClr>
+    </dgm:fillClrLst>
+    <dgm:linClrLst meth="repeat">
+      <a:schemeClr val="accent4">
+        <a:tint val="60000"/>
+      </a:schemeClr>
+    </dgm:linClrLst>
+    <dgm:effectClrLst/>
+    <dgm:txLinClrLst/>
+    <dgm:txFillClrLst/>
+    <dgm:txEffectClrLst/>
+  </dgm:styleLbl>
+  <dgm:styleLbl name="sibTrans1D1">
+    <dgm:fillClrLst meth="repeat">
+      <a:schemeClr val="accent4"/>
+    </dgm:fillClrLst>
+    <dgm:linClrLst meth="repeat">
+      <a:schemeClr val="accent4"/>
+    </dgm:linClrLst>
+    <dgm:effectClrLst/>
+    <dgm:txLinClrLst/>
+    <dgm:txFillClrLst meth="repeat">
+      <a:schemeClr val="tx1"/>
+    </dgm:txFillClrLst>
+    <dgm:txEffectClrLst/>
+  </dgm:styleLbl>
+  <dgm:styleLbl name="callout">
+    <dgm:fillClrLst meth="repeat">
+      <a:schemeClr val="accent4"/>
+    </dgm:fillClrLst>
+    <dgm:linClrLst meth="repeat">
+      <a:schemeClr val="accent4">
+        <a:tint val="50000"/>
+      </a:schemeClr>
+    </dgm:linClrLst>
+    <dgm:effectClrLst/>
+    <dgm:txLinClrLst/>
+    <dgm:txFillClrLst meth="repeat">
+      <a:schemeClr val="tx1"/>
+    </dgm:txFillClrLst>
+    <dgm:txEffectClrLst/>
+  </dgm:styleLbl>
+  <dgm:styleLbl name="asst0">
+    <dgm:fillClrLst meth="repeat">
+      <a:schemeClr val="accent4"/>
+    </dgm:fillClrLst>
+    <dgm:linClrLst meth="repeat">
+      <a:schemeClr val="lt1"/>
+    </dgm:linClrLst>
+    <dgm:effectClrLst/>
+    <dgm:txLinClrLst/>
+    <dgm:txFillClrLst/>
+    <dgm:txEffectClrLst/>
+  </dgm:styleLbl>
+  <dgm:styleLbl name="asst1">
+    <dgm:fillClrLst meth="repeat">
+      <a:schemeClr val="accent4"/>
+    </dgm:fillClrLst>
+    <dgm:linClrLst meth="repeat">
+      <a:schemeClr val="lt1"/>
+    </dgm:linClrLst>
+    <dgm:effectClrLst/>
+    <dgm:txLinClrLst/>
+    <dgm:txFillClrLst/>
+    <dgm:txEffectClrLst/>
+  </dgm:styleLbl>
+  <dgm:styleLbl name="asst2">
+    <dgm:fillClrLst meth="repeat">
+      <a:schemeClr val="accent4"/>
+    </dgm:fillClrLst>
+    <dgm:linClrLst meth="repeat">
+      <a:schemeClr val="lt1"/>
+    </dgm:linClrLst>
+    <dgm:effectClrLst/>
+    <dgm:txLinClrLst/>
+    <dgm:txFillClrLst/>
+    <dgm:txEffectClrLst/>
+  </dgm:styleLbl>
+  <dgm:styleLbl name="asst3">
+    <dgm:fillClrLst meth="repeat">
+      <a:schemeClr val="accent4"/>
+    </dgm:fillClrLst>
+    <dgm:linClrLst meth="repeat">
+      <a:schemeClr val="lt1"/>
+    </dgm:linClrLst>
+    <dgm:effectClrLst/>
+    <dgm:txLinClrLst/>
+    <dgm:txFillClrLst/>
+    <dgm:txEffectClrLst/>
+  </dgm:styleLbl>
+  <dgm:styleLbl name="asst4">
+    <dgm:fillClrLst meth="repeat">
+      <a:schemeClr val="accent4"/>
+    </dgm:fillClrLst>
+    <dgm:linClrLst meth="repeat">
+      <a:schemeClr val="lt1"/>
+    </dgm:linClrLst>
+    <dgm:effectClrLst/>
+    <dgm:txLinClrLst/>
+    <dgm:txFillClrLst/>
+    <dgm:txEffectClrLst/>
+  </dgm:styleLbl>
+  <dgm:styleLbl name="parChTrans2D1">
+    <dgm:fillClrLst meth="repeat">
+      <a:schemeClr val="accent4">
+        <a:tint val="60000"/>
+      </a:schemeClr>
+    </dgm:fillClrLst>
+    <dgm:linClrLst meth="repeat">
+      <a:schemeClr val="accent4">
+        <a:tint val="60000"/>
+      </a:schemeClr>
+    </dgm:linClrLst>
+    <dgm:effectClrLst/>
+    <dgm:txLinClrLst/>
+    <dgm:txFillClrLst meth="repeat">
+      <a:schemeClr val="lt1"/>
+    </dgm:txFillClrLst>
+    <dgm:txEffectClrLst/>
+  </dgm:styleLbl>
+  <dgm:styleLbl name="parChTrans2D2">
+    <dgm:fillClrLst meth="repeat">
+      <a:schemeClr val="accent4"/>
+    </dgm:fillClrLst>
+    <dgm:linClrLst meth="repeat">
+      <a:schemeClr val="accent4"/>
+    </dgm:linClrLst>
+    <dgm:effectClrLst/>
+    <dgm:txLinClrLst/>
+    <dgm:txFillClrLst meth="repeat">
+      <a:schemeClr val="lt1"/>
+    </dgm:txFillClrLst>
+    <dgm:txEffectClrLst/>
+  </dgm:styleLbl>
+  <dgm:styleLbl name="parChTrans2D3">
+    <dgm:fillClrLst meth="repeat">
+      <a:schemeClr val="accent4"/>
+    </dgm:fillClrLst>
+    <dgm:linClrLst meth="repeat">
+      <a:schemeClr val="accent4"/>
+    </dgm:linClrLst>
+    <dgm:effectClrLst/>
+    <dgm:txLinClrLst/>
+    <dgm:txFillClrLst meth="repeat">
+      <a:schemeClr val="lt1"/>
+    </dgm:txFillClrLst>
+    <dgm:txEffectClrLst/>
+  </dgm:styleLbl>
+  <dgm:styleLbl name="parChTrans2D4">
+    <dgm:fillClrLst meth="repeat">
+      <a:schemeClr val="accent4"/>
+    </dgm:fillClrLst>
+    <dgm:linClrLst meth="repeat">
+      <a:schemeClr val="accent4"/>
+    </dgm:linClrLst>
+    <dgm:effectClrLst/>
+    <dgm:txLinClrLst/>
+    <dgm:txFillClrLst meth="repeat">
+      <a:schemeClr val="lt1"/>
+    </dgm:txFillClrLst>
+    <dgm:txEffectClrLst/>
+  </dgm:styleLbl>
+  <dgm:styleLbl name="parChTrans1D1">
+    <dgm:fillClrLst meth="repeat">
+      <a:schemeClr val="accent4"/>
+    </dgm:fillClrLst>
+    <dgm:linClrLst meth="repeat">
+      <a:schemeClr val="accent4">
+        <a:shade val="60000"/>
+      </a:schemeClr>
+    </dgm:linClrLst>
+    <dgm:effectClrLst/>
+    <dgm:txLinClrLst/>
+    <dgm:txFillClrLst meth="repeat">
+      <a:schemeClr val="tx1"/>
+    </dgm:txFillClrLst>
+    <dgm:txEffectClrLst/>
+  </dgm:styleLbl>
+  <dgm:styleLbl name="parChTrans1D2">
+    <dgm:fillClrLst meth="repeat">
+      <a:schemeClr val="accent4"/>
+    </dgm:fillClrLst>
+    <dgm:linClrLst meth="repeat">
+      <a:schemeClr val="accent4">
+        <a:shade val="60000"/>
+      </a:schemeClr>
+    </dgm:linClrLst>
+    <dgm:effectClrLst/>
+    <dgm:txLinClrLst/>
+    <dgm:txFillClrLst meth="repeat">
+      <a:schemeClr val="tx1"/>
+    </dgm:txFillClrLst>
+    <dgm:txEffectClrLst/>
+  </dgm:styleLbl>
+  <dgm:styleLbl name="parChTrans1D3">
+    <dgm:fillClrLst meth="repeat">
+      <a:schemeClr val="accent4"/>
+    </dgm:fillClrLst>
+    <dgm:linClrLst meth="repeat">
+      <a:schemeClr val="accent4">
+        <a:shade val="80000"/>
+      </a:schemeClr>
+    </dgm:linClrLst>
+    <dgm:effectClrLst/>
+    <dgm:txLinClrLst/>
+    <dgm:txFillClrLst meth="repeat">
+      <a:schemeClr val="tx1"/>
+    </dgm:txFillClrLst>
+    <dgm:txEffectClrLst/>
+  </dgm:styleLbl>
+  <dgm:styleLbl name="parChTrans1D4">
+    <dgm:fillClrLst meth="repeat">
+      <a:schemeClr val="accent4"/>
+    </dgm:fillClrLst>
+    <dgm:linClrLst meth="repeat">
+      <a:schemeClr val="accent4">
+        <a:shade val="80000"/>
+      </a:schemeClr>
+    </dgm:linClrLst>
+    <dgm:effectClrLst/>
+    <dgm:txLinClrLst/>
+    <dgm:txFillClrLst meth="repeat">
+      <a:schemeClr val="tx1"/>
+    </dgm:txFillClrLst>
+    <dgm:txEffectClrLst/>
+  </dgm:styleLbl>
+  <dgm:styleLbl name="fgAcc1">
+    <dgm:fillClrLst meth="repeat">
+      <a:schemeClr val="lt1">
+        <a:alpha val="90000"/>
+      </a:schemeClr>
+    </dgm:fillClrLst>
+    <dgm:linClrLst meth="repeat">
+      <a:schemeClr val="accent4"/>
+    </dgm:linClrLst>
+    <dgm:effectClrLst/>
+    <dgm:txLinClrLst/>
+    <dgm:txFillClrLst meth="repeat">
+      <a:schemeClr val="dk1"/>
+    </dgm:txFillClrLst>
+    <dgm:txEffectClrLst/>
+  </dgm:styleLbl>
+  <dgm:styleLbl name="conFgAcc1">
+    <dgm:fillClrLst meth="repeat">
+      <a:schemeClr val="lt1">
+        <a:alpha val="90000"/>
+      </a:schemeClr>
+    </dgm:fillClrLst>
+    <dgm:linClrLst meth="repeat">
+      <a:schemeClr val="accent4"/>
+    </dgm:linClrLst>
+    <dgm:effectClrLst/>
+    <dgm:txLinClrLst/>
+    <dgm:txFillClrLst meth="repeat">
+      <a:schemeClr val="dk1"/>
+    </dgm:txFillClrLst>
+    <dgm:txEffectClrLst/>
+  </dgm:styleLbl>
+  <dgm:styleLbl name="alignAcc1">
+    <dgm:fillClrLst meth="repeat">
+      <a:schemeClr val="lt1">
+        <a:alpha val="90000"/>
+      </a:schemeClr>
+    </dgm:fillClrLst>
+    <dgm:linClrLst meth="repeat">
+      <a:schemeClr val="accent4"/>
+    </dgm:linClrLst>
+    <dgm:effectClrLst/>
+    <dgm:txLinClrLst/>
+    <dgm:txFillClrLst meth="repeat">
+      <a:schemeClr val="dk1"/>
+    </dgm:txFillClrLst>
+    <dgm:txEffectClrLst/>
+  </dgm:styleLbl>
+  <dgm:styleLbl name="trAlignAcc1">
+    <dgm:fillClrLst meth="repeat">
+      <a:schemeClr val="lt1">
+        <a:alpha val="40000"/>
+      </a:schemeClr>
+    </dgm:fillClrLst>
+    <dgm:linClrLst meth="repeat">
+      <a:schemeClr val="accent4"/>
+    </dgm:linClrLst>
+    <dgm:effectClrLst/>
+    <dgm:txLinClrLst/>
+    <dgm:txFillClrLst meth="repeat">
+      <a:schemeClr val="dk1"/>
+    </dgm:txFillClrLst>
+    <dgm:txEffectClrLst/>
+  </dgm:styleLbl>
+  <dgm:styleLbl name="bgAcc1">
+    <dgm:fillClrLst meth="repeat">
+      <a:schemeClr val="lt1">
+        <a:alpha val="90000"/>
+      </a:schemeClr>
+    </dgm:fillClrLst>
+    <dgm:linClrLst meth="repeat">
+      <a:schemeClr val="accent4"/>
+    </dgm:linClrLst>
+    <dgm:effectClrLst/>
+    <dgm:txLinClrLst/>
+    <dgm:txFillClrLst meth="repeat">
+      <a:schemeClr val="dk1"/>
+    </dgm:txFillClrLst>
+    <dgm:txEffectClrLst/>
+  </dgm:styleLbl>
+  <dgm:styleLbl name="solidFgAcc1">
+    <dgm:fillClrLst meth="repeat">
+      <a:schemeClr val="lt1"/>
+    </dgm:fillClrLst>
+    <dgm:linClrLst meth="repeat">
+      <a:schemeClr val="accent4"/>
+    </dgm:linClrLst>
+    <dgm:effectClrLst/>
+    <dgm:txLinClrLst/>
+    <dgm:txFillClrLst meth="repeat">
+      <a:schemeClr val="dk1"/>
+    </dgm:txFillClrLst>
+    <dgm:txEffectClrLst/>
+  </dgm:styleLbl>
+  <dgm:styleLbl name="solidAlignAcc1">
+    <dgm:fillClrLst meth="repeat">
+      <a:schemeClr val="lt1"/>
+    </dgm:fillClrLst>
+    <dgm:linClrLst meth="repeat">
+      <a:schemeClr val="accent4"/>
+    </dgm:linClrLst>
+    <dgm:effectClrLst/>
+    <dgm:txLinClrLst/>
+    <dgm:txFillClrLst meth="repeat">
+      <a:schemeClr val="dk1"/>
+    </dgm:txFillClrLst>
+    <dgm:txEffectClrLst/>
+  </dgm:styleLbl>
+  <dgm:styleLbl name="solidBgAcc1">
+    <dgm:fillClrLst meth="repeat">
+      <a:schemeClr val="lt1"/>
+    </dgm:fillClrLst>
+    <dgm:linClrLst meth="repeat">
+      <a:schemeClr val="accent4"/>
+    </dgm:linClrLst>
+    <dgm:effectClrLst/>
+    <dgm:txLinClrLst/>
+    <dgm:txFillClrLst meth="repeat">
+      <a:schemeClr val="dk1"/>
+    </dgm:txFillClrLst>
+    <dgm:txEffectClrLst/>
+  </dgm:styleLbl>
+  <dgm:styleLbl name="fgAccFollowNode1">
+    <dgm:fillClrLst meth="repeat">
+      <a:schemeClr val="accent4">
+        <a:alpha val="90000"/>
+        <a:tint val="40000"/>
+      </a:schemeClr>
+    </dgm:fillClrLst>
+    <dgm:linClrLst meth="repeat">
+      <a:schemeClr val="accent4">
+        <a:alpha val="90000"/>
+        <a:tint val="40000"/>
+      </a:schemeClr>
+    </dgm:linClrLst>
+    <dgm:effectClrLst/>
+    <dgm:txLinClrLst/>
+    <dgm:txFillClrLst meth="repeat">
+      <a:schemeClr val="dk1"/>
+    </dgm:txFillClrLst>
+    <dgm:txEffectClrLst/>
+  </dgm:styleLbl>
+  <dgm:styleLbl name="alignAccFollowNode1">
+    <dgm:fillClrLst meth="repeat">
+      <a:schemeClr val="accent4">
+        <a:alpha val="90000"/>
+        <a:tint val="40000"/>
+      </a:schemeClr>
+    </dgm:fillClrLst>
+    <dgm:linClrLst meth="repeat">
+      <a:schemeClr val="accent4">
+        <a:alpha val="90000"/>
+        <a:tint val="40000"/>
+      </a:schemeClr>
+    </dgm:linClrLst>
+    <dgm:effectClrLst/>
+    <dgm:txLinClrLst/>
+    <dgm:txFillClrLst meth="repeat">
+      <a:schemeClr val="dk1"/>
+    </dgm:txFillClrLst>
+    <dgm:txEffectClrLst/>
+  </dgm:styleLbl>
+  <dgm:styleLbl name="bgAccFollowNode1">
+    <dgm:fillClrLst meth="repeat">
+      <a:schemeClr val="accent4">
+        <a:alpha val="90000"/>
+        <a:tint val="40000"/>
+      </a:schemeClr>
+    </dgm:fillClrLst>
+    <dgm:linClrLst meth="repeat">
+      <a:schemeClr val="accent4">
+        <a:alpha val="90000"/>
+        <a:tint val="40000"/>
+      </a:schemeClr>
+    </dgm:linClrLst>
+    <dgm:effectClrLst/>
+    <dgm:txLinClrLst/>
+    <dgm:txFillClrLst meth="repeat">
+      <a:schemeClr val="dk1"/>
+    </dgm:txFillClrLst>
+    <dgm:txEffectClrLst/>
+  </dgm:styleLbl>
+  <dgm:styleLbl name="fgAcc0">
+    <dgm:fillClrLst meth="repeat">
+      <a:schemeClr val="lt1">
+        <a:alpha val="90000"/>
+      </a:schemeClr>
+    </dgm:fillClrLst>
+    <dgm:linClrLst meth="repeat">
+      <a:schemeClr val="accent4"/>
+    </dgm:linClrLst>
+    <dgm:effectClrLst/>
+    <dgm:txLinClrLst/>
+    <dgm:txFillClrLst meth="repeat">
+      <a:schemeClr val="dk1"/>
+    </dgm:txFillClrLst>
+    <dgm:txEffectClrLst/>
+  </dgm:styleLbl>
+  <dgm:styleLbl name="fgAcc2">
+    <dgm:fillClrLst meth="repeat">
+      <a:schemeClr val="lt1">
+        <a:alpha val="90000"/>
+      </a:schemeClr>
+    </dgm:fillClrLst>
+    <dgm:linClrLst meth="repeat">
+      <a:schemeClr val="accent4"/>
+    </dgm:linClrLst>
+    <dgm:effectClrLst/>
+    <dgm:txLinClrLst/>
+    <dgm:txFillClrLst meth="repeat">
+      <a:schemeClr val="dk1"/>
+    </dgm:txFillClrLst>
+    <dgm:txEffectClrLst/>
+  </dgm:styleLbl>
+  <dgm:styleLbl name="fgAcc3">
+    <dgm:fillClrLst meth="repeat">
+      <a:schemeClr val="lt1">
+        <a:alpha val="90000"/>
+      </a:schemeClr>
+    </dgm:fillClrLst>
+    <dgm:linClrLst meth="repeat">
+      <a:schemeClr val="accent4"/>
+    </dgm:linClrLst>
+    <dgm:effectClrLst/>
+    <dgm:txLinClrLst/>
+    <dgm:txFillClrLst meth="repeat">
+      <a:schemeClr val="dk1"/>
+    </dgm:txFillClrLst>
+    <dgm:txEffectClrLst/>
+  </dgm:styleLbl>
+  <dgm:styleLbl name="fgAcc4">
+    <dgm:fillClrLst meth="repeat">
+      <a:schemeClr val="lt1">
+        <a:alpha val="90000"/>
+      </a:schemeClr>
+    </dgm:fillClrLst>
+    <dgm:linClrLst meth="repeat">
+      <a:schemeClr val="accent4"/>
+    </dgm:linClrLst>
+    <dgm:effectClrLst/>
+    <dgm:txLinClrLst/>
+    <dgm:txFillClrLst meth="repeat">
+      <a:schemeClr val="dk1"/>
+    </dgm:txFillClrLst>
+    <dgm:txEffectClrLst/>
+  </dgm:styleLbl>
+  <dgm:styleLbl name="bgShp">
+    <dgm:fillClrLst meth="repeat">
+      <a:schemeClr val="accent4">
+        <a:tint val="40000"/>
+      </a:schemeClr>
+    </dgm:fillClrLst>
+    <dgm:linClrLst meth="repeat">
+      <a:schemeClr val="accent4"/>
+    </dgm:linClrLst>
+    <dgm:effectClrLst/>
+    <dgm:txLinClrLst/>
+    <dgm:txFillClrLst meth="repeat">
+      <a:schemeClr val="dk1"/>
+    </dgm:txFillClrLst>
+    <dgm:txEffectClrLst/>
+  </dgm:styleLbl>
+  <dgm:styleLbl name="dkBgShp">
+    <dgm:fillClrLst meth="repeat">
+      <a:schemeClr val="accent4">
+        <a:shade val="80000"/>
+      </a:schemeClr>
+    </dgm:fillClrLst>
+    <dgm:linClrLst meth="repeat">
+      <a:schemeClr val="accent4"/>
+    </dgm:linClrLst>
+    <dgm:effectClrLst/>
+    <dgm:txLinClrLst/>
+    <dgm:txFillClrLst meth="repeat">
+      <a:schemeClr val="lt1"/>
+    </dgm:txFillClrLst>
+    <dgm:txEffectClrLst/>
+  </dgm:styleLbl>
+  <dgm:styleLbl name="trBgShp">
+    <dgm:fillClrLst meth="repeat">
+      <a:schemeClr val="accent4">
+        <a:tint val="50000"/>
+        <a:alpha val="40000"/>
+      </a:schemeClr>
+    </dgm:fillClrLst>
+    <dgm:linClrLst meth="repeat">
+      <a:schemeClr val="accent4"/>
+    </dgm:linClrLst>
+    <dgm:effectClrLst/>
+    <dgm:txLinClrLst/>
+    <dgm:txFillClrLst meth="repeat">
+      <a:schemeClr val="lt1"/>
+    </dgm:txFillClrLst>
+    <dgm:txEffectClrLst/>
+  </dgm:styleLbl>
+  <dgm:styleLbl name="fgShp">
+    <dgm:fillClrLst meth="repeat">
+      <a:schemeClr val="accent4">
         <a:tint val="60000"/>
       </a:schemeClr>
     </dgm:fillClrLst>
@@ -1156,6 +1909,320 @@
     <dgm:cxn modelId="{FC35424B-5E38-B54D-B5BD-8EF2F9DC6E0E}" type="presParOf" srcId="{08E30425-6022-C34C-8176-932F0C05C23E}" destId="{7121F751-8716-BA46-A1E9-1F5A2337018D}" srcOrd="9" destOrd="0" presId="urn:microsoft.com/office/officeart/2005/8/layout/vProcess5"/>
     <dgm:cxn modelId="{A23F2233-1139-3D48-8174-54162B4C4275}" type="presParOf" srcId="{08E30425-6022-C34C-8176-932F0C05C23E}" destId="{9FFC6656-3F12-854D-AAA8-248ADADDF61F}" srcOrd="10" destOrd="0" presId="urn:microsoft.com/office/officeart/2005/8/layout/vProcess5"/>
     <dgm:cxn modelId="{1AB42A0E-BC8A-0C4B-BE21-5FDDDB8A478F}" type="presParOf" srcId="{08E30425-6022-C34C-8176-932F0C05C23E}" destId="{1CAC665D-E119-1D46-A847-0E13014FFFFB}" srcOrd="11" destOrd="0" presId="urn:microsoft.com/office/officeart/2005/8/layout/vProcess5"/>
+  </dgm:cxnLst>
+  <dgm:bg/>
+  <dgm:whole/>
+  <dgm:extLst>
+    <a:ext uri="http://schemas.microsoft.com/office/drawing/2008/diagram">
+      <dsp:dataModelExt xmlns:dsp="http://schemas.microsoft.com/office/drawing/2008/diagram" relId="rId6" minVer="http://schemas.openxmlformats.org/drawingml/2006/diagram"/>
+    </a:ext>
+  </dgm:extLst>
+</dgm:dataModel>
+</file>
+
+<file path=ppt/diagrams/data2.xml><?xml version="1.0" encoding="utf-8"?>
+<dgm:dataModel xmlns:dgm="http://schemas.openxmlformats.org/drawingml/2006/diagram" xmlns:a="http://schemas.openxmlformats.org/drawingml/2006/main">
+  <dgm:ptLst>
+    <dgm:pt modelId="{59FB792A-A95D-4DC8-831F-0D479570EE32}" type="doc">
+      <dgm:prSet loTypeId="urn:microsoft.com/office/officeart/2018/2/layout/IconLabelList" loCatId="icon" qsTypeId="urn:microsoft.com/office/officeart/2005/8/quickstyle/simple1" qsCatId="simple" csTypeId="urn:microsoft.com/office/officeart/2005/8/colors/accent4_2" csCatId="accent4" phldr="1"/>
+      <dgm:spPr/>
+      <dgm:t>
+        <a:bodyPr/>
+        <a:lstStyle/>
+        <a:p>
+          <a:endParaRPr lang="en-US"/>
+        </a:p>
+      </dgm:t>
+    </dgm:pt>
+    <dgm:pt modelId="{F04F60E5-E8B5-4310-9D73-E1B3F1663A7F}">
+      <dgm:prSet/>
+      <dgm:spPr/>
+      <dgm:t>
+        <a:bodyPr/>
+        <a:lstStyle/>
+        <a:p>
+          <a:pPr>
+            <a:lnSpc>
+              <a:spcPct val="100000"/>
+            </a:lnSpc>
+          </a:pPr>
+          <a:r>
+            <a:rPr lang="en-US"/>
+            <a:t>Baseline Understanding of CVE Data and Sources. </a:t>
+          </a:r>
+        </a:p>
+      </dgm:t>
+    </dgm:pt>
+    <dgm:pt modelId="{F615F0D2-5625-4933-9DF3-D4E113AEDCE6}" type="parTrans" cxnId="{9C10A945-D6E4-46BC-B542-537C0699B64D}">
+      <dgm:prSet/>
+      <dgm:spPr/>
+      <dgm:t>
+        <a:bodyPr/>
+        <a:lstStyle/>
+        <a:p>
+          <a:endParaRPr lang="en-US"/>
+        </a:p>
+      </dgm:t>
+    </dgm:pt>
+    <dgm:pt modelId="{10F6DA55-AA66-4D8F-A8FC-1A9619BC73A5}" type="sibTrans" cxnId="{9C10A945-D6E4-46BC-B542-537C0699B64D}">
+      <dgm:prSet/>
+      <dgm:spPr/>
+      <dgm:t>
+        <a:bodyPr/>
+        <a:lstStyle/>
+        <a:p>
+          <a:endParaRPr lang="en-US"/>
+        </a:p>
+      </dgm:t>
+    </dgm:pt>
+    <dgm:pt modelId="{ADF2D7CD-83C2-4EDE-AA33-33D73E49A599}">
+      <dgm:prSet/>
+      <dgm:spPr/>
+      <dgm:t>
+        <a:bodyPr/>
+        <a:lstStyle/>
+        <a:p>
+          <a:pPr>
+            <a:lnSpc>
+              <a:spcPct val="100000"/>
+            </a:lnSpc>
+          </a:pPr>
+          <a:r>
+            <a:rPr lang="en-US"/>
+            <a:t>More People Creating and Sharing Notebooks.</a:t>
+          </a:r>
+        </a:p>
+      </dgm:t>
+    </dgm:pt>
+    <dgm:pt modelId="{CC9C8484-12FF-49C8-A6C8-723AB19B9A1F}" type="parTrans" cxnId="{DE414EC3-A714-47AF-92CB-607A85D27B25}">
+      <dgm:prSet/>
+      <dgm:spPr/>
+      <dgm:t>
+        <a:bodyPr/>
+        <a:lstStyle/>
+        <a:p>
+          <a:endParaRPr lang="en-US"/>
+        </a:p>
+      </dgm:t>
+    </dgm:pt>
+    <dgm:pt modelId="{54338F54-1885-4482-813F-9EB698FB241E}" type="sibTrans" cxnId="{DE414EC3-A714-47AF-92CB-607A85D27B25}">
+      <dgm:prSet/>
+      <dgm:spPr/>
+      <dgm:t>
+        <a:bodyPr/>
+        <a:lstStyle/>
+        <a:p>
+          <a:endParaRPr lang="en-US"/>
+        </a:p>
+      </dgm:t>
+    </dgm:pt>
+    <dgm:pt modelId="{1E272B3A-0003-4D4B-8D58-10FE9FB4972F}">
+      <dgm:prSet/>
+      <dgm:spPr/>
+      <dgm:t>
+        <a:bodyPr/>
+        <a:lstStyle/>
+        <a:p>
+          <a:pPr>
+            <a:lnSpc>
+              <a:spcPct val="100000"/>
+            </a:lnSpc>
+          </a:pPr>
+          <a:r>
+            <a:rPr lang="en-US"/>
+            <a:t>More Public Usage Of CVEv5 GitHub Repo</a:t>
+          </a:r>
+        </a:p>
+      </dgm:t>
+    </dgm:pt>
+    <dgm:pt modelId="{08961A98-ED10-4A3A-8451-7185FE2A5505}" type="parTrans" cxnId="{ADCF67AD-27D6-4F0D-A581-A6C8E183ABCB}">
+      <dgm:prSet/>
+      <dgm:spPr/>
+      <dgm:t>
+        <a:bodyPr/>
+        <a:lstStyle/>
+        <a:p>
+          <a:endParaRPr lang="en-US"/>
+        </a:p>
+      </dgm:t>
+    </dgm:pt>
+    <dgm:pt modelId="{76A8C89B-9971-41F2-A8E6-19E21E2DBF5B}" type="sibTrans" cxnId="{ADCF67AD-27D6-4F0D-A581-A6C8E183ABCB}">
+      <dgm:prSet/>
+      <dgm:spPr/>
+      <dgm:t>
+        <a:bodyPr/>
+        <a:lstStyle/>
+        <a:p>
+          <a:endParaRPr lang="en-US"/>
+        </a:p>
+      </dgm:t>
+    </dgm:pt>
+    <dgm:pt modelId="{87259EDE-B447-49B6-93CD-17A7BF57532C}" type="pres">
+      <dgm:prSet presAssocID="{59FB792A-A95D-4DC8-831F-0D479570EE32}" presName="root" presStyleCnt="0">
+        <dgm:presLayoutVars>
+          <dgm:dir/>
+          <dgm:resizeHandles val="exact"/>
+        </dgm:presLayoutVars>
+      </dgm:prSet>
+      <dgm:spPr/>
+    </dgm:pt>
+    <dgm:pt modelId="{A3B2DC5E-69D0-4145-8D37-8C766103BF40}" type="pres">
+      <dgm:prSet presAssocID="{F04F60E5-E8B5-4310-9D73-E1B3F1663A7F}" presName="compNode" presStyleCnt="0"/>
+      <dgm:spPr/>
+    </dgm:pt>
+    <dgm:pt modelId="{E17343F3-FE0E-4953-96B3-3175B89D3348}" type="pres">
+      <dgm:prSet presAssocID="{F04F60E5-E8B5-4310-9D73-E1B3F1663A7F}" presName="iconRect" presStyleLbl="node1" presStyleIdx="0" presStyleCnt="3"/>
+      <dgm:spPr>
+        <a:blipFill>
+          <a:blip xmlns:r="http://schemas.openxmlformats.org/officeDocument/2006/relationships" r:embed="rId1">
+            <a:extLst>
+              <a:ext uri="{28A0092B-C50C-407E-A947-70E740481C1C}">
+                <a14:useLocalDpi xmlns:a14="http://schemas.microsoft.com/office/drawing/2010/main" val="0"/>
+              </a:ext>
+              <a:ext uri="{96DAC541-7B7A-43D3-8B79-37D633B846F1}">
+                <asvg:svgBlip xmlns:asvg="http://schemas.microsoft.com/office/drawing/2016/SVG/main" r:embed="rId2"/>
+              </a:ext>
+            </a:extLst>
+          </a:blip>
+          <a:stretch>
+            <a:fillRect/>
+          </a:stretch>
+        </a:blipFill>
+      </dgm:spPr>
+      <dgm:extLst>
+        <a:ext uri="{E40237B7-FDA0-4F09-8148-C483321AD2D9}">
+          <dgm14:cNvPr xmlns:dgm14="http://schemas.microsoft.com/office/drawing/2010/diagram" id="0" name="" descr="Statistics"/>
+        </a:ext>
+      </dgm:extLst>
+    </dgm:pt>
+    <dgm:pt modelId="{27B1DBE6-4061-425F-BA6A-594AAF4A2087}" type="pres">
+      <dgm:prSet presAssocID="{F04F60E5-E8B5-4310-9D73-E1B3F1663A7F}" presName="spaceRect" presStyleCnt="0"/>
+      <dgm:spPr/>
+    </dgm:pt>
+    <dgm:pt modelId="{10A4805C-7676-4F06-9204-797BC44B644C}" type="pres">
+      <dgm:prSet presAssocID="{F04F60E5-E8B5-4310-9D73-E1B3F1663A7F}" presName="textRect" presStyleLbl="revTx" presStyleIdx="0" presStyleCnt="3">
+        <dgm:presLayoutVars>
+          <dgm:chMax val="1"/>
+          <dgm:chPref val="1"/>
+        </dgm:presLayoutVars>
+      </dgm:prSet>
+      <dgm:spPr/>
+    </dgm:pt>
+    <dgm:pt modelId="{D3FC695C-2249-4F88-9AE9-96CF537ABDCE}" type="pres">
+      <dgm:prSet presAssocID="{10F6DA55-AA66-4D8F-A8FC-1A9619BC73A5}" presName="sibTrans" presStyleCnt="0"/>
+      <dgm:spPr/>
+    </dgm:pt>
+    <dgm:pt modelId="{C9109B7C-8436-47B9-BE0C-C666E2E091BC}" type="pres">
+      <dgm:prSet presAssocID="{ADF2D7CD-83C2-4EDE-AA33-33D73E49A599}" presName="compNode" presStyleCnt="0"/>
+      <dgm:spPr/>
+    </dgm:pt>
+    <dgm:pt modelId="{E692E50F-F989-4C36-9DDA-D07AA956F997}" type="pres">
+      <dgm:prSet presAssocID="{ADF2D7CD-83C2-4EDE-AA33-33D73E49A599}" presName="iconRect" presStyleLbl="node1" presStyleIdx="1" presStyleCnt="3"/>
+      <dgm:spPr>
+        <a:blipFill>
+          <a:blip xmlns:r="http://schemas.openxmlformats.org/officeDocument/2006/relationships" r:embed="rId3">
+            <a:extLst>
+              <a:ext uri="{28A0092B-C50C-407E-A947-70E740481C1C}">
+                <a14:useLocalDpi xmlns:a14="http://schemas.microsoft.com/office/drawing/2010/main" val="0"/>
+              </a:ext>
+              <a:ext uri="{96DAC541-7B7A-43D3-8B79-37D633B846F1}">
+                <asvg:svgBlip xmlns:asvg="http://schemas.microsoft.com/office/drawing/2016/SVG/main" r:embed="rId4"/>
+              </a:ext>
+            </a:extLst>
+          </a:blip>
+          <a:stretch>
+            <a:fillRect/>
+          </a:stretch>
+        </a:blipFill>
+      </dgm:spPr>
+      <dgm:extLst>
+        <a:ext uri="{E40237B7-FDA0-4F09-8148-C483321AD2D9}">
+          <dgm14:cNvPr xmlns:dgm14="http://schemas.microsoft.com/office/drawing/2010/diagram" id="0" name="" descr="Share With Person"/>
+        </a:ext>
+      </dgm:extLst>
+    </dgm:pt>
+    <dgm:pt modelId="{0611BE33-9775-43C2-AD9D-9AFDF485BC0A}" type="pres">
+      <dgm:prSet presAssocID="{ADF2D7CD-83C2-4EDE-AA33-33D73E49A599}" presName="spaceRect" presStyleCnt="0"/>
+      <dgm:spPr/>
+    </dgm:pt>
+    <dgm:pt modelId="{15DAF22D-EB81-4E25-9394-FE0AABD902D8}" type="pres">
+      <dgm:prSet presAssocID="{ADF2D7CD-83C2-4EDE-AA33-33D73E49A599}" presName="textRect" presStyleLbl="revTx" presStyleIdx="1" presStyleCnt="3">
+        <dgm:presLayoutVars>
+          <dgm:chMax val="1"/>
+          <dgm:chPref val="1"/>
+        </dgm:presLayoutVars>
+      </dgm:prSet>
+      <dgm:spPr/>
+    </dgm:pt>
+    <dgm:pt modelId="{85E587BA-320D-4BCE-9B50-03A0A509F976}" type="pres">
+      <dgm:prSet presAssocID="{54338F54-1885-4482-813F-9EB698FB241E}" presName="sibTrans" presStyleCnt="0"/>
+      <dgm:spPr/>
+    </dgm:pt>
+    <dgm:pt modelId="{CBFD9AFB-94CA-49F6-AE95-25D720277B7F}" type="pres">
+      <dgm:prSet presAssocID="{1E272B3A-0003-4D4B-8D58-10FE9FB4972F}" presName="compNode" presStyleCnt="0"/>
+      <dgm:spPr/>
+    </dgm:pt>
+    <dgm:pt modelId="{109A8726-090A-4304-A5FB-A36D1F7B425F}" type="pres">
+      <dgm:prSet presAssocID="{1E272B3A-0003-4D4B-8D58-10FE9FB4972F}" presName="iconRect" presStyleLbl="node1" presStyleIdx="2" presStyleCnt="3"/>
+      <dgm:spPr>
+        <a:blipFill>
+          <a:blip xmlns:r="http://schemas.openxmlformats.org/officeDocument/2006/relationships" r:embed="rId5">
+            <a:extLst>
+              <a:ext uri="{28A0092B-C50C-407E-A947-70E740481C1C}">
+                <a14:useLocalDpi xmlns:a14="http://schemas.microsoft.com/office/drawing/2010/main" val="0"/>
+              </a:ext>
+              <a:ext uri="{96DAC541-7B7A-43D3-8B79-37D633B846F1}">
+                <asvg:svgBlip xmlns:asvg="http://schemas.microsoft.com/office/drawing/2016/SVG/main" r:embed="rId6"/>
+              </a:ext>
+            </a:extLst>
+          </a:blip>
+          <a:stretch>
+            <a:fillRect/>
+          </a:stretch>
+        </a:blipFill>
+      </dgm:spPr>
+      <dgm:extLst>
+        <a:ext uri="{E40237B7-FDA0-4F09-8148-C483321AD2D9}">
+          <dgm14:cNvPr xmlns:dgm14="http://schemas.microsoft.com/office/drawing/2010/diagram" id="0" name="" descr="User"/>
+        </a:ext>
+      </dgm:extLst>
+    </dgm:pt>
+    <dgm:pt modelId="{2D7D122A-899F-47E9-BC9D-545D372FBFE6}" type="pres">
+      <dgm:prSet presAssocID="{1E272B3A-0003-4D4B-8D58-10FE9FB4972F}" presName="spaceRect" presStyleCnt="0"/>
+      <dgm:spPr/>
+    </dgm:pt>
+    <dgm:pt modelId="{1F684E05-E777-4B53-A420-3DFCFA69522A}" type="pres">
+      <dgm:prSet presAssocID="{1E272B3A-0003-4D4B-8D58-10FE9FB4972F}" presName="textRect" presStyleLbl="revTx" presStyleIdx="2" presStyleCnt="3">
+        <dgm:presLayoutVars>
+          <dgm:chMax val="1"/>
+          <dgm:chPref val="1"/>
+        </dgm:presLayoutVars>
+      </dgm:prSet>
+      <dgm:spPr/>
+    </dgm:pt>
+  </dgm:ptLst>
+  <dgm:cxnLst>
+    <dgm:cxn modelId="{25772D10-DD8E-48EC-B0DD-656A79A838B2}" type="presOf" srcId="{ADF2D7CD-83C2-4EDE-AA33-33D73E49A599}" destId="{15DAF22D-EB81-4E25-9394-FE0AABD902D8}" srcOrd="0" destOrd="0" presId="urn:microsoft.com/office/officeart/2018/2/layout/IconLabelList"/>
+    <dgm:cxn modelId="{57580E38-BA3C-4F47-A4F1-C25E55E3A592}" type="presOf" srcId="{59FB792A-A95D-4DC8-831F-0D479570EE32}" destId="{87259EDE-B447-49B6-93CD-17A7BF57532C}" srcOrd="0" destOrd="0" presId="urn:microsoft.com/office/officeart/2018/2/layout/IconLabelList"/>
+    <dgm:cxn modelId="{9C10A945-D6E4-46BC-B542-537C0699B64D}" srcId="{59FB792A-A95D-4DC8-831F-0D479570EE32}" destId="{F04F60E5-E8B5-4310-9D73-E1B3F1663A7F}" srcOrd="0" destOrd="0" parTransId="{F615F0D2-5625-4933-9DF3-D4E113AEDCE6}" sibTransId="{10F6DA55-AA66-4D8F-A8FC-1A9619BC73A5}"/>
+    <dgm:cxn modelId="{52B26D49-0E06-448A-A0B8-2F45AD7144BA}" type="presOf" srcId="{1E272B3A-0003-4D4B-8D58-10FE9FB4972F}" destId="{1F684E05-E777-4B53-A420-3DFCFA69522A}" srcOrd="0" destOrd="0" presId="urn:microsoft.com/office/officeart/2018/2/layout/IconLabelList"/>
+    <dgm:cxn modelId="{860F7D5B-2A8B-4867-BC0A-5C8DF875F879}" type="presOf" srcId="{F04F60E5-E8B5-4310-9D73-E1B3F1663A7F}" destId="{10A4805C-7676-4F06-9204-797BC44B644C}" srcOrd="0" destOrd="0" presId="urn:microsoft.com/office/officeart/2018/2/layout/IconLabelList"/>
+    <dgm:cxn modelId="{ADCF67AD-27D6-4F0D-A581-A6C8E183ABCB}" srcId="{59FB792A-A95D-4DC8-831F-0D479570EE32}" destId="{1E272B3A-0003-4D4B-8D58-10FE9FB4972F}" srcOrd="2" destOrd="0" parTransId="{08961A98-ED10-4A3A-8451-7185FE2A5505}" sibTransId="{76A8C89B-9971-41F2-A8E6-19E21E2DBF5B}"/>
+    <dgm:cxn modelId="{DE414EC3-A714-47AF-92CB-607A85D27B25}" srcId="{59FB792A-A95D-4DC8-831F-0D479570EE32}" destId="{ADF2D7CD-83C2-4EDE-AA33-33D73E49A599}" srcOrd="1" destOrd="0" parTransId="{CC9C8484-12FF-49C8-A6C8-723AB19B9A1F}" sibTransId="{54338F54-1885-4482-813F-9EB698FB241E}"/>
+    <dgm:cxn modelId="{C6FFF10C-0949-4E53-95D0-B997627E9BBE}" type="presParOf" srcId="{87259EDE-B447-49B6-93CD-17A7BF57532C}" destId="{A3B2DC5E-69D0-4145-8D37-8C766103BF40}" srcOrd="0" destOrd="0" presId="urn:microsoft.com/office/officeart/2018/2/layout/IconLabelList"/>
+    <dgm:cxn modelId="{F198AD33-F334-49AE-A4CF-DE8205B3210C}" type="presParOf" srcId="{A3B2DC5E-69D0-4145-8D37-8C766103BF40}" destId="{E17343F3-FE0E-4953-96B3-3175B89D3348}" srcOrd="0" destOrd="0" presId="urn:microsoft.com/office/officeart/2018/2/layout/IconLabelList"/>
+    <dgm:cxn modelId="{EA08C5D2-E984-49F9-A942-BC69FE30A580}" type="presParOf" srcId="{A3B2DC5E-69D0-4145-8D37-8C766103BF40}" destId="{27B1DBE6-4061-425F-BA6A-594AAF4A2087}" srcOrd="1" destOrd="0" presId="urn:microsoft.com/office/officeart/2018/2/layout/IconLabelList"/>
+    <dgm:cxn modelId="{9473651F-0FB3-4A2A-A16A-76DC01D1BC18}" type="presParOf" srcId="{A3B2DC5E-69D0-4145-8D37-8C766103BF40}" destId="{10A4805C-7676-4F06-9204-797BC44B644C}" srcOrd="2" destOrd="0" presId="urn:microsoft.com/office/officeart/2018/2/layout/IconLabelList"/>
+    <dgm:cxn modelId="{3F797C56-FCBA-4D21-B3D0-A2A6B4F79EE8}" type="presParOf" srcId="{87259EDE-B447-49B6-93CD-17A7BF57532C}" destId="{D3FC695C-2249-4F88-9AE9-96CF537ABDCE}" srcOrd="1" destOrd="0" presId="urn:microsoft.com/office/officeart/2018/2/layout/IconLabelList"/>
+    <dgm:cxn modelId="{8A03610C-123B-41CD-BE07-91C4F0D52765}" type="presParOf" srcId="{87259EDE-B447-49B6-93CD-17A7BF57532C}" destId="{C9109B7C-8436-47B9-BE0C-C666E2E091BC}" srcOrd="2" destOrd="0" presId="urn:microsoft.com/office/officeart/2018/2/layout/IconLabelList"/>
+    <dgm:cxn modelId="{8C07F40D-AA4C-4687-B6D1-6814B1D47071}" type="presParOf" srcId="{C9109B7C-8436-47B9-BE0C-C666E2E091BC}" destId="{E692E50F-F989-4C36-9DDA-D07AA956F997}" srcOrd="0" destOrd="0" presId="urn:microsoft.com/office/officeart/2018/2/layout/IconLabelList"/>
+    <dgm:cxn modelId="{1294DFAE-3A90-46B5-A133-EC7CB22651D3}" type="presParOf" srcId="{C9109B7C-8436-47B9-BE0C-C666E2E091BC}" destId="{0611BE33-9775-43C2-AD9D-9AFDF485BC0A}" srcOrd="1" destOrd="0" presId="urn:microsoft.com/office/officeart/2018/2/layout/IconLabelList"/>
+    <dgm:cxn modelId="{0BE92D77-B0B6-4A6F-9745-8B845C3853CB}" type="presParOf" srcId="{C9109B7C-8436-47B9-BE0C-C666E2E091BC}" destId="{15DAF22D-EB81-4E25-9394-FE0AABD902D8}" srcOrd="2" destOrd="0" presId="urn:microsoft.com/office/officeart/2018/2/layout/IconLabelList"/>
+    <dgm:cxn modelId="{59753D50-B4F0-42B5-9DAC-A94E791E13CB}" type="presParOf" srcId="{87259EDE-B447-49B6-93CD-17A7BF57532C}" destId="{85E587BA-320D-4BCE-9B50-03A0A509F976}" srcOrd="3" destOrd="0" presId="urn:microsoft.com/office/officeart/2018/2/layout/IconLabelList"/>
+    <dgm:cxn modelId="{B0E14D78-81AE-4386-8DB8-E48D9A1BDB74}" type="presParOf" srcId="{87259EDE-B447-49B6-93CD-17A7BF57532C}" destId="{CBFD9AFB-94CA-49F6-AE95-25D720277B7F}" srcOrd="4" destOrd="0" presId="urn:microsoft.com/office/officeart/2018/2/layout/IconLabelList"/>
+    <dgm:cxn modelId="{2B6D0E44-A212-4C08-B1E6-6B29ED1EF978}" type="presParOf" srcId="{CBFD9AFB-94CA-49F6-AE95-25D720277B7F}" destId="{109A8726-090A-4304-A5FB-A36D1F7B425F}" srcOrd="0" destOrd="0" presId="urn:microsoft.com/office/officeart/2018/2/layout/IconLabelList"/>
+    <dgm:cxn modelId="{5BA27911-85C4-4030-8FD2-9A1088BE1875}" type="presParOf" srcId="{CBFD9AFB-94CA-49F6-AE95-25D720277B7F}" destId="{2D7D122A-899F-47E9-BC9D-545D372FBFE6}" srcOrd="1" destOrd="0" presId="urn:microsoft.com/office/officeart/2018/2/layout/IconLabelList"/>
+    <dgm:cxn modelId="{C6DD6514-9FC2-428E-BC44-D29ACD9BF086}" type="presParOf" srcId="{CBFD9AFB-94CA-49F6-AE95-25D720277B7F}" destId="{1F684E05-E777-4B53-A420-3DFCFA69522A}" srcOrd="2" destOrd="0" presId="urn:microsoft.com/office/officeart/2018/2/layout/IconLabelList"/>
   </dgm:cxnLst>
   <dgm:bg/>
   <dgm:whole/>
@@ -1733,6 +2800,369 @@
       <dsp:txXfrm>
         <a:off x="8784901" y="2183524"/>
         <a:ext cx="249433" cy="341269"/>
+      </dsp:txXfrm>
+    </dsp:sp>
+  </dsp:spTree>
+</dsp:drawing>
+</file>
+
+<file path=ppt/diagrams/drawing2.xml><?xml version="1.0" encoding="utf-8"?>
+<dsp:drawing xmlns:dgm="http://schemas.openxmlformats.org/drawingml/2006/diagram" xmlns:dsp="http://schemas.microsoft.com/office/drawing/2008/diagram" xmlns:a="http://schemas.openxmlformats.org/drawingml/2006/main">
+  <dsp:spTree>
+    <dsp:nvGrpSpPr>
+      <dsp:cNvPr id="0" name=""/>
+      <dsp:cNvGrpSpPr/>
+    </dsp:nvGrpSpPr>
+    <dsp:grpSpPr/>
+    <dsp:sp modelId="{E17343F3-FE0E-4953-96B3-3175B89D3348}">
+      <dsp:nvSpPr>
+        <dsp:cNvPr id="0" name=""/>
+        <dsp:cNvSpPr/>
+      </dsp:nvSpPr>
+      <dsp:spPr>
+        <a:xfrm>
+          <a:off x="1212569" y="987878"/>
+          <a:ext cx="1300252" cy="1300252"/>
+        </a:xfrm>
+        <a:prstGeom prst="rect">
+          <a:avLst/>
+        </a:prstGeom>
+        <a:blipFill>
+          <a:blip xmlns:r="http://schemas.openxmlformats.org/officeDocument/2006/relationships" r:embed="rId1">
+            <a:extLst>
+              <a:ext uri="{28A0092B-C50C-407E-A947-70E740481C1C}">
+                <a14:useLocalDpi xmlns:a14="http://schemas.microsoft.com/office/drawing/2010/main" val="0"/>
+              </a:ext>
+              <a:ext uri="{96DAC541-7B7A-43D3-8B79-37D633B846F1}">
+                <asvg:svgBlip xmlns:asvg="http://schemas.microsoft.com/office/drawing/2016/SVG/main" r:embed="rId2"/>
+              </a:ext>
+            </a:extLst>
+          </a:blip>
+          <a:stretch>
+            <a:fillRect/>
+          </a:stretch>
+        </a:blipFill>
+        <a:ln w="19050" cap="flat" cmpd="sng" algn="ctr">
+          <a:solidFill>
+            <a:schemeClr val="lt1">
+              <a:hueOff val="0"/>
+              <a:satOff val="0"/>
+              <a:lumOff val="0"/>
+              <a:alphaOff val="0"/>
+            </a:schemeClr>
+          </a:solidFill>
+          <a:prstDash val="solid"/>
+          <a:miter lim="800000"/>
+        </a:ln>
+        <a:effectLst/>
+      </dsp:spPr>
+      <dsp:style>
+        <a:lnRef idx="2">
+          <a:scrgbClr r="0" g="0" b="0"/>
+        </a:lnRef>
+        <a:fillRef idx="1">
+          <a:scrgbClr r="0" g="0" b="0"/>
+        </a:fillRef>
+        <a:effectRef idx="0">
+          <a:scrgbClr r="0" g="0" b="0"/>
+        </a:effectRef>
+        <a:fontRef idx="minor">
+          <a:schemeClr val="lt1"/>
+        </a:fontRef>
+      </dsp:style>
+    </dsp:sp>
+    <dsp:sp modelId="{10A4805C-7676-4F06-9204-797BC44B644C}">
+      <dsp:nvSpPr>
+        <dsp:cNvPr id="0" name=""/>
+        <dsp:cNvSpPr/>
+      </dsp:nvSpPr>
+      <dsp:spPr>
+        <a:xfrm>
+          <a:off x="417971" y="2644665"/>
+          <a:ext cx="2889450" cy="720000"/>
+        </a:xfrm>
+        <a:prstGeom prst="rect">
+          <a:avLst/>
+        </a:prstGeom>
+        <a:noFill/>
+        <a:ln>
+          <a:noFill/>
+        </a:ln>
+        <a:effectLst/>
+      </dsp:spPr>
+      <dsp:style>
+        <a:lnRef idx="0">
+          <a:scrgbClr r="0" g="0" b="0"/>
+        </a:lnRef>
+        <a:fillRef idx="0">
+          <a:scrgbClr r="0" g="0" b="0"/>
+        </a:fillRef>
+        <a:effectRef idx="0">
+          <a:scrgbClr r="0" g="0" b="0"/>
+        </a:effectRef>
+        <a:fontRef idx="minor"/>
+      </dsp:style>
+      <dsp:txBody>
+        <a:bodyPr spcFirstLastPara="0" vert="horz" wrap="square" lIns="0" tIns="0" rIns="0" bIns="0" numCol="1" spcCol="1270" anchor="t" anchorCtr="0">
+          <a:noAutofit/>
+        </a:bodyPr>
+        <a:lstStyle/>
+        <a:p>
+          <a:pPr marL="0" lvl="0" indent="0" algn="ctr" defTabSz="889000">
+            <a:lnSpc>
+              <a:spcPct val="100000"/>
+            </a:lnSpc>
+            <a:spcBef>
+              <a:spcPct val="0"/>
+            </a:spcBef>
+            <a:spcAft>
+              <a:spcPct val="35000"/>
+            </a:spcAft>
+            <a:buNone/>
+          </a:pPr>
+          <a:r>
+            <a:rPr lang="en-US" sz="2000" kern="1200"/>
+            <a:t>Baseline Understanding of CVE Data and Sources. </a:t>
+          </a:r>
+        </a:p>
+      </dsp:txBody>
+      <dsp:txXfrm>
+        <a:off x="417971" y="2644665"/>
+        <a:ext cx="2889450" cy="720000"/>
+      </dsp:txXfrm>
+    </dsp:sp>
+    <dsp:sp modelId="{E692E50F-F989-4C36-9DDA-D07AA956F997}">
+      <dsp:nvSpPr>
+        <dsp:cNvPr id="0" name=""/>
+        <dsp:cNvSpPr/>
+      </dsp:nvSpPr>
+      <dsp:spPr>
+        <a:xfrm>
+          <a:off x="4607673" y="987878"/>
+          <a:ext cx="1300252" cy="1300252"/>
+        </a:xfrm>
+        <a:prstGeom prst="rect">
+          <a:avLst/>
+        </a:prstGeom>
+        <a:blipFill>
+          <a:blip xmlns:r="http://schemas.openxmlformats.org/officeDocument/2006/relationships" r:embed="rId3">
+            <a:extLst>
+              <a:ext uri="{28A0092B-C50C-407E-A947-70E740481C1C}">
+                <a14:useLocalDpi xmlns:a14="http://schemas.microsoft.com/office/drawing/2010/main" val="0"/>
+              </a:ext>
+              <a:ext uri="{96DAC541-7B7A-43D3-8B79-37D633B846F1}">
+                <asvg:svgBlip xmlns:asvg="http://schemas.microsoft.com/office/drawing/2016/SVG/main" r:embed="rId4"/>
+              </a:ext>
+            </a:extLst>
+          </a:blip>
+          <a:stretch>
+            <a:fillRect/>
+          </a:stretch>
+        </a:blipFill>
+        <a:ln w="19050" cap="flat" cmpd="sng" algn="ctr">
+          <a:solidFill>
+            <a:schemeClr val="lt1">
+              <a:hueOff val="0"/>
+              <a:satOff val="0"/>
+              <a:lumOff val="0"/>
+              <a:alphaOff val="0"/>
+            </a:schemeClr>
+          </a:solidFill>
+          <a:prstDash val="solid"/>
+          <a:miter lim="800000"/>
+        </a:ln>
+        <a:effectLst/>
+      </dsp:spPr>
+      <dsp:style>
+        <a:lnRef idx="2">
+          <a:scrgbClr r="0" g="0" b="0"/>
+        </a:lnRef>
+        <a:fillRef idx="1">
+          <a:scrgbClr r="0" g="0" b="0"/>
+        </a:fillRef>
+        <a:effectRef idx="0">
+          <a:scrgbClr r="0" g="0" b="0"/>
+        </a:effectRef>
+        <a:fontRef idx="minor">
+          <a:schemeClr val="lt1"/>
+        </a:fontRef>
+      </dsp:style>
+    </dsp:sp>
+    <dsp:sp modelId="{15DAF22D-EB81-4E25-9394-FE0AABD902D8}">
+      <dsp:nvSpPr>
+        <dsp:cNvPr id="0" name=""/>
+        <dsp:cNvSpPr/>
+      </dsp:nvSpPr>
+      <dsp:spPr>
+        <a:xfrm>
+          <a:off x="3813074" y="2644665"/>
+          <a:ext cx="2889450" cy="720000"/>
+        </a:xfrm>
+        <a:prstGeom prst="rect">
+          <a:avLst/>
+        </a:prstGeom>
+        <a:noFill/>
+        <a:ln>
+          <a:noFill/>
+        </a:ln>
+        <a:effectLst/>
+      </dsp:spPr>
+      <dsp:style>
+        <a:lnRef idx="0">
+          <a:scrgbClr r="0" g="0" b="0"/>
+        </a:lnRef>
+        <a:fillRef idx="0">
+          <a:scrgbClr r="0" g="0" b="0"/>
+        </a:fillRef>
+        <a:effectRef idx="0">
+          <a:scrgbClr r="0" g="0" b="0"/>
+        </a:effectRef>
+        <a:fontRef idx="minor"/>
+      </dsp:style>
+      <dsp:txBody>
+        <a:bodyPr spcFirstLastPara="0" vert="horz" wrap="square" lIns="0" tIns="0" rIns="0" bIns="0" numCol="1" spcCol="1270" anchor="t" anchorCtr="0">
+          <a:noAutofit/>
+        </a:bodyPr>
+        <a:lstStyle/>
+        <a:p>
+          <a:pPr marL="0" lvl="0" indent="0" algn="ctr" defTabSz="889000">
+            <a:lnSpc>
+              <a:spcPct val="100000"/>
+            </a:lnSpc>
+            <a:spcBef>
+              <a:spcPct val="0"/>
+            </a:spcBef>
+            <a:spcAft>
+              <a:spcPct val="35000"/>
+            </a:spcAft>
+            <a:buNone/>
+          </a:pPr>
+          <a:r>
+            <a:rPr lang="en-US" sz="2000" kern="1200"/>
+            <a:t>More People Creating and Sharing Notebooks.</a:t>
+          </a:r>
+        </a:p>
+      </dsp:txBody>
+      <dsp:txXfrm>
+        <a:off x="3813074" y="2644665"/>
+        <a:ext cx="2889450" cy="720000"/>
+      </dsp:txXfrm>
+    </dsp:sp>
+    <dsp:sp modelId="{109A8726-090A-4304-A5FB-A36D1F7B425F}">
+      <dsp:nvSpPr>
+        <dsp:cNvPr id="0" name=""/>
+        <dsp:cNvSpPr/>
+      </dsp:nvSpPr>
+      <dsp:spPr>
+        <a:xfrm>
+          <a:off x="8002777" y="987878"/>
+          <a:ext cx="1300252" cy="1300252"/>
+        </a:xfrm>
+        <a:prstGeom prst="rect">
+          <a:avLst/>
+        </a:prstGeom>
+        <a:blipFill>
+          <a:blip xmlns:r="http://schemas.openxmlformats.org/officeDocument/2006/relationships" r:embed="rId5">
+            <a:extLst>
+              <a:ext uri="{28A0092B-C50C-407E-A947-70E740481C1C}">
+                <a14:useLocalDpi xmlns:a14="http://schemas.microsoft.com/office/drawing/2010/main" val="0"/>
+              </a:ext>
+              <a:ext uri="{96DAC541-7B7A-43D3-8B79-37D633B846F1}">
+                <asvg:svgBlip xmlns:asvg="http://schemas.microsoft.com/office/drawing/2016/SVG/main" r:embed="rId6"/>
+              </a:ext>
+            </a:extLst>
+          </a:blip>
+          <a:stretch>
+            <a:fillRect/>
+          </a:stretch>
+        </a:blipFill>
+        <a:ln w="19050" cap="flat" cmpd="sng" algn="ctr">
+          <a:solidFill>
+            <a:schemeClr val="lt1">
+              <a:hueOff val="0"/>
+              <a:satOff val="0"/>
+              <a:lumOff val="0"/>
+              <a:alphaOff val="0"/>
+            </a:schemeClr>
+          </a:solidFill>
+          <a:prstDash val="solid"/>
+          <a:miter lim="800000"/>
+        </a:ln>
+        <a:effectLst/>
+      </dsp:spPr>
+      <dsp:style>
+        <a:lnRef idx="2">
+          <a:scrgbClr r="0" g="0" b="0"/>
+        </a:lnRef>
+        <a:fillRef idx="1">
+          <a:scrgbClr r="0" g="0" b="0"/>
+        </a:fillRef>
+        <a:effectRef idx="0">
+          <a:scrgbClr r="0" g="0" b="0"/>
+        </a:effectRef>
+        <a:fontRef idx="minor">
+          <a:schemeClr val="lt1"/>
+        </a:fontRef>
+      </dsp:style>
+    </dsp:sp>
+    <dsp:sp modelId="{1F684E05-E777-4B53-A420-3DFCFA69522A}">
+      <dsp:nvSpPr>
+        <dsp:cNvPr id="0" name=""/>
+        <dsp:cNvSpPr/>
+      </dsp:nvSpPr>
+      <dsp:spPr>
+        <a:xfrm>
+          <a:off x="7208178" y="2644665"/>
+          <a:ext cx="2889450" cy="720000"/>
+        </a:xfrm>
+        <a:prstGeom prst="rect">
+          <a:avLst/>
+        </a:prstGeom>
+        <a:noFill/>
+        <a:ln>
+          <a:noFill/>
+        </a:ln>
+        <a:effectLst/>
+      </dsp:spPr>
+      <dsp:style>
+        <a:lnRef idx="0">
+          <a:scrgbClr r="0" g="0" b="0"/>
+        </a:lnRef>
+        <a:fillRef idx="0">
+          <a:scrgbClr r="0" g="0" b="0"/>
+        </a:fillRef>
+        <a:effectRef idx="0">
+          <a:scrgbClr r="0" g="0" b="0"/>
+        </a:effectRef>
+        <a:fontRef idx="minor"/>
+      </dsp:style>
+      <dsp:txBody>
+        <a:bodyPr spcFirstLastPara="0" vert="horz" wrap="square" lIns="0" tIns="0" rIns="0" bIns="0" numCol="1" spcCol="1270" anchor="t" anchorCtr="0">
+          <a:noAutofit/>
+        </a:bodyPr>
+        <a:lstStyle/>
+        <a:p>
+          <a:pPr marL="0" lvl="0" indent="0" algn="ctr" defTabSz="889000">
+            <a:lnSpc>
+              <a:spcPct val="100000"/>
+            </a:lnSpc>
+            <a:spcBef>
+              <a:spcPct val="0"/>
+            </a:spcBef>
+            <a:spcAft>
+              <a:spcPct val="35000"/>
+            </a:spcAft>
+            <a:buNone/>
+          </a:pPr>
+          <a:r>
+            <a:rPr lang="en-US" sz="2000" kern="1200"/>
+            <a:t>More Public Usage Of CVEv5 GitHub Repo</a:t>
+          </a:r>
+        </a:p>
+      </dsp:txBody>
+      <dsp:txXfrm>
+        <a:off x="7208178" y="2644665"/>
+        <a:ext cx="2889450" cy="720000"/>
       </dsp:txXfrm>
     </dsp:sp>
   </dsp:spTree>
@@ -2965,7 +4395,1231 @@
 </dgm:layoutDef>
 </file>
 
+<file path=ppt/diagrams/layout2.xml><?xml version="1.0" encoding="utf-8"?>
+<dgm:layoutDef xmlns:dgm="http://schemas.openxmlformats.org/drawingml/2006/diagram" xmlns:a="http://schemas.openxmlformats.org/drawingml/2006/main" uniqueId="urn:microsoft.com/office/officeart/2018/2/layout/IconLabelList">
+  <dgm:title val="Icon Label List"/>
+  <dgm:desc val="Use to show non-sequential or grouped chunks of information accompanied by a related visuals. Works best with icons or small pictures with short text captions."/>
+  <dgm:catLst>
+    <dgm:cat type="icon" pri="500"/>
+  </dgm:catLst>
+  <dgm:sampData useDef="1">
+    <dgm:dataModel>
+      <dgm:ptLst/>
+      <dgm:bg/>
+      <dgm:whole/>
+    </dgm:dataModel>
+  </dgm:sampData>
+  <dgm:styleData useDef="1">
+    <dgm:dataModel>
+      <dgm:ptLst/>
+      <dgm:bg/>
+      <dgm:whole/>
+    </dgm:dataModel>
+  </dgm:styleData>
+  <dgm:clrData useDef="1">
+    <dgm:dataModel>
+      <dgm:ptLst/>
+      <dgm:bg/>
+      <dgm:whole/>
+    </dgm:dataModel>
+  </dgm:clrData>
+  <dgm:layoutNode name="root">
+    <dgm:varLst>
+      <dgm:dir/>
+      <dgm:resizeHandles val="exact"/>
+    </dgm:varLst>
+    <dgm:choose name="Name0">
+      <dgm:if name="Name1" axis="self" func="var" arg="dir" op="equ" val="norm">
+        <dgm:alg type="snake">
+          <dgm:param type="grDir" val="tL"/>
+          <dgm:param type="flowDir" val="row"/>
+          <dgm:param type="contDir" val="sameDir"/>
+          <dgm:param type="off" val="ctr"/>
+          <dgm:param type="vertAlign" val="mid"/>
+          <dgm:param type="horzAlign" val="ctr"/>
+        </dgm:alg>
+      </dgm:if>
+      <dgm:else name="Name2">
+        <dgm:alg type="snake">
+          <dgm:param type="grDir" val="tR"/>
+          <dgm:param type="flowDir" val="row"/>
+          <dgm:param type="contDir" val="sameDir"/>
+          <dgm:param type="off" val="ctr"/>
+          <dgm:param type="vertAlign" val="mid"/>
+          <dgm:param type="horzAlign" val="ctr"/>
+        </dgm:alg>
+      </dgm:else>
+    </dgm:choose>
+    <dgm:shape xmlns:r="http://schemas.openxmlformats.org/officeDocument/2006/relationships" r:blip="">
+      <dgm:adjLst/>
+    </dgm:shape>
+    <dgm:presOf/>
+    <dgm:choose name="Name3">
+      <dgm:if name="Name4" axis="ch" ptType="node" func="cnt" op="lte" val="2">
+        <dgm:constrLst>
+          <dgm:constr type="h" for="ch" forName="compNode" refType="h" fact="0.4"/>
+          <dgm:constr type="w" for="ch" forName="compNode" val="120"/>
+          <dgm:constr type="w" for="ch" forName="sibTrans" refType="w" refFor="ch" refForName="compNode" fact="0.175"/>
+          <dgm:constr type="sp" refType="w" refFor="ch" refForName="compNode" op="equ" fact="0.25"/>
+          <dgm:constr type="primFontSz" for="des" ptType="node" op="equ" val="50"/>
+          <dgm:constr type="h" for="des" forName="compNode" op="equ"/>
+          <dgm:constr type="h" for="des" forName="textRect" op="equ"/>
+        </dgm:constrLst>
+      </dgm:if>
+      <dgm:if name="Name5" axis="ch" ptType="node" func="cnt" op="lte" val="4">
+        <dgm:constrLst>
+          <dgm:constr type="h" for="ch" forName="compNode" refType="h" fact="0.4"/>
+          <dgm:constr type="w" for="ch" forName="compNode" refType="w"/>
+          <dgm:constr type="w" for="ch" forName="sibTrans" refType="w" refFor="ch" refForName="compNode" fact="0.175"/>
+          <dgm:constr type="sp" refType="w" refFor="ch" refForName="compNode" op="equ" fact="0.25"/>
+          <dgm:constr type="primFontSz" for="des" ptType="node" op="equ" val="36"/>
+          <dgm:constr type="h" for="des" forName="compNode" op="equ"/>
+          <dgm:constr type="h" for="des" forName="textRect" op="equ"/>
+        </dgm:constrLst>
+      </dgm:if>
+      <dgm:else name="Name6">
+        <dgm:constrLst>
+          <dgm:constr type="h" for="ch" forName="compNode" refType="h" fact="0.4"/>
+          <dgm:constr type="w" for="ch" forName="compNode" refType="w"/>
+          <dgm:constr type="w" for="ch" forName="sibTrans" refType="w" refFor="ch" refForName="compNode" fact="0.175"/>
+          <dgm:constr type="sp" refType="w" refFor="ch" refForName="compNode" op="equ" fact="0.25"/>
+          <dgm:constr type="primFontSz" for="des" ptType="node" op="equ" val="24"/>
+          <dgm:constr type="h" for="des" forName="compNode" op="equ"/>
+          <dgm:constr type="h" for="des" forName="textRect" op="equ"/>
+        </dgm:constrLst>
+      </dgm:else>
+    </dgm:choose>
+    <dgm:ruleLst>
+      <dgm:rule type="w" for="ch" forName="compNode" val="50" fact="NaN" max="NaN"/>
+    </dgm:ruleLst>
+    <dgm:forEach name="Name7" axis="ch" ptType="node">
+      <dgm:layoutNode name="compNode">
+        <dgm:alg type="composite"/>
+        <dgm:shape xmlns:r="http://schemas.openxmlformats.org/officeDocument/2006/relationships" r:blip="">
+          <dgm:adjLst/>
+        </dgm:shape>
+        <dgm:presOf axis="self"/>
+        <dgm:constrLst>
+          <dgm:constr type="w" for="ch" forName="iconRect" refType="w" fact="0.45"/>
+          <dgm:constr type="h" for="ch" forName="iconRect" refType="w" refFor="ch" refForName="iconRect"/>
+          <dgm:constr type="ctrX" for="ch" forName="iconRect" refType="w" fact="0.5"/>
+          <dgm:constr type="t" for="ch" forName="iconRect"/>
+          <dgm:constr type="h" for="ch" forName="spaceRect" refType="h" fact="0.15"/>
+          <dgm:constr type="w" for="ch" forName="spaceRect" refType="w"/>
+          <dgm:constr type="l" for="ch" forName="spaceRect"/>
+          <dgm:constr type="t" for="ch" forName="spaceRect" refType="b" refFor="ch" refForName="iconRect"/>
+          <dgm:constr type="h" for="ch" forName="textRect" val="20"/>
+          <dgm:constr type="w" for="ch" forName="textRect" refType="w"/>
+          <dgm:constr type="l" for="ch" forName="textRect"/>
+          <dgm:constr type="t" for="ch" forName="textRect" refType="b" refFor="ch" refForName="spaceRect"/>
+        </dgm:constrLst>
+        <dgm:ruleLst>
+          <dgm:rule type="h" val="INF" fact="NaN" max="NaN"/>
+        </dgm:ruleLst>
+        <dgm:layoutNode name="iconRect" styleLbl="node1">
+          <dgm:alg type="sp"/>
+          <dgm:shape xmlns:r="http://schemas.openxmlformats.org/officeDocument/2006/relationships" type="rect" r:blip="" blipPhldr="1">
+            <dgm:adjLst/>
+          </dgm:shape>
+          <dgm:presOf/>
+          <dgm:constrLst/>
+          <dgm:ruleLst/>
+        </dgm:layoutNode>
+        <dgm:layoutNode name="spaceRect">
+          <dgm:alg type="sp"/>
+          <dgm:shape xmlns:r="http://schemas.openxmlformats.org/officeDocument/2006/relationships" r:blip="">
+            <dgm:adjLst/>
+          </dgm:shape>
+          <dgm:presOf/>
+          <dgm:constrLst/>
+          <dgm:ruleLst/>
+        </dgm:layoutNode>
+        <dgm:layoutNode name="textRect" styleLbl="revTx">
+          <dgm:varLst>
+            <dgm:chMax val="1"/>
+            <dgm:chPref val="1"/>
+          </dgm:varLst>
+          <dgm:alg type="tx">
+            <dgm:param type="txAnchorVert" val="t"/>
+          </dgm:alg>
+          <dgm:shape xmlns:r="http://schemas.openxmlformats.org/officeDocument/2006/relationships" type="rect" r:blip="">
+            <dgm:adjLst/>
+          </dgm:shape>
+          <dgm:presOf axis="self" ptType="node"/>
+          <dgm:constrLst>
+            <dgm:constr type="lMarg"/>
+            <dgm:constr type="rMarg"/>
+            <dgm:constr type="tMarg"/>
+            <dgm:constr type="bMarg"/>
+          </dgm:constrLst>
+          <dgm:ruleLst>
+            <dgm:rule type="primFontSz" val="11" fact="NaN" max="NaN"/>
+            <dgm:rule type="h" val="INF" fact="NaN" max="NaN"/>
+          </dgm:ruleLst>
+        </dgm:layoutNode>
+      </dgm:layoutNode>
+      <dgm:forEach name="Name8" axis="followSib" ptType="sibTrans" cnt="1">
+        <dgm:layoutNode name="sibTrans">
+          <dgm:alg type="sp"/>
+          <dgm:shape xmlns:r="http://schemas.openxmlformats.org/officeDocument/2006/relationships" r:blip="">
+            <dgm:adjLst/>
+          </dgm:shape>
+          <dgm:presOf axis="self"/>
+          <dgm:constrLst/>
+          <dgm:ruleLst/>
+        </dgm:layoutNode>
+      </dgm:forEach>
+    </dgm:forEach>
+  </dgm:layoutNode>
+  <dgm:extLst>
+    <a:ext uri="{68A01E43-0DF5-4B5B-8FA6-DAF915123BFB}">
+      <dgm1612:lstStyle xmlns:dgm1612="http://schemas.microsoft.com/office/drawing/2016/12/diagram">
+        <a:lvl1pPr>
+          <a:lnSpc>
+            <a:spcPct val="100000"/>
+          </a:lnSpc>
+        </a:lvl1pPr>
+      </dgm1612:lstStyle>
+    </a:ext>
+  </dgm:extLst>
+</dgm:layoutDef>
+</file>
+
 <file path=ppt/diagrams/quickStyle1.xml><?xml version="1.0" encoding="utf-8"?>
+<dgm:styleDef xmlns:dgm="http://schemas.openxmlformats.org/drawingml/2006/diagram" xmlns:a="http://schemas.openxmlformats.org/drawingml/2006/main" uniqueId="urn:microsoft.com/office/officeart/2005/8/quickstyle/simple1">
+  <dgm:title val=""/>
+  <dgm:desc val=""/>
+  <dgm:catLst>
+    <dgm:cat type="simple" pri="10100"/>
+  </dgm:catLst>
+  <dgm:scene3d>
+    <a:camera prst="orthographicFront"/>
+    <a:lightRig rig="threePt" dir="t"/>
+  </dgm:scene3d>
+  <dgm:styleLbl name="node0">
+    <dgm:scene3d>
+      <a:camera prst="orthographicFront"/>
+      <a:lightRig rig="threePt" dir="t"/>
+    </dgm:scene3d>
+    <dgm:sp3d/>
+    <dgm:txPr/>
+    <dgm:style>
+      <a:lnRef idx="2">
+        <a:scrgbClr r="0" g="0" b="0"/>
+      </a:lnRef>
+      <a:fillRef idx="1">
+        <a:scrgbClr r="0" g="0" b="0"/>
+      </a:fillRef>
+      <a:effectRef idx="0">
+        <a:scrgbClr r="0" g="0" b="0"/>
+      </a:effectRef>
+      <a:fontRef idx="minor">
+        <a:schemeClr val="lt1"/>
+      </a:fontRef>
+    </dgm:style>
+  </dgm:styleLbl>
+  <dgm:styleLbl name="lnNode1">
+    <dgm:scene3d>
+      <a:camera prst="orthographicFront"/>
+      <a:lightRig rig="threePt" dir="t"/>
+    </dgm:scene3d>
+    <dgm:sp3d/>
+    <dgm:txPr/>
+    <dgm:style>
+      <a:lnRef idx="2">
+        <a:scrgbClr r="0" g="0" b="0"/>
+      </a:lnRef>
+      <a:fillRef idx="1">
+        <a:scrgbClr r="0" g="0" b="0"/>
+      </a:fillRef>
+      <a:effectRef idx="0">
+        <a:scrgbClr r="0" g="0" b="0"/>
+      </a:effectRef>
+      <a:fontRef idx="minor">
+        <a:schemeClr val="lt1"/>
+      </a:fontRef>
+    </dgm:style>
+  </dgm:styleLbl>
+  <dgm:styleLbl name="vennNode1">
+    <dgm:scene3d>
+      <a:camera prst="orthographicFront"/>
+      <a:lightRig rig="threePt" dir="t"/>
+    </dgm:scene3d>
+    <dgm:sp3d/>
+    <dgm:txPr/>
+    <dgm:style>
+      <a:lnRef idx="2">
+        <a:scrgbClr r="0" g="0" b="0"/>
+      </a:lnRef>
+      <a:fillRef idx="1">
+        <a:scrgbClr r="0" g="0" b="0"/>
+      </a:fillRef>
+      <a:effectRef idx="0">
+        <a:scrgbClr r="0" g="0" b="0"/>
+      </a:effectRef>
+      <a:fontRef idx="minor">
+        <a:schemeClr val="tx1"/>
+      </a:fontRef>
+    </dgm:style>
+  </dgm:styleLbl>
+  <dgm:styleLbl name="alignNode1">
+    <dgm:scene3d>
+      <a:camera prst="orthographicFront"/>
+      <a:lightRig rig="threePt" dir="t"/>
+    </dgm:scene3d>
+    <dgm:sp3d/>
+    <dgm:txPr/>
+    <dgm:style>
+      <a:lnRef idx="2">
+        <a:scrgbClr r="0" g="0" b="0"/>
+      </a:lnRef>
+      <a:fillRef idx="1">
+        <a:scrgbClr r="0" g="0" b="0"/>
+      </a:fillRef>
+      <a:effectRef idx="0">
+        <a:scrgbClr r="0" g="0" b="0"/>
+      </a:effectRef>
+      <a:fontRef idx="minor">
+        <a:schemeClr val="lt1"/>
+      </a:fontRef>
+    </dgm:style>
+  </dgm:styleLbl>
+  <dgm:styleLbl name="node1">
+    <dgm:scene3d>
+      <a:camera prst="orthographicFront"/>
+      <a:lightRig rig="threePt" dir="t"/>
+    </dgm:scene3d>
+    <dgm:sp3d/>
+    <dgm:txPr/>
+    <dgm:style>
+      <a:lnRef idx="2">
+        <a:scrgbClr r="0" g="0" b="0"/>
+      </a:lnRef>
+      <a:fillRef idx="1">
+        <a:scrgbClr r="0" g="0" b="0"/>
+      </a:fillRef>
+      <a:effectRef idx="0">
+        <a:scrgbClr r="0" g="0" b="0"/>
+      </a:effectRef>
+      <a:fontRef idx="minor">
+        <a:schemeClr val="lt1"/>
+      </a:fontRef>
+    </dgm:style>
+  </dgm:styleLbl>
+  <dgm:styleLbl name="node2">
+    <dgm:scene3d>
+      <a:camera prst="orthographicFront"/>
+      <a:lightRig rig="threePt" dir="t"/>
+    </dgm:scene3d>
+    <dgm:sp3d/>
+    <dgm:txPr/>
+    <dgm:style>
+      <a:lnRef idx="2">
+        <a:scrgbClr r="0" g="0" b="0"/>
+      </a:lnRef>
+      <a:fillRef idx="1">
+        <a:scrgbClr r="0" g="0" b="0"/>
+      </a:fillRef>
+      <a:effectRef idx="0">
+        <a:scrgbClr r="0" g="0" b="0"/>
+      </a:effectRef>
+      <a:fontRef idx="minor">
+        <a:schemeClr val="lt1"/>
+      </a:fontRef>
+    </dgm:style>
+  </dgm:styleLbl>
+  <dgm:styleLbl name="node3">
+    <dgm:scene3d>
+      <a:camera prst="orthographicFront"/>
+      <a:lightRig rig="threePt" dir="t"/>
+    </dgm:scene3d>
+    <dgm:sp3d/>
+    <dgm:txPr/>
+    <dgm:style>
+      <a:lnRef idx="2">
+        <a:scrgbClr r="0" g="0" b="0"/>
+      </a:lnRef>
+      <a:fillRef idx="1">
+        <a:scrgbClr r="0" g="0" b="0"/>
+      </a:fillRef>
+      <a:effectRef idx="0">
+        <a:scrgbClr r="0" g="0" b="0"/>
+      </a:effectRef>
+      <a:fontRef idx="minor">
+        <a:schemeClr val="lt1"/>
+      </a:fontRef>
+    </dgm:style>
+  </dgm:styleLbl>
+  <dgm:styleLbl name="node4">
+    <dgm:scene3d>
+      <a:camera prst="orthographicFront"/>
+      <a:lightRig rig="threePt" dir="t"/>
+    </dgm:scene3d>
+    <dgm:sp3d/>
+    <dgm:txPr/>
+    <dgm:style>
+      <a:lnRef idx="2">
+        <a:scrgbClr r="0" g="0" b="0"/>
+      </a:lnRef>
+      <a:fillRef idx="1">
+        <a:scrgbClr r="0" g="0" b="0"/>
+      </a:fillRef>
+      <a:effectRef idx="0">
+        <a:scrgbClr r="0" g="0" b="0"/>
+      </a:effectRef>
+      <a:fontRef idx="minor">
+        <a:schemeClr val="lt1"/>
+      </a:fontRef>
+    </dgm:style>
+  </dgm:styleLbl>
+  <dgm:styleLbl name="fgImgPlace1">
+    <dgm:scene3d>
+      <a:camera prst="orthographicFront"/>
+      <a:lightRig rig="threePt" dir="t"/>
+    </dgm:scene3d>
+    <dgm:sp3d/>
+    <dgm:txPr/>
+    <dgm:style>
+      <a:lnRef idx="2">
+        <a:scrgbClr r="0" g="0" b="0"/>
+      </a:lnRef>
+      <a:fillRef idx="1">
+        <a:scrgbClr r="0" g="0" b="0"/>
+      </a:fillRef>
+      <a:effectRef idx="0">
+        <a:scrgbClr r="0" g="0" b="0"/>
+      </a:effectRef>
+      <a:fontRef idx="minor"/>
+    </dgm:style>
+  </dgm:styleLbl>
+  <dgm:styleLbl name="alignImgPlace1">
+    <dgm:scene3d>
+      <a:camera prst="orthographicFront"/>
+      <a:lightRig rig="threePt" dir="t"/>
+    </dgm:scene3d>
+    <dgm:sp3d/>
+    <dgm:txPr/>
+    <dgm:style>
+      <a:lnRef idx="2">
+        <a:scrgbClr r="0" g="0" b="0"/>
+      </a:lnRef>
+      <a:fillRef idx="1">
+        <a:scrgbClr r="0" g="0" b="0"/>
+      </a:fillRef>
+      <a:effectRef idx="0">
+        <a:scrgbClr r="0" g="0" b="0"/>
+      </a:effectRef>
+      <a:fontRef idx="minor"/>
+    </dgm:style>
+  </dgm:styleLbl>
+  <dgm:styleLbl name="bgImgPlace1">
+    <dgm:scene3d>
+      <a:camera prst="orthographicFront"/>
+      <a:lightRig rig="threePt" dir="t"/>
+    </dgm:scene3d>
+    <dgm:sp3d/>
+    <dgm:txPr/>
+    <dgm:style>
+      <a:lnRef idx="2">
+        <a:scrgbClr r="0" g="0" b="0"/>
+      </a:lnRef>
+      <a:fillRef idx="1">
+        <a:scrgbClr r="0" g="0" b="0"/>
+      </a:fillRef>
+      <a:effectRef idx="0">
+        <a:scrgbClr r="0" g="0" b="0"/>
+      </a:effectRef>
+      <a:fontRef idx="minor"/>
+    </dgm:style>
+  </dgm:styleLbl>
+  <dgm:styleLbl name="sibTrans2D1">
+    <dgm:scene3d>
+      <a:camera prst="orthographicFront"/>
+      <a:lightRig rig="threePt" dir="t"/>
+    </dgm:scene3d>
+    <dgm:sp3d/>
+    <dgm:txPr/>
+    <dgm:style>
+      <a:lnRef idx="0">
+        <a:scrgbClr r="0" g="0" b="0"/>
+      </a:lnRef>
+      <a:fillRef idx="1">
+        <a:scrgbClr r="0" g="0" b="0"/>
+      </a:fillRef>
+      <a:effectRef idx="0">
+        <a:scrgbClr r="0" g="0" b="0"/>
+      </a:effectRef>
+      <a:fontRef idx="minor">
+        <a:schemeClr val="lt1"/>
+      </a:fontRef>
+    </dgm:style>
+  </dgm:styleLbl>
+  <dgm:styleLbl name="fgSibTrans2D1">
+    <dgm:scene3d>
+      <a:camera prst="orthographicFront"/>
+      <a:lightRig rig="threePt" dir="t"/>
+    </dgm:scene3d>
+    <dgm:sp3d/>
+    <dgm:txPr/>
+    <dgm:style>
+      <a:lnRef idx="0">
+        <a:scrgbClr r="0" g="0" b="0"/>
+      </a:lnRef>
+      <a:fillRef idx="1">
+        <a:scrgbClr r="0" g="0" b="0"/>
+      </a:fillRef>
+      <a:effectRef idx="0">
+        <a:scrgbClr r="0" g="0" b="0"/>
+      </a:effectRef>
+      <a:fontRef idx="minor">
+        <a:schemeClr val="lt1"/>
+      </a:fontRef>
+    </dgm:style>
+  </dgm:styleLbl>
+  <dgm:styleLbl name="bgSibTrans2D1">
+    <dgm:scene3d>
+      <a:camera prst="orthographicFront"/>
+      <a:lightRig rig="threePt" dir="t"/>
+    </dgm:scene3d>
+    <dgm:sp3d/>
+    <dgm:txPr/>
+    <dgm:style>
+      <a:lnRef idx="0">
+        <a:scrgbClr r="0" g="0" b="0"/>
+      </a:lnRef>
+      <a:fillRef idx="1">
+        <a:scrgbClr r="0" g="0" b="0"/>
+      </a:fillRef>
+      <a:effectRef idx="0">
+        <a:scrgbClr r="0" g="0" b="0"/>
+      </a:effectRef>
+      <a:fontRef idx="minor">
+        <a:schemeClr val="lt1"/>
+      </a:fontRef>
+    </dgm:style>
+  </dgm:styleLbl>
+  <dgm:styleLbl name="sibTrans1D1">
+    <dgm:scene3d>
+      <a:camera prst="orthographicFront"/>
+      <a:lightRig rig="threePt" dir="t"/>
+    </dgm:scene3d>
+    <dgm:sp3d/>
+    <dgm:txPr/>
+    <dgm:style>
+      <a:lnRef idx="1">
+        <a:scrgbClr r="0" g="0" b="0"/>
+      </a:lnRef>
+      <a:fillRef idx="0">
+        <a:scrgbClr r="0" g="0" b="0"/>
+      </a:fillRef>
+      <a:effectRef idx="0">
+        <a:scrgbClr r="0" g="0" b="0"/>
+      </a:effectRef>
+      <a:fontRef idx="minor"/>
+    </dgm:style>
+  </dgm:styleLbl>
+  <dgm:styleLbl name="callout">
+    <dgm:scene3d>
+      <a:camera prst="orthographicFront"/>
+      <a:lightRig rig="threePt" dir="t"/>
+    </dgm:scene3d>
+    <dgm:sp3d/>
+    <dgm:txPr/>
+    <dgm:style>
+      <a:lnRef idx="2">
+        <a:scrgbClr r="0" g="0" b="0"/>
+      </a:lnRef>
+      <a:fillRef idx="1">
+        <a:scrgbClr r="0" g="0" b="0"/>
+      </a:fillRef>
+      <a:effectRef idx="0">
+        <a:scrgbClr r="0" g="0" b="0"/>
+      </a:effectRef>
+      <a:fontRef idx="minor"/>
+    </dgm:style>
+  </dgm:styleLbl>
+  <dgm:styleLbl name="asst0">
+    <dgm:scene3d>
+      <a:camera prst="orthographicFront"/>
+      <a:lightRig rig="threePt" dir="t"/>
+    </dgm:scene3d>
+    <dgm:sp3d/>
+    <dgm:txPr/>
+    <dgm:style>
+      <a:lnRef idx="2">
+        <a:scrgbClr r="0" g="0" b="0"/>
+      </a:lnRef>
+      <a:fillRef idx="1">
+        <a:scrgbClr r="0" g="0" b="0"/>
+      </a:fillRef>
+      <a:effectRef idx="0">
+        <a:scrgbClr r="0" g="0" b="0"/>
+      </a:effectRef>
+      <a:fontRef idx="minor">
+        <a:schemeClr val="lt1"/>
+      </a:fontRef>
+    </dgm:style>
+  </dgm:styleLbl>
+  <dgm:styleLbl name="asst1">
+    <dgm:scene3d>
+      <a:camera prst="orthographicFront"/>
+      <a:lightRig rig="threePt" dir="t"/>
+    </dgm:scene3d>
+    <dgm:sp3d/>
+    <dgm:txPr/>
+    <dgm:style>
+      <a:lnRef idx="2">
+        <a:scrgbClr r="0" g="0" b="0"/>
+      </a:lnRef>
+      <a:fillRef idx="1">
+        <a:scrgbClr r="0" g="0" b="0"/>
+      </a:fillRef>
+      <a:effectRef idx="0">
+        <a:scrgbClr r="0" g="0" b="0"/>
+      </a:effectRef>
+      <a:fontRef idx="minor">
+        <a:schemeClr val="lt1"/>
+      </a:fontRef>
+    </dgm:style>
+  </dgm:styleLbl>
+  <dgm:styleLbl name="asst2">
+    <dgm:scene3d>
+      <a:camera prst="orthographicFront"/>
+      <a:lightRig rig="threePt" dir="t"/>
+    </dgm:scene3d>
+    <dgm:sp3d/>
+    <dgm:txPr/>
+    <dgm:style>
+      <a:lnRef idx="2">
+        <a:scrgbClr r="0" g="0" b="0"/>
+      </a:lnRef>
+      <a:fillRef idx="1">
+        <a:scrgbClr r="0" g="0" b="0"/>
+      </a:fillRef>
+      <a:effectRef idx="0">
+        <a:scrgbClr r="0" g="0" b="0"/>
+      </a:effectRef>
+      <a:fontRef idx="minor">
+        <a:schemeClr val="lt1"/>
+      </a:fontRef>
+    </dgm:style>
+  </dgm:styleLbl>
+  <dgm:styleLbl name="asst3">
+    <dgm:scene3d>
+      <a:camera prst="orthographicFront"/>
+      <a:lightRig rig="threePt" dir="t"/>
+    </dgm:scene3d>
+    <dgm:sp3d/>
+    <dgm:txPr/>
+    <dgm:style>
+      <a:lnRef idx="2">
+        <a:scrgbClr r="0" g="0" b="0"/>
+      </a:lnRef>
+      <a:fillRef idx="1">
+        <a:scrgbClr r="0" g="0" b="0"/>
+      </a:fillRef>
+      <a:effectRef idx="0">
+        <a:scrgbClr r="0" g="0" b="0"/>
+      </a:effectRef>
+      <a:fontRef idx="minor">
+        <a:schemeClr val="lt1"/>
+      </a:fontRef>
+    </dgm:style>
+  </dgm:styleLbl>
+  <dgm:styleLbl name="asst4">
+    <dgm:scene3d>
+      <a:camera prst="orthographicFront"/>
+      <a:lightRig rig="threePt" dir="t"/>
+    </dgm:scene3d>
+    <dgm:sp3d/>
+    <dgm:txPr/>
+    <dgm:style>
+      <a:lnRef idx="2">
+        <a:scrgbClr r="0" g="0" b="0"/>
+      </a:lnRef>
+      <a:fillRef idx="1">
+        <a:scrgbClr r="0" g="0" b="0"/>
+      </a:fillRef>
+      <a:effectRef idx="0">
+        <a:scrgbClr r="0" g="0" b="0"/>
+      </a:effectRef>
+      <a:fontRef idx="minor">
+        <a:schemeClr val="lt1"/>
+      </a:fontRef>
+    </dgm:style>
+  </dgm:styleLbl>
+  <dgm:styleLbl name="parChTrans2D1">
+    <dgm:scene3d>
+      <a:camera prst="orthographicFront"/>
+      <a:lightRig rig="threePt" dir="t"/>
+    </dgm:scene3d>
+    <dgm:sp3d/>
+    <dgm:txPr/>
+    <dgm:style>
+      <a:lnRef idx="2">
+        <a:scrgbClr r="0" g="0" b="0"/>
+      </a:lnRef>
+      <a:fillRef idx="1">
+        <a:scrgbClr r="0" g="0" b="0"/>
+      </a:fillRef>
+      <a:effectRef idx="0">
+        <a:scrgbClr r="0" g="0" b="0"/>
+      </a:effectRef>
+      <a:fontRef idx="minor">
+        <a:schemeClr val="lt1"/>
+      </a:fontRef>
+    </dgm:style>
+  </dgm:styleLbl>
+  <dgm:styleLbl name="parChTrans2D2">
+    <dgm:scene3d>
+      <a:camera prst="orthographicFront"/>
+      <a:lightRig rig="threePt" dir="t"/>
+    </dgm:scene3d>
+    <dgm:sp3d/>
+    <dgm:txPr/>
+    <dgm:style>
+      <a:lnRef idx="2">
+        <a:scrgbClr r="0" g="0" b="0"/>
+      </a:lnRef>
+      <a:fillRef idx="1">
+        <a:scrgbClr r="0" g="0" b="0"/>
+      </a:fillRef>
+      <a:effectRef idx="0">
+        <a:scrgbClr r="0" g="0" b="0"/>
+      </a:effectRef>
+      <a:fontRef idx="minor">
+        <a:schemeClr val="lt1"/>
+      </a:fontRef>
+    </dgm:style>
+  </dgm:styleLbl>
+  <dgm:styleLbl name="parChTrans2D3">
+    <dgm:scene3d>
+      <a:camera prst="orthographicFront"/>
+      <a:lightRig rig="threePt" dir="t"/>
+    </dgm:scene3d>
+    <dgm:sp3d/>
+    <dgm:txPr/>
+    <dgm:style>
+      <a:lnRef idx="2">
+        <a:scrgbClr r="0" g="0" b="0"/>
+      </a:lnRef>
+      <a:fillRef idx="1">
+        <a:scrgbClr r="0" g="0" b="0"/>
+      </a:fillRef>
+      <a:effectRef idx="0">
+        <a:scrgbClr r="0" g="0" b="0"/>
+      </a:effectRef>
+      <a:fontRef idx="minor">
+        <a:schemeClr val="lt1"/>
+      </a:fontRef>
+    </dgm:style>
+  </dgm:styleLbl>
+  <dgm:styleLbl name="parChTrans2D4">
+    <dgm:scene3d>
+      <a:camera prst="orthographicFront"/>
+      <a:lightRig rig="threePt" dir="t"/>
+    </dgm:scene3d>
+    <dgm:sp3d/>
+    <dgm:txPr/>
+    <dgm:style>
+      <a:lnRef idx="2">
+        <a:scrgbClr r="0" g="0" b="0"/>
+      </a:lnRef>
+      <a:fillRef idx="1">
+        <a:scrgbClr r="0" g="0" b="0"/>
+      </a:fillRef>
+      <a:effectRef idx="0">
+        <a:scrgbClr r="0" g="0" b="0"/>
+      </a:effectRef>
+      <a:fontRef idx="minor">
+        <a:schemeClr val="lt1"/>
+      </a:fontRef>
+    </dgm:style>
+  </dgm:styleLbl>
+  <dgm:styleLbl name="parChTrans1D1">
+    <dgm:scene3d>
+      <a:camera prst="orthographicFront"/>
+      <a:lightRig rig="threePt" dir="t"/>
+    </dgm:scene3d>
+    <dgm:sp3d/>
+    <dgm:txPr/>
+    <dgm:style>
+      <a:lnRef idx="2">
+        <a:scrgbClr r="0" g="0" b="0"/>
+      </a:lnRef>
+      <a:fillRef idx="0">
+        <a:scrgbClr r="0" g="0" b="0"/>
+      </a:fillRef>
+      <a:effectRef idx="0">
+        <a:scrgbClr r="0" g="0" b="0"/>
+      </a:effectRef>
+      <a:fontRef idx="minor"/>
+    </dgm:style>
+  </dgm:styleLbl>
+  <dgm:styleLbl name="parChTrans1D2">
+    <dgm:scene3d>
+      <a:camera prst="orthographicFront"/>
+      <a:lightRig rig="threePt" dir="t"/>
+    </dgm:scene3d>
+    <dgm:sp3d/>
+    <dgm:txPr/>
+    <dgm:style>
+      <a:lnRef idx="2">
+        <a:scrgbClr r="0" g="0" b="0"/>
+      </a:lnRef>
+      <a:fillRef idx="0">
+        <a:scrgbClr r="0" g="0" b="0"/>
+      </a:fillRef>
+      <a:effectRef idx="0">
+        <a:scrgbClr r="0" g="0" b="0"/>
+      </a:effectRef>
+      <a:fontRef idx="minor"/>
+    </dgm:style>
+  </dgm:styleLbl>
+  <dgm:styleLbl name="parChTrans1D3">
+    <dgm:scene3d>
+      <a:camera prst="orthographicFront"/>
+      <a:lightRig rig="threePt" dir="t"/>
+    </dgm:scene3d>
+    <dgm:sp3d/>
+    <dgm:txPr/>
+    <dgm:style>
+      <a:lnRef idx="2">
+        <a:scrgbClr r="0" g="0" b="0"/>
+      </a:lnRef>
+      <a:fillRef idx="0">
+        <a:scrgbClr r="0" g="0" b="0"/>
+      </a:fillRef>
+      <a:effectRef idx="0">
+        <a:scrgbClr r="0" g="0" b="0"/>
+      </a:effectRef>
+      <a:fontRef idx="minor"/>
+    </dgm:style>
+  </dgm:styleLbl>
+  <dgm:styleLbl name="parChTrans1D4">
+    <dgm:scene3d>
+      <a:camera prst="orthographicFront"/>
+      <a:lightRig rig="threePt" dir="t"/>
+    </dgm:scene3d>
+    <dgm:sp3d/>
+    <dgm:txPr/>
+    <dgm:style>
+      <a:lnRef idx="2">
+        <a:scrgbClr r="0" g="0" b="0"/>
+      </a:lnRef>
+      <a:fillRef idx="0">
+        <a:scrgbClr r="0" g="0" b="0"/>
+      </a:fillRef>
+      <a:effectRef idx="0">
+        <a:scrgbClr r="0" g="0" b="0"/>
+      </a:effectRef>
+      <a:fontRef idx="minor"/>
+    </dgm:style>
+  </dgm:styleLbl>
+  <dgm:styleLbl name="fgAcc1">
+    <dgm:scene3d>
+      <a:camera prst="orthographicFront"/>
+      <a:lightRig rig="threePt" dir="t"/>
+    </dgm:scene3d>
+    <dgm:sp3d/>
+    <dgm:txPr/>
+    <dgm:style>
+      <a:lnRef idx="2">
+        <a:scrgbClr r="0" g="0" b="0"/>
+      </a:lnRef>
+      <a:fillRef idx="1">
+        <a:scrgbClr r="0" g="0" b="0"/>
+      </a:fillRef>
+      <a:effectRef idx="0">
+        <a:scrgbClr r="0" g="0" b="0"/>
+      </a:effectRef>
+      <a:fontRef idx="minor"/>
+    </dgm:style>
+  </dgm:styleLbl>
+  <dgm:styleLbl name="conFgAcc1">
+    <dgm:scene3d>
+      <a:camera prst="orthographicFront"/>
+      <a:lightRig rig="threePt" dir="t"/>
+    </dgm:scene3d>
+    <dgm:sp3d/>
+    <dgm:txPr/>
+    <dgm:style>
+      <a:lnRef idx="2">
+        <a:scrgbClr r="0" g="0" b="0"/>
+      </a:lnRef>
+      <a:fillRef idx="1">
+        <a:scrgbClr r="0" g="0" b="0"/>
+      </a:fillRef>
+      <a:effectRef idx="0">
+        <a:scrgbClr r="0" g="0" b="0"/>
+      </a:effectRef>
+      <a:fontRef idx="minor"/>
+    </dgm:style>
+  </dgm:styleLbl>
+  <dgm:styleLbl name="alignAcc1">
+    <dgm:scene3d>
+      <a:camera prst="orthographicFront"/>
+      <a:lightRig rig="threePt" dir="t"/>
+    </dgm:scene3d>
+    <dgm:sp3d/>
+    <dgm:txPr/>
+    <dgm:style>
+      <a:lnRef idx="2">
+        <a:scrgbClr r="0" g="0" b="0"/>
+      </a:lnRef>
+      <a:fillRef idx="1">
+        <a:scrgbClr r="0" g="0" b="0"/>
+      </a:fillRef>
+      <a:effectRef idx="0">
+        <a:scrgbClr r="0" g="0" b="0"/>
+      </a:effectRef>
+      <a:fontRef idx="minor"/>
+    </dgm:style>
+  </dgm:styleLbl>
+  <dgm:styleLbl name="trAlignAcc1">
+    <dgm:scene3d>
+      <a:camera prst="orthographicFront"/>
+      <a:lightRig rig="threePt" dir="t"/>
+    </dgm:scene3d>
+    <dgm:sp3d/>
+    <dgm:txPr/>
+    <dgm:style>
+      <a:lnRef idx="1">
+        <a:scrgbClr r="0" g="0" b="0"/>
+      </a:lnRef>
+      <a:fillRef idx="1">
+        <a:scrgbClr r="0" g="0" b="0"/>
+      </a:fillRef>
+      <a:effectRef idx="0">
+        <a:scrgbClr r="0" g="0" b="0"/>
+      </a:effectRef>
+      <a:fontRef idx="minor"/>
+    </dgm:style>
+  </dgm:styleLbl>
+  <dgm:styleLbl name="bgAcc1">
+    <dgm:scene3d>
+      <a:camera prst="orthographicFront"/>
+      <a:lightRig rig="threePt" dir="t"/>
+    </dgm:scene3d>
+    <dgm:sp3d/>
+    <dgm:txPr/>
+    <dgm:style>
+      <a:lnRef idx="2">
+        <a:scrgbClr r="0" g="0" b="0"/>
+      </a:lnRef>
+      <a:fillRef idx="1">
+        <a:scrgbClr r="0" g="0" b="0"/>
+      </a:fillRef>
+      <a:effectRef idx="0">
+        <a:scrgbClr r="0" g="0" b="0"/>
+      </a:effectRef>
+      <a:fontRef idx="minor"/>
+    </dgm:style>
+  </dgm:styleLbl>
+  <dgm:styleLbl name="solidFgAcc1">
+    <dgm:scene3d>
+      <a:camera prst="orthographicFront"/>
+      <a:lightRig rig="threePt" dir="t"/>
+    </dgm:scene3d>
+    <dgm:sp3d/>
+    <dgm:txPr/>
+    <dgm:style>
+      <a:lnRef idx="2">
+        <a:scrgbClr r="0" g="0" b="0"/>
+      </a:lnRef>
+      <a:fillRef idx="1">
+        <a:scrgbClr r="0" g="0" b="0"/>
+      </a:fillRef>
+      <a:effectRef idx="0">
+        <a:scrgbClr r="0" g="0" b="0"/>
+      </a:effectRef>
+      <a:fontRef idx="minor"/>
+    </dgm:style>
+  </dgm:styleLbl>
+  <dgm:styleLbl name="solidAlignAcc1">
+    <dgm:scene3d>
+      <a:camera prst="orthographicFront"/>
+      <a:lightRig rig="threePt" dir="t"/>
+    </dgm:scene3d>
+    <dgm:sp3d/>
+    <dgm:txPr/>
+    <dgm:style>
+      <a:lnRef idx="2">
+        <a:scrgbClr r="0" g="0" b="0"/>
+      </a:lnRef>
+      <a:fillRef idx="1">
+        <a:scrgbClr r="0" g="0" b="0"/>
+      </a:fillRef>
+      <a:effectRef idx="0">
+        <a:scrgbClr r="0" g="0" b="0"/>
+      </a:effectRef>
+      <a:fontRef idx="minor"/>
+    </dgm:style>
+  </dgm:styleLbl>
+  <dgm:styleLbl name="solidBgAcc1">
+    <dgm:scene3d>
+      <a:camera prst="orthographicFront"/>
+      <a:lightRig rig="threePt" dir="t"/>
+    </dgm:scene3d>
+    <dgm:sp3d/>
+    <dgm:txPr/>
+    <dgm:style>
+      <a:lnRef idx="2">
+        <a:scrgbClr r="0" g="0" b="0"/>
+      </a:lnRef>
+      <a:fillRef idx="1">
+        <a:scrgbClr r="0" g="0" b="0"/>
+      </a:fillRef>
+      <a:effectRef idx="0">
+        <a:scrgbClr r="0" g="0" b="0"/>
+      </a:effectRef>
+      <a:fontRef idx="minor"/>
+    </dgm:style>
+  </dgm:styleLbl>
+  <dgm:styleLbl name="fgAccFollowNode1">
+    <dgm:scene3d>
+      <a:camera prst="orthographicFront"/>
+      <a:lightRig rig="threePt" dir="t"/>
+    </dgm:scene3d>
+    <dgm:sp3d/>
+    <dgm:txPr/>
+    <dgm:style>
+      <a:lnRef idx="2">
+        <a:scrgbClr r="0" g="0" b="0"/>
+      </a:lnRef>
+      <a:fillRef idx="1">
+        <a:scrgbClr r="0" g="0" b="0"/>
+      </a:fillRef>
+      <a:effectRef idx="0">
+        <a:scrgbClr r="0" g="0" b="0"/>
+      </a:effectRef>
+      <a:fontRef idx="minor"/>
+    </dgm:style>
+  </dgm:styleLbl>
+  <dgm:styleLbl name="alignAccFollowNode1">
+    <dgm:scene3d>
+      <a:camera prst="orthographicFront"/>
+      <a:lightRig rig="threePt" dir="t"/>
+    </dgm:scene3d>
+    <dgm:sp3d/>
+    <dgm:txPr/>
+    <dgm:style>
+      <a:lnRef idx="2">
+        <a:scrgbClr r="0" g="0" b="0"/>
+      </a:lnRef>
+      <a:fillRef idx="1">
+        <a:scrgbClr r="0" g="0" b="0"/>
+      </a:fillRef>
+      <a:effectRef idx="0">
+        <a:scrgbClr r="0" g="0" b="0"/>
+      </a:effectRef>
+      <a:fontRef idx="minor"/>
+    </dgm:style>
+  </dgm:styleLbl>
+  <dgm:styleLbl name="bgAccFollowNode1">
+    <dgm:scene3d>
+      <a:camera prst="orthographicFront"/>
+      <a:lightRig rig="threePt" dir="t"/>
+    </dgm:scene3d>
+    <dgm:sp3d/>
+    <dgm:txPr/>
+    <dgm:style>
+      <a:lnRef idx="2">
+        <a:scrgbClr r="0" g="0" b="0"/>
+      </a:lnRef>
+      <a:fillRef idx="1">
+        <a:scrgbClr r="0" g="0" b="0"/>
+      </a:fillRef>
+      <a:effectRef idx="0">
+        <a:scrgbClr r="0" g="0" b="0"/>
+      </a:effectRef>
+      <a:fontRef idx="minor"/>
+    </dgm:style>
+  </dgm:styleLbl>
+  <dgm:styleLbl name="fgAcc0">
+    <dgm:scene3d>
+      <a:camera prst="orthographicFront"/>
+      <a:lightRig rig="threePt" dir="t"/>
+    </dgm:scene3d>
+    <dgm:sp3d/>
+    <dgm:txPr/>
+    <dgm:style>
+      <a:lnRef idx="2">
+        <a:scrgbClr r="0" g="0" b="0"/>
+      </a:lnRef>
+      <a:fillRef idx="1">
+        <a:scrgbClr r="0" g="0" b="0"/>
+      </a:fillRef>
+      <a:effectRef idx="0">
+        <a:scrgbClr r="0" g="0" b="0"/>
+      </a:effectRef>
+      <a:fontRef idx="minor"/>
+    </dgm:style>
+  </dgm:styleLbl>
+  <dgm:styleLbl name="fgAcc2">
+    <dgm:scene3d>
+      <a:camera prst="orthographicFront"/>
+      <a:lightRig rig="threePt" dir="t"/>
+    </dgm:scene3d>
+    <dgm:sp3d/>
+    <dgm:txPr/>
+    <dgm:style>
+      <a:lnRef idx="2">
+        <a:scrgbClr r="0" g="0" b="0"/>
+      </a:lnRef>
+      <a:fillRef idx="1">
+        <a:scrgbClr r="0" g="0" b="0"/>
+      </a:fillRef>
+      <a:effectRef idx="0">
+        <a:scrgbClr r="0" g="0" b="0"/>
+      </a:effectRef>
+      <a:fontRef idx="minor"/>
+    </dgm:style>
+  </dgm:styleLbl>
+  <dgm:styleLbl name="fgAcc3">
+    <dgm:scene3d>
+      <a:camera prst="orthographicFront"/>
+      <a:lightRig rig="threePt" dir="t"/>
+    </dgm:scene3d>
+    <dgm:sp3d/>
+    <dgm:txPr/>
+    <dgm:style>
+      <a:lnRef idx="2">
+        <a:scrgbClr r="0" g="0" b="0"/>
+      </a:lnRef>
+      <a:fillRef idx="1">
+        <a:scrgbClr r="0" g="0" b="0"/>
+      </a:fillRef>
+      <a:effectRef idx="0">
+        <a:scrgbClr r="0" g="0" b="0"/>
+      </a:effectRef>
+      <a:fontRef idx="minor"/>
+    </dgm:style>
+  </dgm:styleLbl>
+  <dgm:styleLbl name="fgAcc4">
+    <dgm:scene3d>
+      <a:camera prst="orthographicFront"/>
+      <a:lightRig rig="threePt" dir="t"/>
+    </dgm:scene3d>
+    <dgm:sp3d/>
+    <dgm:txPr/>
+    <dgm:style>
+      <a:lnRef idx="2">
+        <a:scrgbClr r="0" g="0" b="0"/>
+      </a:lnRef>
+      <a:fillRef idx="1">
+        <a:scrgbClr r="0" g="0" b="0"/>
+      </a:fillRef>
+      <a:effectRef idx="0">
+        <a:scrgbClr r="0" g="0" b="0"/>
+      </a:effectRef>
+      <a:fontRef idx="minor"/>
+    </dgm:style>
+  </dgm:styleLbl>
+  <dgm:styleLbl name="bgShp">
+    <dgm:scene3d>
+      <a:camera prst="orthographicFront"/>
+      <a:lightRig rig="threePt" dir="t"/>
+    </dgm:scene3d>
+    <dgm:sp3d/>
+    <dgm:txPr/>
+    <dgm:style>
+      <a:lnRef idx="0">
+        <a:scrgbClr r="0" g="0" b="0"/>
+      </a:lnRef>
+      <a:fillRef idx="1">
+        <a:scrgbClr r="0" g="0" b="0"/>
+      </a:fillRef>
+      <a:effectRef idx="0">
+        <a:scrgbClr r="0" g="0" b="0"/>
+      </a:effectRef>
+      <a:fontRef idx="minor"/>
+    </dgm:style>
+  </dgm:styleLbl>
+  <dgm:styleLbl name="dkBgShp">
+    <dgm:scene3d>
+      <a:camera prst="orthographicFront"/>
+      <a:lightRig rig="threePt" dir="t"/>
+    </dgm:scene3d>
+    <dgm:sp3d/>
+    <dgm:txPr/>
+    <dgm:style>
+      <a:lnRef idx="0">
+        <a:scrgbClr r="0" g="0" b="0"/>
+      </a:lnRef>
+      <a:fillRef idx="1">
+        <a:scrgbClr r="0" g="0" b="0"/>
+      </a:fillRef>
+      <a:effectRef idx="0">
+        <a:scrgbClr r="0" g="0" b="0"/>
+      </a:effectRef>
+      <a:fontRef idx="minor"/>
+    </dgm:style>
+  </dgm:styleLbl>
+  <dgm:styleLbl name="trBgShp">
+    <dgm:scene3d>
+      <a:camera prst="orthographicFront"/>
+      <a:lightRig rig="threePt" dir="t"/>
+    </dgm:scene3d>
+    <dgm:sp3d/>
+    <dgm:txPr/>
+    <dgm:style>
+      <a:lnRef idx="0">
+        <a:scrgbClr r="0" g="0" b="0"/>
+      </a:lnRef>
+      <a:fillRef idx="1">
+        <a:scrgbClr r="0" g="0" b="0"/>
+      </a:fillRef>
+      <a:effectRef idx="0">
+        <a:scrgbClr r="0" g="0" b="0"/>
+      </a:effectRef>
+      <a:fontRef idx="minor"/>
+    </dgm:style>
+  </dgm:styleLbl>
+  <dgm:styleLbl name="fgShp">
+    <dgm:scene3d>
+      <a:camera prst="orthographicFront"/>
+      <a:lightRig rig="threePt" dir="t"/>
+    </dgm:scene3d>
+    <dgm:sp3d/>
+    <dgm:txPr/>
+    <dgm:style>
+      <a:lnRef idx="2">
+        <a:scrgbClr r="0" g="0" b="0"/>
+      </a:lnRef>
+      <a:fillRef idx="1">
+        <a:scrgbClr r="0" g="0" b="0"/>
+      </a:fillRef>
+      <a:effectRef idx="0">
+        <a:scrgbClr r="0" g="0" b="0"/>
+      </a:effectRef>
+      <a:fontRef idx="minor"/>
+    </dgm:style>
+  </dgm:styleLbl>
+  <dgm:styleLbl name="revTx">
+    <dgm:scene3d>
+      <a:camera prst="orthographicFront"/>
+      <a:lightRig rig="threePt" dir="t"/>
+    </dgm:scene3d>
+    <dgm:sp3d/>
+    <dgm:txPr/>
+    <dgm:style>
+      <a:lnRef idx="0">
+        <a:scrgbClr r="0" g="0" b="0"/>
+      </a:lnRef>
+      <a:fillRef idx="0">
+        <a:scrgbClr r="0" g="0" b="0"/>
+      </a:fillRef>
+      <a:effectRef idx="0">
+        <a:scrgbClr r="0" g="0" b="0"/>
+      </a:effectRef>
+      <a:fontRef idx="minor"/>
+    </dgm:style>
+  </dgm:styleLbl>
+</dgm:styleDef>
+</file>
+
+<file path=ppt/diagrams/quickStyle2.xml><?xml version="1.0" encoding="utf-8"?>
 <dgm:styleDef xmlns:dgm="http://schemas.openxmlformats.org/drawingml/2006/diagram" xmlns:a="http://schemas.openxmlformats.org/drawingml/2006/main" uniqueId="urn:microsoft.com/office/officeart/2005/8/quickstyle/simple1">
   <dgm:title val=""/>
   <dgm:desc val=""/>
@@ -4146,7 +6800,7 @@
           <a:p>
             <a:fld id="{6A0FEE8E-93C1-BB4F-9B68-9364C0B53575}" type="datetimeFigureOut">
               <a:rPr lang="en-US" smtClean="0"/>
-              <a:t>4/3/25</a:t>
+              <a:t>4/4/25</a:t>
             </a:fld>
             <a:endParaRPr lang="en-US"/>
           </a:p>
@@ -4344,7 +6998,7 @@
           <a:p>
             <a:fld id="{6A0FEE8E-93C1-BB4F-9B68-9364C0B53575}" type="datetimeFigureOut">
               <a:rPr lang="en-US" smtClean="0"/>
-              <a:t>4/3/25</a:t>
+              <a:t>4/4/25</a:t>
             </a:fld>
             <a:endParaRPr lang="en-US"/>
           </a:p>
@@ -4552,7 +7206,7 @@
           <a:p>
             <a:fld id="{6A0FEE8E-93C1-BB4F-9B68-9364C0B53575}" type="datetimeFigureOut">
               <a:rPr lang="en-US" smtClean="0"/>
-              <a:t>4/3/25</a:t>
+              <a:t>4/4/25</a:t>
             </a:fld>
             <a:endParaRPr lang="en-US"/>
           </a:p>
@@ -4750,7 +7404,7 @@
           <a:p>
             <a:fld id="{6A0FEE8E-93C1-BB4F-9B68-9364C0B53575}" type="datetimeFigureOut">
               <a:rPr lang="en-US" smtClean="0"/>
-              <a:t>4/3/25</a:t>
+              <a:t>4/4/25</a:t>
             </a:fld>
             <a:endParaRPr lang="en-US"/>
           </a:p>
@@ -5025,7 +7679,7 @@
           <a:p>
             <a:fld id="{6A0FEE8E-93C1-BB4F-9B68-9364C0B53575}" type="datetimeFigureOut">
               <a:rPr lang="en-US" smtClean="0"/>
-              <a:t>4/3/25</a:t>
+              <a:t>4/4/25</a:t>
             </a:fld>
             <a:endParaRPr lang="en-US"/>
           </a:p>
@@ -5290,7 +7944,7 @@
           <a:p>
             <a:fld id="{6A0FEE8E-93C1-BB4F-9B68-9364C0B53575}" type="datetimeFigureOut">
               <a:rPr lang="en-US" smtClean="0"/>
-              <a:t>4/3/25</a:t>
+              <a:t>4/4/25</a:t>
             </a:fld>
             <a:endParaRPr lang="en-US"/>
           </a:p>
@@ -5702,7 +8356,7 @@
           <a:p>
             <a:fld id="{6A0FEE8E-93C1-BB4F-9B68-9364C0B53575}" type="datetimeFigureOut">
               <a:rPr lang="en-US" smtClean="0"/>
-              <a:t>4/3/25</a:t>
+              <a:t>4/4/25</a:t>
             </a:fld>
             <a:endParaRPr lang="en-US"/>
           </a:p>
@@ -5843,7 +8497,7 @@
           <a:p>
             <a:fld id="{6A0FEE8E-93C1-BB4F-9B68-9364C0B53575}" type="datetimeFigureOut">
               <a:rPr lang="en-US" smtClean="0"/>
-              <a:t>4/3/25</a:t>
+              <a:t>4/4/25</a:t>
             </a:fld>
             <a:endParaRPr lang="en-US"/>
           </a:p>
@@ -5956,7 +8610,7 @@
           <a:p>
             <a:fld id="{6A0FEE8E-93C1-BB4F-9B68-9364C0B53575}" type="datetimeFigureOut">
               <a:rPr lang="en-US" smtClean="0"/>
-              <a:t>4/3/25</a:t>
+              <a:t>4/4/25</a:t>
             </a:fld>
             <a:endParaRPr lang="en-US"/>
           </a:p>
@@ -6267,7 +8921,7 @@
           <a:p>
             <a:fld id="{6A0FEE8E-93C1-BB4F-9B68-9364C0B53575}" type="datetimeFigureOut">
               <a:rPr lang="en-US" smtClean="0"/>
-              <a:t>4/3/25</a:t>
+              <a:t>4/4/25</a:t>
             </a:fld>
             <a:endParaRPr lang="en-US"/>
           </a:p>
@@ -6555,7 +9209,7 @@
           <a:p>
             <a:fld id="{6A0FEE8E-93C1-BB4F-9B68-9364C0B53575}" type="datetimeFigureOut">
               <a:rPr lang="en-US" smtClean="0"/>
-              <a:t>4/3/25</a:t>
+              <a:t>4/4/25</a:t>
             </a:fld>
             <a:endParaRPr lang="en-US"/>
           </a:p>
@@ -6796,7 +9450,7 @@
           <a:p>
             <a:fld id="{6A0FEE8E-93C1-BB4F-9B68-9364C0B53575}" type="datetimeFigureOut">
               <a:rPr lang="en-US" smtClean="0"/>
-              <a:t>4/3/25</a:t>
+              <a:t>4/4/25</a:t>
             </a:fld>
             <a:endParaRPr lang="en-US"/>
           </a:p>
@@ -7688,6 +10342,389 @@
           <p:cNvPr id="2" name="Title 1">
             <a:extLst>
               <a:ext uri="{FF2B5EF4-FFF2-40B4-BE49-F238E27FC236}">
+                <a16:creationId xmlns:a16="http://schemas.microsoft.com/office/drawing/2014/main" id="{F7B87C78-FB47-D3D9-124E-482955FCCBBD}"/>
+              </a:ext>
+            </a:extLst>
+          </p:cNvPr>
+          <p:cNvSpPr>
+            <a:spLocks noGrp="1"/>
+          </p:cNvSpPr>
+          <p:nvPr>
+            <p:ph type="title"/>
+          </p:nvPr>
+        </p:nvSpPr>
+        <p:spPr>
+          <a:xfrm>
+            <a:off x="1075767" y="1188637"/>
+            <a:ext cx="2988234" cy="4480726"/>
+          </a:xfrm>
+        </p:spPr>
+        <p:txBody>
+          <a:bodyPr>
+            <a:normAutofit/>
+          </a:bodyPr>
+          <a:lstStyle/>
+          <a:p>
+            <a:pPr algn="r"/>
+            <a:r>
+              <a:rPr lang="en-US" sz="4600"/>
+              <a:t>Technology Used</a:t>
+            </a:r>
+          </a:p>
+        </p:txBody>
+      </p:sp>
+      <p:cxnSp>
+        <p:nvCxnSpPr>
+          <p:cNvPr id="14" name="Straight Connector 13">
+            <a:extLst>
+              <a:ext uri="{FF2B5EF4-FFF2-40B4-BE49-F238E27FC236}">
+                <a16:creationId xmlns:a16="http://schemas.microsoft.com/office/drawing/2014/main" id="{23AAC9B5-8015-485C-ACF9-A750390E9A56}"/>
+              </a:ext>
+              <a:ext uri="{C183D7F6-B498-43B3-948B-1728B52AA6E4}">
+                <adec:decorative xmlns:adec="http://schemas.microsoft.com/office/drawing/2017/decorative" val="1"/>
+              </a:ext>
+            </a:extLst>
+          </p:cNvPr>
+          <p:cNvCxnSpPr>
+            <a:cxnSpLocks noGrp="1" noRot="1" noChangeAspect="1" noMove="1" noResize="1" noEditPoints="1" noAdjustHandles="1" noChangeArrowheads="1" noChangeShapeType="1"/>
+          </p:cNvCxnSpPr>
+          <p:nvPr>
+            <p:extLst>
+              <p:ext uri="{386F3935-93C4-4BCD-93E2-E3B085C9AB24}">
+                <p16:designElem xmlns:p16="http://schemas.microsoft.com/office/powerpoint/2015/main" val="1"/>
+              </p:ext>
+            </p:extLst>
+          </p:nvPr>
+        </p:nvCxnSpPr>
+        <p:spPr>
+          <a:xfrm>
+            <a:off x="4654296" y="1852863"/>
+            <a:ext cx="0" cy="3236495"/>
+          </a:xfrm>
+          <a:prstGeom prst="line">
+            <a:avLst/>
+          </a:prstGeom>
+          <a:ln w="19050" cap="sq">
+            <a:solidFill>
+              <a:schemeClr val="tx1">
+                <a:lumMod val="75000"/>
+                <a:lumOff val="25000"/>
+              </a:schemeClr>
+            </a:solidFill>
+          </a:ln>
+        </p:spPr>
+        <p:style>
+          <a:lnRef idx="1">
+            <a:schemeClr val="accent1"/>
+          </a:lnRef>
+          <a:fillRef idx="0">
+            <a:schemeClr val="accent1"/>
+          </a:fillRef>
+          <a:effectRef idx="0">
+            <a:schemeClr val="accent1"/>
+          </a:effectRef>
+          <a:fontRef idx="minor">
+            <a:schemeClr val="tx1"/>
+          </a:fontRef>
+        </p:style>
+      </p:cxnSp>
+      <p:sp>
+        <p:nvSpPr>
+          <p:cNvPr id="3" name="Content Placeholder 2">
+            <a:extLst>
+              <a:ext uri="{FF2B5EF4-FFF2-40B4-BE49-F238E27FC236}">
+                <a16:creationId xmlns:a16="http://schemas.microsoft.com/office/drawing/2014/main" id="{92003118-F72A-15DF-8A34-A6C578502178}"/>
+              </a:ext>
+            </a:extLst>
+          </p:cNvPr>
+          <p:cNvSpPr>
+            <a:spLocks noGrp="1"/>
+          </p:cNvSpPr>
+          <p:nvPr>
+            <p:ph idx="1"/>
+          </p:nvPr>
+        </p:nvSpPr>
+        <p:spPr>
+          <a:xfrm>
+            <a:off x="5255260" y="1648870"/>
+            <a:ext cx="4702848" cy="3560260"/>
+          </a:xfrm>
+        </p:spPr>
+        <p:txBody>
+          <a:bodyPr anchor="ctr">
+            <a:normAutofit/>
+          </a:bodyPr>
+          <a:lstStyle/>
+          <a:p>
+            <a:r>
+              <a:rPr lang="en-US" sz="2400">
+                <a:hlinkClick r:id="rId2"/>
+              </a:rPr>
+              <a:t>Jupyter Notebooks</a:t>
+            </a:r>
+            <a:endParaRPr lang="en-US" sz="2400"/>
+          </a:p>
+          <a:p>
+            <a:r>
+              <a:rPr lang="en-US" sz="2400">
+                <a:hlinkClick r:id="rId3"/>
+              </a:rPr>
+              <a:t>Pandas</a:t>
+            </a:r>
+            <a:endParaRPr lang="en-US" sz="2400"/>
+          </a:p>
+          <a:p>
+            <a:r>
+              <a:rPr lang="en-US" sz="2400">
+                <a:hlinkClick r:id="rId4"/>
+              </a:rPr>
+              <a:t>Matplotlib</a:t>
+            </a:r>
+            <a:endParaRPr lang="en-US" sz="2400"/>
+          </a:p>
+          <a:p>
+            <a:r>
+              <a:rPr lang="en-US" sz="2400">
+                <a:hlinkClick r:id="rId5"/>
+              </a:rPr>
+              <a:t>MyBinder</a:t>
+            </a:r>
+            <a:endParaRPr lang="en-US" sz="2400"/>
+          </a:p>
+        </p:txBody>
+      </p:sp>
+    </p:spTree>
+    <p:extLst>
+      <p:ext uri="{BB962C8B-B14F-4D97-AF65-F5344CB8AC3E}">
+        <p14:creationId xmlns:p14="http://schemas.microsoft.com/office/powerpoint/2010/main" val="4022837389"/>
+      </p:ext>
+    </p:extLst>
+  </p:cSld>
+  <p:clrMapOvr>
+    <a:masterClrMapping/>
+  </p:clrMapOvr>
+</p:sld>
+</file>
+
+<file path=ppt/slides/slide11.xml><?xml version="1.0" encoding="utf-8"?>
+<p:sld xmlns:a="http://schemas.openxmlformats.org/drawingml/2006/main" xmlns:r="http://schemas.openxmlformats.org/officeDocument/2006/relationships" xmlns:p="http://schemas.openxmlformats.org/presentationml/2006/main">
+  <p:cSld>
+    <p:bg>
+      <p:bgPr>
+        <a:solidFill>
+          <a:schemeClr val="bg1"/>
+        </a:solidFill>
+        <a:effectLst/>
+      </p:bgPr>
+    </p:bg>
+    <p:spTree>
+      <p:nvGrpSpPr>
+        <p:cNvPr id="1" name=""/>
+        <p:cNvGrpSpPr/>
+        <p:nvPr/>
+      </p:nvGrpSpPr>
+      <p:grpSpPr>
+        <a:xfrm>
+          <a:off x="0" y="0"/>
+          <a:ext cx="0" cy="0"/>
+          <a:chOff x="0" y="0"/>
+          <a:chExt cx="0" cy="0"/>
+        </a:xfrm>
+      </p:grpSpPr>
+      <p:sp useBgFill="1">
+        <p:nvSpPr>
+          <p:cNvPr id="8" name="Rectangle 7">
+            <a:extLst>
+              <a:ext uri="{FF2B5EF4-FFF2-40B4-BE49-F238E27FC236}">
+                <a16:creationId xmlns:a16="http://schemas.microsoft.com/office/drawing/2014/main" id="{081EA652-8C6A-4E69-BEB9-170809474553}"/>
+              </a:ext>
+              <a:ext uri="{C183D7F6-B498-43B3-948B-1728B52AA6E4}">
+                <adec:decorative xmlns:adec="http://schemas.microsoft.com/office/drawing/2017/decorative" val="1"/>
+              </a:ext>
+            </a:extLst>
+          </p:cNvPr>
+          <p:cNvSpPr>
+            <a:spLocks noGrp="1" noRot="1" noChangeAspect="1" noMove="1" noResize="1" noEditPoints="1" noAdjustHandles="1" noChangeArrowheads="1" noChangeShapeType="1" noTextEdit="1"/>
+          </p:cNvSpPr>
+          <p:nvPr>
+            <p:extLst>
+              <p:ext uri="{386F3935-93C4-4BCD-93E2-E3B085C9AB24}">
+                <p16:designElem xmlns:p16="http://schemas.microsoft.com/office/powerpoint/2015/main" val="1"/>
+              </p:ext>
+            </p:extLst>
+          </p:nvPr>
+        </p:nvSpPr>
+        <p:spPr>
+          <a:xfrm>
+            <a:off x="0" y="0"/>
+            <a:ext cx="12192000" cy="6858000"/>
+          </a:xfrm>
+          <a:prstGeom prst="rect">
+            <a:avLst/>
+          </a:prstGeom>
+          <a:ln>
+            <a:noFill/>
+          </a:ln>
+        </p:spPr>
+        <p:style>
+          <a:lnRef idx="2">
+            <a:schemeClr val="accent1">
+              <a:shade val="50000"/>
+            </a:schemeClr>
+          </a:lnRef>
+          <a:fillRef idx="1">
+            <a:schemeClr val="accent1"/>
+          </a:fillRef>
+          <a:effectRef idx="0">
+            <a:schemeClr val="accent1"/>
+          </a:effectRef>
+          <a:fontRef idx="minor">
+            <a:schemeClr val="lt1"/>
+          </a:fontRef>
+        </p:style>
+        <p:txBody>
+          <a:bodyPr rtlCol="0" anchor="ctr"/>
+          <a:lstStyle/>
+          <a:p>
+            <a:pPr algn="ctr"/>
+            <a:endParaRPr lang="en-US"/>
+          </a:p>
+        </p:txBody>
+      </p:sp>
+      <p:sp>
+        <p:nvSpPr>
+          <p:cNvPr id="10" name="Right Triangle 9">
+            <a:extLst>
+              <a:ext uri="{FF2B5EF4-FFF2-40B4-BE49-F238E27FC236}">
+                <a16:creationId xmlns:a16="http://schemas.microsoft.com/office/drawing/2014/main" id="{5298780A-33B9-4EA2-8F67-DE68AD62841B}"/>
+              </a:ext>
+              <a:ext uri="{C183D7F6-B498-43B3-948B-1728B52AA6E4}">
+                <adec:decorative xmlns:adec="http://schemas.microsoft.com/office/drawing/2017/decorative" val="1"/>
+              </a:ext>
+            </a:extLst>
+          </p:cNvPr>
+          <p:cNvSpPr>
+            <a:spLocks noGrp="1" noRot="1" noChangeAspect="1" noMove="1" noResize="1" noEditPoints="1" noAdjustHandles="1" noChangeArrowheads="1" noChangeShapeType="1" noTextEdit="1"/>
+          </p:cNvSpPr>
+          <p:nvPr>
+            <p:extLst>
+              <p:ext uri="{386F3935-93C4-4BCD-93E2-E3B085C9AB24}">
+                <p16:designElem xmlns:p16="http://schemas.microsoft.com/office/powerpoint/2015/main" val="1"/>
+              </p:ext>
+            </p:extLst>
+          </p:nvPr>
+        </p:nvSpPr>
+        <p:spPr>
+          <a:xfrm flipH="1">
+            <a:off x="8576720" y="3335867"/>
+            <a:ext cx="3291840" cy="3200400"/>
+          </a:xfrm>
+          <a:prstGeom prst="rtTriangle">
+            <a:avLst/>
+          </a:prstGeom>
+          <a:solidFill>
+            <a:schemeClr val="accent4"/>
+          </a:solidFill>
+          <a:ln>
+            <a:noFill/>
+          </a:ln>
+        </p:spPr>
+        <p:style>
+          <a:lnRef idx="2">
+            <a:schemeClr val="accent1">
+              <a:shade val="50000"/>
+            </a:schemeClr>
+          </a:lnRef>
+          <a:fillRef idx="1">
+            <a:schemeClr val="accent1"/>
+          </a:fillRef>
+          <a:effectRef idx="0">
+            <a:schemeClr val="accent1"/>
+          </a:effectRef>
+          <a:fontRef idx="minor">
+            <a:schemeClr val="lt1"/>
+          </a:fontRef>
+        </p:style>
+        <p:txBody>
+          <a:bodyPr rtlCol="0" anchor="ctr"/>
+          <a:lstStyle/>
+          <a:p>
+            <a:pPr algn="ctr"/>
+            <a:endParaRPr lang="en-US" dirty="0"/>
+          </a:p>
+        </p:txBody>
+      </p:sp>
+      <p:sp>
+        <p:nvSpPr>
+          <p:cNvPr id="12" name="Rectangle 11">
+            <a:extLst>
+              <a:ext uri="{FF2B5EF4-FFF2-40B4-BE49-F238E27FC236}">
+                <a16:creationId xmlns:a16="http://schemas.microsoft.com/office/drawing/2014/main" id="{7F488E8B-4E1E-4402-8935-D4E6C02615C7}"/>
+              </a:ext>
+              <a:ext uri="{C183D7F6-B498-43B3-948B-1728B52AA6E4}">
+                <adec:decorative xmlns:adec="http://schemas.microsoft.com/office/drawing/2017/decorative" val="1"/>
+              </a:ext>
+            </a:extLst>
+          </p:cNvPr>
+          <p:cNvSpPr>
+            <a:spLocks noGrp="1" noRot="1" noChangeAspect="1" noMove="1" noResize="1" noEditPoints="1" noAdjustHandles="1" noChangeArrowheads="1" noChangeShapeType="1" noTextEdit="1"/>
+          </p:cNvSpPr>
+          <p:nvPr>
+            <p:extLst>
+              <p:ext uri="{386F3935-93C4-4BCD-93E2-E3B085C9AB24}">
+                <p16:designElem xmlns:p16="http://schemas.microsoft.com/office/powerpoint/2015/main" val="1"/>
+              </p:ext>
+            </p:extLst>
+          </p:nvPr>
+        </p:nvSpPr>
+        <p:spPr>
+          <a:xfrm>
+            <a:off x="641774" y="623275"/>
+            <a:ext cx="10905053" cy="5607882"/>
+          </a:xfrm>
+          <a:prstGeom prst="rect">
+            <a:avLst/>
+          </a:prstGeom>
+          <a:noFill/>
+          <a:ln w="19050">
+            <a:solidFill>
+              <a:schemeClr val="tx1">
+                <a:lumMod val="75000"/>
+                <a:lumOff val="25000"/>
+              </a:schemeClr>
+            </a:solidFill>
+          </a:ln>
+        </p:spPr>
+        <p:style>
+          <a:lnRef idx="2">
+            <a:schemeClr val="accent1">
+              <a:shade val="50000"/>
+            </a:schemeClr>
+          </a:lnRef>
+          <a:fillRef idx="1">
+            <a:schemeClr val="accent1"/>
+          </a:fillRef>
+          <a:effectRef idx="0">
+            <a:schemeClr val="accent1"/>
+          </a:effectRef>
+          <a:fontRef idx="minor">
+            <a:schemeClr val="lt1"/>
+          </a:fontRef>
+        </p:style>
+        <p:txBody>
+          <a:bodyPr rtlCol="0" anchor="ctr"/>
+          <a:lstStyle/>
+          <a:p>
+            <a:pPr algn="ctr"/>
+            <a:endParaRPr lang="en-US"/>
+          </a:p>
+        </p:txBody>
+      </p:sp>
+      <p:sp>
+        <p:nvSpPr>
+          <p:cNvPr id="2" name="Title 1">
+            <a:extLst>
+              <a:ext uri="{FF2B5EF4-FFF2-40B4-BE49-F238E27FC236}">
                 <a16:creationId xmlns:a16="http://schemas.microsoft.com/office/drawing/2014/main" id="{9C673635-F9AE-942B-4756-BBC29B44FD02}"/>
               </a:ext>
             </a:extLst>
@@ -7804,7 +10841,7 @@
 </p:sld>
 </file>
 
-<file path=ppt/slides/slide11.xml><?xml version="1.0" encoding="utf-8"?>
+<file path=ppt/slides/slide12.xml><?xml version="1.0" encoding="utf-8"?>
 <p:sld xmlns:a="http://schemas.openxmlformats.org/drawingml/2006/main" xmlns:r="http://schemas.openxmlformats.org/officeDocument/2006/relationships" xmlns:p="http://schemas.openxmlformats.org/presentationml/2006/main">
   <p:cSld>
     <p:bg>
@@ -9621,6 +12658,171 @@
 <file path=ppt/slides/slide7.xml><?xml version="1.0" encoding="utf-8"?>
 <p:sld xmlns:a="http://schemas.openxmlformats.org/drawingml/2006/main" xmlns:r="http://schemas.openxmlformats.org/officeDocument/2006/relationships" xmlns:p="http://schemas.openxmlformats.org/presentationml/2006/main">
   <p:cSld>
+    <p:bg>
+      <p:bgPr>
+        <a:solidFill>
+          <a:schemeClr val="bg1"/>
+        </a:solidFill>
+        <a:effectLst/>
+      </p:bgPr>
+    </p:bg>
+    <p:spTree>
+      <p:nvGrpSpPr>
+        <p:cNvPr id="1" name=""/>
+        <p:cNvGrpSpPr/>
+        <p:nvPr/>
+      </p:nvGrpSpPr>
+      <p:grpSpPr>
+        <a:xfrm>
+          <a:off x="0" y="0"/>
+          <a:ext cx="0" cy="0"/>
+          <a:chOff x="0" y="0"/>
+          <a:chExt cx="0" cy="0"/>
+        </a:xfrm>
+      </p:grpSpPr>
+      <p:sp useBgFill="1">
+        <p:nvSpPr>
+          <p:cNvPr id="46" name="Rectangle 45">
+            <a:extLst>
+              <a:ext uri="{FF2B5EF4-FFF2-40B4-BE49-F238E27FC236}">
+                <a16:creationId xmlns:a16="http://schemas.microsoft.com/office/drawing/2014/main" id="{955A2079-FA98-4876-80F0-72364A7D2EA4}"/>
+              </a:ext>
+              <a:ext uri="{C183D7F6-B498-43B3-948B-1728B52AA6E4}">
+                <adec:decorative xmlns:adec="http://schemas.microsoft.com/office/drawing/2017/decorative" val="1"/>
+              </a:ext>
+            </a:extLst>
+          </p:cNvPr>
+          <p:cNvSpPr>
+            <a:spLocks noGrp="1" noRot="1" noChangeAspect="1" noMove="1" noResize="1" noEditPoints="1" noAdjustHandles="1" noChangeArrowheads="1" noChangeShapeType="1" noTextEdit="1"/>
+          </p:cNvSpPr>
+          <p:nvPr>
+            <p:extLst>
+              <p:ext uri="{386F3935-93C4-4BCD-93E2-E3B085C9AB24}">
+                <p16:designElem xmlns:p16="http://schemas.microsoft.com/office/powerpoint/2015/main" val="1"/>
+              </p:ext>
+            </p:extLst>
+          </p:nvPr>
+        </p:nvSpPr>
+        <p:spPr>
+          <a:xfrm>
+            <a:off x="-1" y="0"/>
+            <a:ext cx="12188952" cy="6858000"/>
+          </a:xfrm>
+          <a:prstGeom prst="rect">
+            <a:avLst/>
+          </a:prstGeom>
+          <a:ln>
+            <a:noFill/>
+          </a:ln>
+        </p:spPr>
+        <p:style>
+          <a:lnRef idx="2">
+            <a:schemeClr val="accent1">
+              <a:shade val="50000"/>
+            </a:schemeClr>
+          </a:lnRef>
+          <a:fillRef idx="1">
+            <a:schemeClr val="accent1"/>
+          </a:fillRef>
+          <a:effectRef idx="0">
+            <a:schemeClr val="accent1"/>
+          </a:effectRef>
+          <a:fontRef idx="minor">
+            <a:schemeClr val="lt1"/>
+          </a:fontRef>
+        </p:style>
+        <p:txBody>
+          <a:bodyPr rtlCol="0" anchor="ctr"/>
+          <a:lstStyle/>
+          <a:p>
+            <a:pPr algn="ctr"/>
+            <a:endParaRPr lang="en-US"/>
+          </a:p>
+        </p:txBody>
+      </p:sp>
+      <p:sp>
+        <p:nvSpPr>
+          <p:cNvPr id="2" name="Title 1">
+            <a:extLst>
+              <a:ext uri="{FF2B5EF4-FFF2-40B4-BE49-F238E27FC236}">
+                <a16:creationId xmlns:a16="http://schemas.microsoft.com/office/drawing/2014/main" id="{3B6A94E1-9D8D-249B-DB3E-B7E0BD8A25B0}"/>
+              </a:ext>
+            </a:extLst>
+          </p:cNvPr>
+          <p:cNvSpPr>
+            <a:spLocks noGrp="1"/>
+          </p:cNvSpPr>
+          <p:nvPr>
+            <p:ph type="title"/>
+          </p:nvPr>
+        </p:nvSpPr>
+        <p:spPr>
+          <a:xfrm>
+            <a:off x="838200" y="557188"/>
+            <a:ext cx="10515600" cy="1133499"/>
+          </a:xfrm>
+        </p:spPr>
+        <p:txBody>
+          <a:bodyPr>
+            <a:normAutofit/>
+          </a:bodyPr>
+          <a:lstStyle/>
+          <a:p>
+            <a:pPr algn="ctr"/>
+            <a:r>
+              <a:rPr lang="en-US" sz="5200"/>
+              <a:t>Workshop Goals</a:t>
+            </a:r>
+          </a:p>
+        </p:txBody>
+      </p:sp>
+      <p:graphicFrame>
+        <p:nvGraphicFramePr>
+          <p:cNvPr id="41" name="Content Placeholder 2">
+            <a:extLst>
+              <a:ext uri="{FF2B5EF4-FFF2-40B4-BE49-F238E27FC236}">
+                <a16:creationId xmlns:a16="http://schemas.microsoft.com/office/drawing/2014/main" id="{B2942B02-409F-163F-8E81-6771265C2AFF}"/>
+              </a:ext>
+            </a:extLst>
+          </p:cNvPr>
+          <p:cNvGraphicFramePr>
+            <a:graphicFrameLocks noGrp="1"/>
+          </p:cNvGraphicFramePr>
+          <p:nvPr>
+            <p:ph idx="1"/>
+            <p:extLst>
+              <p:ext uri="{D42A27DB-BD31-4B8C-83A1-F6EECF244321}">
+                <p14:modId xmlns:p14="http://schemas.microsoft.com/office/powerpoint/2010/main" val="551069401"/>
+              </p:ext>
+            </p:extLst>
+          </p:nvPr>
+        </p:nvGraphicFramePr>
+        <p:xfrm>
+          <a:off x="838200" y="1828800"/>
+          <a:ext cx="10515600" cy="4352544"/>
+        </p:xfrm>
+        <a:graphic>
+          <a:graphicData uri="http://schemas.openxmlformats.org/drawingml/2006/diagram">
+            <dgm:relIds xmlns:dgm="http://schemas.openxmlformats.org/drawingml/2006/diagram" xmlns:r="http://schemas.openxmlformats.org/officeDocument/2006/relationships" r:dm="rId2" r:lo="rId3" r:qs="rId4" r:cs="rId5"/>
+          </a:graphicData>
+        </a:graphic>
+      </p:graphicFrame>
+    </p:spTree>
+    <p:extLst>
+      <p:ext uri="{BB962C8B-B14F-4D97-AF65-F5344CB8AC3E}">
+        <p14:creationId xmlns:p14="http://schemas.microsoft.com/office/powerpoint/2010/main" val="3008760237"/>
+      </p:ext>
+    </p:extLst>
+  </p:cSld>
+  <p:clrMapOvr>
+    <a:masterClrMapping/>
+  </p:clrMapOvr>
+</p:sld>
+</file>
+
+<file path=ppt/slides/slide8.xml><?xml version="1.0" encoding="utf-8"?>
+<p:sld xmlns:a="http://schemas.openxmlformats.org/drawingml/2006/main" xmlns:r="http://schemas.openxmlformats.org/officeDocument/2006/relationships" xmlns:p="http://schemas.openxmlformats.org/presentationml/2006/main">
+  <p:cSld>
     <p:spTree>
       <p:nvGrpSpPr>
         <p:cNvPr id="1" name=""/>
@@ -9701,7 +12903,7 @@
 </p:sld>
 </file>
 
-<file path=ppt/slides/slide8.xml><?xml version="1.0" encoding="utf-8"?>
+<file path=ppt/slides/slide9.xml><?xml version="1.0" encoding="utf-8"?>
 <p:sld xmlns:a="http://schemas.openxmlformats.org/drawingml/2006/main" xmlns:r="http://schemas.openxmlformats.org/officeDocument/2006/relationships" xmlns:p="http://schemas.openxmlformats.org/presentationml/2006/main">
   <p:cSld>
     <p:bg>
@@ -10073,389 +13275,6 @@
     <p:extLst>
       <p:ext uri="{BB962C8B-B14F-4D97-AF65-F5344CB8AC3E}">
         <p14:creationId xmlns:p14="http://schemas.microsoft.com/office/powerpoint/2010/main" val="4231051311"/>
-      </p:ext>
-    </p:extLst>
-  </p:cSld>
-  <p:clrMapOvr>
-    <a:masterClrMapping/>
-  </p:clrMapOvr>
-</p:sld>
-</file>
-
-<file path=ppt/slides/slide9.xml><?xml version="1.0" encoding="utf-8"?>
-<p:sld xmlns:a="http://schemas.openxmlformats.org/drawingml/2006/main" xmlns:r="http://schemas.openxmlformats.org/officeDocument/2006/relationships" xmlns:p="http://schemas.openxmlformats.org/presentationml/2006/main">
-  <p:cSld>
-    <p:bg>
-      <p:bgPr>
-        <a:solidFill>
-          <a:schemeClr val="bg1"/>
-        </a:solidFill>
-        <a:effectLst/>
-      </p:bgPr>
-    </p:bg>
-    <p:spTree>
-      <p:nvGrpSpPr>
-        <p:cNvPr id="1" name=""/>
-        <p:cNvGrpSpPr/>
-        <p:nvPr/>
-      </p:nvGrpSpPr>
-      <p:grpSpPr>
-        <a:xfrm>
-          <a:off x="0" y="0"/>
-          <a:ext cx="0" cy="0"/>
-          <a:chOff x="0" y="0"/>
-          <a:chExt cx="0" cy="0"/>
-        </a:xfrm>
-      </p:grpSpPr>
-      <p:sp useBgFill="1">
-        <p:nvSpPr>
-          <p:cNvPr id="8" name="Rectangle 7">
-            <a:extLst>
-              <a:ext uri="{FF2B5EF4-FFF2-40B4-BE49-F238E27FC236}">
-                <a16:creationId xmlns:a16="http://schemas.microsoft.com/office/drawing/2014/main" id="{081EA652-8C6A-4E69-BEB9-170809474553}"/>
-              </a:ext>
-              <a:ext uri="{C183D7F6-B498-43B3-948B-1728B52AA6E4}">
-                <adec:decorative xmlns:adec="http://schemas.microsoft.com/office/drawing/2017/decorative" val="1"/>
-              </a:ext>
-            </a:extLst>
-          </p:cNvPr>
-          <p:cNvSpPr>
-            <a:spLocks noGrp="1" noRot="1" noChangeAspect="1" noMove="1" noResize="1" noEditPoints="1" noAdjustHandles="1" noChangeArrowheads="1" noChangeShapeType="1" noTextEdit="1"/>
-          </p:cNvSpPr>
-          <p:nvPr>
-            <p:extLst>
-              <p:ext uri="{386F3935-93C4-4BCD-93E2-E3B085C9AB24}">
-                <p16:designElem xmlns:p16="http://schemas.microsoft.com/office/powerpoint/2015/main" val="1"/>
-              </p:ext>
-            </p:extLst>
-          </p:nvPr>
-        </p:nvSpPr>
-        <p:spPr>
-          <a:xfrm>
-            <a:off x="0" y="0"/>
-            <a:ext cx="12192000" cy="6858000"/>
-          </a:xfrm>
-          <a:prstGeom prst="rect">
-            <a:avLst/>
-          </a:prstGeom>
-          <a:ln>
-            <a:noFill/>
-          </a:ln>
-        </p:spPr>
-        <p:style>
-          <a:lnRef idx="2">
-            <a:schemeClr val="accent1">
-              <a:shade val="50000"/>
-            </a:schemeClr>
-          </a:lnRef>
-          <a:fillRef idx="1">
-            <a:schemeClr val="accent1"/>
-          </a:fillRef>
-          <a:effectRef idx="0">
-            <a:schemeClr val="accent1"/>
-          </a:effectRef>
-          <a:fontRef idx="minor">
-            <a:schemeClr val="lt1"/>
-          </a:fontRef>
-        </p:style>
-        <p:txBody>
-          <a:bodyPr rtlCol="0" anchor="ctr"/>
-          <a:lstStyle/>
-          <a:p>
-            <a:pPr algn="ctr"/>
-            <a:endParaRPr lang="en-US"/>
-          </a:p>
-        </p:txBody>
-      </p:sp>
-      <p:sp>
-        <p:nvSpPr>
-          <p:cNvPr id="10" name="Right Triangle 9">
-            <a:extLst>
-              <a:ext uri="{FF2B5EF4-FFF2-40B4-BE49-F238E27FC236}">
-                <a16:creationId xmlns:a16="http://schemas.microsoft.com/office/drawing/2014/main" id="{5298780A-33B9-4EA2-8F67-DE68AD62841B}"/>
-              </a:ext>
-              <a:ext uri="{C183D7F6-B498-43B3-948B-1728B52AA6E4}">
-                <adec:decorative xmlns:adec="http://schemas.microsoft.com/office/drawing/2017/decorative" val="1"/>
-              </a:ext>
-            </a:extLst>
-          </p:cNvPr>
-          <p:cNvSpPr>
-            <a:spLocks noGrp="1" noRot="1" noChangeAspect="1" noMove="1" noResize="1" noEditPoints="1" noAdjustHandles="1" noChangeArrowheads="1" noChangeShapeType="1" noTextEdit="1"/>
-          </p:cNvSpPr>
-          <p:nvPr>
-            <p:extLst>
-              <p:ext uri="{386F3935-93C4-4BCD-93E2-E3B085C9AB24}">
-                <p16:designElem xmlns:p16="http://schemas.microsoft.com/office/powerpoint/2015/main" val="1"/>
-              </p:ext>
-            </p:extLst>
-          </p:nvPr>
-        </p:nvSpPr>
-        <p:spPr>
-          <a:xfrm flipH="1">
-            <a:off x="8576720" y="3335867"/>
-            <a:ext cx="3291840" cy="3200400"/>
-          </a:xfrm>
-          <a:prstGeom prst="rtTriangle">
-            <a:avLst/>
-          </a:prstGeom>
-          <a:solidFill>
-            <a:schemeClr val="accent4"/>
-          </a:solidFill>
-          <a:ln>
-            <a:noFill/>
-          </a:ln>
-        </p:spPr>
-        <p:style>
-          <a:lnRef idx="2">
-            <a:schemeClr val="accent1">
-              <a:shade val="50000"/>
-            </a:schemeClr>
-          </a:lnRef>
-          <a:fillRef idx="1">
-            <a:schemeClr val="accent1"/>
-          </a:fillRef>
-          <a:effectRef idx="0">
-            <a:schemeClr val="accent1"/>
-          </a:effectRef>
-          <a:fontRef idx="minor">
-            <a:schemeClr val="lt1"/>
-          </a:fontRef>
-        </p:style>
-        <p:txBody>
-          <a:bodyPr rtlCol="0" anchor="ctr"/>
-          <a:lstStyle/>
-          <a:p>
-            <a:pPr algn="ctr"/>
-            <a:endParaRPr lang="en-US" dirty="0"/>
-          </a:p>
-        </p:txBody>
-      </p:sp>
-      <p:sp>
-        <p:nvSpPr>
-          <p:cNvPr id="12" name="Rectangle 11">
-            <a:extLst>
-              <a:ext uri="{FF2B5EF4-FFF2-40B4-BE49-F238E27FC236}">
-                <a16:creationId xmlns:a16="http://schemas.microsoft.com/office/drawing/2014/main" id="{7F488E8B-4E1E-4402-8935-D4E6C02615C7}"/>
-              </a:ext>
-              <a:ext uri="{C183D7F6-B498-43B3-948B-1728B52AA6E4}">
-                <adec:decorative xmlns:adec="http://schemas.microsoft.com/office/drawing/2017/decorative" val="1"/>
-              </a:ext>
-            </a:extLst>
-          </p:cNvPr>
-          <p:cNvSpPr>
-            <a:spLocks noGrp="1" noRot="1" noChangeAspect="1" noMove="1" noResize="1" noEditPoints="1" noAdjustHandles="1" noChangeArrowheads="1" noChangeShapeType="1" noTextEdit="1"/>
-          </p:cNvSpPr>
-          <p:nvPr>
-            <p:extLst>
-              <p:ext uri="{386F3935-93C4-4BCD-93E2-E3B085C9AB24}">
-                <p16:designElem xmlns:p16="http://schemas.microsoft.com/office/powerpoint/2015/main" val="1"/>
-              </p:ext>
-            </p:extLst>
-          </p:nvPr>
-        </p:nvSpPr>
-        <p:spPr>
-          <a:xfrm>
-            <a:off x="641774" y="623275"/>
-            <a:ext cx="10905053" cy="5607882"/>
-          </a:xfrm>
-          <a:prstGeom prst="rect">
-            <a:avLst/>
-          </a:prstGeom>
-          <a:noFill/>
-          <a:ln w="19050">
-            <a:solidFill>
-              <a:schemeClr val="tx1">
-                <a:lumMod val="75000"/>
-                <a:lumOff val="25000"/>
-              </a:schemeClr>
-            </a:solidFill>
-          </a:ln>
-        </p:spPr>
-        <p:style>
-          <a:lnRef idx="2">
-            <a:schemeClr val="accent1">
-              <a:shade val="50000"/>
-            </a:schemeClr>
-          </a:lnRef>
-          <a:fillRef idx="1">
-            <a:schemeClr val="accent1"/>
-          </a:fillRef>
-          <a:effectRef idx="0">
-            <a:schemeClr val="accent1"/>
-          </a:effectRef>
-          <a:fontRef idx="minor">
-            <a:schemeClr val="lt1"/>
-          </a:fontRef>
-        </p:style>
-        <p:txBody>
-          <a:bodyPr rtlCol="0" anchor="ctr"/>
-          <a:lstStyle/>
-          <a:p>
-            <a:pPr algn="ctr"/>
-            <a:endParaRPr lang="en-US"/>
-          </a:p>
-        </p:txBody>
-      </p:sp>
-      <p:sp>
-        <p:nvSpPr>
-          <p:cNvPr id="2" name="Title 1">
-            <a:extLst>
-              <a:ext uri="{FF2B5EF4-FFF2-40B4-BE49-F238E27FC236}">
-                <a16:creationId xmlns:a16="http://schemas.microsoft.com/office/drawing/2014/main" id="{F7B87C78-FB47-D3D9-124E-482955FCCBBD}"/>
-              </a:ext>
-            </a:extLst>
-          </p:cNvPr>
-          <p:cNvSpPr>
-            <a:spLocks noGrp="1"/>
-          </p:cNvSpPr>
-          <p:nvPr>
-            <p:ph type="title"/>
-          </p:nvPr>
-        </p:nvSpPr>
-        <p:spPr>
-          <a:xfrm>
-            <a:off x="1075767" y="1188637"/>
-            <a:ext cx="2988234" cy="4480726"/>
-          </a:xfrm>
-        </p:spPr>
-        <p:txBody>
-          <a:bodyPr>
-            <a:normAutofit/>
-          </a:bodyPr>
-          <a:lstStyle/>
-          <a:p>
-            <a:pPr algn="r"/>
-            <a:r>
-              <a:rPr lang="en-US" sz="4600"/>
-              <a:t>Technology Used</a:t>
-            </a:r>
-          </a:p>
-        </p:txBody>
-      </p:sp>
-      <p:cxnSp>
-        <p:nvCxnSpPr>
-          <p:cNvPr id="14" name="Straight Connector 13">
-            <a:extLst>
-              <a:ext uri="{FF2B5EF4-FFF2-40B4-BE49-F238E27FC236}">
-                <a16:creationId xmlns:a16="http://schemas.microsoft.com/office/drawing/2014/main" id="{23AAC9B5-8015-485C-ACF9-A750390E9A56}"/>
-              </a:ext>
-              <a:ext uri="{C183D7F6-B498-43B3-948B-1728B52AA6E4}">
-                <adec:decorative xmlns:adec="http://schemas.microsoft.com/office/drawing/2017/decorative" val="1"/>
-              </a:ext>
-            </a:extLst>
-          </p:cNvPr>
-          <p:cNvCxnSpPr>
-            <a:cxnSpLocks noGrp="1" noRot="1" noChangeAspect="1" noMove="1" noResize="1" noEditPoints="1" noAdjustHandles="1" noChangeArrowheads="1" noChangeShapeType="1"/>
-          </p:cNvCxnSpPr>
-          <p:nvPr>
-            <p:extLst>
-              <p:ext uri="{386F3935-93C4-4BCD-93E2-E3B085C9AB24}">
-                <p16:designElem xmlns:p16="http://schemas.microsoft.com/office/powerpoint/2015/main" val="1"/>
-              </p:ext>
-            </p:extLst>
-          </p:nvPr>
-        </p:nvCxnSpPr>
-        <p:spPr>
-          <a:xfrm>
-            <a:off x="4654296" y="1852863"/>
-            <a:ext cx="0" cy="3236495"/>
-          </a:xfrm>
-          <a:prstGeom prst="line">
-            <a:avLst/>
-          </a:prstGeom>
-          <a:ln w="19050" cap="sq">
-            <a:solidFill>
-              <a:schemeClr val="tx1">
-                <a:lumMod val="75000"/>
-                <a:lumOff val="25000"/>
-              </a:schemeClr>
-            </a:solidFill>
-          </a:ln>
-        </p:spPr>
-        <p:style>
-          <a:lnRef idx="1">
-            <a:schemeClr val="accent1"/>
-          </a:lnRef>
-          <a:fillRef idx="0">
-            <a:schemeClr val="accent1"/>
-          </a:fillRef>
-          <a:effectRef idx="0">
-            <a:schemeClr val="accent1"/>
-          </a:effectRef>
-          <a:fontRef idx="minor">
-            <a:schemeClr val="tx1"/>
-          </a:fontRef>
-        </p:style>
-      </p:cxnSp>
-      <p:sp>
-        <p:nvSpPr>
-          <p:cNvPr id="3" name="Content Placeholder 2">
-            <a:extLst>
-              <a:ext uri="{FF2B5EF4-FFF2-40B4-BE49-F238E27FC236}">
-                <a16:creationId xmlns:a16="http://schemas.microsoft.com/office/drawing/2014/main" id="{92003118-F72A-15DF-8A34-A6C578502178}"/>
-              </a:ext>
-            </a:extLst>
-          </p:cNvPr>
-          <p:cNvSpPr>
-            <a:spLocks noGrp="1"/>
-          </p:cNvSpPr>
-          <p:nvPr>
-            <p:ph idx="1"/>
-          </p:nvPr>
-        </p:nvSpPr>
-        <p:spPr>
-          <a:xfrm>
-            <a:off x="5255260" y="1648870"/>
-            <a:ext cx="4702848" cy="3560260"/>
-          </a:xfrm>
-        </p:spPr>
-        <p:txBody>
-          <a:bodyPr anchor="ctr">
-            <a:normAutofit/>
-          </a:bodyPr>
-          <a:lstStyle/>
-          <a:p>
-            <a:r>
-              <a:rPr lang="en-US" sz="2400">
-                <a:hlinkClick r:id="rId2"/>
-              </a:rPr>
-              <a:t>Jupyter Notebooks</a:t>
-            </a:r>
-            <a:endParaRPr lang="en-US" sz="2400"/>
-          </a:p>
-          <a:p>
-            <a:r>
-              <a:rPr lang="en-US" sz="2400">
-                <a:hlinkClick r:id="rId3"/>
-              </a:rPr>
-              <a:t>Pandas</a:t>
-            </a:r>
-            <a:endParaRPr lang="en-US" sz="2400"/>
-          </a:p>
-          <a:p>
-            <a:r>
-              <a:rPr lang="en-US" sz="2400">
-                <a:hlinkClick r:id="rId4"/>
-              </a:rPr>
-              <a:t>Matplotlib</a:t>
-            </a:r>
-            <a:endParaRPr lang="en-US" sz="2400"/>
-          </a:p>
-          <a:p>
-            <a:r>
-              <a:rPr lang="en-US" sz="2400">
-                <a:hlinkClick r:id="rId5"/>
-              </a:rPr>
-              <a:t>MyBinder</a:t>
-            </a:r>
-            <a:endParaRPr lang="en-US" sz="2400"/>
-          </a:p>
-        </p:txBody>
-      </p:sp>
-    </p:spTree>
-    <p:extLst>
-      <p:ext uri="{BB962C8B-B14F-4D97-AF65-F5344CB8AC3E}">
-        <p14:creationId xmlns:p14="http://schemas.microsoft.com/office/powerpoint/2010/main" val="4022837389"/>
       </p:ext>
     </p:extLst>
   </p:cSld>

--- a/Presentation/Workshop.pptx
+++ b/Presentation/Workshop.pptx
@@ -11,12 +11,13 @@
     <p:sldId id="281" r:id="rId5"/>
     <p:sldId id="282" r:id="rId6"/>
     <p:sldId id="283" r:id="rId7"/>
-    <p:sldId id="287" r:id="rId8"/>
-    <p:sldId id="284" r:id="rId9"/>
-    <p:sldId id="279" r:id="rId10"/>
-    <p:sldId id="280" r:id="rId11"/>
-    <p:sldId id="285" r:id="rId12"/>
-    <p:sldId id="286" r:id="rId13"/>
+    <p:sldId id="288" r:id="rId8"/>
+    <p:sldId id="287" r:id="rId9"/>
+    <p:sldId id="284" r:id="rId10"/>
+    <p:sldId id="279" r:id="rId11"/>
+    <p:sldId id="280" r:id="rId12"/>
+    <p:sldId id="285" r:id="rId13"/>
+    <p:sldId id="286" r:id="rId14"/>
   </p:sldIdLst>
   <p:sldSz cx="12192000" cy="6858000"/>
   <p:notesSz cx="6858000" cy="9144000"/>
@@ -871,6 +872,753 @@
 </file>
 
 <file path=ppt/diagrams/colors2.xml><?xml version="1.0" encoding="utf-8"?>
+<dgm:colorsDef xmlns:dgm="http://schemas.openxmlformats.org/drawingml/2006/diagram" xmlns:a="http://schemas.openxmlformats.org/drawingml/2006/main" uniqueId="urn:microsoft.com/office/officeart/2005/8/colors/accent4_2">
+  <dgm:title val=""/>
+  <dgm:desc val=""/>
+  <dgm:catLst>
+    <dgm:cat type="accent4" pri="11200"/>
+  </dgm:catLst>
+  <dgm:styleLbl name="node0">
+    <dgm:fillClrLst meth="repeat">
+      <a:schemeClr val="accent4"/>
+    </dgm:fillClrLst>
+    <dgm:linClrLst meth="repeat">
+      <a:schemeClr val="lt1"/>
+    </dgm:linClrLst>
+    <dgm:effectClrLst/>
+    <dgm:txLinClrLst/>
+    <dgm:txFillClrLst/>
+    <dgm:txEffectClrLst/>
+  </dgm:styleLbl>
+  <dgm:styleLbl name="node1">
+    <dgm:fillClrLst meth="repeat">
+      <a:schemeClr val="accent4"/>
+    </dgm:fillClrLst>
+    <dgm:linClrLst meth="repeat">
+      <a:schemeClr val="lt1"/>
+    </dgm:linClrLst>
+    <dgm:effectClrLst/>
+    <dgm:txLinClrLst/>
+    <dgm:txFillClrLst/>
+    <dgm:txEffectClrLst/>
+  </dgm:styleLbl>
+  <dgm:styleLbl name="alignNode1">
+    <dgm:fillClrLst meth="repeat">
+      <a:schemeClr val="accent4"/>
+    </dgm:fillClrLst>
+    <dgm:linClrLst meth="repeat">
+      <a:schemeClr val="accent4"/>
+    </dgm:linClrLst>
+    <dgm:effectClrLst/>
+    <dgm:txLinClrLst/>
+    <dgm:txFillClrLst/>
+    <dgm:txEffectClrLst/>
+  </dgm:styleLbl>
+  <dgm:styleLbl name="lnNode1">
+    <dgm:fillClrLst meth="repeat">
+      <a:schemeClr val="accent4"/>
+    </dgm:fillClrLst>
+    <dgm:linClrLst meth="repeat">
+      <a:schemeClr val="lt1"/>
+    </dgm:linClrLst>
+    <dgm:effectClrLst/>
+    <dgm:txLinClrLst/>
+    <dgm:txFillClrLst/>
+    <dgm:txEffectClrLst/>
+  </dgm:styleLbl>
+  <dgm:styleLbl name="vennNode1">
+    <dgm:fillClrLst meth="repeat">
+      <a:schemeClr val="accent4">
+        <a:alpha val="50000"/>
+      </a:schemeClr>
+    </dgm:fillClrLst>
+    <dgm:linClrLst meth="repeat">
+      <a:schemeClr val="lt1"/>
+    </dgm:linClrLst>
+    <dgm:effectClrLst/>
+    <dgm:txLinClrLst/>
+    <dgm:txFillClrLst/>
+    <dgm:txEffectClrLst/>
+  </dgm:styleLbl>
+  <dgm:styleLbl name="node2">
+    <dgm:fillClrLst meth="repeat">
+      <a:schemeClr val="accent4"/>
+    </dgm:fillClrLst>
+    <dgm:linClrLst meth="repeat">
+      <a:schemeClr val="lt1"/>
+    </dgm:linClrLst>
+    <dgm:effectClrLst/>
+    <dgm:txLinClrLst/>
+    <dgm:txFillClrLst/>
+    <dgm:txEffectClrLst/>
+  </dgm:styleLbl>
+  <dgm:styleLbl name="node3">
+    <dgm:fillClrLst meth="repeat">
+      <a:schemeClr val="accent4"/>
+    </dgm:fillClrLst>
+    <dgm:linClrLst meth="repeat">
+      <a:schemeClr val="lt1"/>
+    </dgm:linClrLst>
+    <dgm:effectClrLst/>
+    <dgm:txLinClrLst/>
+    <dgm:txFillClrLst/>
+    <dgm:txEffectClrLst/>
+  </dgm:styleLbl>
+  <dgm:styleLbl name="node4">
+    <dgm:fillClrLst meth="repeat">
+      <a:schemeClr val="accent4"/>
+    </dgm:fillClrLst>
+    <dgm:linClrLst meth="repeat">
+      <a:schemeClr val="lt1"/>
+    </dgm:linClrLst>
+    <dgm:effectClrLst/>
+    <dgm:txLinClrLst/>
+    <dgm:txFillClrLst/>
+    <dgm:txEffectClrLst/>
+  </dgm:styleLbl>
+  <dgm:styleLbl name="fgImgPlace1">
+    <dgm:fillClrLst meth="repeat">
+      <a:schemeClr val="accent4">
+        <a:tint val="50000"/>
+      </a:schemeClr>
+    </dgm:fillClrLst>
+    <dgm:linClrLst meth="repeat">
+      <a:schemeClr val="lt1"/>
+    </dgm:linClrLst>
+    <dgm:effectClrLst/>
+    <dgm:txLinClrLst/>
+    <dgm:txFillClrLst meth="repeat">
+      <a:schemeClr val="lt1"/>
+    </dgm:txFillClrLst>
+    <dgm:txEffectClrLst/>
+  </dgm:styleLbl>
+  <dgm:styleLbl name="alignImgPlace1">
+    <dgm:fillClrLst meth="repeat">
+      <a:schemeClr val="accent4">
+        <a:tint val="50000"/>
+      </a:schemeClr>
+    </dgm:fillClrLst>
+    <dgm:linClrLst meth="repeat">
+      <a:schemeClr val="lt1"/>
+    </dgm:linClrLst>
+    <dgm:effectClrLst/>
+    <dgm:txLinClrLst/>
+    <dgm:txFillClrLst meth="repeat">
+      <a:schemeClr val="lt1"/>
+    </dgm:txFillClrLst>
+    <dgm:txEffectClrLst/>
+  </dgm:styleLbl>
+  <dgm:styleLbl name="bgImgPlace1">
+    <dgm:fillClrLst meth="repeat">
+      <a:schemeClr val="accent4">
+        <a:tint val="50000"/>
+      </a:schemeClr>
+    </dgm:fillClrLst>
+    <dgm:linClrLst meth="repeat">
+      <a:schemeClr val="lt1"/>
+    </dgm:linClrLst>
+    <dgm:effectClrLst/>
+    <dgm:txLinClrLst/>
+    <dgm:txFillClrLst meth="repeat">
+      <a:schemeClr val="lt1"/>
+    </dgm:txFillClrLst>
+    <dgm:txEffectClrLst/>
+  </dgm:styleLbl>
+  <dgm:styleLbl name="sibTrans2D1">
+    <dgm:fillClrLst meth="repeat">
+      <a:schemeClr val="accent4">
+        <a:tint val="60000"/>
+      </a:schemeClr>
+    </dgm:fillClrLst>
+    <dgm:linClrLst meth="repeat">
+      <a:schemeClr val="accent4">
+        <a:tint val="60000"/>
+      </a:schemeClr>
+    </dgm:linClrLst>
+    <dgm:effectClrLst/>
+    <dgm:txLinClrLst/>
+    <dgm:txFillClrLst/>
+    <dgm:txEffectClrLst/>
+  </dgm:styleLbl>
+  <dgm:styleLbl name="fgSibTrans2D1">
+    <dgm:fillClrLst meth="repeat">
+      <a:schemeClr val="accent4">
+        <a:tint val="60000"/>
+      </a:schemeClr>
+    </dgm:fillClrLst>
+    <dgm:linClrLst meth="repeat">
+      <a:schemeClr val="accent4">
+        <a:tint val="60000"/>
+      </a:schemeClr>
+    </dgm:linClrLst>
+    <dgm:effectClrLst/>
+    <dgm:txLinClrLst/>
+    <dgm:txFillClrLst/>
+    <dgm:txEffectClrLst/>
+  </dgm:styleLbl>
+  <dgm:styleLbl name="bgSibTrans2D1">
+    <dgm:fillClrLst meth="repeat">
+      <a:schemeClr val="accent4">
+        <a:tint val="60000"/>
+      </a:schemeClr>
+    </dgm:fillClrLst>
+    <dgm:linClrLst meth="repeat">
+      <a:schemeClr val="accent4">
+        <a:tint val="60000"/>
+      </a:schemeClr>
+    </dgm:linClrLst>
+    <dgm:effectClrLst/>
+    <dgm:txLinClrLst/>
+    <dgm:txFillClrLst/>
+    <dgm:txEffectClrLst/>
+  </dgm:styleLbl>
+  <dgm:styleLbl name="sibTrans1D1">
+    <dgm:fillClrLst meth="repeat">
+      <a:schemeClr val="accent4"/>
+    </dgm:fillClrLst>
+    <dgm:linClrLst meth="repeat">
+      <a:schemeClr val="accent4"/>
+    </dgm:linClrLst>
+    <dgm:effectClrLst/>
+    <dgm:txLinClrLst/>
+    <dgm:txFillClrLst meth="repeat">
+      <a:schemeClr val="tx1"/>
+    </dgm:txFillClrLst>
+    <dgm:txEffectClrLst/>
+  </dgm:styleLbl>
+  <dgm:styleLbl name="callout">
+    <dgm:fillClrLst meth="repeat">
+      <a:schemeClr val="accent4"/>
+    </dgm:fillClrLst>
+    <dgm:linClrLst meth="repeat">
+      <a:schemeClr val="accent4">
+        <a:tint val="50000"/>
+      </a:schemeClr>
+    </dgm:linClrLst>
+    <dgm:effectClrLst/>
+    <dgm:txLinClrLst/>
+    <dgm:txFillClrLst meth="repeat">
+      <a:schemeClr val="tx1"/>
+    </dgm:txFillClrLst>
+    <dgm:txEffectClrLst/>
+  </dgm:styleLbl>
+  <dgm:styleLbl name="asst0">
+    <dgm:fillClrLst meth="repeat">
+      <a:schemeClr val="accent4"/>
+    </dgm:fillClrLst>
+    <dgm:linClrLst meth="repeat">
+      <a:schemeClr val="lt1"/>
+    </dgm:linClrLst>
+    <dgm:effectClrLst/>
+    <dgm:txLinClrLst/>
+    <dgm:txFillClrLst/>
+    <dgm:txEffectClrLst/>
+  </dgm:styleLbl>
+  <dgm:styleLbl name="asst1">
+    <dgm:fillClrLst meth="repeat">
+      <a:schemeClr val="accent4"/>
+    </dgm:fillClrLst>
+    <dgm:linClrLst meth="repeat">
+      <a:schemeClr val="lt1"/>
+    </dgm:linClrLst>
+    <dgm:effectClrLst/>
+    <dgm:txLinClrLst/>
+    <dgm:txFillClrLst/>
+    <dgm:txEffectClrLst/>
+  </dgm:styleLbl>
+  <dgm:styleLbl name="asst2">
+    <dgm:fillClrLst meth="repeat">
+      <a:schemeClr val="accent4"/>
+    </dgm:fillClrLst>
+    <dgm:linClrLst meth="repeat">
+      <a:schemeClr val="lt1"/>
+    </dgm:linClrLst>
+    <dgm:effectClrLst/>
+    <dgm:txLinClrLst/>
+    <dgm:txFillClrLst/>
+    <dgm:txEffectClrLst/>
+  </dgm:styleLbl>
+  <dgm:styleLbl name="asst3">
+    <dgm:fillClrLst meth="repeat">
+      <a:schemeClr val="accent4"/>
+    </dgm:fillClrLst>
+    <dgm:linClrLst meth="repeat">
+      <a:schemeClr val="lt1"/>
+    </dgm:linClrLst>
+    <dgm:effectClrLst/>
+    <dgm:txLinClrLst/>
+    <dgm:txFillClrLst/>
+    <dgm:txEffectClrLst/>
+  </dgm:styleLbl>
+  <dgm:styleLbl name="asst4">
+    <dgm:fillClrLst meth="repeat">
+      <a:schemeClr val="accent4"/>
+    </dgm:fillClrLst>
+    <dgm:linClrLst meth="repeat">
+      <a:schemeClr val="lt1"/>
+    </dgm:linClrLst>
+    <dgm:effectClrLst/>
+    <dgm:txLinClrLst/>
+    <dgm:txFillClrLst/>
+    <dgm:txEffectClrLst/>
+  </dgm:styleLbl>
+  <dgm:styleLbl name="parChTrans2D1">
+    <dgm:fillClrLst meth="repeat">
+      <a:schemeClr val="accent4">
+        <a:tint val="60000"/>
+      </a:schemeClr>
+    </dgm:fillClrLst>
+    <dgm:linClrLst meth="repeat">
+      <a:schemeClr val="accent4">
+        <a:tint val="60000"/>
+      </a:schemeClr>
+    </dgm:linClrLst>
+    <dgm:effectClrLst/>
+    <dgm:txLinClrLst/>
+    <dgm:txFillClrLst meth="repeat">
+      <a:schemeClr val="lt1"/>
+    </dgm:txFillClrLst>
+    <dgm:txEffectClrLst/>
+  </dgm:styleLbl>
+  <dgm:styleLbl name="parChTrans2D2">
+    <dgm:fillClrLst meth="repeat">
+      <a:schemeClr val="accent4"/>
+    </dgm:fillClrLst>
+    <dgm:linClrLst meth="repeat">
+      <a:schemeClr val="accent4"/>
+    </dgm:linClrLst>
+    <dgm:effectClrLst/>
+    <dgm:txLinClrLst/>
+    <dgm:txFillClrLst meth="repeat">
+      <a:schemeClr val="lt1"/>
+    </dgm:txFillClrLst>
+    <dgm:txEffectClrLst/>
+  </dgm:styleLbl>
+  <dgm:styleLbl name="parChTrans2D3">
+    <dgm:fillClrLst meth="repeat">
+      <a:schemeClr val="accent4"/>
+    </dgm:fillClrLst>
+    <dgm:linClrLst meth="repeat">
+      <a:schemeClr val="accent4"/>
+    </dgm:linClrLst>
+    <dgm:effectClrLst/>
+    <dgm:txLinClrLst/>
+    <dgm:txFillClrLst meth="repeat">
+      <a:schemeClr val="lt1"/>
+    </dgm:txFillClrLst>
+    <dgm:txEffectClrLst/>
+  </dgm:styleLbl>
+  <dgm:styleLbl name="parChTrans2D4">
+    <dgm:fillClrLst meth="repeat">
+      <a:schemeClr val="accent4"/>
+    </dgm:fillClrLst>
+    <dgm:linClrLst meth="repeat">
+      <a:schemeClr val="accent4"/>
+    </dgm:linClrLst>
+    <dgm:effectClrLst/>
+    <dgm:txLinClrLst/>
+    <dgm:txFillClrLst meth="repeat">
+      <a:schemeClr val="lt1"/>
+    </dgm:txFillClrLst>
+    <dgm:txEffectClrLst/>
+  </dgm:styleLbl>
+  <dgm:styleLbl name="parChTrans1D1">
+    <dgm:fillClrLst meth="repeat">
+      <a:schemeClr val="accent4"/>
+    </dgm:fillClrLst>
+    <dgm:linClrLst meth="repeat">
+      <a:schemeClr val="accent4">
+        <a:shade val="60000"/>
+      </a:schemeClr>
+    </dgm:linClrLst>
+    <dgm:effectClrLst/>
+    <dgm:txLinClrLst/>
+    <dgm:txFillClrLst meth="repeat">
+      <a:schemeClr val="tx1"/>
+    </dgm:txFillClrLst>
+    <dgm:txEffectClrLst/>
+  </dgm:styleLbl>
+  <dgm:styleLbl name="parChTrans1D2">
+    <dgm:fillClrLst meth="repeat">
+      <a:schemeClr val="accent4"/>
+    </dgm:fillClrLst>
+    <dgm:linClrLst meth="repeat">
+      <a:schemeClr val="accent4">
+        <a:shade val="60000"/>
+      </a:schemeClr>
+    </dgm:linClrLst>
+    <dgm:effectClrLst/>
+    <dgm:txLinClrLst/>
+    <dgm:txFillClrLst meth="repeat">
+      <a:schemeClr val="tx1"/>
+    </dgm:txFillClrLst>
+    <dgm:txEffectClrLst/>
+  </dgm:styleLbl>
+  <dgm:styleLbl name="parChTrans1D3">
+    <dgm:fillClrLst meth="repeat">
+      <a:schemeClr val="accent4"/>
+    </dgm:fillClrLst>
+    <dgm:linClrLst meth="repeat">
+      <a:schemeClr val="accent4">
+        <a:shade val="80000"/>
+      </a:schemeClr>
+    </dgm:linClrLst>
+    <dgm:effectClrLst/>
+    <dgm:txLinClrLst/>
+    <dgm:txFillClrLst meth="repeat">
+      <a:schemeClr val="tx1"/>
+    </dgm:txFillClrLst>
+    <dgm:txEffectClrLst/>
+  </dgm:styleLbl>
+  <dgm:styleLbl name="parChTrans1D4">
+    <dgm:fillClrLst meth="repeat">
+      <a:schemeClr val="accent4"/>
+    </dgm:fillClrLst>
+    <dgm:linClrLst meth="repeat">
+      <a:schemeClr val="accent4">
+        <a:shade val="80000"/>
+      </a:schemeClr>
+    </dgm:linClrLst>
+    <dgm:effectClrLst/>
+    <dgm:txLinClrLst/>
+    <dgm:txFillClrLst meth="repeat">
+      <a:schemeClr val="tx1"/>
+    </dgm:txFillClrLst>
+    <dgm:txEffectClrLst/>
+  </dgm:styleLbl>
+  <dgm:styleLbl name="fgAcc1">
+    <dgm:fillClrLst meth="repeat">
+      <a:schemeClr val="lt1">
+        <a:alpha val="90000"/>
+      </a:schemeClr>
+    </dgm:fillClrLst>
+    <dgm:linClrLst meth="repeat">
+      <a:schemeClr val="accent4"/>
+    </dgm:linClrLst>
+    <dgm:effectClrLst/>
+    <dgm:txLinClrLst/>
+    <dgm:txFillClrLst meth="repeat">
+      <a:schemeClr val="dk1"/>
+    </dgm:txFillClrLst>
+    <dgm:txEffectClrLst/>
+  </dgm:styleLbl>
+  <dgm:styleLbl name="conFgAcc1">
+    <dgm:fillClrLst meth="repeat">
+      <a:schemeClr val="lt1">
+        <a:alpha val="90000"/>
+      </a:schemeClr>
+    </dgm:fillClrLst>
+    <dgm:linClrLst meth="repeat">
+      <a:schemeClr val="accent4"/>
+    </dgm:linClrLst>
+    <dgm:effectClrLst/>
+    <dgm:txLinClrLst/>
+    <dgm:txFillClrLst meth="repeat">
+      <a:schemeClr val="dk1"/>
+    </dgm:txFillClrLst>
+    <dgm:txEffectClrLst/>
+  </dgm:styleLbl>
+  <dgm:styleLbl name="alignAcc1">
+    <dgm:fillClrLst meth="repeat">
+      <a:schemeClr val="lt1">
+        <a:alpha val="90000"/>
+      </a:schemeClr>
+    </dgm:fillClrLst>
+    <dgm:linClrLst meth="repeat">
+      <a:schemeClr val="accent4"/>
+    </dgm:linClrLst>
+    <dgm:effectClrLst/>
+    <dgm:txLinClrLst/>
+    <dgm:txFillClrLst meth="repeat">
+      <a:schemeClr val="dk1"/>
+    </dgm:txFillClrLst>
+    <dgm:txEffectClrLst/>
+  </dgm:styleLbl>
+  <dgm:styleLbl name="trAlignAcc1">
+    <dgm:fillClrLst meth="repeat">
+      <a:schemeClr val="lt1">
+        <a:alpha val="40000"/>
+      </a:schemeClr>
+    </dgm:fillClrLst>
+    <dgm:linClrLst meth="repeat">
+      <a:schemeClr val="accent4"/>
+    </dgm:linClrLst>
+    <dgm:effectClrLst/>
+    <dgm:txLinClrLst/>
+    <dgm:txFillClrLst meth="repeat">
+      <a:schemeClr val="dk1"/>
+    </dgm:txFillClrLst>
+    <dgm:txEffectClrLst/>
+  </dgm:styleLbl>
+  <dgm:styleLbl name="bgAcc1">
+    <dgm:fillClrLst meth="repeat">
+      <a:schemeClr val="lt1">
+        <a:alpha val="90000"/>
+      </a:schemeClr>
+    </dgm:fillClrLst>
+    <dgm:linClrLst meth="repeat">
+      <a:schemeClr val="accent4"/>
+    </dgm:linClrLst>
+    <dgm:effectClrLst/>
+    <dgm:txLinClrLst/>
+    <dgm:txFillClrLst meth="repeat">
+      <a:schemeClr val="dk1"/>
+    </dgm:txFillClrLst>
+    <dgm:txEffectClrLst/>
+  </dgm:styleLbl>
+  <dgm:styleLbl name="solidFgAcc1">
+    <dgm:fillClrLst meth="repeat">
+      <a:schemeClr val="lt1"/>
+    </dgm:fillClrLst>
+    <dgm:linClrLst meth="repeat">
+      <a:schemeClr val="accent4"/>
+    </dgm:linClrLst>
+    <dgm:effectClrLst/>
+    <dgm:txLinClrLst/>
+    <dgm:txFillClrLst meth="repeat">
+      <a:schemeClr val="dk1"/>
+    </dgm:txFillClrLst>
+    <dgm:txEffectClrLst/>
+  </dgm:styleLbl>
+  <dgm:styleLbl name="solidAlignAcc1">
+    <dgm:fillClrLst meth="repeat">
+      <a:schemeClr val="lt1"/>
+    </dgm:fillClrLst>
+    <dgm:linClrLst meth="repeat">
+      <a:schemeClr val="accent4"/>
+    </dgm:linClrLst>
+    <dgm:effectClrLst/>
+    <dgm:txLinClrLst/>
+    <dgm:txFillClrLst meth="repeat">
+      <a:schemeClr val="dk1"/>
+    </dgm:txFillClrLst>
+    <dgm:txEffectClrLst/>
+  </dgm:styleLbl>
+  <dgm:styleLbl name="solidBgAcc1">
+    <dgm:fillClrLst meth="repeat">
+      <a:schemeClr val="lt1"/>
+    </dgm:fillClrLst>
+    <dgm:linClrLst meth="repeat">
+      <a:schemeClr val="accent4"/>
+    </dgm:linClrLst>
+    <dgm:effectClrLst/>
+    <dgm:txLinClrLst/>
+    <dgm:txFillClrLst meth="repeat">
+      <a:schemeClr val="dk1"/>
+    </dgm:txFillClrLst>
+    <dgm:txEffectClrLst/>
+  </dgm:styleLbl>
+  <dgm:styleLbl name="fgAccFollowNode1">
+    <dgm:fillClrLst meth="repeat">
+      <a:schemeClr val="accent4">
+        <a:alpha val="90000"/>
+        <a:tint val="40000"/>
+      </a:schemeClr>
+    </dgm:fillClrLst>
+    <dgm:linClrLst meth="repeat">
+      <a:schemeClr val="accent4">
+        <a:alpha val="90000"/>
+        <a:tint val="40000"/>
+      </a:schemeClr>
+    </dgm:linClrLst>
+    <dgm:effectClrLst/>
+    <dgm:txLinClrLst/>
+    <dgm:txFillClrLst meth="repeat">
+      <a:schemeClr val="dk1"/>
+    </dgm:txFillClrLst>
+    <dgm:txEffectClrLst/>
+  </dgm:styleLbl>
+  <dgm:styleLbl name="alignAccFollowNode1">
+    <dgm:fillClrLst meth="repeat">
+      <a:schemeClr val="accent4">
+        <a:alpha val="90000"/>
+        <a:tint val="40000"/>
+      </a:schemeClr>
+    </dgm:fillClrLst>
+    <dgm:linClrLst meth="repeat">
+      <a:schemeClr val="accent4">
+        <a:alpha val="90000"/>
+        <a:tint val="40000"/>
+      </a:schemeClr>
+    </dgm:linClrLst>
+    <dgm:effectClrLst/>
+    <dgm:txLinClrLst/>
+    <dgm:txFillClrLst meth="repeat">
+      <a:schemeClr val="dk1"/>
+    </dgm:txFillClrLst>
+    <dgm:txEffectClrLst/>
+  </dgm:styleLbl>
+  <dgm:styleLbl name="bgAccFollowNode1">
+    <dgm:fillClrLst meth="repeat">
+      <a:schemeClr val="accent4">
+        <a:alpha val="90000"/>
+        <a:tint val="40000"/>
+      </a:schemeClr>
+    </dgm:fillClrLst>
+    <dgm:linClrLst meth="repeat">
+      <a:schemeClr val="accent4">
+        <a:alpha val="90000"/>
+        <a:tint val="40000"/>
+      </a:schemeClr>
+    </dgm:linClrLst>
+    <dgm:effectClrLst/>
+    <dgm:txLinClrLst/>
+    <dgm:txFillClrLst meth="repeat">
+      <a:schemeClr val="dk1"/>
+    </dgm:txFillClrLst>
+    <dgm:txEffectClrLst/>
+  </dgm:styleLbl>
+  <dgm:styleLbl name="fgAcc0">
+    <dgm:fillClrLst meth="repeat">
+      <a:schemeClr val="lt1">
+        <a:alpha val="90000"/>
+      </a:schemeClr>
+    </dgm:fillClrLst>
+    <dgm:linClrLst meth="repeat">
+      <a:schemeClr val="accent4"/>
+    </dgm:linClrLst>
+    <dgm:effectClrLst/>
+    <dgm:txLinClrLst/>
+    <dgm:txFillClrLst meth="repeat">
+      <a:schemeClr val="dk1"/>
+    </dgm:txFillClrLst>
+    <dgm:txEffectClrLst/>
+  </dgm:styleLbl>
+  <dgm:styleLbl name="fgAcc2">
+    <dgm:fillClrLst meth="repeat">
+      <a:schemeClr val="lt1">
+        <a:alpha val="90000"/>
+      </a:schemeClr>
+    </dgm:fillClrLst>
+    <dgm:linClrLst meth="repeat">
+      <a:schemeClr val="accent4"/>
+    </dgm:linClrLst>
+    <dgm:effectClrLst/>
+    <dgm:txLinClrLst/>
+    <dgm:txFillClrLst meth="repeat">
+      <a:schemeClr val="dk1"/>
+    </dgm:txFillClrLst>
+    <dgm:txEffectClrLst/>
+  </dgm:styleLbl>
+  <dgm:styleLbl name="fgAcc3">
+    <dgm:fillClrLst meth="repeat">
+      <a:schemeClr val="lt1">
+        <a:alpha val="90000"/>
+      </a:schemeClr>
+    </dgm:fillClrLst>
+    <dgm:linClrLst meth="repeat">
+      <a:schemeClr val="accent4"/>
+    </dgm:linClrLst>
+    <dgm:effectClrLst/>
+    <dgm:txLinClrLst/>
+    <dgm:txFillClrLst meth="repeat">
+      <a:schemeClr val="dk1"/>
+    </dgm:txFillClrLst>
+    <dgm:txEffectClrLst/>
+  </dgm:styleLbl>
+  <dgm:styleLbl name="fgAcc4">
+    <dgm:fillClrLst meth="repeat">
+      <a:schemeClr val="lt1">
+        <a:alpha val="90000"/>
+      </a:schemeClr>
+    </dgm:fillClrLst>
+    <dgm:linClrLst meth="repeat">
+      <a:schemeClr val="accent4"/>
+    </dgm:linClrLst>
+    <dgm:effectClrLst/>
+    <dgm:txLinClrLst/>
+    <dgm:txFillClrLst meth="repeat">
+      <a:schemeClr val="dk1"/>
+    </dgm:txFillClrLst>
+    <dgm:txEffectClrLst/>
+  </dgm:styleLbl>
+  <dgm:styleLbl name="bgShp">
+    <dgm:fillClrLst meth="repeat">
+      <a:schemeClr val="accent4">
+        <a:tint val="40000"/>
+      </a:schemeClr>
+    </dgm:fillClrLst>
+    <dgm:linClrLst meth="repeat">
+      <a:schemeClr val="accent4"/>
+    </dgm:linClrLst>
+    <dgm:effectClrLst/>
+    <dgm:txLinClrLst/>
+    <dgm:txFillClrLst meth="repeat">
+      <a:schemeClr val="dk1"/>
+    </dgm:txFillClrLst>
+    <dgm:txEffectClrLst/>
+  </dgm:styleLbl>
+  <dgm:styleLbl name="dkBgShp">
+    <dgm:fillClrLst meth="repeat">
+      <a:schemeClr val="accent4">
+        <a:shade val="80000"/>
+      </a:schemeClr>
+    </dgm:fillClrLst>
+    <dgm:linClrLst meth="repeat">
+      <a:schemeClr val="accent4"/>
+    </dgm:linClrLst>
+    <dgm:effectClrLst/>
+    <dgm:txLinClrLst/>
+    <dgm:txFillClrLst meth="repeat">
+      <a:schemeClr val="lt1"/>
+    </dgm:txFillClrLst>
+    <dgm:txEffectClrLst/>
+  </dgm:styleLbl>
+  <dgm:styleLbl name="trBgShp">
+    <dgm:fillClrLst meth="repeat">
+      <a:schemeClr val="accent4">
+        <a:tint val="50000"/>
+        <a:alpha val="40000"/>
+      </a:schemeClr>
+    </dgm:fillClrLst>
+    <dgm:linClrLst meth="repeat">
+      <a:schemeClr val="accent4"/>
+    </dgm:linClrLst>
+    <dgm:effectClrLst/>
+    <dgm:txLinClrLst/>
+    <dgm:txFillClrLst meth="repeat">
+      <a:schemeClr val="lt1"/>
+    </dgm:txFillClrLst>
+    <dgm:txEffectClrLst/>
+  </dgm:styleLbl>
+  <dgm:styleLbl name="fgShp">
+    <dgm:fillClrLst meth="repeat">
+      <a:schemeClr val="accent4">
+        <a:tint val="60000"/>
+      </a:schemeClr>
+    </dgm:fillClrLst>
+    <dgm:linClrLst meth="repeat">
+      <a:schemeClr val="lt1"/>
+    </dgm:linClrLst>
+    <dgm:effectClrLst/>
+    <dgm:txLinClrLst/>
+    <dgm:txFillClrLst meth="repeat">
+      <a:schemeClr val="dk1"/>
+    </dgm:txFillClrLst>
+    <dgm:txEffectClrLst/>
+  </dgm:styleLbl>
+  <dgm:styleLbl name="revTx">
+    <dgm:fillClrLst meth="repeat">
+      <a:schemeClr val="lt1">
+        <a:alpha val="0"/>
+      </a:schemeClr>
+    </dgm:fillClrLst>
+    <dgm:linClrLst meth="repeat">
+      <a:schemeClr val="dk1">
+        <a:alpha val="0"/>
+      </a:schemeClr>
+    </dgm:linClrLst>
+    <dgm:effectClrLst/>
+    <dgm:txLinClrLst/>
+    <dgm:txFillClrLst meth="repeat">
+      <a:schemeClr val="tx1"/>
+    </dgm:txFillClrLst>
+    <dgm:txEffectClrLst/>
+  </dgm:styleLbl>
+</dgm:colorsDef>
+</file>
+
+<file path=ppt/diagrams/colors3.xml><?xml version="1.0" encoding="utf-8"?>
 <dgm:colorsDef xmlns:dgm="http://schemas.openxmlformats.org/drawingml/2006/diagram" xmlns:a="http://schemas.openxmlformats.org/drawingml/2006/main" uniqueId="urn:microsoft.com/office/officeart/2005/8/colors/accent4_2">
   <dgm:title val=""/>
   <dgm:desc val=""/>
@@ -1921,6 +2669,650 @@
 </file>
 
 <file path=ppt/diagrams/data2.xml><?xml version="1.0" encoding="utf-8"?>
+<dgm:dataModel xmlns:dgm="http://schemas.openxmlformats.org/drawingml/2006/diagram" xmlns:a="http://schemas.openxmlformats.org/drawingml/2006/main">
+  <dgm:ptLst>
+    <dgm:pt modelId="{9C120ED1-DA84-6141-AF17-99BD40324CAC}" type="doc">
+      <dgm:prSet loTypeId="urn:microsoft.com/office/officeart/2009/3/layout/HorizontalOrganizationChart" loCatId="" qsTypeId="urn:microsoft.com/office/officeart/2005/8/quickstyle/simple3" qsCatId="simple" csTypeId="urn:microsoft.com/office/officeart/2005/8/colors/accent4_2" csCatId="accent4" phldr="1"/>
+      <dgm:spPr/>
+      <dgm:t>
+        <a:bodyPr/>
+        <a:lstStyle/>
+        <a:p>
+          <a:endParaRPr lang="en-US"/>
+        </a:p>
+      </dgm:t>
+    </dgm:pt>
+    <dgm:pt modelId="{855D2BB1-E72D-E840-8D82-094C952785DB}">
+      <dgm:prSet phldrT="[Text]"/>
+      <dgm:spPr/>
+      <dgm:t>
+        <a:bodyPr/>
+        <a:lstStyle/>
+        <a:p>
+          <a:r>
+            <a:rPr lang="en-US" dirty="0">
+              <a:solidFill>
+                <a:schemeClr val="bg1"/>
+              </a:solidFill>
+            </a:rPr>
+            <a:t>CVE Data User</a:t>
+          </a:r>
+        </a:p>
+      </dgm:t>
+    </dgm:pt>
+    <dgm:pt modelId="{E4855703-63BA-8B45-A775-E7C17AB47448}" type="parTrans" cxnId="{C113C9DC-4F45-824C-B911-1081EE382B2C}">
+      <dgm:prSet/>
+      <dgm:spPr/>
+      <dgm:t>
+        <a:bodyPr/>
+        <a:lstStyle/>
+        <a:p>
+          <a:endParaRPr lang="en-US"/>
+        </a:p>
+      </dgm:t>
+    </dgm:pt>
+    <dgm:pt modelId="{F076A4C9-82DE-1642-9902-D969C49FC9F3}" type="sibTrans" cxnId="{C113C9DC-4F45-824C-B911-1081EE382B2C}">
+      <dgm:prSet/>
+      <dgm:spPr/>
+      <dgm:t>
+        <a:bodyPr/>
+        <a:lstStyle/>
+        <a:p>
+          <a:endParaRPr lang="en-US"/>
+        </a:p>
+      </dgm:t>
+    </dgm:pt>
+    <dgm:pt modelId="{DC4F5EF9-C8F4-7949-AC23-2A32BB941AAF}">
+      <dgm:prSet phldrT="[Text]"/>
+      <dgm:spPr/>
+      <dgm:t>
+        <a:bodyPr/>
+        <a:lstStyle/>
+        <a:p>
+          <a:r>
+            <a:rPr lang="en-US" dirty="0">
+              <a:solidFill>
+                <a:schemeClr val="bg1"/>
+              </a:solidFill>
+            </a:rPr>
+            <a:t>NVD</a:t>
+          </a:r>
+        </a:p>
+      </dgm:t>
+    </dgm:pt>
+    <dgm:pt modelId="{90A6FB0F-609E-CC41-8B27-858E5A581A46}" type="parTrans" cxnId="{1F02916B-A49F-B144-9FC8-2844232AF807}">
+      <dgm:prSet/>
+      <dgm:spPr/>
+      <dgm:t>
+        <a:bodyPr/>
+        <a:lstStyle/>
+        <a:p>
+          <a:endParaRPr lang="en-US"/>
+        </a:p>
+      </dgm:t>
+    </dgm:pt>
+    <dgm:pt modelId="{BFFC15DD-FEF8-444D-9633-AADF1A4FFD7C}" type="sibTrans" cxnId="{1F02916B-A49F-B144-9FC8-2844232AF807}">
+      <dgm:prSet/>
+      <dgm:spPr/>
+      <dgm:t>
+        <a:bodyPr/>
+        <a:lstStyle/>
+        <a:p>
+          <a:endParaRPr lang="en-US"/>
+        </a:p>
+      </dgm:t>
+    </dgm:pt>
+    <dgm:pt modelId="{35664E91-8F5A-1B4E-BE73-E37D38923690}">
+      <dgm:prSet phldrT="[Text]"/>
+      <dgm:spPr/>
+      <dgm:t>
+        <a:bodyPr/>
+        <a:lstStyle/>
+        <a:p>
+          <a:r>
+            <a:rPr lang="en-US" b="1" i="1" dirty="0">
+              <a:solidFill>
+                <a:schemeClr val="bg1"/>
+              </a:solidFill>
+            </a:rPr>
+            <a:t>CVE Program</a:t>
+          </a:r>
+        </a:p>
+      </dgm:t>
+    </dgm:pt>
+    <dgm:pt modelId="{18089373-F079-CA44-A8EA-A19EF69583A7}" type="parTrans" cxnId="{CFC9E3BC-1013-9148-9ACE-7A2F9A73901A}">
+      <dgm:prSet/>
+      <dgm:spPr/>
+      <dgm:t>
+        <a:bodyPr/>
+        <a:lstStyle/>
+        <a:p>
+          <a:endParaRPr lang="en-US"/>
+        </a:p>
+      </dgm:t>
+    </dgm:pt>
+    <dgm:pt modelId="{56F67246-A85B-C246-B07F-99AFFB9FAD68}" type="sibTrans" cxnId="{CFC9E3BC-1013-9148-9ACE-7A2F9A73901A}">
+      <dgm:prSet/>
+      <dgm:spPr/>
+      <dgm:t>
+        <a:bodyPr/>
+        <a:lstStyle/>
+        <a:p>
+          <a:endParaRPr lang="en-US"/>
+        </a:p>
+      </dgm:t>
+    </dgm:pt>
+    <dgm:pt modelId="{55B71356-B27E-694E-8F44-21CBB1E663D0}">
+      <dgm:prSet phldrT="[Text]"/>
+      <dgm:spPr/>
+      <dgm:t>
+        <a:bodyPr/>
+        <a:lstStyle/>
+        <a:p>
+          <a:r>
+            <a:rPr lang="en-US" dirty="0">
+              <a:solidFill>
+                <a:schemeClr val="bg1"/>
+              </a:solidFill>
+            </a:rPr>
+            <a:t>Other Sources</a:t>
+          </a:r>
+        </a:p>
+      </dgm:t>
+    </dgm:pt>
+    <dgm:pt modelId="{CE8BD76B-0B97-414D-8642-F735002370C1}" type="parTrans" cxnId="{B233FB70-11CA-C040-A3CF-026049F7D2C5}">
+      <dgm:prSet/>
+      <dgm:spPr/>
+      <dgm:t>
+        <a:bodyPr/>
+        <a:lstStyle/>
+        <a:p>
+          <a:endParaRPr lang="en-US"/>
+        </a:p>
+      </dgm:t>
+    </dgm:pt>
+    <dgm:pt modelId="{12A9A2D2-15A6-7F47-ADF8-7D1B80D1D1B8}" type="sibTrans" cxnId="{B233FB70-11CA-C040-A3CF-026049F7D2C5}">
+      <dgm:prSet/>
+      <dgm:spPr/>
+      <dgm:t>
+        <a:bodyPr/>
+        <a:lstStyle/>
+        <a:p>
+          <a:endParaRPr lang="en-US"/>
+        </a:p>
+      </dgm:t>
+    </dgm:pt>
+    <dgm:pt modelId="{F11CB33C-80DA-554D-91F0-6501EF1F3466}">
+      <dgm:prSet phldrT="[Text]"/>
+      <dgm:spPr/>
+      <dgm:t>
+        <a:bodyPr/>
+        <a:lstStyle/>
+        <a:p>
+          <a:r>
+            <a:rPr lang="en-US" dirty="0">
+              <a:solidFill>
+                <a:schemeClr val="bg1"/>
+              </a:solidFill>
+            </a:rPr>
+            <a:t>OSV</a:t>
+          </a:r>
+        </a:p>
+      </dgm:t>
+    </dgm:pt>
+    <dgm:pt modelId="{2D986360-7F95-6B47-8D9F-FDED8BAB2D4A}" type="parTrans" cxnId="{6C5EC3B8-F359-2244-87FA-B9F07F3863FF}">
+      <dgm:prSet/>
+      <dgm:spPr/>
+      <dgm:t>
+        <a:bodyPr/>
+        <a:lstStyle/>
+        <a:p>
+          <a:endParaRPr lang="en-US"/>
+        </a:p>
+      </dgm:t>
+    </dgm:pt>
+    <dgm:pt modelId="{8A316BF9-A7B0-B748-BD21-B1664719C6CA}" type="sibTrans" cxnId="{6C5EC3B8-F359-2244-87FA-B9F07F3863FF}">
+      <dgm:prSet/>
+      <dgm:spPr/>
+      <dgm:t>
+        <a:bodyPr/>
+        <a:lstStyle/>
+        <a:p>
+          <a:endParaRPr lang="en-US"/>
+        </a:p>
+      </dgm:t>
+    </dgm:pt>
+    <dgm:pt modelId="{213AB6AB-8D39-4A49-9A86-6E9B62BC2BB9}">
+      <dgm:prSet phldrT="[Text]"/>
+      <dgm:spPr/>
+      <dgm:t>
+        <a:bodyPr/>
+        <a:lstStyle/>
+        <a:p>
+          <a:r>
+            <a:rPr lang="en-US" dirty="0">
+              <a:solidFill>
+                <a:schemeClr val="bg1"/>
+              </a:solidFill>
+            </a:rPr>
+            <a:t>CIRCL</a:t>
+          </a:r>
+        </a:p>
+      </dgm:t>
+    </dgm:pt>
+    <dgm:pt modelId="{65FF3EB1-A628-534D-92B3-C07371D00D88}" type="parTrans" cxnId="{54CA3684-F039-1A47-9943-DA3138F82905}">
+      <dgm:prSet/>
+      <dgm:spPr/>
+      <dgm:t>
+        <a:bodyPr/>
+        <a:lstStyle/>
+        <a:p>
+          <a:endParaRPr lang="en-US"/>
+        </a:p>
+      </dgm:t>
+    </dgm:pt>
+    <dgm:pt modelId="{340A9916-A22C-7C42-B1C1-7220E3342090}" type="sibTrans" cxnId="{54CA3684-F039-1A47-9943-DA3138F82905}">
+      <dgm:prSet/>
+      <dgm:spPr/>
+      <dgm:t>
+        <a:bodyPr/>
+        <a:lstStyle/>
+        <a:p>
+          <a:endParaRPr lang="en-US"/>
+        </a:p>
+      </dgm:t>
+    </dgm:pt>
+    <dgm:pt modelId="{F244B9FE-2F12-7941-9665-B973FAC2707B}">
+      <dgm:prSet phldrT="[Text]"/>
+      <dgm:spPr/>
+      <dgm:t>
+        <a:bodyPr/>
+        <a:lstStyle/>
+        <a:p>
+          <a:r>
+            <a:rPr lang="en-US" dirty="0">
+              <a:solidFill>
+                <a:schemeClr val="bg1"/>
+              </a:solidFill>
+            </a:rPr>
+            <a:t>Paid Data</a:t>
+          </a:r>
+        </a:p>
+      </dgm:t>
+    </dgm:pt>
+    <dgm:pt modelId="{69979AA1-62DA-6A41-8A4E-F30AAB0C94D1}" type="parTrans" cxnId="{CBE651CF-EED8-9C4E-B170-96220EF25148}">
+      <dgm:prSet/>
+      <dgm:spPr/>
+      <dgm:t>
+        <a:bodyPr/>
+        <a:lstStyle/>
+        <a:p>
+          <a:endParaRPr lang="en-US"/>
+        </a:p>
+      </dgm:t>
+    </dgm:pt>
+    <dgm:pt modelId="{FD9BAC9D-EEC6-D343-AAED-098AB47EFC6B}" type="sibTrans" cxnId="{CBE651CF-EED8-9C4E-B170-96220EF25148}">
+      <dgm:prSet/>
+      <dgm:spPr/>
+      <dgm:t>
+        <a:bodyPr/>
+        <a:lstStyle/>
+        <a:p>
+          <a:endParaRPr lang="en-US"/>
+        </a:p>
+      </dgm:t>
+    </dgm:pt>
+    <dgm:pt modelId="{CF233EE0-D4DD-F64D-99FF-6E915648D524}" type="pres">
+      <dgm:prSet presAssocID="{9C120ED1-DA84-6141-AF17-99BD40324CAC}" presName="hierChild1" presStyleCnt="0">
+        <dgm:presLayoutVars>
+          <dgm:orgChart val="1"/>
+          <dgm:chPref val="1"/>
+          <dgm:dir/>
+          <dgm:animOne val="branch"/>
+          <dgm:animLvl val="lvl"/>
+          <dgm:resizeHandles/>
+        </dgm:presLayoutVars>
+      </dgm:prSet>
+      <dgm:spPr/>
+    </dgm:pt>
+    <dgm:pt modelId="{5CF1EEA7-CE95-1449-9D2F-80886DA36406}" type="pres">
+      <dgm:prSet presAssocID="{855D2BB1-E72D-E840-8D82-094C952785DB}" presName="hierRoot1" presStyleCnt="0">
+        <dgm:presLayoutVars>
+          <dgm:hierBranch val="init"/>
+        </dgm:presLayoutVars>
+      </dgm:prSet>
+      <dgm:spPr/>
+    </dgm:pt>
+    <dgm:pt modelId="{E51E2218-F747-6A43-90FB-9A688E2DAD1A}" type="pres">
+      <dgm:prSet presAssocID="{855D2BB1-E72D-E840-8D82-094C952785DB}" presName="rootComposite1" presStyleCnt="0"/>
+      <dgm:spPr/>
+    </dgm:pt>
+    <dgm:pt modelId="{50FF0439-0DA1-9847-A7C8-05F024248D4D}" type="pres">
+      <dgm:prSet presAssocID="{855D2BB1-E72D-E840-8D82-094C952785DB}" presName="rootText1" presStyleLbl="node0" presStyleIdx="0" presStyleCnt="1">
+        <dgm:presLayoutVars>
+          <dgm:chPref val="3"/>
+        </dgm:presLayoutVars>
+      </dgm:prSet>
+      <dgm:spPr/>
+    </dgm:pt>
+    <dgm:pt modelId="{B8F60694-014B-C749-AD4D-084245A206AB}" type="pres">
+      <dgm:prSet presAssocID="{855D2BB1-E72D-E840-8D82-094C952785DB}" presName="rootConnector1" presStyleLbl="node1" presStyleIdx="0" presStyleCnt="0"/>
+      <dgm:spPr/>
+    </dgm:pt>
+    <dgm:pt modelId="{DD03B89F-C2C2-0948-86C9-A2323CB8B173}" type="pres">
+      <dgm:prSet presAssocID="{855D2BB1-E72D-E840-8D82-094C952785DB}" presName="hierChild2" presStyleCnt="0"/>
+      <dgm:spPr/>
+    </dgm:pt>
+    <dgm:pt modelId="{1F47FA78-C361-FD4C-AD52-BEA7398E9E76}" type="pres">
+      <dgm:prSet presAssocID="{18089373-F079-CA44-A8EA-A19EF69583A7}" presName="Name64" presStyleLbl="parChTrans1D2" presStyleIdx="0" presStyleCnt="3"/>
+      <dgm:spPr/>
+    </dgm:pt>
+    <dgm:pt modelId="{9ED0864F-0DF0-514C-9438-702A879408DD}" type="pres">
+      <dgm:prSet presAssocID="{35664E91-8F5A-1B4E-BE73-E37D38923690}" presName="hierRoot2" presStyleCnt="0">
+        <dgm:presLayoutVars>
+          <dgm:hierBranch val="init"/>
+        </dgm:presLayoutVars>
+      </dgm:prSet>
+      <dgm:spPr/>
+    </dgm:pt>
+    <dgm:pt modelId="{A0DDEC6A-3BF0-5E47-B208-8BAEA191F6F0}" type="pres">
+      <dgm:prSet presAssocID="{35664E91-8F5A-1B4E-BE73-E37D38923690}" presName="rootComposite" presStyleCnt="0"/>
+      <dgm:spPr/>
+    </dgm:pt>
+    <dgm:pt modelId="{1B1D84B7-EC37-D846-B632-9BDD4CBA1645}" type="pres">
+      <dgm:prSet presAssocID="{35664E91-8F5A-1B4E-BE73-E37D38923690}" presName="rootText" presStyleLbl="node2" presStyleIdx="0" presStyleCnt="3">
+        <dgm:presLayoutVars>
+          <dgm:chPref val="3"/>
+        </dgm:presLayoutVars>
+      </dgm:prSet>
+      <dgm:spPr/>
+    </dgm:pt>
+    <dgm:pt modelId="{8165F6BD-F86F-454A-9BFB-ABB62D82316F}" type="pres">
+      <dgm:prSet presAssocID="{35664E91-8F5A-1B4E-BE73-E37D38923690}" presName="rootConnector" presStyleLbl="node2" presStyleIdx="0" presStyleCnt="3"/>
+      <dgm:spPr/>
+    </dgm:pt>
+    <dgm:pt modelId="{8E1650FB-5592-BC4C-BB92-097C749EDFAA}" type="pres">
+      <dgm:prSet presAssocID="{35664E91-8F5A-1B4E-BE73-E37D38923690}" presName="hierChild4" presStyleCnt="0"/>
+      <dgm:spPr/>
+    </dgm:pt>
+    <dgm:pt modelId="{8D3637A7-7B14-D34D-AA4F-3237D115330D}" type="pres">
+      <dgm:prSet presAssocID="{35664E91-8F5A-1B4E-BE73-E37D38923690}" presName="hierChild5" presStyleCnt="0"/>
+      <dgm:spPr/>
+    </dgm:pt>
+    <dgm:pt modelId="{D7A6FC12-D1DE-5E4D-B8C7-EE03326BD3DF}" type="pres">
+      <dgm:prSet presAssocID="{90A6FB0F-609E-CC41-8B27-858E5A581A46}" presName="Name64" presStyleLbl="parChTrans1D2" presStyleIdx="1" presStyleCnt="3"/>
+      <dgm:spPr/>
+    </dgm:pt>
+    <dgm:pt modelId="{03810B80-C3F1-254E-BC89-D36723EBDC4B}" type="pres">
+      <dgm:prSet presAssocID="{DC4F5EF9-C8F4-7949-AC23-2A32BB941AAF}" presName="hierRoot2" presStyleCnt="0">
+        <dgm:presLayoutVars>
+          <dgm:hierBranch val="init"/>
+        </dgm:presLayoutVars>
+      </dgm:prSet>
+      <dgm:spPr/>
+    </dgm:pt>
+    <dgm:pt modelId="{A5033B74-BDCC-D643-BD8B-A518EA24C665}" type="pres">
+      <dgm:prSet presAssocID="{DC4F5EF9-C8F4-7949-AC23-2A32BB941AAF}" presName="rootComposite" presStyleCnt="0"/>
+      <dgm:spPr/>
+    </dgm:pt>
+    <dgm:pt modelId="{712F89A2-B241-A24F-89AA-CD9D90CB6BD0}" type="pres">
+      <dgm:prSet presAssocID="{DC4F5EF9-C8F4-7949-AC23-2A32BB941AAF}" presName="rootText" presStyleLbl="node2" presStyleIdx="1" presStyleCnt="3">
+        <dgm:presLayoutVars>
+          <dgm:chPref val="3"/>
+        </dgm:presLayoutVars>
+      </dgm:prSet>
+      <dgm:spPr/>
+    </dgm:pt>
+    <dgm:pt modelId="{82868C60-E156-FE4C-81DA-CF52E9195123}" type="pres">
+      <dgm:prSet presAssocID="{DC4F5EF9-C8F4-7949-AC23-2A32BB941AAF}" presName="rootConnector" presStyleLbl="node2" presStyleIdx="1" presStyleCnt="3"/>
+      <dgm:spPr/>
+    </dgm:pt>
+    <dgm:pt modelId="{6AFF39B5-F043-7B4D-800C-54877BA28E93}" type="pres">
+      <dgm:prSet presAssocID="{DC4F5EF9-C8F4-7949-AC23-2A32BB941AAF}" presName="hierChild4" presStyleCnt="0"/>
+      <dgm:spPr/>
+    </dgm:pt>
+    <dgm:pt modelId="{9D62A23B-4D91-E141-A1E5-D636EB338CF5}" type="pres">
+      <dgm:prSet presAssocID="{DC4F5EF9-C8F4-7949-AC23-2A32BB941AAF}" presName="hierChild5" presStyleCnt="0"/>
+      <dgm:spPr/>
+    </dgm:pt>
+    <dgm:pt modelId="{2A92E546-1173-1B40-BBA1-DCB337DCA3F1}" type="pres">
+      <dgm:prSet presAssocID="{CE8BD76B-0B97-414D-8642-F735002370C1}" presName="Name64" presStyleLbl="parChTrans1D2" presStyleIdx="2" presStyleCnt="3"/>
+      <dgm:spPr/>
+    </dgm:pt>
+    <dgm:pt modelId="{A9478991-AC5A-0B40-9C3F-3023A8B5A122}" type="pres">
+      <dgm:prSet presAssocID="{55B71356-B27E-694E-8F44-21CBB1E663D0}" presName="hierRoot2" presStyleCnt="0">
+        <dgm:presLayoutVars>
+          <dgm:hierBranch val="init"/>
+        </dgm:presLayoutVars>
+      </dgm:prSet>
+      <dgm:spPr/>
+    </dgm:pt>
+    <dgm:pt modelId="{D0FFB55A-1B7A-544E-984D-316CA549841C}" type="pres">
+      <dgm:prSet presAssocID="{55B71356-B27E-694E-8F44-21CBB1E663D0}" presName="rootComposite" presStyleCnt="0"/>
+      <dgm:spPr/>
+    </dgm:pt>
+    <dgm:pt modelId="{3AA74077-31A6-444E-A965-77BB63C4F130}" type="pres">
+      <dgm:prSet presAssocID="{55B71356-B27E-694E-8F44-21CBB1E663D0}" presName="rootText" presStyleLbl="node2" presStyleIdx="2" presStyleCnt="3">
+        <dgm:presLayoutVars>
+          <dgm:chPref val="3"/>
+        </dgm:presLayoutVars>
+      </dgm:prSet>
+      <dgm:spPr/>
+    </dgm:pt>
+    <dgm:pt modelId="{6AE13549-5C18-E744-B779-030D0EC887D3}" type="pres">
+      <dgm:prSet presAssocID="{55B71356-B27E-694E-8F44-21CBB1E663D0}" presName="rootConnector" presStyleLbl="node2" presStyleIdx="2" presStyleCnt="3"/>
+      <dgm:spPr/>
+    </dgm:pt>
+    <dgm:pt modelId="{763A2B86-33D8-A049-BCA4-6D3A5A4D7F53}" type="pres">
+      <dgm:prSet presAssocID="{55B71356-B27E-694E-8F44-21CBB1E663D0}" presName="hierChild4" presStyleCnt="0"/>
+      <dgm:spPr/>
+    </dgm:pt>
+    <dgm:pt modelId="{E0814378-D6A7-214E-993F-4FB727CF1DA7}" type="pres">
+      <dgm:prSet presAssocID="{2D986360-7F95-6B47-8D9F-FDED8BAB2D4A}" presName="Name64" presStyleLbl="parChTrans1D3" presStyleIdx="0" presStyleCnt="3"/>
+      <dgm:spPr/>
+    </dgm:pt>
+    <dgm:pt modelId="{DB9CE64F-B528-364C-828D-8B201603939B}" type="pres">
+      <dgm:prSet presAssocID="{F11CB33C-80DA-554D-91F0-6501EF1F3466}" presName="hierRoot2" presStyleCnt="0">
+        <dgm:presLayoutVars>
+          <dgm:hierBranch val="init"/>
+        </dgm:presLayoutVars>
+      </dgm:prSet>
+      <dgm:spPr/>
+    </dgm:pt>
+    <dgm:pt modelId="{6CEBFEB0-6751-2F48-8440-5014DB184696}" type="pres">
+      <dgm:prSet presAssocID="{F11CB33C-80DA-554D-91F0-6501EF1F3466}" presName="rootComposite" presStyleCnt="0"/>
+      <dgm:spPr/>
+    </dgm:pt>
+    <dgm:pt modelId="{F2E6E288-52FF-674C-849D-31DAA2DD6A88}" type="pres">
+      <dgm:prSet presAssocID="{F11CB33C-80DA-554D-91F0-6501EF1F3466}" presName="rootText" presStyleLbl="node3" presStyleIdx="0" presStyleCnt="3">
+        <dgm:presLayoutVars>
+          <dgm:chPref val="3"/>
+        </dgm:presLayoutVars>
+      </dgm:prSet>
+      <dgm:spPr/>
+    </dgm:pt>
+    <dgm:pt modelId="{35BB9909-337B-D94F-BCB4-49FF31829D47}" type="pres">
+      <dgm:prSet presAssocID="{F11CB33C-80DA-554D-91F0-6501EF1F3466}" presName="rootConnector" presStyleLbl="node3" presStyleIdx="0" presStyleCnt="3"/>
+      <dgm:spPr/>
+    </dgm:pt>
+    <dgm:pt modelId="{24E83ABE-788C-DA4F-B1C2-2F7D180FC84B}" type="pres">
+      <dgm:prSet presAssocID="{F11CB33C-80DA-554D-91F0-6501EF1F3466}" presName="hierChild4" presStyleCnt="0"/>
+      <dgm:spPr/>
+    </dgm:pt>
+    <dgm:pt modelId="{6DA3D56D-24B5-7E4D-82B4-D508F926BCAE}" type="pres">
+      <dgm:prSet presAssocID="{F11CB33C-80DA-554D-91F0-6501EF1F3466}" presName="hierChild5" presStyleCnt="0"/>
+      <dgm:spPr/>
+    </dgm:pt>
+    <dgm:pt modelId="{BC6F2290-060F-2A40-A7F9-C5047F0C81FC}" type="pres">
+      <dgm:prSet presAssocID="{65FF3EB1-A628-534D-92B3-C07371D00D88}" presName="Name64" presStyleLbl="parChTrans1D3" presStyleIdx="1" presStyleCnt="3"/>
+      <dgm:spPr/>
+    </dgm:pt>
+    <dgm:pt modelId="{1D754650-DFF9-8B43-B78B-E7945774F569}" type="pres">
+      <dgm:prSet presAssocID="{213AB6AB-8D39-4A49-9A86-6E9B62BC2BB9}" presName="hierRoot2" presStyleCnt="0">
+        <dgm:presLayoutVars>
+          <dgm:hierBranch val="init"/>
+        </dgm:presLayoutVars>
+      </dgm:prSet>
+      <dgm:spPr/>
+    </dgm:pt>
+    <dgm:pt modelId="{DA7850AC-CCDF-924E-A2F5-02419AB1A22B}" type="pres">
+      <dgm:prSet presAssocID="{213AB6AB-8D39-4A49-9A86-6E9B62BC2BB9}" presName="rootComposite" presStyleCnt="0"/>
+      <dgm:spPr/>
+    </dgm:pt>
+    <dgm:pt modelId="{177AA90A-DF6A-E345-9C26-2FE8F328A27F}" type="pres">
+      <dgm:prSet presAssocID="{213AB6AB-8D39-4A49-9A86-6E9B62BC2BB9}" presName="rootText" presStyleLbl="node3" presStyleIdx="1" presStyleCnt="3">
+        <dgm:presLayoutVars>
+          <dgm:chPref val="3"/>
+        </dgm:presLayoutVars>
+      </dgm:prSet>
+      <dgm:spPr/>
+    </dgm:pt>
+    <dgm:pt modelId="{518339D6-40C6-BC46-9391-DAAF9ACF0EE4}" type="pres">
+      <dgm:prSet presAssocID="{213AB6AB-8D39-4A49-9A86-6E9B62BC2BB9}" presName="rootConnector" presStyleLbl="node3" presStyleIdx="1" presStyleCnt="3"/>
+      <dgm:spPr/>
+    </dgm:pt>
+    <dgm:pt modelId="{FAC80D1C-4B8D-A142-B14B-694DB9195C31}" type="pres">
+      <dgm:prSet presAssocID="{213AB6AB-8D39-4A49-9A86-6E9B62BC2BB9}" presName="hierChild4" presStyleCnt="0"/>
+      <dgm:spPr/>
+    </dgm:pt>
+    <dgm:pt modelId="{64F7FDF4-515F-C449-856E-233C0EC0B9E4}" type="pres">
+      <dgm:prSet presAssocID="{213AB6AB-8D39-4A49-9A86-6E9B62BC2BB9}" presName="hierChild5" presStyleCnt="0"/>
+      <dgm:spPr/>
+    </dgm:pt>
+    <dgm:pt modelId="{BA619F40-2AC6-1546-B984-F2E7C519A034}" type="pres">
+      <dgm:prSet presAssocID="{69979AA1-62DA-6A41-8A4E-F30AAB0C94D1}" presName="Name64" presStyleLbl="parChTrans1D3" presStyleIdx="2" presStyleCnt="3"/>
+      <dgm:spPr/>
+    </dgm:pt>
+    <dgm:pt modelId="{6641EFE5-B122-B34B-B671-C8C5E608DBFE}" type="pres">
+      <dgm:prSet presAssocID="{F244B9FE-2F12-7941-9665-B973FAC2707B}" presName="hierRoot2" presStyleCnt="0">
+        <dgm:presLayoutVars>
+          <dgm:hierBranch val="init"/>
+        </dgm:presLayoutVars>
+      </dgm:prSet>
+      <dgm:spPr/>
+    </dgm:pt>
+    <dgm:pt modelId="{C9CC876C-83AF-1B4D-BA27-6C2F473B4401}" type="pres">
+      <dgm:prSet presAssocID="{F244B9FE-2F12-7941-9665-B973FAC2707B}" presName="rootComposite" presStyleCnt="0"/>
+      <dgm:spPr/>
+    </dgm:pt>
+    <dgm:pt modelId="{31548CED-9112-6E4D-BEFF-CDD4E397DE36}" type="pres">
+      <dgm:prSet presAssocID="{F244B9FE-2F12-7941-9665-B973FAC2707B}" presName="rootText" presStyleLbl="node3" presStyleIdx="2" presStyleCnt="3">
+        <dgm:presLayoutVars>
+          <dgm:chPref val="3"/>
+        </dgm:presLayoutVars>
+      </dgm:prSet>
+      <dgm:spPr/>
+    </dgm:pt>
+    <dgm:pt modelId="{D332A28E-3D0C-D047-ADE2-9C24380E2F24}" type="pres">
+      <dgm:prSet presAssocID="{F244B9FE-2F12-7941-9665-B973FAC2707B}" presName="rootConnector" presStyleLbl="node3" presStyleIdx="2" presStyleCnt="3"/>
+      <dgm:spPr/>
+    </dgm:pt>
+    <dgm:pt modelId="{C777B789-8A5C-D644-B17D-86A80C8D0351}" type="pres">
+      <dgm:prSet presAssocID="{F244B9FE-2F12-7941-9665-B973FAC2707B}" presName="hierChild4" presStyleCnt="0"/>
+      <dgm:spPr/>
+    </dgm:pt>
+    <dgm:pt modelId="{34C811E3-8C8E-9C4D-B083-793DA2B3FD48}" type="pres">
+      <dgm:prSet presAssocID="{F244B9FE-2F12-7941-9665-B973FAC2707B}" presName="hierChild5" presStyleCnt="0"/>
+      <dgm:spPr/>
+    </dgm:pt>
+    <dgm:pt modelId="{9EC7D00F-517F-D94D-A22A-3AECE3C3FAD4}" type="pres">
+      <dgm:prSet presAssocID="{55B71356-B27E-694E-8F44-21CBB1E663D0}" presName="hierChild5" presStyleCnt="0"/>
+      <dgm:spPr/>
+    </dgm:pt>
+    <dgm:pt modelId="{12B4ACD6-8859-E047-8E80-97C0BCE77165}" type="pres">
+      <dgm:prSet presAssocID="{855D2BB1-E72D-E840-8D82-094C952785DB}" presName="hierChild3" presStyleCnt="0"/>
+      <dgm:spPr/>
+    </dgm:pt>
+  </dgm:ptLst>
+  <dgm:cxnLst>
+    <dgm:cxn modelId="{1B183B00-E7DD-EF44-94B5-B277796F908D}" type="presOf" srcId="{65FF3EB1-A628-534D-92B3-C07371D00D88}" destId="{BC6F2290-060F-2A40-A7F9-C5047F0C81FC}" srcOrd="0" destOrd="0" presId="urn:microsoft.com/office/officeart/2009/3/layout/HorizontalOrganizationChart"/>
+    <dgm:cxn modelId="{4C05D101-B153-7D43-B295-B86A520A731C}" type="presOf" srcId="{F11CB33C-80DA-554D-91F0-6501EF1F3466}" destId="{F2E6E288-52FF-674C-849D-31DAA2DD6A88}" srcOrd="0" destOrd="0" presId="urn:microsoft.com/office/officeart/2009/3/layout/HorizontalOrganizationChart"/>
+    <dgm:cxn modelId="{56BBA117-37BB-7145-9170-F88CEA511EEE}" type="presOf" srcId="{F11CB33C-80DA-554D-91F0-6501EF1F3466}" destId="{35BB9909-337B-D94F-BCB4-49FF31829D47}" srcOrd="1" destOrd="0" presId="urn:microsoft.com/office/officeart/2009/3/layout/HorizontalOrganizationChart"/>
+    <dgm:cxn modelId="{B7514D1C-E26D-9645-83CD-6E5D69778947}" type="presOf" srcId="{CE8BD76B-0B97-414D-8642-F735002370C1}" destId="{2A92E546-1173-1B40-BBA1-DCB337DCA3F1}" srcOrd="0" destOrd="0" presId="urn:microsoft.com/office/officeart/2009/3/layout/HorizontalOrganizationChart"/>
+    <dgm:cxn modelId="{2331CA2D-195E-804A-8143-62801612A4AC}" type="presOf" srcId="{F244B9FE-2F12-7941-9665-B973FAC2707B}" destId="{D332A28E-3D0C-D047-ADE2-9C24380E2F24}" srcOrd="1" destOrd="0" presId="urn:microsoft.com/office/officeart/2009/3/layout/HorizontalOrganizationChart"/>
+    <dgm:cxn modelId="{C43EE338-3533-4A4A-A056-F3845155F3F6}" type="presOf" srcId="{9C120ED1-DA84-6141-AF17-99BD40324CAC}" destId="{CF233EE0-D4DD-F64D-99FF-6E915648D524}" srcOrd="0" destOrd="0" presId="urn:microsoft.com/office/officeart/2009/3/layout/HorizontalOrganizationChart"/>
+    <dgm:cxn modelId="{C0854441-D83F-424B-935E-72868E554630}" type="presOf" srcId="{55B71356-B27E-694E-8F44-21CBB1E663D0}" destId="{3AA74077-31A6-444E-A965-77BB63C4F130}" srcOrd="0" destOrd="0" presId="urn:microsoft.com/office/officeart/2009/3/layout/HorizontalOrganizationChart"/>
+    <dgm:cxn modelId="{7B72E445-81D1-AE42-8EA3-643B92F1E573}" type="presOf" srcId="{F244B9FE-2F12-7941-9665-B973FAC2707B}" destId="{31548CED-9112-6E4D-BEFF-CDD4E397DE36}" srcOrd="0" destOrd="0" presId="urn:microsoft.com/office/officeart/2009/3/layout/HorizontalOrganizationChart"/>
+    <dgm:cxn modelId="{7C557047-B20E-CB45-AA40-CCAC66B061F8}" type="presOf" srcId="{35664E91-8F5A-1B4E-BE73-E37D38923690}" destId="{8165F6BD-F86F-454A-9BFB-ABB62D82316F}" srcOrd="1" destOrd="0" presId="urn:microsoft.com/office/officeart/2009/3/layout/HorizontalOrganizationChart"/>
+    <dgm:cxn modelId="{51A2704E-FA32-7C4D-B91D-190BA2716771}" type="presOf" srcId="{2D986360-7F95-6B47-8D9F-FDED8BAB2D4A}" destId="{E0814378-D6A7-214E-993F-4FB727CF1DA7}" srcOrd="0" destOrd="0" presId="urn:microsoft.com/office/officeart/2009/3/layout/HorizontalOrganizationChart"/>
+    <dgm:cxn modelId="{69421456-2E14-F846-B610-9100D63E23A7}" type="presOf" srcId="{18089373-F079-CA44-A8EA-A19EF69583A7}" destId="{1F47FA78-C361-FD4C-AD52-BEA7398E9E76}" srcOrd="0" destOrd="0" presId="urn:microsoft.com/office/officeart/2009/3/layout/HorizontalOrganizationChart"/>
+    <dgm:cxn modelId="{A2ED4C57-AD56-8E4A-8C62-07976CDD4BEB}" type="presOf" srcId="{213AB6AB-8D39-4A49-9A86-6E9B62BC2BB9}" destId="{518339D6-40C6-BC46-9391-DAAF9ACF0EE4}" srcOrd="1" destOrd="0" presId="urn:microsoft.com/office/officeart/2009/3/layout/HorizontalOrganizationChart"/>
+    <dgm:cxn modelId="{1F02916B-A49F-B144-9FC8-2844232AF807}" srcId="{855D2BB1-E72D-E840-8D82-094C952785DB}" destId="{DC4F5EF9-C8F4-7949-AC23-2A32BB941AAF}" srcOrd="1" destOrd="0" parTransId="{90A6FB0F-609E-CC41-8B27-858E5A581A46}" sibTransId="{BFFC15DD-FEF8-444D-9633-AADF1A4FFD7C}"/>
+    <dgm:cxn modelId="{B233FB70-11CA-C040-A3CF-026049F7D2C5}" srcId="{855D2BB1-E72D-E840-8D82-094C952785DB}" destId="{55B71356-B27E-694E-8F44-21CBB1E663D0}" srcOrd="2" destOrd="0" parTransId="{CE8BD76B-0B97-414D-8642-F735002370C1}" sibTransId="{12A9A2D2-15A6-7F47-ADF8-7D1B80D1D1B8}"/>
+    <dgm:cxn modelId="{0777BB80-D56F-064C-A979-F016694F8697}" type="presOf" srcId="{DC4F5EF9-C8F4-7949-AC23-2A32BB941AAF}" destId="{82868C60-E156-FE4C-81DA-CF52E9195123}" srcOrd="1" destOrd="0" presId="urn:microsoft.com/office/officeart/2009/3/layout/HorizontalOrganizationChart"/>
+    <dgm:cxn modelId="{54CA3684-F039-1A47-9943-DA3138F82905}" srcId="{55B71356-B27E-694E-8F44-21CBB1E663D0}" destId="{213AB6AB-8D39-4A49-9A86-6E9B62BC2BB9}" srcOrd="1" destOrd="0" parTransId="{65FF3EB1-A628-534D-92B3-C07371D00D88}" sibTransId="{340A9916-A22C-7C42-B1C1-7220E3342090}"/>
+    <dgm:cxn modelId="{0C75F28C-E936-9C48-BA0A-D8ED3393A468}" type="presOf" srcId="{DC4F5EF9-C8F4-7949-AC23-2A32BB941AAF}" destId="{712F89A2-B241-A24F-89AA-CD9D90CB6BD0}" srcOrd="0" destOrd="0" presId="urn:microsoft.com/office/officeart/2009/3/layout/HorizontalOrganizationChart"/>
+    <dgm:cxn modelId="{47F19AA7-24B2-DA4C-947E-6616D3EE5ADF}" type="presOf" srcId="{55B71356-B27E-694E-8F44-21CBB1E663D0}" destId="{6AE13549-5C18-E744-B779-030D0EC887D3}" srcOrd="1" destOrd="0" presId="urn:microsoft.com/office/officeart/2009/3/layout/HorizontalOrganizationChart"/>
+    <dgm:cxn modelId="{EA4EE5B7-179D-9043-A557-3CB23A285F2D}" type="presOf" srcId="{90A6FB0F-609E-CC41-8B27-858E5A581A46}" destId="{D7A6FC12-D1DE-5E4D-B8C7-EE03326BD3DF}" srcOrd="0" destOrd="0" presId="urn:microsoft.com/office/officeart/2009/3/layout/HorizontalOrganizationChart"/>
+    <dgm:cxn modelId="{6C5EC3B8-F359-2244-87FA-B9F07F3863FF}" srcId="{55B71356-B27E-694E-8F44-21CBB1E663D0}" destId="{F11CB33C-80DA-554D-91F0-6501EF1F3466}" srcOrd="0" destOrd="0" parTransId="{2D986360-7F95-6B47-8D9F-FDED8BAB2D4A}" sibTransId="{8A316BF9-A7B0-B748-BD21-B1664719C6CA}"/>
+    <dgm:cxn modelId="{CFC9E3BC-1013-9148-9ACE-7A2F9A73901A}" srcId="{855D2BB1-E72D-E840-8D82-094C952785DB}" destId="{35664E91-8F5A-1B4E-BE73-E37D38923690}" srcOrd="0" destOrd="0" parTransId="{18089373-F079-CA44-A8EA-A19EF69583A7}" sibTransId="{56F67246-A85B-C246-B07F-99AFFB9FAD68}"/>
+    <dgm:cxn modelId="{EFFEDFBF-55AB-F744-BDF7-7F7F908D149A}" type="presOf" srcId="{35664E91-8F5A-1B4E-BE73-E37D38923690}" destId="{1B1D84B7-EC37-D846-B632-9BDD4CBA1645}" srcOrd="0" destOrd="0" presId="urn:microsoft.com/office/officeart/2009/3/layout/HorizontalOrganizationChart"/>
+    <dgm:cxn modelId="{CEBF34CA-726F-7B4D-B73D-C3B90DBDB0DC}" type="presOf" srcId="{213AB6AB-8D39-4A49-9A86-6E9B62BC2BB9}" destId="{177AA90A-DF6A-E345-9C26-2FE8F328A27F}" srcOrd="0" destOrd="0" presId="urn:microsoft.com/office/officeart/2009/3/layout/HorizontalOrganizationChart"/>
+    <dgm:cxn modelId="{CBE651CF-EED8-9C4E-B170-96220EF25148}" srcId="{55B71356-B27E-694E-8F44-21CBB1E663D0}" destId="{F244B9FE-2F12-7941-9665-B973FAC2707B}" srcOrd="2" destOrd="0" parTransId="{69979AA1-62DA-6A41-8A4E-F30AAB0C94D1}" sibTransId="{FD9BAC9D-EEC6-D343-AAED-098AB47EFC6B}"/>
+    <dgm:cxn modelId="{5E2747DA-A0D7-1542-9E94-1AF7A59996A2}" type="presOf" srcId="{855D2BB1-E72D-E840-8D82-094C952785DB}" destId="{50FF0439-0DA1-9847-A7C8-05F024248D4D}" srcOrd="0" destOrd="0" presId="urn:microsoft.com/office/officeart/2009/3/layout/HorizontalOrganizationChart"/>
+    <dgm:cxn modelId="{89B764DA-E4DD-BA4C-9362-202C825CDAB8}" type="presOf" srcId="{69979AA1-62DA-6A41-8A4E-F30AAB0C94D1}" destId="{BA619F40-2AC6-1546-B984-F2E7C519A034}" srcOrd="0" destOrd="0" presId="urn:microsoft.com/office/officeart/2009/3/layout/HorizontalOrganizationChart"/>
+    <dgm:cxn modelId="{C113C9DC-4F45-824C-B911-1081EE382B2C}" srcId="{9C120ED1-DA84-6141-AF17-99BD40324CAC}" destId="{855D2BB1-E72D-E840-8D82-094C952785DB}" srcOrd="0" destOrd="0" parTransId="{E4855703-63BA-8B45-A775-E7C17AB47448}" sibTransId="{F076A4C9-82DE-1642-9902-D969C49FC9F3}"/>
+    <dgm:cxn modelId="{13C05FF1-891C-C543-BE8A-95D5670A679E}" type="presOf" srcId="{855D2BB1-E72D-E840-8D82-094C952785DB}" destId="{B8F60694-014B-C749-AD4D-084245A206AB}" srcOrd="1" destOrd="0" presId="urn:microsoft.com/office/officeart/2009/3/layout/HorizontalOrganizationChart"/>
+    <dgm:cxn modelId="{61332F40-4CF6-094E-A562-23123D139F80}" type="presParOf" srcId="{CF233EE0-D4DD-F64D-99FF-6E915648D524}" destId="{5CF1EEA7-CE95-1449-9D2F-80886DA36406}" srcOrd="0" destOrd="0" presId="urn:microsoft.com/office/officeart/2009/3/layout/HorizontalOrganizationChart"/>
+    <dgm:cxn modelId="{883E91BF-1363-1741-8972-872206DF5AF3}" type="presParOf" srcId="{5CF1EEA7-CE95-1449-9D2F-80886DA36406}" destId="{E51E2218-F747-6A43-90FB-9A688E2DAD1A}" srcOrd="0" destOrd="0" presId="urn:microsoft.com/office/officeart/2009/3/layout/HorizontalOrganizationChart"/>
+    <dgm:cxn modelId="{27916676-9AFB-F14A-9D13-0E4A36BD721E}" type="presParOf" srcId="{E51E2218-F747-6A43-90FB-9A688E2DAD1A}" destId="{50FF0439-0DA1-9847-A7C8-05F024248D4D}" srcOrd="0" destOrd="0" presId="urn:microsoft.com/office/officeart/2009/3/layout/HorizontalOrganizationChart"/>
+    <dgm:cxn modelId="{E8FD21B7-9F60-904F-8FE6-AFB56D807143}" type="presParOf" srcId="{E51E2218-F747-6A43-90FB-9A688E2DAD1A}" destId="{B8F60694-014B-C749-AD4D-084245A206AB}" srcOrd="1" destOrd="0" presId="urn:microsoft.com/office/officeart/2009/3/layout/HorizontalOrganizationChart"/>
+    <dgm:cxn modelId="{7B327477-6671-B54A-A117-29450AFA8898}" type="presParOf" srcId="{5CF1EEA7-CE95-1449-9D2F-80886DA36406}" destId="{DD03B89F-C2C2-0948-86C9-A2323CB8B173}" srcOrd="1" destOrd="0" presId="urn:microsoft.com/office/officeart/2009/3/layout/HorizontalOrganizationChart"/>
+    <dgm:cxn modelId="{D04E4E2D-0E01-3845-AE5B-B6AAAAFD4627}" type="presParOf" srcId="{DD03B89F-C2C2-0948-86C9-A2323CB8B173}" destId="{1F47FA78-C361-FD4C-AD52-BEA7398E9E76}" srcOrd="0" destOrd="0" presId="urn:microsoft.com/office/officeart/2009/3/layout/HorizontalOrganizationChart"/>
+    <dgm:cxn modelId="{45242338-198F-3241-9E27-1B8D4FF682D8}" type="presParOf" srcId="{DD03B89F-C2C2-0948-86C9-A2323CB8B173}" destId="{9ED0864F-0DF0-514C-9438-702A879408DD}" srcOrd="1" destOrd="0" presId="urn:microsoft.com/office/officeart/2009/3/layout/HorizontalOrganizationChart"/>
+    <dgm:cxn modelId="{137ED787-2EDE-194E-9DAF-19EE767466E2}" type="presParOf" srcId="{9ED0864F-0DF0-514C-9438-702A879408DD}" destId="{A0DDEC6A-3BF0-5E47-B208-8BAEA191F6F0}" srcOrd="0" destOrd="0" presId="urn:microsoft.com/office/officeart/2009/3/layout/HorizontalOrganizationChart"/>
+    <dgm:cxn modelId="{F47E5740-8212-F947-9CF7-9F2FCC853AF0}" type="presParOf" srcId="{A0DDEC6A-3BF0-5E47-B208-8BAEA191F6F0}" destId="{1B1D84B7-EC37-D846-B632-9BDD4CBA1645}" srcOrd="0" destOrd="0" presId="urn:microsoft.com/office/officeart/2009/3/layout/HorizontalOrganizationChart"/>
+    <dgm:cxn modelId="{7166442A-910C-6F4F-8D7C-B92A5368BF29}" type="presParOf" srcId="{A0DDEC6A-3BF0-5E47-B208-8BAEA191F6F0}" destId="{8165F6BD-F86F-454A-9BFB-ABB62D82316F}" srcOrd="1" destOrd="0" presId="urn:microsoft.com/office/officeart/2009/3/layout/HorizontalOrganizationChart"/>
+    <dgm:cxn modelId="{B9179DA7-CB2B-E24E-9CCD-F33D394D5E20}" type="presParOf" srcId="{9ED0864F-0DF0-514C-9438-702A879408DD}" destId="{8E1650FB-5592-BC4C-BB92-097C749EDFAA}" srcOrd="1" destOrd="0" presId="urn:microsoft.com/office/officeart/2009/3/layout/HorizontalOrganizationChart"/>
+    <dgm:cxn modelId="{00D65972-F0D4-F34F-A179-36B278A21A11}" type="presParOf" srcId="{9ED0864F-0DF0-514C-9438-702A879408DD}" destId="{8D3637A7-7B14-D34D-AA4F-3237D115330D}" srcOrd="2" destOrd="0" presId="urn:microsoft.com/office/officeart/2009/3/layout/HorizontalOrganizationChart"/>
+    <dgm:cxn modelId="{78DBC8D1-FD36-8340-84D0-B8C986EB085C}" type="presParOf" srcId="{DD03B89F-C2C2-0948-86C9-A2323CB8B173}" destId="{D7A6FC12-D1DE-5E4D-B8C7-EE03326BD3DF}" srcOrd="2" destOrd="0" presId="urn:microsoft.com/office/officeart/2009/3/layout/HorizontalOrganizationChart"/>
+    <dgm:cxn modelId="{2A37114C-F6C7-994B-9FB2-A6D459FA0AFE}" type="presParOf" srcId="{DD03B89F-C2C2-0948-86C9-A2323CB8B173}" destId="{03810B80-C3F1-254E-BC89-D36723EBDC4B}" srcOrd="3" destOrd="0" presId="urn:microsoft.com/office/officeart/2009/3/layout/HorizontalOrganizationChart"/>
+    <dgm:cxn modelId="{DEC0929B-8937-7B47-92F5-735405744BA7}" type="presParOf" srcId="{03810B80-C3F1-254E-BC89-D36723EBDC4B}" destId="{A5033B74-BDCC-D643-BD8B-A518EA24C665}" srcOrd="0" destOrd="0" presId="urn:microsoft.com/office/officeart/2009/3/layout/HorizontalOrganizationChart"/>
+    <dgm:cxn modelId="{136CC7CA-A510-E348-B110-C3215F369898}" type="presParOf" srcId="{A5033B74-BDCC-D643-BD8B-A518EA24C665}" destId="{712F89A2-B241-A24F-89AA-CD9D90CB6BD0}" srcOrd="0" destOrd="0" presId="urn:microsoft.com/office/officeart/2009/3/layout/HorizontalOrganizationChart"/>
+    <dgm:cxn modelId="{CDCE2122-AA11-1F42-935E-7133C7A3C8AA}" type="presParOf" srcId="{A5033B74-BDCC-D643-BD8B-A518EA24C665}" destId="{82868C60-E156-FE4C-81DA-CF52E9195123}" srcOrd="1" destOrd="0" presId="urn:microsoft.com/office/officeart/2009/3/layout/HorizontalOrganizationChart"/>
+    <dgm:cxn modelId="{E593E9FE-EFDD-B74F-8454-A9D3C1EBF9B3}" type="presParOf" srcId="{03810B80-C3F1-254E-BC89-D36723EBDC4B}" destId="{6AFF39B5-F043-7B4D-800C-54877BA28E93}" srcOrd="1" destOrd="0" presId="urn:microsoft.com/office/officeart/2009/3/layout/HorizontalOrganizationChart"/>
+    <dgm:cxn modelId="{7191DA6D-46DC-604C-9728-E1778EDB9C81}" type="presParOf" srcId="{03810B80-C3F1-254E-BC89-D36723EBDC4B}" destId="{9D62A23B-4D91-E141-A1E5-D636EB338CF5}" srcOrd="2" destOrd="0" presId="urn:microsoft.com/office/officeart/2009/3/layout/HorizontalOrganizationChart"/>
+    <dgm:cxn modelId="{9070EEC3-5974-A640-82C2-F512FCB95904}" type="presParOf" srcId="{DD03B89F-C2C2-0948-86C9-A2323CB8B173}" destId="{2A92E546-1173-1B40-BBA1-DCB337DCA3F1}" srcOrd="4" destOrd="0" presId="urn:microsoft.com/office/officeart/2009/3/layout/HorizontalOrganizationChart"/>
+    <dgm:cxn modelId="{D409767F-49F9-D143-8F6E-942F6BCBDF29}" type="presParOf" srcId="{DD03B89F-C2C2-0948-86C9-A2323CB8B173}" destId="{A9478991-AC5A-0B40-9C3F-3023A8B5A122}" srcOrd="5" destOrd="0" presId="urn:microsoft.com/office/officeart/2009/3/layout/HorizontalOrganizationChart"/>
+    <dgm:cxn modelId="{1360C6B9-FB03-AC42-8A45-164C5072BE9D}" type="presParOf" srcId="{A9478991-AC5A-0B40-9C3F-3023A8B5A122}" destId="{D0FFB55A-1B7A-544E-984D-316CA549841C}" srcOrd="0" destOrd="0" presId="urn:microsoft.com/office/officeart/2009/3/layout/HorizontalOrganizationChart"/>
+    <dgm:cxn modelId="{A928E5BD-660D-D140-BC6E-77ADC853A5EF}" type="presParOf" srcId="{D0FFB55A-1B7A-544E-984D-316CA549841C}" destId="{3AA74077-31A6-444E-A965-77BB63C4F130}" srcOrd="0" destOrd="0" presId="urn:microsoft.com/office/officeart/2009/3/layout/HorizontalOrganizationChart"/>
+    <dgm:cxn modelId="{C80C22A8-8CDE-094B-B315-31D1434B2DAC}" type="presParOf" srcId="{D0FFB55A-1B7A-544E-984D-316CA549841C}" destId="{6AE13549-5C18-E744-B779-030D0EC887D3}" srcOrd="1" destOrd="0" presId="urn:microsoft.com/office/officeart/2009/3/layout/HorizontalOrganizationChart"/>
+    <dgm:cxn modelId="{2135347C-83D3-F94C-A4B4-37C8542AB7AA}" type="presParOf" srcId="{A9478991-AC5A-0B40-9C3F-3023A8B5A122}" destId="{763A2B86-33D8-A049-BCA4-6D3A5A4D7F53}" srcOrd="1" destOrd="0" presId="urn:microsoft.com/office/officeart/2009/3/layout/HorizontalOrganizationChart"/>
+    <dgm:cxn modelId="{B2300770-B4C5-B940-8A76-38D9FD2E0DCD}" type="presParOf" srcId="{763A2B86-33D8-A049-BCA4-6D3A5A4D7F53}" destId="{E0814378-D6A7-214E-993F-4FB727CF1DA7}" srcOrd="0" destOrd="0" presId="urn:microsoft.com/office/officeart/2009/3/layout/HorizontalOrganizationChart"/>
+    <dgm:cxn modelId="{A5D1BC15-6B11-FB4A-83BB-6F07F791B370}" type="presParOf" srcId="{763A2B86-33D8-A049-BCA4-6D3A5A4D7F53}" destId="{DB9CE64F-B528-364C-828D-8B201603939B}" srcOrd="1" destOrd="0" presId="urn:microsoft.com/office/officeart/2009/3/layout/HorizontalOrganizationChart"/>
+    <dgm:cxn modelId="{20FB564F-BB51-A64B-ADBD-9B676F652EE8}" type="presParOf" srcId="{DB9CE64F-B528-364C-828D-8B201603939B}" destId="{6CEBFEB0-6751-2F48-8440-5014DB184696}" srcOrd="0" destOrd="0" presId="urn:microsoft.com/office/officeart/2009/3/layout/HorizontalOrganizationChart"/>
+    <dgm:cxn modelId="{3085CCD0-93BB-A547-B46B-FD851DD54C02}" type="presParOf" srcId="{6CEBFEB0-6751-2F48-8440-5014DB184696}" destId="{F2E6E288-52FF-674C-849D-31DAA2DD6A88}" srcOrd="0" destOrd="0" presId="urn:microsoft.com/office/officeart/2009/3/layout/HorizontalOrganizationChart"/>
+    <dgm:cxn modelId="{055F5C72-9FB4-1345-BC98-41DEAFA13A9E}" type="presParOf" srcId="{6CEBFEB0-6751-2F48-8440-5014DB184696}" destId="{35BB9909-337B-D94F-BCB4-49FF31829D47}" srcOrd="1" destOrd="0" presId="urn:microsoft.com/office/officeart/2009/3/layout/HorizontalOrganizationChart"/>
+    <dgm:cxn modelId="{2C941AEE-2E9E-9D4B-B6A4-0B601C76F4C6}" type="presParOf" srcId="{DB9CE64F-B528-364C-828D-8B201603939B}" destId="{24E83ABE-788C-DA4F-B1C2-2F7D180FC84B}" srcOrd="1" destOrd="0" presId="urn:microsoft.com/office/officeart/2009/3/layout/HorizontalOrganizationChart"/>
+    <dgm:cxn modelId="{C0602FCC-A439-6843-8F7C-772280B7D900}" type="presParOf" srcId="{DB9CE64F-B528-364C-828D-8B201603939B}" destId="{6DA3D56D-24B5-7E4D-82B4-D508F926BCAE}" srcOrd="2" destOrd="0" presId="urn:microsoft.com/office/officeart/2009/3/layout/HorizontalOrganizationChart"/>
+    <dgm:cxn modelId="{1E196F5C-351C-E540-9F8D-3B81161329E8}" type="presParOf" srcId="{763A2B86-33D8-A049-BCA4-6D3A5A4D7F53}" destId="{BC6F2290-060F-2A40-A7F9-C5047F0C81FC}" srcOrd="2" destOrd="0" presId="urn:microsoft.com/office/officeart/2009/3/layout/HorizontalOrganizationChart"/>
+    <dgm:cxn modelId="{8EBC9E23-4908-EF45-A2AA-B6B234B84238}" type="presParOf" srcId="{763A2B86-33D8-A049-BCA4-6D3A5A4D7F53}" destId="{1D754650-DFF9-8B43-B78B-E7945774F569}" srcOrd="3" destOrd="0" presId="urn:microsoft.com/office/officeart/2009/3/layout/HorizontalOrganizationChart"/>
+    <dgm:cxn modelId="{D845CB07-C7E8-C346-851D-E0C1468EBA22}" type="presParOf" srcId="{1D754650-DFF9-8B43-B78B-E7945774F569}" destId="{DA7850AC-CCDF-924E-A2F5-02419AB1A22B}" srcOrd="0" destOrd="0" presId="urn:microsoft.com/office/officeart/2009/3/layout/HorizontalOrganizationChart"/>
+    <dgm:cxn modelId="{EB205C82-9269-9048-B3CA-D62014301E89}" type="presParOf" srcId="{DA7850AC-CCDF-924E-A2F5-02419AB1A22B}" destId="{177AA90A-DF6A-E345-9C26-2FE8F328A27F}" srcOrd="0" destOrd="0" presId="urn:microsoft.com/office/officeart/2009/3/layout/HorizontalOrganizationChart"/>
+    <dgm:cxn modelId="{D4C32690-C406-0744-B1D6-3FA57FCEFC8D}" type="presParOf" srcId="{DA7850AC-CCDF-924E-A2F5-02419AB1A22B}" destId="{518339D6-40C6-BC46-9391-DAAF9ACF0EE4}" srcOrd="1" destOrd="0" presId="urn:microsoft.com/office/officeart/2009/3/layout/HorizontalOrganizationChart"/>
+    <dgm:cxn modelId="{4902F496-CD65-9E41-8EBE-A2B421D1F22B}" type="presParOf" srcId="{1D754650-DFF9-8B43-B78B-E7945774F569}" destId="{FAC80D1C-4B8D-A142-B14B-694DB9195C31}" srcOrd="1" destOrd="0" presId="urn:microsoft.com/office/officeart/2009/3/layout/HorizontalOrganizationChart"/>
+    <dgm:cxn modelId="{6C7B8E72-E35F-BD4B-A084-5A9FCB542FB8}" type="presParOf" srcId="{1D754650-DFF9-8B43-B78B-E7945774F569}" destId="{64F7FDF4-515F-C449-856E-233C0EC0B9E4}" srcOrd="2" destOrd="0" presId="urn:microsoft.com/office/officeart/2009/3/layout/HorizontalOrganizationChart"/>
+    <dgm:cxn modelId="{9647ACDE-BDF7-6645-9589-4ED054D7C284}" type="presParOf" srcId="{763A2B86-33D8-A049-BCA4-6D3A5A4D7F53}" destId="{BA619F40-2AC6-1546-B984-F2E7C519A034}" srcOrd="4" destOrd="0" presId="urn:microsoft.com/office/officeart/2009/3/layout/HorizontalOrganizationChart"/>
+    <dgm:cxn modelId="{033ECE90-2914-3849-9305-888C7CE12F33}" type="presParOf" srcId="{763A2B86-33D8-A049-BCA4-6D3A5A4D7F53}" destId="{6641EFE5-B122-B34B-B671-C8C5E608DBFE}" srcOrd="5" destOrd="0" presId="urn:microsoft.com/office/officeart/2009/3/layout/HorizontalOrganizationChart"/>
+    <dgm:cxn modelId="{CC7B9519-6A50-9442-B182-1E18524ED755}" type="presParOf" srcId="{6641EFE5-B122-B34B-B671-C8C5E608DBFE}" destId="{C9CC876C-83AF-1B4D-BA27-6C2F473B4401}" srcOrd="0" destOrd="0" presId="urn:microsoft.com/office/officeart/2009/3/layout/HorizontalOrganizationChart"/>
+    <dgm:cxn modelId="{4F77E3F9-EE41-A043-B67B-5EB1E7A7D789}" type="presParOf" srcId="{C9CC876C-83AF-1B4D-BA27-6C2F473B4401}" destId="{31548CED-9112-6E4D-BEFF-CDD4E397DE36}" srcOrd="0" destOrd="0" presId="urn:microsoft.com/office/officeart/2009/3/layout/HorizontalOrganizationChart"/>
+    <dgm:cxn modelId="{1A460716-4077-7540-85C5-9950BF093EBB}" type="presParOf" srcId="{C9CC876C-83AF-1B4D-BA27-6C2F473B4401}" destId="{D332A28E-3D0C-D047-ADE2-9C24380E2F24}" srcOrd="1" destOrd="0" presId="urn:microsoft.com/office/officeart/2009/3/layout/HorizontalOrganizationChart"/>
+    <dgm:cxn modelId="{8D3EDAD7-913C-1C4F-9D60-7284F5CDF1D5}" type="presParOf" srcId="{6641EFE5-B122-B34B-B671-C8C5E608DBFE}" destId="{C777B789-8A5C-D644-B17D-86A80C8D0351}" srcOrd="1" destOrd="0" presId="urn:microsoft.com/office/officeart/2009/3/layout/HorizontalOrganizationChart"/>
+    <dgm:cxn modelId="{3C2CAD27-4063-F741-9F60-318695BD5389}" type="presParOf" srcId="{6641EFE5-B122-B34B-B671-C8C5E608DBFE}" destId="{34C811E3-8C8E-9C4D-B083-793DA2B3FD48}" srcOrd="2" destOrd="0" presId="urn:microsoft.com/office/officeart/2009/3/layout/HorizontalOrganizationChart"/>
+    <dgm:cxn modelId="{964E4C03-4438-2F4B-AABC-3B04D05C23B0}" type="presParOf" srcId="{A9478991-AC5A-0B40-9C3F-3023A8B5A122}" destId="{9EC7D00F-517F-D94D-A22A-3AECE3C3FAD4}" srcOrd="2" destOrd="0" presId="urn:microsoft.com/office/officeart/2009/3/layout/HorizontalOrganizationChart"/>
+    <dgm:cxn modelId="{15A8E046-46A1-134B-9BA8-62445E48414A}" type="presParOf" srcId="{5CF1EEA7-CE95-1449-9D2F-80886DA36406}" destId="{12B4ACD6-8859-E047-8E80-97C0BCE77165}" srcOrd="2" destOrd="0" presId="urn:microsoft.com/office/officeart/2009/3/layout/HorizontalOrganizationChart"/>
+  </dgm:cxnLst>
+  <dgm:bg/>
+  <dgm:whole/>
+  <dgm:extLst>
+    <a:ext uri="http://schemas.microsoft.com/office/drawing/2008/diagram">
+      <dsp:dataModelExt xmlns:dsp="http://schemas.microsoft.com/office/drawing/2008/diagram" relId="rId6" minVer="http://schemas.openxmlformats.org/drawingml/2006/diagram"/>
+    </a:ext>
+  </dgm:extLst>
+</dgm:dataModel>
+</file>
+
+<file path=ppt/diagrams/data3.xml><?xml version="1.0" encoding="utf-8"?>
 <dgm:dataModel xmlns:dgm="http://schemas.openxmlformats.org/drawingml/2006/diagram" xmlns:a="http://schemas.openxmlformats.org/drawingml/2006/main">
   <dgm:ptLst>
     <dgm:pt modelId="{59FB792A-A95D-4DC8-831F-0D479570EE32}" type="doc">
@@ -2807,6 +4199,1148 @@
 </file>
 
 <file path=ppt/diagrams/drawing2.xml><?xml version="1.0" encoding="utf-8"?>
+<dsp:drawing xmlns:dgm="http://schemas.openxmlformats.org/drawingml/2006/diagram" xmlns:dsp="http://schemas.microsoft.com/office/drawing/2008/diagram" xmlns:a="http://schemas.openxmlformats.org/drawingml/2006/main">
+  <dsp:spTree>
+    <dsp:nvGrpSpPr>
+      <dsp:cNvPr id="0" name=""/>
+      <dsp:cNvGrpSpPr/>
+    </dsp:nvGrpSpPr>
+    <dsp:grpSpPr/>
+    <dsp:sp modelId="{BA619F40-2AC6-1546-B984-F2E7C519A034}">
+      <dsp:nvSpPr>
+        <dsp:cNvPr id="0" name=""/>
+        <dsp:cNvSpPr/>
+      </dsp:nvSpPr>
+      <dsp:spPr>
+        <a:xfrm>
+          <a:off x="6621670" y="2762133"/>
+          <a:ext cx="545548" cy="1172928"/>
+        </a:xfrm>
+        <a:custGeom>
+          <a:avLst/>
+          <a:gdLst/>
+          <a:ahLst/>
+          <a:cxnLst/>
+          <a:rect l="0" t="0" r="0" b="0"/>
+          <a:pathLst>
+            <a:path>
+              <a:moveTo>
+                <a:pt x="0" y="0"/>
+              </a:moveTo>
+              <a:lnTo>
+                <a:pt x="272774" y="0"/>
+              </a:lnTo>
+              <a:lnTo>
+                <a:pt x="272774" y="1172928"/>
+              </a:lnTo>
+              <a:lnTo>
+                <a:pt x="545548" y="1172928"/>
+              </a:lnTo>
+            </a:path>
+          </a:pathLst>
+        </a:custGeom>
+        <a:noFill/>
+        <a:ln w="19050" cap="flat" cmpd="sng" algn="ctr">
+          <a:solidFill>
+            <a:schemeClr val="accent4">
+              <a:shade val="80000"/>
+              <a:hueOff val="0"/>
+              <a:satOff val="0"/>
+              <a:lumOff val="0"/>
+              <a:alphaOff val="0"/>
+            </a:schemeClr>
+          </a:solidFill>
+          <a:prstDash val="solid"/>
+          <a:miter lim="800000"/>
+        </a:ln>
+        <a:effectLst/>
+      </dsp:spPr>
+      <dsp:style>
+        <a:lnRef idx="2">
+          <a:scrgbClr r="0" g="0" b="0"/>
+        </a:lnRef>
+        <a:fillRef idx="0">
+          <a:scrgbClr r="0" g="0" b="0"/>
+        </a:fillRef>
+        <a:effectRef idx="0">
+          <a:scrgbClr r="0" g="0" b="0"/>
+        </a:effectRef>
+        <a:fontRef idx="minor"/>
+      </dsp:style>
+    </dsp:sp>
+    <dsp:sp modelId="{BC6F2290-060F-2A40-A7F9-C5047F0C81FC}">
+      <dsp:nvSpPr>
+        <dsp:cNvPr id="0" name=""/>
+        <dsp:cNvSpPr/>
+      </dsp:nvSpPr>
+      <dsp:spPr>
+        <a:xfrm>
+          <a:off x="6621670" y="2716413"/>
+          <a:ext cx="545548" cy="91440"/>
+        </a:xfrm>
+        <a:custGeom>
+          <a:avLst/>
+          <a:gdLst/>
+          <a:ahLst/>
+          <a:cxnLst/>
+          <a:rect l="0" t="0" r="0" b="0"/>
+          <a:pathLst>
+            <a:path>
+              <a:moveTo>
+                <a:pt x="0" y="45720"/>
+              </a:moveTo>
+              <a:lnTo>
+                <a:pt x="545548" y="45720"/>
+              </a:lnTo>
+            </a:path>
+          </a:pathLst>
+        </a:custGeom>
+        <a:noFill/>
+        <a:ln w="19050" cap="flat" cmpd="sng" algn="ctr">
+          <a:solidFill>
+            <a:schemeClr val="accent4">
+              <a:shade val="80000"/>
+              <a:hueOff val="0"/>
+              <a:satOff val="0"/>
+              <a:lumOff val="0"/>
+              <a:alphaOff val="0"/>
+            </a:schemeClr>
+          </a:solidFill>
+          <a:prstDash val="solid"/>
+          <a:miter lim="800000"/>
+        </a:ln>
+        <a:effectLst/>
+      </dsp:spPr>
+      <dsp:style>
+        <a:lnRef idx="2">
+          <a:scrgbClr r="0" g="0" b="0"/>
+        </a:lnRef>
+        <a:fillRef idx="0">
+          <a:scrgbClr r="0" g="0" b="0"/>
+        </a:fillRef>
+        <a:effectRef idx="0">
+          <a:scrgbClr r="0" g="0" b="0"/>
+        </a:effectRef>
+        <a:fontRef idx="minor"/>
+      </dsp:style>
+    </dsp:sp>
+    <dsp:sp modelId="{E0814378-D6A7-214E-993F-4FB727CF1DA7}">
+      <dsp:nvSpPr>
+        <dsp:cNvPr id="0" name=""/>
+        <dsp:cNvSpPr/>
+      </dsp:nvSpPr>
+      <dsp:spPr>
+        <a:xfrm>
+          <a:off x="6621670" y="1589204"/>
+          <a:ext cx="545548" cy="1172928"/>
+        </a:xfrm>
+        <a:custGeom>
+          <a:avLst/>
+          <a:gdLst/>
+          <a:ahLst/>
+          <a:cxnLst/>
+          <a:rect l="0" t="0" r="0" b="0"/>
+          <a:pathLst>
+            <a:path>
+              <a:moveTo>
+                <a:pt x="0" y="1172928"/>
+              </a:moveTo>
+              <a:lnTo>
+                <a:pt x="272774" y="1172928"/>
+              </a:lnTo>
+              <a:lnTo>
+                <a:pt x="272774" y="0"/>
+              </a:lnTo>
+              <a:lnTo>
+                <a:pt x="545548" y="0"/>
+              </a:lnTo>
+            </a:path>
+          </a:pathLst>
+        </a:custGeom>
+        <a:noFill/>
+        <a:ln w="19050" cap="flat" cmpd="sng" algn="ctr">
+          <a:solidFill>
+            <a:schemeClr val="accent4">
+              <a:shade val="80000"/>
+              <a:hueOff val="0"/>
+              <a:satOff val="0"/>
+              <a:lumOff val="0"/>
+              <a:alphaOff val="0"/>
+            </a:schemeClr>
+          </a:solidFill>
+          <a:prstDash val="solid"/>
+          <a:miter lim="800000"/>
+        </a:ln>
+        <a:effectLst/>
+      </dsp:spPr>
+      <dsp:style>
+        <a:lnRef idx="2">
+          <a:scrgbClr r="0" g="0" b="0"/>
+        </a:lnRef>
+        <a:fillRef idx="0">
+          <a:scrgbClr r="0" g="0" b="0"/>
+        </a:fillRef>
+        <a:effectRef idx="0">
+          <a:scrgbClr r="0" g="0" b="0"/>
+        </a:effectRef>
+        <a:fontRef idx="minor"/>
+      </dsp:style>
+    </dsp:sp>
+    <dsp:sp modelId="{2A92E546-1173-1B40-BBA1-DCB337DCA3F1}">
+      <dsp:nvSpPr>
+        <dsp:cNvPr id="0" name=""/>
+        <dsp:cNvSpPr/>
+      </dsp:nvSpPr>
+      <dsp:spPr>
+        <a:xfrm>
+          <a:off x="3348381" y="1589204"/>
+          <a:ext cx="545548" cy="1172928"/>
+        </a:xfrm>
+        <a:custGeom>
+          <a:avLst/>
+          <a:gdLst/>
+          <a:ahLst/>
+          <a:cxnLst/>
+          <a:rect l="0" t="0" r="0" b="0"/>
+          <a:pathLst>
+            <a:path>
+              <a:moveTo>
+                <a:pt x="0" y="0"/>
+              </a:moveTo>
+              <a:lnTo>
+                <a:pt x="272774" y="0"/>
+              </a:lnTo>
+              <a:lnTo>
+                <a:pt x="272774" y="1172928"/>
+              </a:lnTo>
+              <a:lnTo>
+                <a:pt x="545548" y="1172928"/>
+              </a:lnTo>
+            </a:path>
+          </a:pathLst>
+        </a:custGeom>
+        <a:noFill/>
+        <a:ln w="19050" cap="flat" cmpd="sng" algn="ctr">
+          <a:solidFill>
+            <a:schemeClr val="accent4">
+              <a:shade val="60000"/>
+              <a:hueOff val="0"/>
+              <a:satOff val="0"/>
+              <a:lumOff val="0"/>
+              <a:alphaOff val="0"/>
+            </a:schemeClr>
+          </a:solidFill>
+          <a:prstDash val="solid"/>
+          <a:miter lim="800000"/>
+        </a:ln>
+        <a:effectLst/>
+      </dsp:spPr>
+      <dsp:style>
+        <a:lnRef idx="2">
+          <a:scrgbClr r="0" g="0" b="0"/>
+        </a:lnRef>
+        <a:fillRef idx="0">
+          <a:scrgbClr r="0" g="0" b="0"/>
+        </a:fillRef>
+        <a:effectRef idx="0">
+          <a:scrgbClr r="0" g="0" b="0"/>
+        </a:effectRef>
+        <a:fontRef idx="minor"/>
+      </dsp:style>
+    </dsp:sp>
+    <dsp:sp modelId="{D7A6FC12-D1DE-5E4D-B8C7-EE03326BD3DF}">
+      <dsp:nvSpPr>
+        <dsp:cNvPr id="0" name=""/>
+        <dsp:cNvSpPr/>
+      </dsp:nvSpPr>
+      <dsp:spPr>
+        <a:xfrm>
+          <a:off x="3348381" y="1543484"/>
+          <a:ext cx="545548" cy="91440"/>
+        </a:xfrm>
+        <a:custGeom>
+          <a:avLst/>
+          <a:gdLst/>
+          <a:ahLst/>
+          <a:cxnLst/>
+          <a:rect l="0" t="0" r="0" b="0"/>
+          <a:pathLst>
+            <a:path>
+              <a:moveTo>
+                <a:pt x="0" y="45720"/>
+              </a:moveTo>
+              <a:lnTo>
+                <a:pt x="545548" y="45720"/>
+              </a:lnTo>
+            </a:path>
+          </a:pathLst>
+        </a:custGeom>
+        <a:noFill/>
+        <a:ln w="19050" cap="flat" cmpd="sng" algn="ctr">
+          <a:solidFill>
+            <a:schemeClr val="accent4">
+              <a:shade val="60000"/>
+              <a:hueOff val="0"/>
+              <a:satOff val="0"/>
+              <a:lumOff val="0"/>
+              <a:alphaOff val="0"/>
+            </a:schemeClr>
+          </a:solidFill>
+          <a:prstDash val="solid"/>
+          <a:miter lim="800000"/>
+        </a:ln>
+        <a:effectLst/>
+      </dsp:spPr>
+      <dsp:style>
+        <a:lnRef idx="2">
+          <a:scrgbClr r="0" g="0" b="0"/>
+        </a:lnRef>
+        <a:fillRef idx="0">
+          <a:scrgbClr r="0" g="0" b="0"/>
+        </a:fillRef>
+        <a:effectRef idx="0">
+          <a:scrgbClr r="0" g="0" b="0"/>
+        </a:effectRef>
+        <a:fontRef idx="minor"/>
+      </dsp:style>
+    </dsp:sp>
+    <dsp:sp modelId="{1F47FA78-C361-FD4C-AD52-BEA7398E9E76}">
+      <dsp:nvSpPr>
+        <dsp:cNvPr id="0" name=""/>
+        <dsp:cNvSpPr/>
+      </dsp:nvSpPr>
+      <dsp:spPr>
+        <a:xfrm>
+          <a:off x="3348381" y="416276"/>
+          <a:ext cx="545548" cy="1172928"/>
+        </a:xfrm>
+        <a:custGeom>
+          <a:avLst/>
+          <a:gdLst/>
+          <a:ahLst/>
+          <a:cxnLst/>
+          <a:rect l="0" t="0" r="0" b="0"/>
+          <a:pathLst>
+            <a:path>
+              <a:moveTo>
+                <a:pt x="0" y="1172928"/>
+              </a:moveTo>
+              <a:lnTo>
+                <a:pt x="272774" y="1172928"/>
+              </a:lnTo>
+              <a:lnTo>
+                <a:pt x="272774" y="0"/>
+              </a:lnTo>
+              <a:lnTo>
+                <a:pt x="545548" y="0"/>
+              </a:lnTo>
+            </a:path>
+          </a:pathLst>
+        </a:custGeom>
+        <a:noFill/>
+        <a:ln w="19050" cap="flat" cmpd="sng" algn="ctr">
+          <a:solidFill>
+            <a:schemeClr val="accent4">
+              <a:shade val="60000"/>
+              <a:hueOff val="0"/>
+              <a:satOff val="0"/>
+              <a:lumOff val="0"/>
+              <a:alphaOff val="0"/>
+            </a:schemeClr>
+          </a:solidFill>
+          <a:prstDash val="solid"/>
+          <a:miter lim="800000"/>
+        </a:ln>
+        <a:effectLst/>
+      </dsp:spPr>
+      <dsp:style>
+        <a:lnRef idx="2">
+          <a:scrgbClr r="0" g="0" b="0"/>
+        </a:lnRef>
+        <a:fillRef idx="0">
+          <a:scrgbClr r="0" g="0" b="0"/>
+        </a:fillRef>
+        <a:effectRef idx="0">
+          <a:scrgbClr r="0" g="0" b="0"/>
+        </a:effectRef>
+        <a:fontRef idx="minor"/>
+      </dsp:style>
+    </dsp:sp>
+    <dsp:sp modelId="{50FF0439-0DA1-9847-A7C8-05F024248D4D}">
+      <dsp:nvSpPr>
+        <dsp:cNvPr id="0" name=""/>
+        <dsp:cNvSpPr/>
+      </dsp:nvSpPr>
+      <dsp:spPr>
+        <a:xfrm>
+          <a:off x="620641" y="1173224"/>
+          <a:ext cx="2727740" cy="831960"/>
+        </a:xfrm>
+        <a:prstGeom prst="rect">
+          <a:avLst/>
+        </a:prstGeom>
+        <a:gradFill rotWithShape="0">
+          <a:gsLst>
+            <a:gs pos="0">
+              <a:schemeClr val="accent4">
+                <a:hueOff val="0"/>
+                <a:satOff val="0"/>
+                <a:lumOff val="0"/>
+                <a:alphaOff val="0"/>
+                <a:lumMod val="110000"/>
+                <a:satMod val="105000"/>
+                <a:tint val="67000"/>
+              </a:schemeClr>
+            </a:gs>
+            <a:gs pos="50000">
+              <a:schemeClr val="accent4">
+                <a:hueOff val="0"/>
+                <a:satOff val="0"/>
+                <a:lumOff val="0"/>
+                <a:alphaOff val="0"/>
+                <a:lumMod val="105000"/>
+                <a:satMod val="103000"/>
+                <a:tint val="73000"/>
+              </a:schemeClr>
+            </a:gs>
+            <a:gs pos="100000">
+              <a:schemeClr val="accent4">
+                <a:hueOff val="0"/>
+                <a:satOff val="0"/>
+                <a:lumOff val="0"/>
+                <a:alphaOff val="0"/>
+                <a:lumMod val="105000"/>
+                <a:satMod val="109000"/>
+                <a:tint val="81000"/>
+              </a:schemeClr>
+            </a:gs>
+          </a:gsLst>
+          <a:lin ang="5400000" scaled="0"/>
+        </a:gradFill>
+        <a:ln>
+          <a:noFill/>
+        </a:ln>
+        <a:effectLst/>
+        <a:scene3d>
+          <a:camera prst="orthographicFront"/>
+          <a:lightRig rig="flat" dir="t"/>
+        </a:scene3d>
+        <a:sp3d prstMaterial="dkEdge">
+          <a:bevelT w="8200" h="38100"/>
+        </a:sp3d>
+      </dsp:spPr>
+      <dsp:style>
+        <a:lnRef idx="0">
+          <a:scrgbClr r="0" g="0" b="0"/>
+        </a:lnRef>
+        <a:fillRef idx="2">
+          <a:scrgbClr r="0" g="0" b="0"/>
+        </a:fillRef>
+        <a:effectRef idx="1">
+          <a:scrgbClr r="0" g="0" b="0"/>
+        </a:effectRef>
+        <a:fontRef idx="minor">
+          <a:schemeClr val="dk1"/>
+        </a:fontRef>
+      </dsp:style>
+      <dsp:txBody>
+        <a:bodyPr spcFirstLastPara="0" vert="horz" wrap="square" lIns="20955" tIns="20955" rIns="20955" bIns="20955" numCol="1" spcCol="1270" anchor="ctr" anchorCtr="0">
+          <a:noAutofit/>
+        </a:bodyPr>
+        <a:lstStyle/>
+        <a:p>
+          <a:pPr marL="0" lvl="0" indent="0" algn="ctr" defTabSz="1466850">
+            <a:lnSpc>
+              <a:spcPct val="90000"/>
+            </a:lnSpc>
+            <a:spcBef>
+              <a:spcPct val="0"/>
+            </a:spcBef>
+            <a:spcAft>
+              <a:spcPct val="35000"/>
+            </a:spcAft>
+            <a:buNone/>
+          </a:pPr>
+          <a:r>
+            <a:rPr lang="en-US" sz="3300" kern="1200" dirty="0">
+              <a:solidFill>
+                <a:schemeClr val="bg1"/>
+              </a:solidFill>
+            </a:rPr>
+            <a:t>CVE Data User</a:t>
+          </a:r>
+        </a:p>
+      </dsp:txBody>
+      <dsp:txXfrm>
+        <a:off x="620641" y="1173224"/>
+        <a:ext cx="2727740" cy="831960"/>
+      </dsp:txXfrm>
+    </dsp:sp>
+    <dsp:sp modelId="{1B1D84B7-EC37-D846-B632-9BDD4CBA1645}">
+      <dsp:nvSpPr>
+        <dsp:cNvPr id="0" name=""/>
+        <dsp:cNvSpPr/>
+      </dsp:nvSpPr>
+      <dsp:spPr>
+        <a:xfrm>
+          <a:off x="3893929" y="295"/>
+          <a:ext cx="2727740" cy="831960"/>
+        </a:xfrm>
+        <a:prstGeom prst="rect">
+          <a:avLst/>
+        </a:prstGeom>
+        <a:gradFill rotWithShape="0">
+          <a:gsLst>
+            <a:gs pos="0">
+              <a:schemeClr val="accent4">
+                <a:hueOff val="0"/>
+                <a:satOff val="0"/>
+                <a:lumOff val="0"/>
+                <a:alphaOff val="0"/>
+                <a:lumMod val="110000"/>
+                <a:satMod val="105000"/>
+                <a:tint val="67000"/>
+              </a:schemeClr>
+            </a:gs>
+            <a:gs pos="50000">
+              <a:schemeClr val="accent4">
+                <a:hueOff val="0"/>
+                <a:satOff val="0"/>
+                <a:lumOff val="0"/>
+                <a:alphaOff val="0"/>
+                <a:lumMod val="105000"/>
+                <a:satMod val="103000"/>
+                <a:tint val="73000"/>
+              </a:schemeClr>
+            </a:gs>
+            <a:gs pos="100000">
+              <a:schemeClr val="accent4">
+                <a:hueOff val="0"/>
+                <a:satOff val="0"/>
+                <a:lumOff val="0"/>
+                <a:alphaOff val="0"/>
+                <a:lumMod val="105000"/>
+                <a:satMod val="109000"/>
+                <a:tint val="81000"/>
+              </a:schemeClr>
+            </a:gs>
+          </a:gsLst>
+          <a:lin ang="5400000" scaled="0"/>
+        </a:gradFill>
+        <a:ln>
+          <a:noFill/>
+        </a:ln>
+        <a:effectLst/>
+        <a:scene3d>
+          <a:camera prst="orthographicFront"/>
+          <a:lightRig rig="flat" dir="t"/>
+        </a:scene3d>
+        <a:sp3d prstMaterial="dkEdge">
+          <a:bevelT w="8200" h="38100"/>
+        </a:sp3d>
+      </dsp:spPr>
+      <dsp:style>
+        <a:lnRef idx="0">
+          <a:scrgbClr r="0" g="0" b="0"/>
+        </a:lnRef>
+        <a:fillRef idx="2">
+          <a:scrgbClr r="0" g="0" b="0"/>
+        </a:fillRef>
+        <a:effectRef idx="1">
+          <a:scrgbClr r="0" g="0" b="0"/>
+        </a:effectRef>
+        <a:fontRef idx="minor">
+          <a:schemeClr val="dk1"/>
+        </a:fontRef>
+      </dsp:style>
+      <dsp:txBody>
+        <a:bodyPr spcFirstLastPara="0" vert="horz" wrap="square" lIns="20955" tIns="20955" rIns="20955" bIns="20955" numCol="1" spcCol="1270" anchor="ctr" anchorCtr="0">
+          <a:noAutofit/>
+        </a:bodyPr>
+        <a:lstStyle/>
+        <a:p>
+          <a:pPr marL="0" lvl="0" indent="0" algn="ctr" defTabSz="1466850">
+            <a:lnSpc>
+              <a:spcPct val="90000"/>
+            </a:lnSpc>
+            <a:spcBef>
+              <a:spcPct val="0"/>
+            </a:spcBef>
+            <a:spcAft>
+              <a:spcPct val="35000"/>
+            </a:spcAft>
+            <a:buNone/>
+          </a:pPr>
+          <a:r>
+            <a:rPr lang="en-US" sz="3300" b="1" i="1" kern="1200" dirty="0">
+              <a:solidFill>
+                <a:schemeClr val="bg1"/>
+              </a:solidFill>
+            </a:rPr>
+            <a:t>CVE Program</a:t>
+          </a:r>
+        </a:p>
+      </dsp:txBody>
+      <dsp:txXfrm>
+        <a:off x="3893929" y="295"/>
+        <a:ext cx="2727740" cy="831960"/>
+      </dsp:txXfrm>
+    </dsp:sp>
+    <dsp:sp modelId="{712F89A2-B241-A24F-89AA-CD9D90CB6BD0}">
+      <dsp:nvSpPr>
+        <dsp:cNvPr id="0" name=""/>
+        <dsp:cNvSpPr/>
+      </dsp:nvSpPr>
+      <dsp:spPr>
+        <a:xfrm>
+          <a:off x="3893929" y="1173224"/>
+          <a:ext cx="2727740" cy="831960"/>
+        </a:xfrm>
+        <a:prstGeom prst="rect">
+          <a:avLst/>
+        </a:prstGeom>
+        <a:gradFill rotWithShape="0">
+          <a:gsLst>
+            <a:gs pos="0">
+              <a:schemeClr val="accent4">
+                <a:hueOff val="0"/>
+                <a:satOff val="0"/>
+                <a:lumOff val="0"/>
+                <a:alphaOff val="0"/>
+                <a:lumMod val="110000"/>
+                <a:satMod val="105000"/>
+                <a:tint val="67000"/>
+              </a:schemeClr>
+            </a:gs>
+            <a:gs pos="50000">
+              <a:schemeClr val="accent4">
+                <a:hueOff val="0"/>
+                <a:satOff val="0"/>
+                <a:lumOff val="0"/>
+                <a:alphaOff val="0"/>
+                <a:lumMod val="105000"/>
+                <a:satMod val="103000"/>
+                <a:tint val="73000"/>
+              </a:schemeClr>
+            </a:gs>
+            <a:gs pos="100000">
+              <a:schemeClr val="accent4">
+                <a:hueOff val="0"/>
+                <a:satOff val="0"/>
+                <a:lumOff val="0"/>
+                <a:alphaOff val="0"/>
+                <a:lumMod val="105000"/>
+                <a:satMod val="109000"/>
+                <a:tint val="81000"/>
+              </a:schemeClr>
+            </a:gs>
+          </a:gsLst>
+          <a:lin ang="5400000" scaled="0"/>
+        </a:gradFill>
+        <a:ln>
+          <a:noFill/>
+        </a:ln>
+        <a:effectLst/>
+        <a:scene3d>
+          <a:camera prst="orthographicFront"/>
+          <a:lightRig rig="flat" dir="t"/>
+        </a:scene3d>
+        <a:sp3d prstMaterial="dkEdge">
+          <a:bevelT w="8200" h="38100"/>
+        </a:sp3d>
+      </dsp:spPr>
+      <dsp:style>
+        <a:lnRef idx="0">
+          <a:scrgbClr r="0" g="0" b="0"/>
+        </a:lnRef>
+        <a:fillRef idx="2">
+          <a:scrgbClr r="0" g="0" b="0"/>
+        </a:fillRef>
+        <a:effectRef idx="1">
+          <a:scrgbClr r="0" g="0" b="0"/>
+        </a:effectRef>
+        <a:fontRef idx="minor">
+          <a:schemeClr val="dk1"/>
+        </a:fontRef>
+      </dsp:style>
+      <dsp:txBody>
+        <a:bodyPr spcFirstLastPara="0" vert="horz" wrap="square" lIns="20955" tIns="20955" rIns="20955" bIns="20955" numCol="1" spcCol="1270" anchor="ctr" anchorCtr="0">
+          <a:noAutofit/>
+        </a:bodyPr>
+        <a:lstStyle/>
+        <a:p>
+          <a:pPr marL="0" lvl="0" indent="0" algn="ctr" defTabSz="1466850">
+            <a:lnSpc>
+              <a:spcPct val="90000"/>
+            </a:lnSpc>
+            <a:spcBef>
+              <a:spcPct val="0"/>
+            </a:spcBef>
+            <a:spcAft>
+              <a:spcPct val="35000"/>
+            </a:spcAft>
+            <a:buNone/>
+          </a:pPr>
+          <a:r>
+            <a:rPr lang="en-US" sz="3300" kern="1200" dirty="0">
+              <a:solidFill>
+                <a:schemeClr val="bg1"/>
+              </a:solidFill>
+            </a:rPr>
+            <a:t>NVD</a:t>
+          </a:r>
+        </a:p>
+      </dsp:txBody>
+      <dsp:txXfrm>
+        <a:off x="3893929" y="1173224"/>
+        <a:ext cx="2727740" cy="831960"/>
+      </dsp:txXfrm>
+    </dsp:sp>
+    <dsp:sp modelId="{3AA74077-31A6-444E-A965-77BB63C4F130}">
+      <dsp:nvSpPr>
+        <dsp:cNvPr id="0" name=""/>
+        <dsp:cNvSpPr/>
+      </dsp:nvSpPr>
+      <dsp:spPr>
+        <a:xfrm>
+          <a:off x="3893929" y="2346152"/>
+          <a:ext cx="2727740" cy="831960"/>
+        </a:xfrm>
+        <a:prstGeom prst="rect">
+          <a:avLst/>
+        </a:prstGeom>
+        <a:gradFill rotWithShape="0">
+          <a:gsLst>
+            <a:gs pos="0">
+              <a:schemeClr val="accent4">
+                <a:hueOff val="0"/>
+                <a:satOff val="0"/>
+                <a:lumOff val="0"/>
+                <a:alphaOff val="0"/>
+                <a:lumMod val="110000"/>
+                <a:satMod val="105000"/>
+                <a:tint val="67000"/>
+              </a:schemeClr>
+            </a:gs>
+            <a:gs pos="50000">
+              <a:schemeClr val="accent4">
+                <a:hueOff val="0"/>
+                <a:satOff val="0"/>
+                <a:lumOff val="0"/>
+                <a:alphaOff val="0"/>
+                <a:lumMod val="105000"/>
+                <a:satMod val="103000"/>
+                <a:tint val="73000"/>
+              </a:schemeClr>
+            </a:gs>
+            <a:gs pos="100000">
+              <a:schemeClr val="accent4">
+                <a:hueOff val="0"/>
+                <a:satOff val="0"/>
+                <a:lumOff val="0"/>
+                <a:alphaOff val="0"/>
+                <a:lumMod val="105000"/>
+                <a:satMod val="109000"/>
+                <a:tint val="81000"/>
+              </a:schemeClr>
+            </a:gs>
+          </a:gsLst>
+          <a:lin ang="5400000" scaled="0"/>
+        </a:gradFill>
+        <a:ln>
+          <a:noFill/>
+        </a:ln>
+        <a:effectLst/>
+        <a:scene3d>
+          <a:camera prst="orthographicFront"/>
+          <a:lightRig rig="flat" dir="t"/>
+        </a:scene3d>
+        <a:sp3d prstMaterial="dkEdge">
+          <a:bevelT w="8200" h="38100"/>
+        </a:sp3d>
+      </dsp:spPr>
+      <dsp:style>
+        <a:lnRef idx="0">
+          <a:scrgbClr r="0" g="0" b="0"/>
+        </a:lnRef>
+        <a:fillRef idx="2">
+          <a:scrgbClr r="0" g="0" b="0"/>
+        </a:fillRef>
+        <a:effectRef idx="1">
+          <a:scrgbClr r="0" g="0" b="0"/>
+        </a:effectRef>
+        <a:fontRef idx="minor">
+          <a:schemeClr val="dk1"/>
+        </a:fontRef>
+      </dsp:style>
+      <dsp:txBody>
+        <a:bodyPr spcFirstLastPara="0" vert="horz" wrap="square" lIns="20955" tIns="20955" rIns="20955" bIns="20955" numCol="1" spcCol="1270" anchor="ctr" anchorCtr="0">
+          <a:noAutofit/>
+        </a:bodyPr>
+        <a:lstStyle/>
+        <a:p>
+          <a:pPr marL="0" lvl="0" indent="0" algn="ctr" defTabSz="1466850">
+            <a:lnSpc>
+              <a:spcPct val="90000"/>
+            </a:lnSpc>
+            <a:spcBef>
+              <a:spcPct val="0"/>
+            </a:spcBef>
+            <a:spcAft>
+              <a:spcPct val="35000"/>
+            </a:spcAft>
+            <a:buNone/>
+          </a:pPr>
+          <a:r>
+            <a:rPr lang="en-US" sz="3300" kern="1200" dirty="0">
+              <a:solidFill>
+                <a:schemeClr val="bg1"/>
+              </a:solidFill>
+            </a:rPr>
+            <a:t>Other Sources</a:t>
+          </a:r>
+        </a:p>
+      </dsp:txBody>
+      <dsp:txXfrm>
+        <a:off x="3893929" y="2346152"/>
+        <a:ext cx="2727740" cy="831960"/>
+      </dsp:txXfrm>
+    </dsp:sp>
+    <dsp:sp modelId="{F2E6E288-52FF-674C-849D-31DAA2DD6A88}">
+      <dsp:nvSpPr>
+        <dsp:cNvPr id="0" name=""/>
+        <dsp:cNvSpPr/>
+      </dsp:nvSpPr>
+      <dsp:spPr>
+        <a:xfrm>
+          <a:off x="7167218" y="1173224"/>
+          <a:ext cx="2727740" cy="831960"/>
+        </a:xfrm>
+        <a:prstGeom prst="rect">
+          <a:avLst/>
+        </a:prstGeom>
+        <a:gradFill rotWithShape="0">
+          <a:gsLst>
+            <a:gs pos="0">
+              <a:schemeClr val="accent4">
+                <a:hueOff val="0"/>
+                <a:satOff val="0"/>
+                <a:lumOff val="0"/>
+                <a:alphaOff val="0"/>
+                <a:lumMod val="110000"/>
+                <a:satMod val="105000"/>
+                <a:tint val="67000"/>
+              </a:schemeClr>
+            </a:gs>
+            <a:gs pos="50000">
+              <a:schemeClr val="accent4">
+                <a:hueOff val="0"/>
+                <a:satOff val="0"/>
+                <a:lumOff val="0"/>
+                <a:alphaOff val="0"/>
+                <a:lumMod val="105000"/>
+                <a:satMod val="103000"/>
+                <a:tint val="73000"/>
+              </a:schemeClr>
+            </a:gs>
+            <a:gs pos="100000">
+              <a:schemeClr val="accent4">
+                <a:hueOff val="0"/>
+                <a:satOff val="0"/>
+                <a:lumOff val="0"/>
+                <a:alphaOff val="0"/>
+                <a:lumMod val="105000"/>
+                <a:satMod val="109000"/>
+                <a:tint val="81000"/>
+              </a:schemeClr>
+            </a:gs>
+          </a:gsLst>
+          <a:lin ang="5400000" scaled="0"/>
+        </a:gradFill>
+        <a:ln>
+          <a:noFill/>
+        </a:ln>
+        <a:effectLst/>
+        <a:scene3d>
+          <a:camera prst="orthographicFront"/>
+          <a:lightRig rig="flat" dir="t"/>
+        </a:scene3d>
+        <a:sp3d prstMaterial="dkEdge">
+          <a:bevelT w="8200" h="38100"/>
+        </a:sp3d>
+      </dsp:spPr>
+      <dsp:style>
+        <a:lnRef idx="0">
+          <a:scrgbClr r="0" g="0" b="0"/>
+        </a:lnRef>
+        <a:fillRef idx="2">
+          <a:scrgbClr r="0" g="0" b="0"/>
+        </a:fillRef>
+        <a:effectRef idx="1">
+          <a:scrgbClr r="0" g="0" b="0"/>
+        </a:effectRef>
+        <a:fontRef idx="minor">
+          <a:schemeClr val="dk1"/>
+        </a:fontRef>
+      </dsp:style>
+      <dsp:txBody>
+        <a:bodyPr spcFirstLastPara="0" vert="horz" wrap="square" lIns="20955" tIns="20955" rIns="20955" bIns="20955" numCol="1" spcCol="1270" anchor="ctr" anchorCtr="0">
+          <a:noAutofit/>
+        </a:bodyPr>
+        <a:lstStyle/>
+        <a:p>
+          <a:pPr marL="0" lvl="0" indent="0" algn="ctr" defTabSz="1466850">
+            <a:lnSpc>
+              <a:spcPct val="90000"/>
+            </a:lnSpc>
+            <a:spcBef>
+              <a:spcPct val="0"/>
+            </a:spcBef>
+            <a:spcAft>
+              <a:spcPct val="35000"/>
+            </a:spcAft>
+            <a:buNone/>
+          </a:pPr>
+          <a:r>
+            <a:rPr lang="en-US" sz="3300" kern="1200" dirty="0">
+              <a:solidFill>
+                <a:schemeClr val="bg1"/>
+              </a:solidFill>
+            </a:rPr>
+            <a:t>OSV</a:t>
+          </a:r>
+        </a:p>
+      </dsp:txBody>
+      <dsp:txXfrm>
+        <a:off x="7167218" y="1173224"/>
+        <a:ext cx="2727740" cy="831960"/>
+      </dsp:txXfrm>
+    </dsp:sp>
+    <dsp:sp modelId="{177AA90A-DF6A-E345-9C26-2FE8F328A27F}">
+      <dsp:nvSpPr>
+        <dsp:cNvPr id="0" name=""/>
+        <dsp:cNvSpPr/>
+      </dsp:nvSpPr>
+      <dsp:spPr>
+        <a:xfrm>
+          <a:off x="7167218" y="2346152"/>
+          <a:ext cx="2727740" cy="831960"/>
+        </a:xfrm>
+        <a:prstGeom prst="rect">
+          <a:avLst/>
+        </a:prstGeom>
+        <a:gradFill rotWithShape="0">
+          <a:gsLst>
+            <a:gs pos="0">
+              <a:schemeClr val="accent4">
+                <a:hueOff val="0"/>
+                <a:satOff val="0"/>
+                <a:lumOff val="0"/>
+                <a:alphaOff val="0"/>
+                <a:lumMod val="110000"/>
+                <a:satMod val="105000"/>
+                <a:tint val="67000"/>
+              </a:schemeClr>
+            </a:gs>
+            <a:gs pos="50000">
+              <a:schemeClr val="accent4">
+                <a:hueOff val="0"/>
+                <a:satOff val="0"/>
+                <a:lumOff val="0"/>
+                <a:alphaOff val="0"/>
+                <a:lumMod val="105000"/>
+                <a:satMod val="103000"/>
+                <a:tint val="73000"/>
+              </a:schemeClr>
+            </a:gs>
+            <a:gs pos="100000">
+              <a:schemeClr val="accent4">
+                <a:hueOff val="0"/>
+                <a:satOff val="0"/>
+                <a:lumOff val="0"/>
+                <a:alphaOff val="0"/>
+                <a:lumMod val="105000"/>
+                <a:satMod val="109000"/>
+                <a:tint val="81000"/>
+              </a:schemeClr>
+            </a:gs>
+          </a:gsLst>
+          <a:lin ang="5400000" scaled="0"/>
+        </a:gradFill>
+        <a:ln>
+          <a:noFill/>
+        </a:ln>
+        <a:effectLst/>
+        <a:scene3d>
+          <a:camera prst="orthographicFront"/>
+          <a:lightRig rig="flat" dir="t"/>
+        </a:scene3d>
+        <a:sp3d prstMaterial="dkEdge">
+          <a:bevelT w="8200" h="38100"/>
+        </a:sp3d>
+      </dsp:spPr>
+      <dsp:style>
+        <a:lnRef idx="0">
+          <a:scrgbClr r="0" g="0" b="0"/>
+        </a:lnRef>
+        <a:fillRef idx="2">
+          <a:scrgbClr r="0" g="0" b="0"/>
+        </a:fillRef>
+        <a:effectRef idx="1">
+          <a:scrgbClr r="0" g="0" b="0"/>
+        </a:effectRef>
+        <a:fontRef idx="minor">
+          <a:schemeClr val="dk1"/>
+        </a:fontRef>
+      </dsp:style>
+      <dsp:txBody>
+        <a:bodyPr spcFirstLastPara="0" vert="horz" wrap="square" lIns="20955" tIns="20955" rIns="20955" bIns="20955" numCol="1" spcCol="1270" anchor="ctr" anchorCtr="0">
+          <a:noAutofit/>
+        </a:bodyPr>
+        <a:lstStyle/>
+        <a:p>
+          <a:pPr marL="0" lvl="0" indent="0" algn="ctr" defTabSz="1466850">
+            <a:lnSpc>
+              <a:spcPct val="90000"/>
+            </a:lnSpc>
+            <a:spcBef>
+              <a:spcPct val="0"/>
+            </a:spcBef>
+            <a:spcAft>
+              <a:spcPct val="35000"/>
+            </a:spcAft>
+            <a:buNone/>
+          </a:pPr>
+          <a:r>
+            <a:rPr lang="en-US" sz="3300" kern="1200" dirty="0">
+              <a:solidFill>
+                <a:schemeClr val="bg1"/>
+              </a:solidFill>
+            </a:rPr>
+            <a:t>CIRCL</a:t>
+          </a:r>
+        </a:p>
+      </dsp:txBody>
+      <dsp:txXfrm>
+        <a:off x="7167218" y="2346152"/>
+        <a:ext cx="2727740" cy="831960"/>
+      </dsp:txXfrm>
+    </dsp:sp>
+    <dsp:sp modelId="{31548CED-9112-6E4D-BEFF-CDD4E397DE36}">
+      <dsp:nvSpPr>
+        <dsp:cNvPr id="0" name=""/>
+        <dsp:cNvSpPr/>
+      </dsp:nvSpPr>
+      <dsp:spPr>
+        <a:xfrm>
+          <a:off x="7167218" y="3519081"/>
+          <a:ext cx="2727740" cy="831960"/>
+        </a:xfrm>
+        <a:prstGeom prst="rect">
+          <a:avLst/>
+        </a:prstGeom>
+        <a:gradFill rotWithShape="0">
+          <a:gsLst>
+            <a:gs pos="0">
+              <a:schemeClr val="accent4">
+                <a:hueOff val="0"/>
+                <a:satOff val="0"/>
+                <a:lumOff val="0"/>
+                <a:alphaOff val="0"/>
+                <a:lumMod val="110000"/>
+                <a:satMod val="105000"/>
+                <a:tint val="67000"/>
+              </a:schemeClr>
+            </a:gs>
+            <a:gs pos="50000">
+              <a:schemeClr val="accent4">
+                <a:hueOff val="0"/>
+                <a:satOff val="0"/>
+                <a:lumOff val="0"/>
+                <a:alphaOff val="0"/>
+                <a:lumMod val="105000"/>
+                <a:satMod val="103000"/>
+                <a:tint val="73000"/>
+              </a:schemeClr>
+            </a:gs>
+            <a:gs pos="100000">
+              <a:schemeClr val="accent4">
+                <a:hueOff val="0"/>
+                <a:satOff val="0"/>
+                <a:lumOff val="0"/>
+                <a:alphaOff val="0"/>
+                <a:lumMod val="105000"/>
+                <a:satMod val="109000"/>
+                <a:tint val="81000"/>
+              </a:schemeClr>
+            </a:gs>
+          </a:gsLst>
+          <a:lin ang="5400000" scaled="0"/>
+        </a:gradFill>
+        <a:ln>
+          <a:noFill/>
+        </a:ln>
+        <a:effectLst/>
+        <a:scene3d>
+          <a:camera prst="orthographicFront"/>
+          <a:lightRig rig="flat" dir="t"/>
+        </a:scene3d>
+        <a:sp3d prstMaterial="dkEdge">
+          <a:bevelT w="8200" h="38100"/>
+        </a:sp3d>
+      </dsp:spPr>
+      <dsp:style>
+        <a:lnRef idx="0">
+          <a:scrgbClr r="0" g="0" b="0"/>
+        </a:lnRef>
+        <a:fillRef idx="2">
+          <a:scrgbClr r="0" g="0" b="0"/>
+        </a:fillRef>
+        <a:effectRef idx="1">
+          <a:scrgbClr r="0" g="0" b="0"/>
+        </a:effectRef>
+        <a:fontRef idx="minor">
+          <a:schemeClr val="dk1"/>
+        </a:fontRef>
+      </dsp:style>
+      <dsp:txBody>
+        <a:bodyPr spcFirstLastPara="0" vert="horz" wrap="square" lIns="20955" tIns="20955" rIns="20955" bIns="20955" numCol="1" spcCol="1270" anchor="ctr" anchorCtr="0">
+          <a:noAutofit/>
+        </a:bodyPr>
+        <a:lstStyle/>
+        <a:p>
+          <a:pPr marL="0" lvl="0" indent="0" algn="ctr" defTabSz="1466850">
+            <a:lnSpc>
+              <a:spcPct val="90000"/>
+            </a:lnSpc>
+            <a:spcBef>
+              <a:spcPct val="0"/>
+            </a:spcBef>
+            <a:spcAft>
+              <a:spcPct val="35000"/>
+            </a:spcAft>
+            <a:buNone/>
+          </a:pPr>
+          <a:r>
+            <a:rPr lang="en-US" sz="3300" kern="1200" dirty="0">
+              <a:solidFill>
+                <a:schemeClr val="bg1"/>
+              </a:solidFill>
+            </a:rPr>
+            <a:t>Paid Data</a:t>
+          </a:r>
+        </a:p>
+      </dsp:txBody>
+      <dsp:txXfrm>
+        <a:off x="7167218" y="3519081"/>
+        <a:ext cx="2727740" cy="831960"/>
+      </dsp:txXfrm>
+    </dsp:sp>
+  </dsp:spTree>
+</dsp:drawing>
+</file>
+
+<file path=ppt/diagrams/drawing3.xml><?xml version="1.0" encoding="utf-8"?>
 <dsp:drawing xmlns:dgm="http://schemas.openxmlformats.org/drawingml/2006/diagram" xmlns:dsp="http://schemas.microsoft.com/office/drawing/2008/diagram" xmlns:a="http://schemas.openxmlformats.org/drawingml/2006/main">
   <dsp:spTree>
     <dsp:nvGrpSpPr>
@@ -4396,6 +6930,1190 @@
 </file>
 
 <file path=ppt/diagrams/layout2.xml><?xml version="1.0" encoding="utf-8"?>
+<dgm:layoutDef xmlns:dgm="http://schemas.openxmlformats.org/drawingml/2006/diagram" xmlns:a="http://schemas.openxmlformats.org/drawingml/2006/main" uniqueId="urn:microsoft.com/office/officeart/2009/3/layout/HorizontalOrganizationChart">
+  <dgm:title val=""/>
+  <dgm:desc val=""/>
+  <dgm:catLst>
+    <dgm:cat type="hierarchy" pri="4300"/>
+  </dgm:catLst>
+  <dgm:sampData>
+    <dgm:dataModel>
+      <dgm:ptLst>
+        <dgm:pt modelId="0" type="doc"/>
+        <dgm:pt modelId="1">
+          <dgm:prSet phldr="1"/>
+        </dgm:pt>
+        <dgm:pt modelId="2" type="asst">
+          <dgm:prSet phldr="1"/>
+        </dgm:pt>
+        <dgm:pt modelId="3">
+          <dgm:prSet phldr="1"/>
+        </dgm:pt>
+        <dgm:pt modelId="4">
+          <dgm:prSet phldr="1"/>
+        </dgm:pt>
+        <dgm:pt modelId="5">
+          <dgm:prSet phldr="1"/>
+        </dgm:pt>
+      </dgm:ptLst>
+      <dgm:cxnLst>
+        <dgm:cxn modelId="5" srcId="0" destId="1" srcOrd="0" destOrd="0"/>
+        <dgm:cxn modelId="6" srcId="1" destId="2" srcOrd="0" destOrd="0"/>
+        <dgm:cxn modelId="7" srcId="1" destId="3" srcOrd="1" destOrd="0"/>
+        <dgm:cxn modelId="8" srcId="1" destId="4" srcOrd="2" destOrd="0"/>
+        <dgm:cxn modelId="9" srcId="1" destId="5" srcOrd="3" destOrd="0"/>
+      </dgm:cxnLst>
+      <dgm:bg/>
+      <dgm:whole/>
+    </dgm:dataModel>
+  </dgm:sampData>
+  <dgm:styleData>
+    <dgm:dataModel>
+      <dgm:ptLst>
+        <dgm:pt modelId="0" type="doc"/>
+        <dgm:pt modelId="1"/>
+        <dgm:pt modelId="12"/>
+        <dgm:pt modelId="13"/>
+      </dgm:ptLst>
+      <dgm:cxnLst>
+        <dgm:cxn modelId="2" srcId="0" destId="1" srcOrd="0" destOrd="0"/>
+        <dgm:cxn modelId="16" srcId="1" destId="12" srcOrd="1" destOrd="0"/>
+        <dgm:cxn modelId="17" srcId="1" destId="13" srcOrd="2" destOrd="0"/>
+      </dgm:cxnLst>
+      <dgm:bg/>
+      <dgm:whole/>
+    </dgm:dataModel>
+  </dgm:styleData>
+  <dgm:clrData>
+    <dgm:dataModel>
+      <dgm:ptLst>
+        <dgm:pt modelId="0" type="doc"/>
+        <dgm:pt modelId="1"/>
+        <dgm:pt modelId="11" type="asst"/>
+        <dgm:pt modelId="12"/>
+        <dgm:pt modelId="13"/>
+        <dgm:pt modelId="14"/>
+      </dgm:ptLst>
+      <dgm:cxnLst>
+        <dgm:cxn modelId="2" srcId="0" destId="1" srcOrd="0" destOrd="0"/>
+        <dgm:cxn modelId="15" srcId="1" destId="11" srcOrd="0" destOrd="0"/>
+        <dgm:cxn modelId="16" srcId="1" destId="12" srcOrd="1" destOrd="0"/>
+        <dgm:cxn modelId="17" srcId="1" destId="13" srcOrd="2" destOrd="0"/>
+        <dgm:cxn modelId="18" srcId="1" destId="14" srcOrd="2" destOrd="0"/>
+      </dgm:cxnLst>
+      <dgm:bg/>
+      <dgm:whole/>
+    </dgm:dataModel>
+  </dgm:clrData>
+  <dgm:layoutNode name="hierChild1">
+    <dgm:varLst>
+      <dgm:orgChart val="1"/>
+      <dgm:chPref val="1"/>
+      <dgm:dir/>
+      <dgm:animOne val="branch"/>
+      <dgm:animLvl val="lvl"/>
+      <dgm:resizeHandles/>
+    </dgm:varLst>
+    <dgm:choose name="Name0">
+      <dgm:if name="Name1" func="var" arg="dir" op="equ" val="norm">
+        <dgm:alg type="hierChild">
+          <dgm:param type="linDir" val="fromT"/>
+          <dgm:param type="chAlign" val="l"/>
+        </dgm:alg>
+      </dgm:if>
+      <dgm:else name="Name2">
+        <dgm:alg type="hierChild">
+          <dgm:param type="linDir" val="fromT"/>
+          <dgm:param type="chAlign" val="r"/>
+        </dgm:alg>
+      </dgm:else>
+    </dgm:choose>
+    <dgm:shape xmlns:r="http://schemas.openxmlformats.org/officeDocument/2006/relationships" r:blip="">
+      <dgm:adjLst/>
+    </dgm:shape>
+    <dgm:presOf/>
+    <dgm:constrLst>
+      <dgm:constr type="w" for="des" forName="rootComposite1" refType="w" fact="10"/>
+      <dgm:constr type="h" for="des" forName="rootComposite1" refType="w" refFor="des" refForName="rootComposite1" fact="0.305"/>
+      <dgm:constr type="w" for="des" forName="rootComposite" refType="w" fact="10"/>
+      <dgm:constr type="h" for="des" forName="rootComposite" refType="w" refFor="des" refForName="rootComposite1" fact="0.305"/>
+      <dgm:constr type="w" for="des" forName="rootComposite3" refType="w" fact="10"/>
+      <dgm:constr type="h" for="des" forName="rootComposite3" refType="w" refFor="des" refForName="rootComposite1" fact="0.305"/>
+      <dgm:constr type="primFontSz" for="des" ptType="node" op="equ"/>
+      <dgm:constr type="sp" for="des" op="equ"/>
+      <dgm:constr type="sp" for="des" forName="hierRoot1" refType="w" refFor="des" refForName="rootComposite1" fact="0.2"/>
+      <dgm:constr type="sp" for="des" forName="hierRoot2" refType="sp" refFor="des" refForName="hierRoot1"/>
+      <dgm:constr type="sp" for="des" forName="hierRoot3" refType="sp" refFor="des" refForName="hierRoot1"/>
+      <dgm:constr type="sibSp" refType="w" refFor="des" refForName="rootComposite1" fact="0.125"/>
+      <dgm:constr type="sibSp" for="des" forName="hierChild2" refType="sibSp"/>
+      <dgm:constr type="sibSp" for="des" forName="hierChild3" refType="sibSp"/>
+      <dgm:constr type="sibSp" for="des" forName="hierChild4" refType="sibSp"/>
+      <dgm:constr type="sibSp" for="des" forName="hierChild5" refType="sibSp"/>
+      <dgm:constr type="sibSp" for="des" forName="hierChild6" refType="sibSp"/>
+      <dgm:constr type="sibSp" for="des" forName="hierChild7" refType="sibSp"/>
+      <dgm:constr type="secSibSp" refType="w" refFor="des" refForName="rootComposite1" fact="0.125"/>
+      <dgm:constr type="secSibSp" for="des" forName="hierChild2" refType="secSibSp"/>
+      <dgm:constr type="secSibSp" for="des" forName="hierChild3" refType="secSibSp"/>
+      <dgm:constr type="secSibSp" for="des" forName="hierChild4" refType="secSibSp"/>
+      <dgm:constr type="secSibSp" for="des" forName="hierChild5" refType="secSibSp"/>
+      <dgm:constr type="secSibSp" for="des" forName="hierChild6" refType="secSibSp"/>
+      <dgm:constr type="secSibSp" for="des" forName="hierChild7" refType="secSibSp"/>
+    </dgm:constrLst>
+    <dgm:ruleLst/>
+    <dgm:forEach name="Name3" axis="ch">
+      <dgm:forEach name="Name4" axis="self" ptType="node">
+        <dgm:layoutNode name="hierRoot1">
+          <dgm:varLst>
+            <dgm:hierBranch val="init"/>
+          </dgm:varLst>
+          <dgm:choose name="Name5">
+            <dgm:if name="Name6" func="var" arg="hierBranch" op="equ" val="l">
+              <dgm:choose name="Name7">
+                <dgm:if name="Name8" func="var" arg="dir" op="equ" val="norm">
+                  <dgm:alg type="hierRoot">
+                    <dgm:param type="hierAlign" val="lT"/>
+                  </dgm:alg>
+                  <dgm:constrLst>
+                    <dgm:constr type="alignOff" val="0.75"/>
+                  </dgm:constrLst>
+                </dgm:if>
+                <dgm:else name="Name9">
+                  <dgm:alg type="hierRoot">
+                    <dgm:param type="hierAlign" val="rT"/>
+                  </dgm:alg>
+                  <dgm:constrLst>
+                    <dgm:constr type="alignOff" val="0.75"/>
+                  </dgm:constrLst>
+                </dgm:else>
+              </dgm:choose>
+            </dgm:if>
+            <dgm:if name="Name10" func="var" arg="hierBranch" op="equ" val="r">
+              <dgm:choose name="Name11">
+                <dgm:if name="Name12" func="var" arg="dir" op="equ" val="norm">
+                  <dgm:alg type="hierRoot">
+                    <dgm:param type="hierAlign" val="lB"/>
+                  </dgm:alg>
+                  <dgm:constrLst>
+                    <dgm:constr type="alignOff" val="0.75"/>
+                  </dgm:constrLst>
+                </dgm:if>
+                <dgm:else name="Name13">
+                  <dgm:alg type="hierRoot">
+                    <dgm:param type="hierAlign" val="rB"/>
+                  </dgm:alg>
+                  <dgm:constrLst>
+                    <dgm:constr type="alignOff" val="0.75"/>
+                  </dgm:constrLst>
+                </dgm:else>
+              </dgm:choose>
+            </dgm:if>
+            <dgm:if name="Name14" func="var" arg="hierBranch" op="equ" val="hang">
+              <dgm:choose name="Name15">
+                <dgm:if name="Name16" func="var" arg="dir" op="equ" val="norm">
+                  <dgm:alg type="hierRoot">
+                    <dgm:param type="hierAlign" val="lCtrCh"/>
+                  </dgm:alg>
+                  <dgm:constrLst>
+                    <dgm:constr type="alignOff" val="0.65"/>
+                  </dgm:constrLst>
+                </dgm:if>
+                <dgm:else name="Name17">
+                  <dgm:alg type="hierRoot">
+                    <dgm:param type="hierAlign" val="rCtrCh"/>
+                  </dgm:alg>
+                  <dgm:constrLst>
+                    <dgm:constr type="alignOff" val="0.65"/>
+                  </dgm:constrLst>
+                </dgm:else>
+              </dgm:choose>
+            </dgm:if>
+            <dgm:else name="Name18">
+              <dgm:choose name="Name19">
+                <dgm:if name="Name20" func="var" arg="dir" op="equ" val="norm">
+                  <dgm:alg type="hierRoot">
+                    <dgm:param type="hierAlign" val="lCtrCh"/>
+                  </dgm:alg>
+                  <dgm:constrLst>
+                    <dgm:constr type="alignOff"/>
+                    <dgm:constr type="bendDist" for="des" ptType="parTrans" refType="sp" fact="0.5"/>
+                  </dgm:constrLst>
+                </dgm:if>
+                <dgm:else name="Name21">
+                  <dgm:alg type="hierRoot">
+                    <dgm:param type="hierAlign" val="rCtrCh"/>
+                  </dgm:alg>
+                  <dgm:constrLst>
+                    <dgm:constr type="alignOff"/>
+                    <dgm:constr type="bendDist" for="des" ptType="parTrans" refType="sp" fact="0.5"/>
+                  </dgm:constrLst>
+                </dgm:else>
+              </dgm:choose>
+            </dgm:else>
+          </dgm:choose>
+          <dgm:shape xmlns:r="http://schemas.openxmlformats.org/officeDocument/2006/relationships" r:blip="">
+            <dgm:adjLst/>
+          </dgm:shape>
+          <dgm:presOf/>
+          <dgm:ruleLst/>
+          <dgm:layoutNode name="rootComposite1">
+            <dgm:alg type="composite"/>
+            <dgm:shape xmlns:r="http://schemas.openxmlformats.org/officeDocument/2006/relationships" r:blip="">
+              <dgm:adjLst/>
+            </dgm:shape>
+            <dgm:presOf axis="self" ptType="node" cnt="1"/>
+            <dgm:choose name="Name22">
+              <dgm:if name="Name23" func="var" arg="hierBranch" op="equ" val="init">
+                <dgm:constrLst>
+                  <dgm:constr type="l" for="ch" forName="rootText1"/>
+                  <dgm:constr type="t" for="ch" forName="rootText1"/>
+                  <dgm:constr type="w" for="ch" forName="rootText1" refType="w"/>
+                  <dgm:constr type="h" for="ch" forName="rootText1" refType="h"/>
+                  <dgm:constr type="l" for="ch" forName="rootConnector1"/>
+                  <dgm:constr type="t" for="ch" forName="rootConnector1"/>
+                  <dgm:constr type="w" for="ch" forName="rootConnector1" refType="w" refFor="ch" refForName="rootText1" fact="0.2"/>
+                  <dgm:constr type="h" for="ch" forName="rootConnector1" refType="h" refFor="ch" refForName="rootText1"/>
+                </dgm:constrLst>
+              </dgm:if>
+              <dgm:if name="Name24" func="var" arg="hierBranch" op="equ" val="l">
+                <dgm:constrLst>
+                  <dgm:constr type="l" for="ch" forName="rootText1"/>
+                  <dgm:constr type="t" for="ch" forName="rootText1"/>
+                  <dgm:constr type="w" for="ch" forName="rootText1" refType="w"/>
+                  <dgm:constr type="h" for="ch" forName="rootText1" refType="h"/>
+                  <dgm:constr type="r" for="ch" forName="rootConnector1" refType="w"/>
+                  <dgm:constr type="t" for="ch" forName="rootConnector1"/>
+                  <dgm:constr type="w" for="ch" forName="rootConnector1" refType="w" refFor="ch" refForName="rootText1" fact="0.2"/>
+                  <dgm:constr type="h" for="ch" forName="rootConnector1" refType="h" refFor="ch" refForName="rootText1"/>
+                </dgm:constrLst>
+              </dgm:if>
+              <dgm:if name="Name25" func="var" arg="hierBranch" op="equ" val="r">
+                <dgm:constrLst>
+                  <dgm:constr type="l" for="ch" forName="rootText1"/>
+                  <dgm:constr type="t" for="ch" forName="rootText1"/>
+                  <dgm:constr type="w" for="ch" forName="rootText1" refType="w"/>
+                  <dgm:constr type="h" for="ch" forName="rootText1" refType="h"/>
+                  <dgm:constr type="l" for="ch" forName="rootConnector1"/>
+                  <dgm:constr type="t" for="ch" forName="rootConnector1"/>
+                  <dgm:constr type="w" for="ch" forName="rootConnector1" refType="w" refFor="ch" refForName="rootText1" fact="0.2"/>
+                  <dgm:constr type="h" for="ch" forName="rootConnector1" refType="h" refFor="ch" refForName="rootText1"/>
+                </dgm:constrLst>
+              </dgm:if>
+              <dgm:else name="Name26">
+                <dgm:constrLst>
+                  <dgm:constr type="l" for="ch" forName="rootText1"/>
+                  <dgm:constr type="t" for="ch" forName="rootText1"/>
+                  <dgm:constr type="w" for="ch" forName="rootText1" refType="w"/>
+                  <dgm:constr type="h" for="ch" forName="rootText1" refType="h"/>
+                  <dgm:constr type="r" for="ch" forName="rootConnector1" refType="w"/>
+                  <dgm:constr type="t" for="ch" forName="rootConnector1"/>
+                  <dgm:constr type="w" for="ch" forName="rootConnector1" refType="w" refFor="ch" refForName="rootText1" fact="0.2"/>
+                  <dgm:constr type="h" for="ch" forName="rootConnector1" refType="h" refFor="ch" refForName="rootText1"/>
+                </dgm:constrLst>
+              </dgm:else>
+            </dgm:choose>
+            <dgm:ruleLst/>
+            <dgm:layoutNode name="rootText1" styleLbl="node0">
+              <dgm:varLst>
+                <dgm:chPref val="3"/>
+              </dgm:varLst>
+              <dgm:alg type="tx"/>
+              <dgm:shape xmlns:r="http://schemas.openxmlformats.org/officeDocument/2006/relationships" type="rect" r:blip="">
+                <dgm:adjLst/>
+              </dgm:shape>
+              <dgm:presOf axis="self" ptType="node" cnt="1"/>
+              <dgm:constrLst>
+                <dgm:constr type="primFontSz" val="65"/>
+                <dgm:constr type="lMarg" refType="primFontSz" fact="0.05"/>
+                <dgm:constr type="rMarg" refType="primFontSz" fact="0.05"/>
+                <dgm:constr type="tMarg" refType="primFontSz" fact="0.05"/>
+                <dgm:constr type="bMarg" refType="primFontSz" fact="0.05"/>
+              </dgm:constrLst>
+              <dgm:ruleLst>
+                <dgm:rule type="primFontSz" val="5" fact="NaN" max="NaN"/>
+              </dgm:ruleLst>
+            </dgm:layoutNode>
+            <dgm:layoutNode name="rootConnector1" moveWith="rootText1">
+              <dgm:alg type="sp"/>
+              <dgm:shape xmlns:r="http://schemas.openxmlformats.org/officeDocument/2006/relationships" type="rect" r:blip="" hideGeom="1">
+                <dgm:adjLst/>
+              </dgm:shape>
+              <dgm:presOf axis="self" ptType="node" cnt="1"/>
+              <dgm:constrLst/>
+              <dgm:ruleLst/>
+            </dgm:layoutNode>
+          </dgm:layoutNode>
+          <dgm:layoutNode name="hierChild2">
+            <dgm:choose name="Name27">
+              <dgm:if name="Name28" func="var" arg="hierBranch" op="equ" val="l">
+                <dgm:choose name="Name29">
+                  <dgm:if name="Name30" func="var" arg="dir" op="equ" val="norm">
+                    <dgm:alg type="hierChild">
+                      <dgm:param type="chAlign" val="t"/>
+                      <dgm:param type="linDir" val="fromL"/>
+                    </dgm:alg>
+                  </dgm:if>
+                  <dgm:else name="Name31">
+                    <dgm:alg type="hierChild">
+                      <dgm:param type="chAlign" val="t"/>
+                      <dgm:param type="linDir" val="fromR"/>
+                    </dgm:alg>
+                  </dgm:else>
+                </dgm:choose>
+              </dgm:if>
+              <dgm:if name="Name32" func="var" arg="hierBranch" op="equ" val="r">
+                <dgm:choose name="Name33">
+                  <dgm:if name="Name34" func="var" arg="dir" op="equ" val="norm">
+                    <dgm:alg type="hierChild">
+                      <dgm:param type="chAlign" val="b"/>
+                      <dgm:param type="linDir" val="fromL"/>
+                    </dgm:alg>
+                  </dgm:if>
+                  <dgm:else name="Name35">
+                    <dgm:alg type="hierChild">
+                      <dgm:param type="chAlign" val="b"/>
+                      <dgm:param type="linDir" val="fromR"/>
+                    </dgm:alg>
+                  </dgm:else>
+                </dgm:choose>
+              </dgm:if>
+              <dgm:if name="Name36" func="var" arg="hierBranch" op="equ" val="hang">
+                <dgm:choose name="Name37">
+                  <dgm:if name="Name38" func="var" arg="dir" op="equ" val="norm">
+                    <dgm:alg type="hierChild">
+                      <dgm:param type="chAlign" val="l"/>
+                      <dgm:param type="linDir" val="fromT"/>
+                      <dgm:param type="secChAlign" val="t"/>
+                      <dgm:param type="secLinDir" val="fromL"/>
+                    </dgm:alg>
+                  </dgm:if>
+                  <dgm:else name="Name39">
+                    <dgm:alg type="hierChild">
+                      <dgm:param type="chAlign" val="r"/>
+                      <dgm:param type="linDir" val="fromT"/>
+                      <dgm:param type="secChAlign" val="t"/>
+                      <dgm:param type="secLinDir" val="fromR"/>
+                    </dgm:alg>
+                  </dgm:else>
+                </dgm:choose>
+              </dgm:if>
+              <dgm:else name="Name40">
+                <dgm:choose name="Name41">
+                  <dgm:if name="Name42" func="var" arg="dir" op="equ" val="norm">
+                    <dgm:alg type="hierChild">
+                      <dgm:param type="linDir" val="fromT"/>
+                      <dgm:param type="chAlign" val="l"/>
+                    </dgm:alg>
+                  </dgm:if>
+                  <dgm:else name="Name43">
+                    <dgm:alg type="hierChild">
+                      <dgm:param type="linDir" val="fromT"/>
+                      <dgm:param type="chAlign" val="r"/>
+                    </dgm:alg>
+                  </dgm:else>
+                </dgm:choose>
+              </dgm:else>
+            </dgm:choose>
+            <dgm:shape xmlns:r="http://schemas.openxmlformats.org/officeDocument/2006/relationships" r:blip="">
+              <dgm:adjLst/>
+            </dgm:shape>
+            <dgm:presOf/>
+            <dgm:constrLst/>
+            <dgm:ruleLst/>
+            <dgm:forEach name="rep2a" axis="ch" ptType="nonAsst">
+              <dgm:forEach name="Name44" axis="precedSib" ptType="parTrans" st="-1" cnt="1">
+                <dgm:choose name="Name45">
+                  <dgm:if name="Name46" func="var" arg="hierBranch" op="equ" val="hang">
+                    <dgm:layoutNode name="Name47">
+                      <dgm:choose name="Name48">
+                        <dgm:if name="Name49" func="var" arg="dir" op="equ" val="norm">
+                          <dgm:alg type="conn">
+                            <dgm:param type="connRout" val="bend"/>
+                            <dgm:param type="dim" val="1D"/>
+                            <dgm:param type="endSty" val="noArr"/>
+                            <dgm:param type="begPts" val="midR"/>
+                            <dgm:param type="endPts" val="bCtr tCtr"/>
+                          </dgm:alg>
+                        </dgm:if>
+                        <dgm:else name="Name50">
+                          <dgm:alg type="conn">
+                            <dgm:param type="connRout" val="bend"/>
+                            <dgm:param type="dim" val="1D"/>
+                            <dgm:param type="endSty" val="noArr"/>
+                            <dgm:param type="begPts" val="midL"/>
+                            <dgm:param type="endPts" val="bCtr tCtr"/>
+                          </dgm:alg>
+                        </dgm:else>
+                      </dgm:choose>
+                      <dgm:shape xmlns:r="http://schemas.openxmlformats.org/officeDocument/2006/relationships" type="conn" r:blip="" zOrderOff="-99999">
+                        <dgm:adjLst/>
+                      </dgm:shape>
+                      <dgm:presOf axis="self"/>
+                      <dgm:constrLst>
+                        <dgm:constr type="begPad"/>
+                        <dgm:constr type="endPad"/>
+                      </dgm:constrLst>
+                      <dgm:ruleLst/>
+                    </dgm:layoutNode>
+                  </dgm:if>
+                  <dgm:if name="Name51" func="var" arg="hierBranch" op="equ" val="l">
+                    <dgm:layoutNode name="Name52">
+                      <dgm:choose name="Name53">
+                        <dgm:if name="Name54" func="var" arg="dir" op="equ" val="norm">
+                          <dgm:alg type="conn">
+                            <dgm:param type="connRout" val="bend"/>
+                            <dgm:param type="dim" val="1D"/>
+                            <dgm:param type="endSty" val="noArr"/>
+                            <dgm:param type="begPts" val="midR"/>
+                            <dgm:param type="endPts" val="tCtr"/>
+                          </dgm:alg>
+                        </dgm:if>
+                        <dgm:else name="Name55">
+                          <dgm:alg type="conn">
+                            <dgm:param type="connRout" val="bend"/>
+                            <dgm:param type="dim" val="1D"/>
+                            <dgm:param type="endSty" val="noArr"/>
+                            <dgm:param type="begPts" val="midL"/>
+                            <dgm:param type="endPts" val="tCtr"/>
+                          </dgm:alg>
+                        </dgm:else>
+                      </dgm:choose>
+                      <dgm:shape xmlns:r="http://schemas.openxmlformats.org/officeDocument/2006/relationships" type="conn" r:blip="" zOrderOff="-99999">
+                        <dgm:adjLst/>
+                      </dgm:shape>
+                      <dgm:presOf axis="self"/>
+                      <dgm:constrLst>
+                        <dgm:constr type="begPad"/>
+                        <dgm:constr type="endPad"/>
+                      </dgm:constrLst>
+                      <dgm:ruleLst/>
+                    </dgm:layoutNode>
+                  </dgm:if>
+                  <dgm:if name="Name56" func="var" arg="hierBranch" op="equ" val="r">
+                    <dgm:layoutNode name="Name57">
+                      <dgm:choose name="Name58">
+                        <dgm:if name="Name59" func="var" arg="dir" op="equ" val="norm">
+                          <dgm:alg type="conn">
+                            <dgm:param type="connRout" val="bend"/>
+                            <dgm:param type="dim" val="1D"/>
+                            <dgm:param type="endSty" val="noArr"/>
+                            <dgm:param type="begPts" val="midR"/>
+                            <dgm:param type="endPts" val="bCtr"/>
+                          </dgm:alg>
+                        </dgm:if>
+                        <dgm:else name="Name60">
+                          <dgm:alg type="conn">
+                            <dgm:param type="connRout" val="bend"/>
+                            <dgm:param type="dim" val="1D"/>
+                            <dgm:param type="endSty" val="noArr"/>
+                            <dgm:param type="begPts" val="midL"/>
+                            <dgm:param type="endPts" val="bCtr"/>
+                          </dgm:alg>
+                        </dgm:else>
+                      </dgm:choose>
+                      <dgm:shape xmlns:r="http://schemas.openxmlformats.org/officeDocument/2006/relationships" type="conn" r:blip="" zOrderOff="-99999">
+                        <dgm:adjLst/>
+                      </dgm:shape>
+                      <dgm:presOf axis="self"/>
+                      <dgm:constrLst>
+                        <dgm:constr type="begPad"/>
+                        <dgm:constr type="endPad"/>
+                      </dgm:constrLst>
+                      <dgm:ruleLst/>
+                    </dgm:layoutNode>
+                  </dgm:if>
+                  <dgm:else name="Name61">
+                    <dgm:choose name="Name62">
+                      <dgm:if name="Name63" func="var" arg="dir" op="equ" val="norm">
+                        <dgm:layoutNode name="Name64">
+                          <dgm:alg type="conn">
+                            <dgm:param type="connRout" val="bend"/>
+                            <dgm:param type="dim" val="1D"/>
+                            <dgm:param type="endSty" val="noArr"/>
+                            <dgm:param type="begPts" val="midR"/>
+                            <dgm:param type="endPts" val="midL"/>
+                            <dgm:param type="bendPt" val="end"/>
+                          </dgm:alg>
+                          <dgm:shape xmlns:r="http://schemas.openxmlformats.org/officeDocument/2006/relationships" type="conn" r:blip="" zOrderOff="-99999">
+                            <dgm:adjLst/>
+                          </dgm:shape>
+                          <dgm:presOf axis="self"/>
+                          <dgm:constrLst>
+                            <dgm:constr type="begPad"/>
+                            <dgm:constr type="endPad"/>
+                          </dgm:constrLst>
+                          <dgm:ruleLst/>
+                        </dgm:layoutNode>
+                      </dgm:if>
+                      <dgm:else name="Name65">
+                        <dgm:layoutNode name="Name66">
+                          <dgm:alg type="conn">
+                            <dgm:param type="connRout" val="bend"/>
+                            <dgm:param type="dim" val="1D"/>
+                            <dgm:param type="endSty" val="noArr"/>
+                            <dgm:param type="begPts" val="midL"/>
+                            <dgm:param type="endPts" val="midR"/>
+                            <dgm:param type="bendPt" val="end"/>
+                          </dgm:alg>
+                          <dgm:shape xmlns:r="http://schemas.openxmlformats.org/officeDocument/2006/relationships" type="conn" r:blip="" zOrderOff="-99999">
+                            <dgm:adjLst/>
+                          </dgm:shape>
+                          <dgm:presOf axis="self"/>
+                          <dgm:constrLst>
+                            <dgm:constr type="begPad"/>
+                            <dgm:constr type="endPad"/>
+                          </dgm:constrLst>
+                          <dgm:ruleLst/>
+                        </dgm:layoutNode>
+                      </dgm:else>
+                    </dgm:choose>
+                  </dgm:else>
+                </dgm:choose>
+              </dgm:forEach>
+              <dgm:layoutNode name="hierRoot2">
+                <dgm:varLst>
+                  <dgm:hierBranch val="init"/>
+                </dgm:varLst>
+                <dgm:choose name="Name67">
+                  <dgm:if name="Name68" func="var" arg="hierBranch" op="equ" val="l">
+                    <dgm:choose name="Name69">
+                      <dgm:if name="Name70" func="var" arg="dir" op="equ" val="norm">
+                        <dgm:alg type="hierRoot">
+                          <dgm:param type="hierAlign" val="lT"/>
+                        </dgm:alg>
+                        <dgm:constrLst>
+                          <dgm:constr type="alignOff" val="0.75"/>
+                        </dgm:constrLst>
+                      </dgm:if>
+                      <dgm:else name="Name71">
+                        <dgm:alg type="hierRoot">
+                          <dgm:param type="hierAlign" val="rT"/>
+                        </dgm:alg>
+                        <dgm:constrLst>
+                          <dgm:constr type="alignOff" val="0.75"/>
+                        </dgm:constrLst>
+                      </dgm:else>
+                    </dgm:choose>
+                  </dgm:if>
+                  <dgm:if name="Name72" func="var" arg="hierBranch" op="equ" val="r">
+                    <dgm:choose name="Name73">
+                      <dgm:if name="Name74" func="var" arg="dir" op="equ" val="norm">
+                        <dgm:alg type="hierRoot">
+                          <dgm:param type="hierAlign" val="lB"/>
+                        </dgm:alg>
+                        <dgm:constrLst>
+                          <dgm:constr type="alignOff" val="0.75"/>
+                        </dgm:constrLst>
+                      </dgm:if>
+                      <dgm:else name="Name75">
+                        <dgm:alg type="hierRoot">
+                          <dgm:param type="hierAlign" val="rB"/>
+                        </dgm:alg>
+                        <dgm:constrLst>
+                          <dgm:constr type="alignOff" val="0.75"/>
+                        </dgm:constrLst>
+                      </dgm:else>
+                    </dgm:choose>
+                  </dgm:if>
+                  <dgm:if name="Name76" func="var" arg="hierBranch" op="equ" val="hang">
+                    <dgm:choose name="Name77">
+                      <dgm:if name="Name78" func="var" arg="dir" op="equ" val="norm">
+                        <dgm:alg type="hierRoot">
+                          <dgm:param type="hierAlign" val="lCtrCh"/>
+                        </dgm:alg>
+                        <dgm:constrLst>
+                          <dgm:constr type="alignOff" val="0.65"/>
+                        </dgm:constrLst>
+                      </dgm:if>
+                      <dgm:else name="Name79">
+                        <dgm:alg type="hierRoot">
+                          <dgm:param type="hierAlign" val="rCtrCh"/>
+                        </dgm:alg>
+                        <dgm:constrLst>
+                          <dgm:constr type="alignOff" val="0.65"/>
+                        </dgm:constrLst>
+                      </dgm:else>
+                    </dgm:choose>
+                  </dgm:if>
+                  <dgm:else name="Name80">
+                    <dgm:choose name="Name81">
+                      <dgm:if name="Name82" func="var" arg="dir" op="equ" val="norm">
+                        <dgm:alg type="hierRoot">
+                          <dgm:param type="hierAlign" val="lCtrCh"/>
+                        </dgm:alg>
+                        <dgm:constrLst>
+                          <dgm:constr type="alignOff"/>
+                          <dgm:constr type="bendDist" for="des" ptType="parTrans" refType="sp" fact="0.5"/>
+                        </dgm:constrLst>
+                      </dgm:if>
+                      <dgm:else name="Name83">
+                        <dgm:alg type="hierRoot">
+                          <dgm:param type="hierAlign" val="rCtrCh"/>
+                        </dgm:alg>
+                        <dgm:constrLst>
+                          <dgm:constr type="alignOff"/>
+                          <dgm:constr type="bendDist" for="des" ptType="parTrans" refType="sp" fact="0.5"/>
+                        </dgm:constrLst>
+                      </dgm:else>
+                    </dgm:choose>
+                  </dgm:else>
+                </dgm:choose>
+                <dgm:shape xmlns:r="http://schemas.openxmlformats.org/officeDocument/2006/relationships" r:blip="">
+                  <dgm:adjLst/>
+                </dgm:shape>
+                <dgm:presOf/>
+                <dgm:ruleLst/>
+                <dgm:layoutNode name="rootComposite">
+                  <dgm:alg type="composite"/>
+                  <dgm:shape xmlns:r="http://schemas.openxmlformats.org/officeDocument/2006/relationships" r:blip="">
+                    <dgm:adjLst/>
+                  </dgm:shape>
+                  <dgm:presOf axis="self" ptType="node" cnt="1"/>
+                  <dgm:choose name="Name84">
+                    <dgm:if name="Name85" func="var" arg="hierBranch" op="equ" val="init">
+                      <dgm:constrLst>
+                        <dgm:constr type="l" for="ch" forName="rootText"/>
+                        <dgm:constr type="t" for="ch" forName="rootText"/>
+                        <dgm:constr type="w" for="ch" forName="rootText" refType="w"/>
+                        <dgm:constr type="h" for="ch" forName="rootText" refType="h"/>
+                        <dgm:constr type="l" for="ch" forName="rootConnector"/>
+                        <dgm:constr type="t" for="ch" forName="rootConnector"/>
+                        <dgm:constr type="w" for="ch" forName="rootConnector" refType="w" refFor="ch" refForName="rootText" fact="0.2"/>
+                        <dgm:constr type="h" for="ch" forName="rootConnector" refType="h" refFor="ch" refForName="rootText"/>
+                      </dgm:constrLst>
+                    </dgm:if>
+                    <dgm:if name="Name86" func="var" arg="hierBranch" op="equ" val="l">
+                      <dgm:constrLst>
+                        <dgm:constr type="l" for="ch" forName="rootText"/>
+                        <dgm:constr type="t" for="ch" forName="rootText"/>
+                        <dgm:constr type="w" for="ch" forName="rootText" refType="w"/>
+                        <dgm:constr type="h" for="ch" forName="rootText" refType="h"/>
+                        <dgm:constr type="r" for="ch" forName="rootConnector" refType="w"/>
+                        <dgm:constr type="t" for="ch" forName="rootConnector"/>
+                        <dgm:constr type="w" for="ch" forName="rootConnector" refType="w" refFor="ch" refForName="rootText" fact="0.2"/>
+                        <dgm:constr type="h" for="ch" forName="rootConnector" refType="h" refFor="ch" refForName="rootText"/>
+                      </dgm:constrLst>
+                    </dgm:if>
+                    <dgm:if name="Name87" func="var" arg="hierBranch" op="equ" val="r">
+                      <dgm:constrLst>
+                        <dgm:constr type="l" for="ch" forName="rootText"/>
+                        <dgm:constr type="t" for="ch" forName="rootText"/>
+                        <dgm:constr type="w" for="ch" forName="rootText" refType="w"/>
+                        <dgm:constr type="h" for="ch" forName="rootText" refType="h"/>
+                        <dgm:constr type="l" for="ch" forName="rootConnector"/>
+                        <dgm:constr type="t" for="ch" forName="rootConnector"/>
+                        <dgm:constr type="w" for="ch" forName="rootConnector" refType="w" refFor="ch" refForName="rootText" fact="0.2"/>
+                        <dgm:constr type="h" for="ch" forName="rootConnector" refType="h" refFor="ch" refForName="rootText"/>
+                      </dgm:constrLst>
+                    </dgm:if>
+                    <dgm:else name="Name88">
+                      <dgm:constrLst>
+                        <dgm:constr type="l" for="ch" forName="rootText"/>
+                        <dgm:constr type="t" for="ch" forName="rootText"/>
+                        <dgm:constr type="w" for="ch" forName="rootText" refType="w"/>
+                        <dgm:constr type="h" for="ch" forName="rootText" refType="h"/>
+                        <dgm:constr type="r" for="ch" forName="rootConnector" refType="w"/>
+                        <dgm:constr type="t" for="ch" forName="rootConnector"/>
+                        <dgm:constr type="w" for="ch" forName="rootConnector" refType="w" refFor="ch" refForName="rootText" fact="0.2"/>
+                        <dgm:constr type="h" for="ch" forName="rootConnector" refType="h" refFor="ch" refForName="rootText"/>
+                      </dgm:constrLst>
+                    </dgm:else>
+                  </dgm:choose>
+                  <dgm:ruleLst/>
+                  <dgm:layoutNode name="rootText">
+                    <dgm:varLst>
+                      <dgm:chPref val="3"/>
+                    </dgm:varLst>
+                    <dgm:alg type="tx"/>
+                    <dgm:shape xmlns:r="http://schemas.openxmlformats.org/officeDocument/2006/relationships" type="rect" r:blip="">
+                      <dgm:adjLst/>
+                    </dgm:shape>
+                    <dgm:presOf axis="self" ptType="node" cnt="1"/>
+                    <dgm:constrLst>
+                      <dgm:constr type="primFontSz" val="65"/>
+                      <dgm:constr type="lMarg" refType="primFontSz" fact="0.05"/>
+                      <dgm:constr type="rMarg" refType="primFontSz" fact="0.05"/>
+                      <dgm:constr type="tMarg" refType="primFontSz" fact="0.05"/>
+                      <dgm:constr type="bMarg" refType="primFontSz" fact="0.05"/>
+                    </dgm:constrLst>
+                    <dgm:ruleLst>
+                      <dgm:rule type="primFontSz" val="5" fact="NaN" max="NaN"/>
+                    </dgm:ruleLst>
+                  </dgm:layoutNode>
+                  <dgm:layoutNode name="rootConnector" moveWith="rootText">
+                    <dgm:alg type="sp"/>
+                    <dgm:shape xmlns:r="http://schemas.openxmlformats.org/officeDocument/2006/relationships" type="rect" r:blip="" hideGeom="1">
+                      <dgm:adjLst/>
+                    </dgm:shape>
+                    <dgm:presOf axis="self" ptType="node" cnt="1"/>
+                    <dgm:constrLst/>
+                    <dgm:ruleLst/>
+                  </dgm:layoutNode>
+                </dgm:layoutNode>
+                <dgm:layoutNode name="hierChild4">
+                  <dgm:choose name="Name89">
+                    <dgm:if name="Name90" func="var" arg="hierBranch" op="equ" val="l">
+                      <dgm:choose name="Name91">
+                        <dgm:if name="Name92" func="var" arg="dir" op="equ" val="norm">
+                          <dgm:alg type="hierChild">
+                            <dgm:param type="chAlign" val="t"/>
+                            <dgm:param type="linDir" val="fromL"/>
+                          </dgm:alg>
+                        </dgm:if>
+                        <dgm:else name="Name93">
+                          <dgm:alg type="hierChild">
+                            <dgm:param type="chAlign" val="t"/>
+                            <dgm:param type="linDir" val="fromR"/>
+                          </dgm:alg>
+                        </dgm:else>
+                      </dgm:choose>
+                    </dgm:if>
+                    <dgm:if name="Name94" func="var" arg="hierBranch" op="equ" val="r">
+                      <dgm:choose name="Name95">
+                        <dgm:if name="Name96" func="var" arg="dir" op="equ" val="norm">
+                          <dgm:alg type="hierChild">
+                            <dgm:param type="chAlign" val="b"/>
+                            <dgm:param type="linDir" val="fromL"/>
+                          </dgm:alg>
+                        </dgm:if>
+                        <dgm:else name="Name97">
+                          <dgm:alg type="hierChild">
+                            <dgm:param type="chAlign" val="b"/>
+                            <dgm:param type="linDir" val="fromR"/>
+                          </dgm:alg>
+                        </dgm:else>
+                      </dgm:choose>
+                    </dgm:if>
+                    <dgm:if name="Name98" func="var" arg="hierBranch" op="equ" val="hang">
+                      <dgm:choose name="Name99">
+                        <dgm:if name="Name100" func="var" arg="dir" op="equ" val="norm">
+                          <dgm:alg type="hierChild">
+                            <dgm:param type="chAlign" val="l"/>
+                            <dgm:param type="linDir" val="fromT"/>
+                            <dgm:param type="secChAlign" val="t"/>
+                            <dgm:param type="secLinDir" val="fromL"/>
+                          </dgm:alg>
+                        </dgm:if>
+                        <dgm:else name="Name101">
+                          <dgm:alg type="hierChild">
+                            <dgm:param type="chAlign" val="r"/>
+                            <dgm:param type="linDir" val="fromT"/>
+                            <dgm:param type="secChAlign" val="t"/>
+                            <dgm:param type="secLinDir" val="fromR"/>
+                          </dgm:alg>
+                        </dgm:else>
+                      </dgm:choose>
+                    </dgm:if>
+                    <dgm:else name="Name102">
+                      <dgm:choose name="Name103">
+                        <dgm:if name="Name104" func="var" arg="dir" op="equ" val="norm">
+                          <dgm:alg type="hierChild">
+                            <dgm:param type="linDir" val="fromT"/>
+                            <dgm:param type="chAlign" val="l"/>
+                          </dgm:alg>
+                        </dgm:if>
+                        <dgm:else name="Name105">
+                          <dgm:alg type="hierChild">
+                            <dgm:param type="linDir" val="fromT"/>
+                            <dgm:param type="chAlign" val="r"/>
+                          </dgm:alg>
+                        </dgm:else>
+                      </dgm:choose>
+                    </dgm:else>
+                  </dgm:choose>
+                  <dgm:shape xmlns:r="http://schemas.openxmlformats.org/officeDocument/2006/relationships" r:blip="">
+                    <dgm:adjLst/>
+                  </dgm:shape>
+                  <dgm:presOf/>
+                  <dgm:constrLst/>
+                  <dgm:ruleLst/>
+                  <dgm:forEach name="Name106" ref="rep2a"/>
+                </dgm:layoutNode>
+                <dgm:layoutNode name="hierChild5">
+                  <dgm:choose name="Name107">
+                    <dgm:if name="Name108" func="var" arg="dir" op="equ" val="norm">
+                      <dgm:alg type="hierChild">
+                        <dgm:param type="chAlign" val="l"/>
+                        <dgm:param type="linDir" val="fromT"/>
+                        <dgm:param type="secChAlign" val="t"/>
+                        <dgm:param type="secLinDir" val="fromL"/>
+                      </dgm:alg>
+                    </dgm:if>
+                    <dgm:else name="Name109">
+                      <dgm:alg type="hierChild">
+                        <dgm:param type="chAlign" val="r"/>
+                        <dgm:param type="linDir" val="fromT"/>
+                        <dgm:param type="secChAlign" val="t"/>
+                        <dgm:param type="secLinDir" val="fromR"/>
+                      </dgm:alg>
+                    </dgm:else>
+                  </dgm:choose>
+                  <dgm:shape xmlns:r="http://schemas.openxmlformats.org/officeDocument/2006/relationships" r:blip="">
+                    <dgm:adjLst/>
+                  </dgm:shape>
+                  <dgm:presOf/>
+                  <dgm:constrLst/>
+                  <dgm:ruleLst/>
+                  <dgm:forEach name="Name110" ref="rep2b"/>
+                </dgm:layoutNode>
+              </dgm:layoutNode>
+            </dgm:forEach>
+          </dgm:layoutNode>
+          <dgm:layoutNode name="hierChild3">
+            <dgm:choose name="Name111">
+              <dgm:if name="Name112" func="var" arg="dir" op="equ" val="norm">
+                <dgm:alg type="hierChild">
+                  <dgm:param type="chAlign" val="l"/>
+                  <dgm:param type="linDir" val="fromT"/>
+                  <dgm:param type="secChAlign" val="t"/>
+                  <dgm:param type="secLinDir" val="fromL"/>
+                </dgm:alg>
+              </dgm:if>
+              <dgm:else name="Name113">
+                <dgm:alg type="hierChild">
+                  <dgm:param type="chAlign" val="r"/>
+                  <dgm:param type="linDir" val="fromT"/>
+                  <dgm:param type="secChAlign" val="t"/>
+                  <dgm:param type="secLinDir" val="fromR"/>
+                </dgm:alg>
+              </dgm:else>
+            </dgm:choose>
+            <dgm:shape xmlns:r="http://schemas.openxmlformats.org/officeDocument/2006/relationships" r:blip="">
+              <dgm:adjLst/>
+            </dgm:shape>
+            <dgm:presOf/>
+            <dgm:constrLst/>
+            <dgm:ruleLst/>
+            <dgm:forEach name="rep2b" axis="ch" ptType="asst">
+              <dgm:forEach name="Name114" axis="precedSib" ptType="parTrans" st="-1" cnt="1">
+                <dgm:layoutNode name="Name115">
+                  <dgm:choose name="Name116">
+                    <dgm:if name="Name117" func="var" arg="dir" op="equ" val="norm">
+                      <dgm:alg type="conn">
+                        <dgm:param type="connRout" val="bend"/>
+                        <dgm:param type="dim" val="1D"/>
+                        <dgm:param type="endSty" val="noArr"/>
+                        <dgm:param type="begPts" val="midR"/>
+                        <dgm:param type="endPts" val="bCtr tCtr"/>
+                      </dgm:alg>
+                    </dgm:if>
+                    <dgm:else name="Name118">
+                      <dgm:alg type="conn">
+                        <dgm:param type="connRout" val="bend"/>
+                        <dgm:param type="dim" val="1D"/>
+                        <dgm:param type="endSty" val="noArr"/>
+                        <dgm:param type="begPts" val="midL"/>
+                        <dgm:param type="endPts" val="bCtr tCtr"/>
+                      </dgm:alg>
+                    </dgm:else>
+                  </dgm:choose>
+                  <dgm:shape xmlns:r="http://schemas.openxmlformats.org/officeDocument/2006/relationships" type="conn" r:blip="" zOrderOff="-99999">
+                    <dgm:adjLst/>
+                  </dgm:shape>
+                  <dgm:presOf axis="self"/>
+                  <dgm:constrLst>
+                    <dgm:constr type="begPad"/>
+                    <dgm:constr type="endPad"/>
+                  </dgm:constrLst>
+                  <dgm:ruleLst/>
+                </dgm:layoutNode>
+              </dgm:forEach>
+              <dgm:layoutNode name="hierRoot3">
+                <dgm:varLst>
+                  <dgm:hierBranch val="init"/>
+                </dgm:varLst>
+                <dgm:choose name="Name119">
+                  <dgm:if name="Name120" func="var" arg="hierBranch" op="equ" val="l">
+                    <dgm:choose name="Name121">
+                      <dgm:if name="Name122" func="var" arg="dir" op="equ" val="norm">
+                        <dgm:alg type="hierRoot">
+                          <dgm:param type="hierAlign" val="lT"/>
+                        </dgm:alg>
+                        <dgm:constrLst>
+                          <dgm:constr type="alignOff" val="0.75"/>
+                        </dgm:constrLst>
+                      </dgm:if>
+                      <dgm:else name="Name123">
+                        <dgm:alg type="hierRoot">
+                          <dgm:param type="hierAlign" val="rT"/>
+                        </dgm:alg>
+                        <dgm:constrLst>
+                          <dgm:constr type="alignOff" val="0.75"/>
+                        </dgm:constrLst>
+                      </dgm:else>
+                    </dgm:choose>
+                  </dgm:if>
+                  <dgm:if name="Name124" func="var" arg="hierBranch" op="equ" val="r">
+                    <dgm:choose name="Name125">
+                      <dgm:if name="Name126" func="var" arg="dir" op="equ" val="norm">
+                        <dgm:alg type="hierRoot">
+                          <dgm:param type="hierAlign" val="lB"/>
+                        </dgm:alg>
+                        <dgm:constrLst>
+                          <dgm:constr type="alignOff" val="0.75"/>
+                        </dgm:constrLst>
+                      </dgm:if>
+                      <dgm:else name="Name127">
+                        <dgm:alg type="hierRoot">
+                          <dgm:param type="hierAlign" val="rB"/>
+                        </dgm:alg>
+                        <dgm:constrLst>
+                          <dgm:constr type="alignOff" val="0.75"/>
+                        </dgm:constrLst>
+                      </dgm:else>
+                    </dgm:choose>
+                  </dgm:if>
+                  <dgm:if name="Name128" func="var" arg="hierBranch" op="equ" val="hang">
+                    <dgm:choose name="Name129">
+                      <dgm:if name="Name130" func="var" arg="dir" op="equ" val="norm">
+                        <dgm:alg type="hierRoot">
+                          <dgm:param type="hierAlign" val="lCtrCh"/>
+                        </dgm:alg>
+                        <dgm:constrLst>
+                          <dgm:constr type="alignOff" val="0.65"/>
+                        </dgm:constrLst>
+                      </dgm:if>
+                      <dgm:else name="Name131">
+                        <dgm:alg type="hierRoot">
+                          <dgm:param type="hierAlign" val="rCtrCh"/>
+                        </dgm:alg>
+                        <dgm:constrLst>
+                          <dgm:constr type="alignOff" val="0.65"/>
+                        </dgm:constrLst>
+                      </dgm:else>
+                    </dgm:choose>
+                  </dgm:if>
+                  <dgm:else name="Name132">
+                    <dgm:choose name="Name133">
+                      <dgm:if name="Name134" func="var" arg="dir" op="equ" val="norm">
+                        <dgm:alg type="hierRoot">
+                          <dgm:param type="hierAlign" val="lCtrCh"/>
+                        </dgm:alg>
+                        <dgm:constrLst>
+                          <dgm:constr type="alignOff"/>
+                          <dgm:constr type="bendDist" for="des" ptType="parTrans" refType="sp" fact="0.5"/>
+                        </dgm:constrLst>
+                      </dgm:if>
+                      <dgm:else name="Name135">
+                        <dgm:alg type="hierRoot">
+                          <dgm:param type="hierAlign" val="rCtrCh"/>
+                        </dgm:alg>
+                        <dgm:constrLst>
+                          <dgm:constr type="alignOff"/>
+                          <dgm:constr type="bendDist" for="des" ptType="parTrans" refType="sp" fact="0.5"/>
+                        </dgm:constrLst>
+                      </dgm:else>
+                    </dgm:choose>
+                  </dgm:else>
+                </dgm:choose>
+                <dgm:shape xmlns:r="http://schemas.openxmlformats.org/officeDocument/2006/relationships" r:blip="">
+                  <dgm:adjLst/>
+                </dgm:shape>
+                <dgm:presOf/>
+                <dgm:ruleLst/>
+                <dgm:layoutNode name="rootComposite3">
+                  <dgm:alg type="composite"/>
+                  <dgm:shape xmlns:r="http://schemas.openxmlformats.org/officeDocument/2006/relationships" r:blip="">
+                    <dgm:adjLst/>
+                  </dgm:shape>
+                  <dgm:presOf axis="self" ptType="node" cnt="1"/>
+                  <dgm:choose name="Name136">
+                    <dgm:if name="Name137" func="var" arg="hierBranch" op="equ" val="init">
+                      <dgm:constrLst>
+                        <dgm:constr type="l" for="ch" forName="rootText3"/>
+                        <dgm:constr type="t" for="ch" forName="rootText3"/>
+                        <dgm:constr type="w" for="ch" forName="rootText3" refType="w"/>
+                        <dgm:constr type="h" for="ch" forName="rootText3" refType="h"/>
+                        <dgm:constr type="l" for="ch" forName="rootConnector3"/>
+                        <dgm:constr type="t" for="ch" forName="rootConnector3"/>
+                        <dgm:constr type="w" for="ch" forName="rootConnector3" refType="w" refFor="ch" refForName="rootText3" fact="0.2"/>
+                        <dgm:constr type="h" for="ch" forName="rootConnector3" refType="h" refFor="ch" refForName="rootText3"/>
+                      </dgm:constrLst>
+                    </dgm:if>
+                    <dgm:if name="Name138" func="var" arg="hierBranch" op="equ" val="l">
+                      <dgm:constrLst>
+                        <dgm:constr type="l" for="ch" forName="rootText3"/>
+                        <dgm:constr type="t" for="ch" forName="rootText3"/>
+                        <dgm:constr type="w" for="ch" forName="rootText3" refType="w"/>
+                        <dgm:constr type="h" for="ch" forName="rootText3" refType="h"/>
+                        <dgm:constr type="r" for="ch" forName="rootConnector3" refType="w"/>
+                        <dgm:constr type="t" for="ch" forName="rootConnector3"/>
+                        <dgm:constr type="w" for="ch" forName="rootConnector3" refType="w" refFor="ch" refForName="rootText3" fact="0.2"/>
+                        <dgm:constr type="h" for="ch" forName="rootConnector3" refType="h" refFor="ch" refForName="rootText3"/>
+                      </dgm:constrLst>
+                    </dgm:if>
+                    <dgm:if name="Name139" func="var" arg="hierBranch" op="equ" val="r">
+                      <dgm:constrLst>
+                        <dgm:constr type="l" for="ch" forName="rootText3"/>
+                        <dgm:constr type="t" for="ch" forName="rootText3"/>
+                        <dgm:constr type="w" for="ch" forName="rootText3" refType="w"/>
+                        <dgm:constr type="h" for="ch" forName="rootText3" refType="h"/>
+                        <dgm:constr type="l" for="ch" forName="rootConnector3"/>
+                        <dgm:constr type="t" for="ch" forName="rootConnector3"/>
+                        <dgm:constr type="w" for="ch" forName="rootConnector3" refType="w" refFor="ch" refForName="rootText3" fact="0.2"/>
+                        <dgm:constr type="h" for="ch" forName="rootConnector3" refType="h" refFor="ch" refForName="rootText3"/>
+                      </dgm:constrLst>
+                    </dgm:if>
+                    <dgm:else name="Name140">
+                      <dgm:constrLst>
+                        <dgm:constr type="l" for="ch" forName="rootText3"/>
+                        <dgm:constr type="t" for="ch" forName="rootText3"/>
+                        <dgm:constr type="w" for="ch" forName="rootText3" refType="w"/>
+                        <dgm:constr type="h" for="ch" forName="rootText3" refType="h"/>
+                        <dgm:constr type="r" for="ch" forName="rootConnector3" refType="w"/>
+                        <dgm:constr type="t" for="ch" forName="rootConnector3"/>
+                        <dgm:constr type="w" for="ch" forName="rootConnector3" refType="w" refFor="ch" refForName="rootText3" fact="0.2"/>
+                        <dgm:constr type="h" for="ch" forName="rootConnector3" refType="h" refFor="ch" refForName="rootText3"/>
+                      </dgm:constrLst>
+                    </dgm:else>
+                  </dgm:choose>
+                  <dgm:ruleLst/>
+                  <dgm:layoutNode name="rootText3">
+                    <dgm:varLst>
+                      <dgm:chPref val="3"/>
+                    </dgm:varLst>
+                    <dgm:alg type="tx"/>
+                    <dgm:shape xmlns:r="http://schemas.openxmlformats.org/officeDocument/2006/relationships" type="rect" r:blip="">
+                      <dgm:adjLst/>
+                    </dgm:shape>
+                    <dgm:presOf axis="self" ptType="node" cnt="1"/>
+                    <dgm:constrLst>
+                      <dgm:constr type="primFontSz" val="65"/>
+                      <dgm:constr type="lMarg" refType="primFontSz" fact="0.05"/>
+                      <dgm:constr type="rMarg" refType="primFontSz" fact="0.05"/>
+                      <dgm:constr type="tMarg" refType="primFontSz" fact="0.05"/>
+                      <dgm:constr type="bMarg" refType="primFontSz" fact="0.05"/>
+                    </dgm:constrLst>
+                    <dgm:ruleLst>
+                      <dgm:rule type="primFontSz" val="5" fact="NaN" max="NaN"/>
+                    </dgm:ruleLst>
+                  </dgm:layoutNode>
+                  <dgm:layoutNode name="rootConnector3" moveWith="rootText1">
+                    <dgm:alg type="sp"/>
+                    <dgm:shape xmlns:r="http://schemas.openxmlformats.org/officeDocument/2006/relationships" type="rect" r:blip="" hideGeom="1">
+                      <dgm:adjLst/>
+                    </dgm:shape>
+                    <dgm:presOf axis="self" ptType="node" cnt="1"/>
+                    <dgm:constrLst/>
+                    <dgm:ruleLst/>
+                  </dgm:layoutNode>
+                </dgm:layoutNode>
+                <dgm:layoutNode name="hierChild6">
+                  <dgm:choose name="Name141">
+                    <dgm:if name="Name142" func="var" arg="hierBranch" op="equ" val="l">
+                      <dgm:choose name="Name143">
+                        <dgm:if name="Name144" func="var" arg="dir" op="equ" val="norm">
+                          <dgm:alg type="hierChild">
+                            <dgm:param type="chAlign" val="t"/>
+                            <dgm:param type="linDir" val="fromL"/>
+                          </dgm:alg>
+                        </dgm:if>
+                        <dgm:else name="Name145">
+                          <dgm:alg type="hierChild">
+                            <dgm:param type="chAlign" val="t"/>
+                            <dgm:param type="linDir" val="fromR"/>
+                          </dgm:alg>
+                        </dgm:else>
+                      </dgm:choose>
+                    </dgm:if>
+                    <dgm:if name="Name146" func="var" arg="hierBranch" op="equ" val="r">
+                      <dgm:choose name="Name147">
+                        <dgm:if name="Name148" func="var" arg="dir" op="equ" val="norm">
+                          <dgm:alg type="hierChild">
+                            <dgm:param type="chAlign" val="b"/>
+                            <dgm:param type="linDir" val="fromL"/>
+                          </dgm:alg>
+                        </dgm:if>
+                        <dgm:else name="Name149">
+                          <dgm:alg type="hierChild">
+                            <dgm:param type="chAlign" val="b"/>
+                            <dgm:param type="linDir" val="fromR"/>
+                          </dgm:alg>
+                        </dgm:else>
+                      </dgm:choose>
+                    </dgm:if>
+                    <dgm:if name="Name150" func="var" arg="hierBranch" op="equ" val="hang">
+                      <dgm:choose name="Name151">
+                        <dgm:if name="Name152" func="var" arg="dir" op="equ" val="norm">
+                          <dgm:alg type="hierChild">
+                            <dgm:param type="chAlign" val="l"/>
+                            <dgm:param type="linDir" val="fromT"/>
+                            <dgm:param type="secChAlign" val="t"/>
+                            <dgm:param type="secLinDir" val="fromL"/>
+                          </dgm:alg>
+                        </dgm:if>
+                        <dgm:else name="Name153">
+                          <dgm:alg type="hierChild">
+                            <dgm:param type="chAlign" val="r"/>
+                            <dgm:param type="linDir" val="fromT"/>
+                            <dgm:param type="secChAlign" val="t"/>
+                            <dgm:param type="secLinDir" val="fromR"/>
+                          </dgm:alg>
+                        </dgm:else>
+                      </dgm:choose>
+                    </dgm:if>
+                    <dgm:else name="Name154">
+                      <dgm:choose name="Name155">
+                        <dgm:if name="Name156" func="var" arg="dir" op="equ" val="norm">
+                          <dgm:alg type="hierChild">
+                            <dgm:param type="linDir" val="fromT"/>
+                            <dgm:param type="chAlign" val="l"/>
+                          </dgm:alg>
+                        </dgm:if>
+                        <dgm:else name="Name157">
+                          <dgm:alg type="hierChild">
+                            <dgm:param type="linDir" val="fromT"/>
+                            <dgm:param type="chAlign" val="r"/>
+                          </dgm:alg>
+                        </dgm:else>
+                      </dgm:choose>
+                    </dgm:else>
+                  </dgm:choose>
+                  <dgm:shape xmlns:r="http://schemas.openxmlformats.org/officeDocument/2006/relationships" r:blip="">
+                    <dgm:adjLst/>
+                  </dgm:shape>
+                  <dgm:presOf/>
+                  <dgm:constrLst/>
+                  <dgm:ruleLst/>
+                  <dgm:forEach name="Name158" ref="rep2a"/>
+                </dgm:layoutNode>
+                <dgm:layoutNode name="hierChild7">
+                  <dgm:choose name="Name159">
+                    <dgm:if name="Name160" func="var" arg="dir" op="equ" val="norm">
+                      <dgm:alg type="hierChild">
+                        <dgm:param type="chAlign" val="l"/>
+                        <dgm:param type="linDir" val="fromT"/>
+                        <dgm:param type="secChAlign" val="t"/>
+                        <dgm:param type="secLinDir" val="fromL"/>
+                      </dgm:alg>
+                    </dgm:if>
+                    <dgm:else name="Name161">
+                      <dgm:alg type="hierChild">
+                        <dgm:param type="chAlign" val="r"/>
+                        <dgm:param type="linDir" val="fromT"/>
+                        <dgm:param type="secChAlign" val="t"/>
+                        <dgm:param type="secLinDir" val="fromR"/>
+                      </dgm:alg>
+                    </dgm:else>
+                  </dgm:choose>
+                  <dgm:shape xmlns:r="http://schemas.openxmlformats.org/officeDocument/2006/relationships" r:blip="">
+                    <dgm:adjLst/>
+                  </dgm:shape>
+                  <dgm:presOf/>
+                  <dgm:constrLst/>
+                  <dgm:ruleLst/>
+                  <dgm:forEach name="Name162" ref="rep2b"/>
+                </dgm:layoutNode>
+              </dgm:layoutNode>
+            </dgm:forEach>
+          </dgm:layoutNode>
+        </dgm:layoutNode>
+      </dgm:forEach>
+    </dgm:forEach>
+  </dgm:layoutNode>
+</dgm:layoutDef>
+</file>
+
+<file path=ppt/diagrams/layout3.xml><?xml version="1.0" encoding="utf-8"?>
 <dgm:layoutDef xmlns:dgm="http://schemas.openxmlformats.org/drawingml/2006/diagram" xmlns:a="http://schemas.openxmlformats.org/drawingml/2006/main" uniqueId="urn:microsoft.com/office/officeart/2018/2/layout/IconLabelList">
   <dgm:title val="Icon Label List"/>
   <dgm:desc val="Use to show non-sequential or grouped chunks of information accompanied by a related visuals. Works best with icons or small pictures with short text captions."/>
@@ -5620,6 +9338,1066 @@
 </file>
 
 <file path=ppt/diagrams/quickStyle2.xml><?xml version="1.0" encoding="utf-8"?>
+<dgm:styleDef xmlns:dgm="http://schemas.openxmlformats.org/drawingml/2006/diagram" xmlns:a="http://schemas.openxmlformats.org/drawingml/2006/main" uniqueId="urn:microsoft.com/office/officeart/2005/8/quickstyle/simple3">
+  <dgm:title val=""/>
+  <dgm:desc val=""/>
+  <dgm:catLst>
+    <dgm:cat type="simple" pri="10300"/>
+  </dgm:catLst>
+  <dgm:scene3d>
+    <a:camera prst="orthographicFront"/>
+    <a:lightRig rig="threePt" dir="t"/>
+  </dgm:scene3d>
+  <dgm:styleLbl name="node0">
+    <dgm:scene3d>
+      <a:camera prst="orthographicFront"/>
+      <a:lightRig rig="flat" dir="t"/>
+    </dgm:scene3d>
+    <dgm:sp3d prstMaterial="dkEdge">
+      <a:bevelT w="8200" h="38100"/>
+    </dgm:sp3d>
+    <dgm:txPr/>
+    <dgm:style>
+      <a:lnRef idx="0">
+        <a:scrgbClr r="0" g="0" b="0"/>
+      </a:lnRef>
+      <a:fillRef idx="2">
+        <a:scrgbClr r="0" g="0" b="0"/>
+      </a:fillRef>
+      <a:effectRef idx="1">
+        <a:scrgbClr r="0" g="0" b="0"/>
+      </a:effectRef>
+      <a:fontRef idx="minor">
+        <a:schemeClr val="dk1"/>
+      </a:fontRef>
+    </dgm:style>
+  </dgm:styleLbl>
+  <dgm:styleLbl name="lnNode1">
+    <dgm:scene3d>
+      <a:camera prst="orthographicFront"/>
+      <a:lightRig rig="flat" dir="t"/>
+    </dgm:scene3d>
+    <dgm:sp3d prstMaterial="dkEdge">
+      <a:bevelT w="8200" h="38100"/>
+    </dgm:sp3d>
+    <dgm:txPr/>
+    <dgm:style>
+      <a:lnRef idx="1">
+        <a:scrgbClr r="0" g="0" b="0"/>
+      </a:lnRef>
+      <a:fillRef idx="2">
+        <a:scrgbClr r="0" g="0" b="0"/>
+      </a:fillRef>
+      <a:effectRef idx="0">
+        <a:scrgbClr r="0" g="0" b="0"/>
+      </a:effectRef>
+      <a:fontRef idx="minor">
+        <a:schemeClr val="dk1"/>
+      </a:fontRef>
+    </dgm:style>
+  </dgm:styleLbl>
+  <dgm:styleLbl name="vennNode1">
+    <dgm:scene3d>
+      <a:camera prst="orthographicFront"/>
+      <a:lightRig rig="flat" dir="t"/>
+    </dgm:scene3d>
+    <dgm:sp3d prstMaterial="dkEdge">
+      <a:bevelT w="8200" h="38100"/>
+    </dgm:sp3d>
+    <dgm:txPr/>
+    <dgm:style>
+      <a:lnRef idx="0">
+        <a:scrgbClr r="0" g="0" b="0"/>
+      </a:lnRef>
+      <a:fillRef idx="2">
+        <a:scrgbClr r="0" g="0" b="0"/>
+      </a:fillRef>
+      <a:effectRef idx="0">
+        <a:scrgbClr r="0" g="0" b="0"/>
+      </a:effectRef>
+      <a:fontRef idx="minor">
+        <a:schemeClr val="tx1"/>
+      </a:fontRef>
+    </dgm:style>
+  </dgm:styleLbl>
+  <dgm:styleLbl name="alignNode1">
+    <dgm:scene3d>
+      <a:camera prst="orthographicFront"/>
+      <a:lightRig rig="threePt" dir="t"/>
+    </dgm:scene3d>
+    <dgm:sp3d/>
+    <dgm:txPr/>
+    <dgm:style>
+      <a:lnRef idx="1">
+        <a:scrgbClr r="0" g="0" b="0"/>
+      </a:lnRef>
+      <a:fillRef idx="2">
+        <a:scrgbClr r="0" g="0" b="0"/>
+      </a:fillRef>
+      <a:effectRef idx="1">
+        <a:scrgbClr r="0" g="0" b="0"/>
+      </a:effectRef>
+      <a:fontRef idx="minor">
+        <a:schemeClr val="dk1"/>
+      </a:fontRef>
+    </dgm:style>
+  </dgm:styleLbl>
+  <dgm:styleLbl name="node1">
+    <dgm:scene3d>
+      <a:camera prst="orthographicFront"/>
+      <a:lightRig rig="flat" dir="t"/>
+    </dgm:scene3d>
+    <dgm:sp3d prstMaterial="dkEdge">
+      <a:bevelT w="8200" h="38100"/>
+    </dgm:sp3d>
+    <dgm:txPr/>
+    <dgm:style>
+      <a:lnRef idx="0">
+        <a:scrgbClr r="0" g="0" b="0"/>
+      </a:lnRef>
+      <a:fillRef idx="2">
+        <a:scrgbClr r="0" g="0" b="0"/>
+      </a:fillRef>
+      <a:effectRef idx="1">
+        <a:scrgbClr r="0" g="0" b="0"/>
+      </a:effectRef>
+      <a:fontRef idx="minor">
+        <a:schemeClr val="dk1"/>
+      </a:fontRef>
+    </dgm:style>
+  </dgm:styleLbl>
+  <dgm:styleLbl name="node2">
+    <dgm:scene3d>
+      <a:camera prst="orthographicFront"/>
+      <a:lightRig rig="flat" dir="t"/>
+    </dgm:scene3d>
+    <dgm:sp3d prstMaterial="dkEdge">
+      <a:bevelT w="8200" h="38100"/>
+    </dgm:sp3d>
+    <dgm:txPr/>
+    <dgm:style>
+      <a:lnRef idx="0">
+        <a:scrgbClr r="0" g="0" b="0"/>
+      </a:lnRef>
+      <a:fillRef idx="2">
+        <a:scrgbClr r="0" g="0" b="0"/>
+      </a:fillRef>
+      <a:effectRef idx="1">
+        <a:scrgbClr r="0" g="0" b="0"/>
+      </a:effectRef>
+      <a:fontRef idx="minor">
+        <a:schemeClr val="dk1"/>
+      </a:fontRef>
+    </dgm:style>
+  </dgm:styleLbl>
+  <dgm:styleLbl name="node3">
+    <dgm:scene3d>
+      <a:camera prst="orthographicFront"/>
+      <a:lightRig rig="flat" dir="t"/>
+    </dgm:scene3d>
+    <dgm:sp3d prstMaterial="dkEdge">
+      <a:bevelT w="8200" h="38100"/>
+    </dgm:sp3d>
+    <dgm:txPr/>
+    <dgm:style>
+      <a:lnRef idx="0">
+        <a:scrgbClr r="0" g="0" b="0"/>
+      </a:lnRef>
+      <a:fillRef idx="2">
+        <a:scrgbClr r="0" g="0" b="0"/>
+      </a:fillRef>
+      <a:effectRef idx="1">
+        <a:scrgbClr r="0" g="0" b="0"/>
+      </a:effectRef>
+      <a:fontRef idx="minor">
+        <a:schemeClr val="dk1"/>
+      </a:fontRef>
+    </dgm:style>
+  </dgm:styleLbl>
+  <dgm:styleLbl name="node4">
+    <dgm:scene3d>
+      <a:camera prst="orthographicFront"/>
+      <a:lightRig rig="flat" dir="t"/>
+    </dgm:scene3d>
+    <dgm:sp3d prstMaterial="dkEdge">
+      <a:bevelT w="8200" h="38100"/>
+    </dgm:sp3d>
+    <dgm:txPr/>
+    <dgm:style>
+      <a:lnRef idx="0">
+        <a:scrgbClr r="0" g="0" b="0"/>
+      </a:lnRef>
+      <a:fillRef idx="2">
+        <a:scrgbClr r="0" g="0" b="0"/>
+      </a:fillRef>
+      <a:effectRef idx="1">
+        <a:scrgbClr r="0" g="0" b="0"/>
+      </a:effectRef>
+      <a:fontRef idx="minor">
+        <a:schemeClr val="dk1"/>
+      </a:fontRef>
+    </dgm:style>
+  </dgm:styleLbl>
+  <dgm:styleLbl name="fgImgPlace1">
+    <dgm:scene3d>
+      <a:camera prst="orthographicFront"/>
+      <a:lightRig rig="threePt" dir="t"/>
+    </dgm:scene3d>
+    <dgm:sp3d/>
+    <dgm:txPr/>
+    <dgm:style>
+      <a:lnRef idx="1">
+        <a:scrgbClr r="0" g="0" b="0"/>
+      </a:lnRef>
+      <a:fillRef idx="1">
+        <a:scrgbClr r="0" g="0" b="0"/>
+      </a:fillRef>
+      <a:effectRef idx="1">
+        <a:scrgbClr r="0" g="0" b="0"/>
+      </a:effectRef>
+      <a:fontRef idx="minor"/>
+    </dgm:style>
+  </dgm:styleLbl>
+  <dgm:styleLbl name="alignImgPlace1">
+    <dgm:scene3d>
+      <a:camera prst="orthographicFront"/>
+      <a:lightRig rig="threePt" dir="t"/>
+    </dgm:scene3d>
+    <dgm:sp3d/>
+    <dgm:txPr/>
+    <dgm:style>
+      <a:lnRef idx="1">
+        <a:scrgbClr r="0" g="0" b="0"/>
+      </a:lnRef>
+      <a:fillRef idx="1">
+        <a:scrgbClr r="0" g="0" b="0"/>
+      </a:fillRef>
+      <a:effectRef idx="1">
+        <a:scrgbClr r="0" g="0" b="0"/>
+      </a:effectRef>
+      <a:fontRef idx="minor"/>
+    </dgm:style>
+  </dgm:styleLbl>
+  <dgm:styleLbl name="bgImgPlace1">
+    <dgm:scene3d>
+      <a:camera prst="orthographicFront"/>
+      <a:lightRig rig="threePt" dir="t"/>
+    </dgm:scene3d>
+    <dgm:sp3d/>
+    <dgm:txPr/>
+    <dgm:style>
+      <a:lnRef idx="1">
+        <a:scrgbClr r="0" g="0" b="0"/>
+      </a:lnRef>
+      <a:fillRef idx="1">
+        <a:scrgbClr r="0" g="0" b="0"/>
+      </a:fillRef>
+      <a:effectRef idx="1">
+        <a:scrgbClr r="0" g="0" b="0"/>
+      </a:effectRef>
+      <a:fontRef idx="minor"/>
+    </dgm:style>
+  </dgm:styleLbl>
+  <dgm:styleLbl name="sibTrans2D1">
+    <dgm:scene3d>
+      <a:camera prst="orthographicFront"/>
+      <a:lightRig rig="threePt" dir="t"/>
+    </dgm:scene3d>
+    <dgm:sp3d/>
+    <dgm:txPr/>
+    <dgm:style>
+      <a:lnRef idx="0">
+        <a:scrgbClr r="0" g="0" b="0"/>
+      </a:lnRef>
+      <a:fillRef idx="2">
+        <a:scrgbClr r="0" g="0" b="0"/>
+      </a:fillRef>
+      <a:effectRef idx="1">
+        <a:scrgbClr r="0" g="0" b="0"/>
+      </a:effectRef>
+      <a:fontRef idx="minor">
+        <a:schemeClr val="dk1"/>
+      </a:fontRef>
+    </dgm:style>
+  </dgm:styleLbl>
+  <dgm:styleLbl name="fgSibTrans2D1">
+    <dgm:scene3d>
+      <a:camera prst="orthographicFront"/>
+      <a:lightRig rig="threePt" dir="t"/>
+    </dgm:scene3d>
+    <dgm:sp3d/>
+    <dgm:txPr/>
+    <dgm:style>
+      <a:lnRef idx="0">
+        <a:scrgbClr r="0" g="0" b="0"/>
+      </a:lnRef>
+      <a:fillRef idx="2">
+        <a:scrgbClr r="0" g="0" b="0"/>
+      </a:fillRef>
+      <a:effectRef idx="1">
+        <a:scrgbClr r="0" g="0" b="0"/>
+      </a:effectRef>
+      <a:fontRef idx="minor">
+        <a:schemeClr val="dk1"/>
+      </a:fontRef>
+    </dgm:style>
+  </dgm:styleLbl>
+  <dgm:styleLbl name="bgSibTrans2D1">
+    <dgm:scene3d>
+      <a:camera prst="orthographicFront"/>
+      <a:lightRig rig="threePt" dir="t"/>
+    </dgm:scene3d>
+    <dgm:sp3d/>
+    <dgm:txPr/>
+    <dgm:style>
+      <a:lnRef idx="0">
+        <a:scrgbClr r="0" g="0" b="0"/>
+      </a:lnRef>
+      <a:fillRef idx="2">
+        <a:scrgbClr r="0" g="0" b="0"/>
+      </a:fillRef>
+      <a:effectRef idx="1">
+        <a:scrgbClr r="0" g="0" b="0"/>
+      </a:effectRef>
+      <a:fontRef idx="minor">
+        <a:schemeClr val="dk1"/>
+      </a:fontRef>
+    </dgm:style>
+  </dgm:styleLbl>
+  <dgm:styleLbl name="sibTrans1D1">
+    <dgm:scene3d>
+      <a:camera prst="orthographicFront"/>
+      <a:lightRig rig="threePt" dir="t"/>
+    </dgm:scene3d>
+    <dgm:sp3d/>
+    <dgm:txPr/>
+    <dgm:style>
+      <a:lnRef idx="1">
+        <a:scrgbClr r="0" g="0" b="0"/>
+      </a:lnRef>
+      <a:fillRef idx="0">
+        <a:scrgbClr r="0" g="0" b="0"/>
+      </a:fillRef>
+      <a:effectRef idx="0">
+        <a:scrgbClr r="0" g="0" b="0"/>
+      </a:effectRef>
+      <a:fontRef idx="minor"/>
+    </dgm:style>
+  </dgm:styleLbl>
+  <dgm:styleLbl name="callout">
+    <dgm:scene3d>
+      <a:camera prst="orthographicFront"/>
+      <a:lightRig rig="threePt" dir="t"/>
+    </dgm:scene3d>
+    <dgm:sp3d/>
+    <dgm:txPr/>
+    <dgm:style>
+      <a:lnRef idx="1">
+        <a:scrgbClr r="0" g="0" b="0"/>
+      </a:lnRef>
+      <a:fillRef idx="2">
+        <a:scrgbClr r="0" g="0" b="0"/>
+      </a:fillRef>
+      <a:effectRef idx="1">
+        <a:scrgbClr r="0" g="0" b="0"/>
+      </a:effectRef>
+      <a:fontRef idx="minor"/>
+    </dgm:style>
+  </dgm:styleLbl>
+  <dgm:styleLbl name="asst0">
+    <dgm:scene3d>
+      <a:camera prst="orthographicFront"/>
+      <a:lightRig rig="flat" dir="t"/>
+    </dgm:scene3d>
+    <dgm:sp3d prstMaterial="dkEdge">
+      <a:bevelT w="8200" h="38100"/>
+    </dgm:sp3d>
+    <dgm:txPr/>
+    <dgm:style>
+      <a:lnRef idx="0">
+        <a:scrgbClr r="0" g="0" b="0"/>
+      </a:lnRef>
+      <a:fillRef idx="2">
+        <a:scrgbClr r="0" g="0" b="0"/>
+      </a:fillRef>
+      <a:effectRef idx="1">
+        <a:scrgbClr r="0" g="0" b="0"/>
+      </a:effectRef>
+      <a:fontRef idx="minor">
+        <a:schemeClr val="dk1"/>
+      </a:fontRef>
+    </dgm:style>
+  </dgm:styleLbl>
+  <dgm:styleLbl name="asst1">
+    <dgm:scene3d>
+      <a:camera prst="orthographicFront"/>
+      <a:lightRig rig="flat" dir="t"/>
+    </dgm:scene3d>
+    <dgm:sp3d prstMaterial="dkEdge">
+      <a:bevelT w="8200" h="38100"/>
+    </dgm:sp3d>
+    <dgm:txPr/>
+    <dgm:style>
+      <a:lnRef idx="0">
+        <a:scrgbClr r="0" g="0" b="0"/>
+      </a:lnRef>
+      <a:fillRef idx="2">
+        <a:scrgbClr r="0" g="0" b="0"/>
+      </a:fillRef>
+      <a:effectRef idx="1">
+        <a:scrgbClr r="0" g="0" b="0"/>
+      </a:effectRef>
+      <a:fontRef idx="minor">
+        <a:schemeClr val="dk1"/>
+      </a:fontRef>
+    </dgm:style>
+  </dgm:styleLbl>
+  <dgm:styleLbl name="asst2">
+    <dgm:scene3d>
+      <a:camera prst="orthographicFront"/>
+      <a:lightRig rig="flat" dir="t"/>
+    </dgm:scene3d>
+    <dgm:sp3d prstMaterial="dkEdge">
+      <a:bevelT w="8200" h="38100"/>
+    </dgm:sp3d>
+    <dgm:txPr/>
+    <dgm:style>
+      <a:lnRef idx="0">
+        <a:scrgbClr r="0" g="0" b="0"/>
+      </a:lnRef>
+      <a:fillRef idx="2">
+        <a:scrgbClr r="0" g="0" b="0"/>
+      </a:fillRef>
+      <a:effectRef idx="1">
+        <a:scrgbClr r="0" g="0" b="0"/>
+      </a:effectRef>
+      <a:fontRef idx="minor">
+        <a:schemeClr val="dk1"/>
+      </a:fontRef>
+    </dgm:style>
+  </dgm:styleLbl>
+  <dgm:styleLbl name="asst3">
+    <dgm:scene3d>
+      <a:camera prst="orthographicFront"/>
+      <a:lightRig rig="flat" dir="t"/>
+    </dgm:scene3d>
+    <dgm:sp3d prstMaterial="dkEdge">
+      <a:bevelT w="8200" h="38100"/>
+    </dgm:sp3d>
+    <dgm:txPr/>
+    <dgm:style>
+      <a:lnRef idx="0">
+        <a:scrgbClr r="0" g="0" b="0"/>
+      </a:lnRef>
+      <a:fillRef idx="2">
+        <a:scrgbClr r="0" g="0" b="0"/>
+      </a:fillRef>
+      <a:effectRef idx="1">
+        <a:scrgbClr r="0" g="0" b="0"/>
+      </a:effectRef>
+      <a:fontRef idx="minor">
+        <a:schemeClr val="dk1"/>
+      </a:fontRef>
+    </dgm:style>
+  </dgm:styleLbl>
+  <dgm:styleLbl name="asst4">
+    <dgm:scene3d>
+      <a:camera prst="orthographicFront"/>
+      <a:lightRig rig="flat" dir="t"/>
+    </dgm:scene3d>
+    <dgm:sp3d prstMaterial="dkEdge">
+      <a:bevelT w="8200" h="38100"/>
+    </dgm:sp3d>
+    <dgm:txPr/>
+    <dgm:style>
+      <a:lnRef idx="0">
+        <a:scrgbClr r="0" g="0" b="0"/>
+      </a:lnRef>
+      <a:fillRef idx="2">
+        <a:scrgbClr r="0" g="0" b="0"/>
+      </a:fillRef>
+      <a:effectRef idx="1">
+        <a:scrgbClr r="0" g="0" b="0"/>
+      </a:effectRef>
+      <a:fontRef idx="minor">
+        <a:schemeClr val="dk1"/>
+      </a:fontRef>
+    </dgm:style>
+  </dgm:styleLbl>
+  <dgm:styleLbl name="parChTrans2D1">
+    <dgm:scene3d>
+      <a:camera prst="orthographicFront"/>
+      <a:lightRig rig="threePt" dir="t"/>
+    </dgm:scene3d>
+    <dgm:sp3d/>
+    <dgm:txPr/>
+    <dgm:style>
+      <a:lnRef idx="1">
+        <a:scrgbClr r="0" g="0" b="0"/>
+      </a:lnRef>
+      <a:fillRef idx="2">
+        <a:scrgbClr r="0" g="0" b="0"/>
+      </a:fillRef>
+      <a:effectRef idx="1">
+        <a:scrgbClr r="0" g="0" b="0"/>
+      </a:effectRef>
+      <a:fontRef idx="minor">
+        <a:schemeClr val="dk1"/>
+      </a:fontRef>
+    </dgm:style>
+  </dgm:styleLbl>
+  <dgm:styleLbl name="parChTrans2D2">
+    <dgm:scene3d>
+      <a:camera prst="orthographicFront"/>
+      <a:lightRig rig="threePt" dir="t"/>
+    </dgm:scene3d>
+    <dgm:sp3d/>
+    <dgm:txPr/>
+    <dgm:style>
+      <a:lnRef idx="1">
+        <a:scrgbClr r="0" g="0" b="0"/>
+      </a:lnRef>
+      <a:fillRef idx="2">
+        <a:scrgbClr r="0" g="0" b="0"/>
+      </a:fillRef>
+      <a:effectRef idx="1">
+        <a:scrgbClr r="0" g="0" b="0"/>
+      </a:effectRef>
+      <a:fontRef idx="minor">
+        <a:schemeClr val="dk1"/>
+      </a:fontRef>
+    </dgm:style>
+  </dgm:styleLbl>
+  <dgm:styleLbl name="parChTrans2D3">
+    <dgm:scene3d>
+      <a:camera prst="orthographicFront"/>
+      <a:lightRig rig="threePt" dir="t"/>
+    </dgm:scene3d>
+    <dgm:sp3d/>
+    <dgm:txPr/>
+    <dgm:style>
+      <a:lnRef idx="1">
+        <a:scrgbClr r="0" g="0" b="0"/>
+      </a:lnRef>
+      <a:fillRef idx="2">
+        <a:scrgbClr r="0" g="0" b="0"/>
+      </a:fillRef>
+      <a:effectRef idx="1">
+        <a:scrgbClr r="0" g="0" b="0"/>
+      </a:effectRef>
+      <a:fontRef idx="minor">
+        <a:schemeClr val="dk1"/>
+      </a:fontRef>
+    </dgm:style>
+  </dgm:styleLbl>
+  <dgm:styleLbl name="parChTrans2D4">
+    <dgm:scene3d>
+      <a:camera prst="orthographicFront"/>
+      <a:lightRig rig="threePt" dir="t"/>
+    </dgm:scene3d>
+    <dgm:sp3d/>
+    <dgm:txPr/>
+    <dgm:style>
+      <a:lnRef idx="1">
+        <a:scrgbClr r="0" g="0" b="0"/>
+      </a:lnRef>
+      <a:fillRef idx="2">
+        <a:scrgbClr r="0" g="0" b="0"/>
+      </a:fillRef>
+      <a:effectRef idx="1">
+        <a:scrgbClr r="0" g="0" b="0"/>
+      </a:effectRef>
+      <a:fontRef idx="minor">
+        <a:schemeClr val="dk1"/>
+      </a:fontRef>
+    </dgm:style>
+  </dgm:styleLbl>
+  <dgm:styleLbl name="parChTrans1D1">
+    <dgm:scene3d>
+      <a:camera prst="orthographicFront"/>
+      <a:lightRig rig="threePt" dir="t"/>
+    </dgm:scene3d>
+    <dgm:sp3d/>
+    <dgm:txPr/>
+    <dgm:style>
+      <a:lnRef idx="2">
+        <a:scrgbClr r="0" g="0" b="0"/>
+      </a:lnRef>
+      <a:fillRef idx="0">
+        <a:scrgbClr r="0" g="0" b="0"/>
+      </a:fillRef>
+      <a:effectRef idx="0">
+        <a:scrgbClr r="0" g="0" b="0"/>
+      </a:effectRef>
+      <a:fontRef idx="minor"/>
+    </dgm:style>
+  </dgm:styleLbl>
+  <dgm:styleLbl name="parChTrans1D2">
+    <dgm:scene3d>
+      <a:camera prst="orthographicFront"/>
+      <a:lightRig rig="threePt" dir="t"/>
+    </dgm:scene3d>
+    <dgm:sp3d/>
+    <dgm:txPr/>
+    <dgm:style>
+      <a:lnRef idx="2">
+        <a:scrgbClr r="0" g="0" b="0"/>
+      </a:lnRef>
+      <a:fillRef idx="0">
+        <a:scrgbClr r="0" g="0" b="0"/>
+      </a:fillRef>
+      <a:effectRef idx="0">
+        <a:scrgbClr r="0" g="0" b="0"/>
+      </a:effectRef>
+      <a:fontRef idx="minor"/>
+    </dgm:style>
+  </dgm:styleLbl>
+  <dgm:styleLbl name="parChTrans1D3">
+    <dgm:scene3d>
+      <a:camera prst="orthographicFront"/>
+      <a:lightRig rig="threePt" dir="t"/>
+    </dgm:scene3d>
+    <dgm:sp3d/>
+    <dgm:txPr/>
+    <dgm:style>
+      <a:lnRef idx="2">
+        <a:scrgbClr r="0" g="0" b="0"/>
+      </a:lnRef>
+      <a:fillRef idx="0">
+        <a:scrgbClr r="0" g="0" b="0"/>
+      </a:fillRef>
+      <a:effectRef idx="0">
+        <a:scrgbClr r="0" g="0" b="0"/>
+      </a:effectRef>
+      <a:fontRef idx="minor"/>
+    </dgm:style>
+  </dgm:styleLbl>
+  <dgm:styleLbl name="parChTrans1D4">
+    <dgm:scene3d>
+      <a:camera prst="orthographicFront"/>
+      <a:lightRig rig="threePt" dir="t"/>
+    </dgm:scene3d>
+    <dgm:sp3d/>
+    <dgm:txPr/>
+    <dgm:style>
+      <a:lnRef idx="2">
+        <a:scrgbClr r="0" g="0" b="0"/>
+      </a:lnRef>
+      <a:fillRef idx="0">
+        <a:scrgbClr r="0" g="0" b="0"/>
+      </a:fillRef>
+      <a:effectRef idx="0">
+        <a:scrgbClr r="0" g="0" b="0"/>
+      </a:effectRef>
+      <a:fontRef idx="minor"/>
+    </dgm:style>
+  </dgm:styleLbl>
+  <dgm:styleLbl name="fgAcc1">
+    <dgm:scene3d>
+      <a:camera prst="orthographicFront"/>
+      <a:lightRig rig="threePt" dir="t"/>
+    </dgm:scene3d>
+    <dgm:sp3d/>
+    <dgm:txPr/>
+    <dgm:style>
+      <a:lnRef idx="1">
+        <a:scrgbClr r="0" g="0" b="0"/>
+      </a:lnRef>
+      <a:fillRef idx="1">
+        <a:scrgbClr r="0" g="0" b="0"/>
+      </a:fillRef>
+      <a:effectRef idx="0">
+        <a:scrgbClr r="0" g="0" b="0"/>
+      </a:effectRef>
+      <a:fontRef idx="minor"/>
+    </dgm:style>
+  </dgm:styleLbl>
+  <dgm:styleLbl name="conFgAcc1">
+    <dgm:scene3d>
+      <a:camera prst="orthographicFront"/>
+      <a:lightRig rig="threePt" dir="t"/>
+    </dgm:scene3d>
+    <dgm:sp3d/>
+    <dgm:txPr/>
+    <dgm:style>
+      <a:lnRef idx="1">
+        <a:scrgbClr r="0" g="0" b="0"/>
+      </a:lnRef>
+      <a:fillRef idx="1">
+        <a:scrgbClr r="0" g="0" b="0"/>
+      </a:fillRef>
+      <a:effectRef idx="0">
+        <a:scrgbClr r="0" g="0" b="0"/>
+      </a:effectRef>
+      <a:fontRef idx="minor"/>
+    </dgm:style>
+  </dgm:styleLbl>
+  <dgm:styleLbl name="alignAcc1">
+    <dgm:scene3d>
+      <a:camera prst="orthographicFront"/>
+      <a:lightRig rig="threePt" dir="t"/>
+    </dgm:scene3d>
+    <dgm:sp3d/>
+    <dgm:txPr/>
+    <dgm:style>
+      <a:lnRef idx="1">
+        <a:scrgbClr r="0" g="0" b="0"/>
+      </a:lnRef>
+      <a:fillRef idx="1">
+        <a:scrgbClr r="0" g="0" b="0"/>
+      </a:fillRef>
+      <a:effectRef idx="0">
+        <a:scrgbClr r="0" g="0" b="0"/>
+      </a:effectRef>
+      <a:fontRef idx="minor"/>
+    </dgm:style>
+  </dgm:styleLbl>
+  <dgm:styleLbl name="trAlignAcc1">
+    <dgm:scene3d>
+      <a:camera prst="orthographicFront"/>
+      <a:lightRig rig="threePt" dir="t"/>
+    </dgm:scene3d>
+    <dgm:sp3d/>
+    <dgm:txPr/>
+    <dgm:style>
+      <a:lnRef idx="1">
+        <a:scrgbClr r="0" g="0" b="0"/>
+      </a:lnRef>
+      <a:fillRef idx="1">
+        <a:scrgbClr r="0" g="0" b="0"/>
+      </a:fillRef>
+      <a:effectRef idx="0">
+        <a:scrgbClr r="0" g="0" b="0"/>
+      </a:effectRef>
+      <a:fontRef idx="minor"/>
+    </dgm:style>
+  </dgm:styleLbl>
+  <dgm:styleLbl name="bgAcc1">
+    <dgm:scene3d>
+      <a:camera prst="orthographicFront"/>
+      <a:lightRig rig="threePt" dir="t"/>
+    </dgm:scene3d>
+    <dgm:sp3d/>
+    <dgm:txPr/>
+    <dgm:style>
+      <a:lnRef idx="1">
+        <a:scrgbClr r="0" g="0" b="0"/>
+      </a:lnRef>
+      <a:fillRef idx="1">
+        <a:scrgbClr r="0" g="0" b="0"/>
+      </a:fillRef>
+      <a:effectRef idx="0">
+        <a:scrgbClr r="0" g="0" b="0"/>
+      </a:effectRef>
+      <a:fontRef idx="minor"/>
+    </dgm:style>
+  </dgm:styleLbl>
+  <dgm:styleLbl name="solidFgAcc1">
+    <dgm:scene3d>
+      <a:camera prst="orthographicFront"/>
+      <a:lightRig rig="threePt" dir="t"/>
+    </dgm:scene3d>
+    <dgm:sp3d/>
+    <dgm:txPr/>
+    <dgm:style>
+      <a:lnRef idx="1">
+        <a:scrgbClr r="0" g="0" b="0"/>
+      </a:lnRef>
+      <a:fillRef idx="2">
+        <a:scrgbClr r="0" g="0" b="0"/>
+      </a:fillRef>
+      <a:effectRef idx="0">
+        <a:scrgbClr r="0" g="0" b="0"/>
+      </a:effectRef>
+      <a:fontRef idx="minor"/>
+    </dgm:style>
+  </dgm:styleLbl>
+  <dgm:styleLbl name="solidAlignAcc1">
+    <dgm:scene3d>
+      <a:camera prst="orthographicFront"/>
+      <a:lightRig rig="threePt" dir="t"/>
+    </dgm:scene3d>
+    <dgm:sp3d/>
+    <dgm:txPr/>
+    <dgm:style>
+      <a:lnRef idx="1">
+        <a:scrgbClr r="0" g="0" b="0"/>
+      </a:lnRef>
+      <a:fillRef idx="1">
+        <a:scrgbClr r="0" g="0" b="0"/>
+      </a:fillRef>
+      <a:effectRef idx="0">
+        <a:scrgbClr r="0" g="0" b="0"/>
+      </a:effectRef>
+      <a:fontRef idx="minor"/>
+    </dgm:style>
+  </dgm:styleLbl>
+  <dgm:styleLbl name="solidBgAcc1">
+    <dgm:scene3d>
+      <a:camera prst="orthographicFront"/>
+      <a:lightRig rig="threePt" dir="t"/>
+    </dgm:scene3d>
+    <dgm:sp3d/>
+    <dgm:txPr/>
+    <dgm:style>
+      <a:lnRef idx="1">
+        <a:scrgbClr r="0" g="0" b="0"/>
+      </a:lnRef>
+      <a:fillRef idx="1">
+        <a:scrgbClr r="0" g="0" b="0"/>
+      </a:fillRef>
+      <a:effectRef idx="0">
+        <a:scrgbClr r="0" g="0" b="0"/>
+      </a:effectRef>
+      <a:fontRef idx="minor"/>
+    </dgm:style>
+  </dgm:styleLbl>
+  <dgm:styleLbl name="fgAccFollowNode1">
+    <dgm:scene3d>
+      <a:camera prst="orthographicFront"/>
+      <a:lightRig rig="threePt" dir="t"/>
+    </dgm:scene3d>
+    <dgm:sp3d/>
+    <dgm:txPr/>
+    <dgm:style>
+      <a:lnRef idx="1">
+        <a:scrgbClr r="0" g="0" b="0"/>
+      </a:lnRef>
+      <a:fillRef idx="1">
+        <a:scrgbClr r="0" g="0" b="0"/>
+      </a:fillRef>
+      <a:effectRef idx="0">
+        <a:scrgbClr r="0" g="0" b="0"/>
+      </a:effectRef>
+      <a:fontRef idx="minor"/>
+    </dgm:style>
+  </dgm:styleLbl>
+  <dgm:styleLbl name="alignAccFollowNode1">
+    <dgm:scene3d>
+      <a:camera prst="orthographicFront"/>
+      <a:lightRig rig="threePt" dir="t"/>
+    </dgm:scene3d>
+    <dgm:sp3d/>
+    <dgm:txPr/>
+    <dgm:style>
+      <a:lnRef idx="1">
+        <a:scrgbClr r="0" g="0" b="0"/>
+      </a:lnRef>
+      <a:fillRef idx="1">
+        <a:scrgbClr r="0" g="0" b="0"/>
+      </a:fillRef>
+      <a:effectRef idx="0">
+        <a:scrgbClr r="0" g="0" b="0"/>
+      </a:effectRef>
+      <a:fontRef idx="minor"/>
+    </dgm:style>
+  </dgm:styleLbl>
+  <dgm:styleLbl name="bgAccFollowNode1">
+    <dgm:scene3d>
+      <a:camera prst="orthographicFront"/>
+      <a:lightRig rig="threePt" dir="t"/>
+    </dgm:scene3d>
+    <dgm:sp3d/>
+    <dgm:txPr/>
+    <dgm:style>
+      <a:lnRef idx="1">
+        <a:scrgbClr r="0" g="0" b="0"/>
+      </a:lnRef>
+      <a:fillRef idx="1">
+        <a:scrgbClr r="0" g="0" b="0"/>
+      </a:fillRef>
+      <a:effectRef idx="0">
+        <a:scrgbClr r="0" g="0" b="0"/>
+      </a:effectRef>
+      <a:fontRef idx="minor"/>
+    </dgm:style>
+  </dgm:styleLbl>
+  <dgm:styleLbl name="fgAcc0">
+    <dgm:scene3d>
+      <a:camera prst="orthographicFront"/>
+      <a:lightRig rig="threePt" dir="t"/>
+    </dgm:scene3d>
+    <dgm:sp3d/>
+    <dgm:txPr/>
+    <dgm:style>
+      <a:lnRef idx="1">
+        <a:scrgbClr r="0" g="0" b="0"/>
+      </a:lnRef>
+      <a:fillRef idx="1">
+        <a:scrgbClr r="0" g="0" b="0"/>
+      </a:fillRef>
+      <a:effectRef idx="0">
+        <a:scrgbClr r="0" g="0" b="0"/>
+      </a:effectRef>
+      <a:fontRef idx="minor"/>
+    </dgm:style>
+  </dgm:styleLbl>
+  <dgm:styleLbl name="fgAcc2">
+    <dgm:scene3d>
+      <a:camera prst="orthographicFront"/>
+      <a:lightRig rig="threePt" dir="t"/>
+    </dgm:scene3d>
+    <dgm:sp3d/>
+    <dgm:txPr/>
+    <dgm:style>
+      <a:lnRef idx="1">
+        <a:scrgbClr r="0" g="0" b="0"/>
+      </a:lnRef>
+      <a:fillRef idx="1">
+        <a:scrgbClr r="0" g="0" b="0"/>
+      </a:fillRef>
+      <a:effectRef idx="0">
+        <a:scrgbClr r="0" g="0" b="0"/>
+      </a:effectRef>
+      <a:fontRef idx="minor"/>
+    </dgm:style>
+  </dgm:styleLbl>
+  <dgm:styleLbl name="fgAcc3">
+    <dgm:scene3d>
+      <a:camera prst="orthographicFront"/>
+      <a:lightRig rig="threePt" dir="t"/>
+    </dgm:scene3d>
+    <dgm:sp3d/>
+    <dgm:txPr/>
+    <dgm:style>
+      <a:lnRef idx="1">
+        <a:scrgbClr r="0" g="0" b="0"/>
+      </a:lnRef>
+      <a:fillRef idx="1">
+        <a:scrgbClr r="0" g="0" b="0"/>
+      </a:fillRef>
+      <a:effectRef idx="0">
+        <a:scrgbClr r="0" g="0" b="0"/>
+      </a:effectRef>
+      <a:fontRef idx="minor"/>
+    </dgm:style>
+  </dgm:styleLbl>
+  <dgm:styleLbl name="fgAcc4">
+    <dgm:scene3d>
+      <a:camera prst="orthographicFront"/>
+      <a:lightRig rig="threePt" dir="t"/>
+    </dgm:scene3d>
+    <dgm:sp3d/>
+    <dgm:txPr/>
+    <dgm:style>
+      <a:lnRef idx="1">
+        <a:scrgbClr r="0" g="0" b="0"/>
+      </a:lnRef>
+      <a:fillRef idx="1">
+        <a:scrgbClr r="0" g="0" b="0"/>
+      </a:fillRef>
+      <a:effectRef idx="0">
+        <a:scrgbClr r="0" g="0" b="0"/>
+      </a:effectRef>
+      <a:fontRef idx="minor"/>
+    </dgm:style>
+  </dgm:styleLbl>
+  <dgm:styleLbl name="bgShp">
+    <dgm:scene3d>
+      <a:camera prst="orthographicFront"/>
+      <a:lightRig rig="threePt" dir="t"/>
+    </dgm:scene3d>
+    <dgm:sp3d/>
+    <dgm:txPr/>
+    <dgm:style>
+      <a:lnRef idx="0">
+        <a:scrgbClr r="0" g="0" b="0"/>
+      </a:lnRef>
+      <a:fillRef idx="1">
+        <a:scrgbClr r="0" g="0" b="0"/>
+      </a:fillRef>
+      <a:effectRef idx="1">
+        <a:scrgbClr r="0" g="0" b="0"/>
+      </a:effectRef>
+      <a:fontRef idx="minor"/>
+    </dgm:style>
+  </dgm:styleLbl>
+  <dgm:styleLbl name="dkBgShp">
+    <dgm:scene3d>
+      <a:camera prst="orthographicFront"/>
+      <a:lightRig rig="threePt" dir="t"/>
+    </dgm:scene3d>
+    <dgm:sp3d/>
+    <dgm:txPr/>
+    <dgm:style>
+      <a:lnRef idx="0">
+        <a:scrgbClr r="0" g="0" b="0"/>
+      </a:lnRef>
+      <a:fillRef idx="1">
+        <a:scrgbClr r="0" g="0" b="0"/>
+      </a:fillRef>
+      <a:effectRef idx="1">
+        <a:scrgbClr r="0" g="0" b="0"/>
+      </a:effectRef>
+      <a:fontRef idx="minor"/>
+    </dgm:style>
+  </dgm:styleLbl>
+  <dgm:styleLbl name="trBgShp">
+    <dgm:scene3d>
+      <a:camera prst="orthographicFront"/>
+      <a:lightRig rig="threePt" dir="t"/>
+    </dgm:scene3d>
+    <dgm:sp3d/>
+    <dgm:txPr/>
+    <dgm:style>
+      <a:lnRef idx="0">
+        <a:scrgbClr r="0" g="0" b="0"/>
+      </a:lnRef>
+      <a:fillRef idx="1">
+        <a:scrgbClr r="0" g="0" b="0"/>
+      </a:fillRef>
+      <a:effectRef idx="0">
+        <a:scrgbClr r="0" g="0" b="0"/>
+      </a:effectRef>
+      <a:fontRef idx="minor"/>
+    </dgm:style>
+  </dgm:styleLbl>
+  <dgm:styleLbl name="fgShp">
+    <dgm:scene3d>
+      <a:camera prst="orthographicFront"/>
+      <a:lightRig rig="flat" dir="t"/>
+    </dgm:scene3d>
+    <dgm:sp3d prstMaterial="dkEdge">
+      <a:bevelT w="8200" h="38100"/>
+    </dgm:sp3d>
+    <dgm:txPr/>
+    <dgm:style>
+      <a:lnRef idx="1">
+        <a:scrgbClr r="0" g="0" b="0"/>
+      </a:lnRef>
+      <a:fillRef idx="2">
+        <a:scrgbClr r="0" g="0" b="0"/>
+      </a:fillRef>
+      <a:effectRef idx="1">
+        <a:scrgbClr r="0" g="0" b="0"/>
+      </a:effectRef>
+      <a:fontRef idx="minor"/>
+    </dgm:style>
+  </dgm:styleLbl>
+  <dgm:styleLbl name="revTx">
+    <dgm:scene3d>
+      <a:camera prst="orthographicFront"/>
+      <a:lightRig rig="threePt" dir="t"/>
+    </dgm:scene3d>
+    <dgm:sp3d/>
+    <dgm:txPr/>
+    <dgm:style>
+      <a:lnRef idx="0">
+        <a:scrgbClr r="0" g="0" b="0"/>
+      </a:lnRef>
+      <a:fillRef idx="0">
+        <a:scrgbClr r="0" g="0" b="0"/>
+      </a:fillRef>
+      <a:effectRef idx="0">
+        <a:scrgbClr r="0" g="0" b="0"/>
+      </a:effectRef>
+      <a:fontRef idx="minor"/>
+    </dgm:style>
+  </dgm:styleLbl>
+</dgm:styleDef>
+</file>
+
+<file path=ppt/diagrams/quickStyle3.xml><?xml version="1.0" encoding="utf-8"?>
 <dgm:styleDef xmlns:dgm="http://schemas.openxmlformats.org/drawingml/2006/diagram" xmlns:a="http://schemas.openxmlformats.org/drawingml/2006/main" uniqueId="urn:microsoft.com/office/officeart/2005/8/quickstyle/simple1">
   <dgm:title val=""/>
   <dgm:desc val=""/>
@@ -6800,7 +11578,7 @@
           <a:p>
             <a:fld id="{6A0FEE8E-93C1-BB4F-9B68-9364C0B53575}" type="datetimeFigureOut">
               <a:rPr lang="en-US" smtClean="0"/>
-              <a:t>4/4/25</a:t>
+              <a:t>4/6/25</a:t>
             </a:fld>
             <a:endParaRPr lang="en-US"/>
           </a:p>
@@ -6998,7 +11776,7 @@
           <a:p>
             <a:fld id="{6A0FEE8E-93C1-BB4F-9B68-9364C0B53575}" type="datetimeFigureOut">
               <a:rPr lang="en-US" smtClean="0"/>
-              <a:t>4/4/25</a:t>
+              <a:t>4/6/25</a:t>
             </a:fld>
             <a:endParaRPr lang="en-US"/>
           </a:p>
@@ -7206,7 +11984,7 @@
           <a:p>
             <a:fld id="{6A0FEE8E-93C1-BB4F-9B68-9364C0B53575}" type="datetimeFigureOut">
               <a:rPr lang="en-US" smtClean="0"/>
-              <a:t>4/4/25</a:t>
+              <a:t>4/6/25</a:t>
             </a:fld>
             <a:endParaRPr lang="en-US"/>
           </a:p>
@@ -7404,7 +12182,7 @@
           <a:p>
             <a:fld id="{6A0FEE8E-93C1-BB4F-9B68-9364C0B53575}" type="datetimeFigureOut">
               <a:rPr lang="en-US" smtClean="0"/>
-              <a:t>4/4/25</a:t>
+              <a:t>4/6/25</a:t>
             </a:fld>
             <a:endParaRPr lang="en-US"/>
           </a:p>
@@ -7679,7 +12457,7 @@
           <a:p>
             <a:fld id="{6A0FEE8E-93C1-BB4F-9B68-9364C0B53575}" type="datetimeFigureOut">
               <a:rPr lang="en-US" smtClean="0"/>
-              <a:t>4/4/25</a:t>
+              <a:t>4/6/25</a:t>
             </a:fld>
             <a:endParaRPr lang="en-US"/>
           </a:p>
@@ -7944,7 +12722,7 @@
           <a:p>
             <a:fld id="{6A0FEE8E-93C1-BB4F-9B68-9364C0B53575}" type="datetimeFigureOut">
               <a:rPr lang="en-US" smtClean="0"/>
-              <a:t>4/4/25</a:t>
+              <a:t>4/6/25</a:t>
             </a:fld>
             <a:endParaRPr lang="en-US"/>
           </a:p>
@@ -8356,7 +13134,7 @@
           <a:p>
             <a:fld id="{6A0FEE8E-93C1-BB4F-9B68-9364C0B53575}" type="datetimeFigureOut">
               <a:rPr lang="en-US" smtClean="0"/>
-              <a:t>4/4/25</a:t>
+              <a:t>4/6/25</a:t>
             </a:fld>
             <a:endParaRPr lang="en-US"/>
           </a:p>
@@ -8497,7 +13275,7 @@
           <a:p>
             <a:fld id="{6A0FEE8E-93C1-BB4F-9B68-9364C0B53575}" type="datetimeFigureOut">
               <a:rPr lang="en-US" smtClean="0"/>
-              <a:t>4/4/25</a:t>
+              <a:t>4/6/25</a:t>
             </a:fld>
             <a:endParaRPr lang="en-US"/>
           </a:p>
@@ -8610,7 +13388,7 @@
           <a:p>
             <a:fld id="{6A0FEE8E-93C1-BB4F-9B68-9364C0B53575}" type="datetimeFigureOut">
               <a:rPr lang="en-US" smtClean="0"/>
-              <a:t>4/4/25</a:t>
+              <a:t>4/6/25</a:t>
             </a:fld>
             <a:endParaRPr lang="en-US"/>
           </a:p>
@@ -8921,7 +13699,7 @@
           <a:p>
             <a:fld id="{6A0FEE8E-93C1-BB4F-9B68-9364C0B53575}" type="datetimeFigureOut">
               <a:rPr lang="en-US" smtClean="0"/>
-              <a:t>4/4/25</a:t>
+              <a:t>4/6/25</a:t>
             </a:fld>
             <a:endParaRPr lang="en-US"/>
           </a:p>
@@ -9209,7 +13987,7 @@
           <a:p>
             <a:fld id="{6A0FEE8E-93C1-BB4F-9B68-9364C0B53575}" type="datetimeFigureOut">
               <a:rPr lang="en-US" smtClean="0"/>
-              <a:t>4/4/25</a:t>
+              <a:t>4/6/25</a:t>
             </a:fld>
             <a:endParaRPr lang="en-US"/>
           </a:p>
@@ -9450,7 +14228,7 @@
           <a:p>
             <a:fld id="{6A0FEE8E-93C1-BB4F-9B68-9364C0B53575}" type="datetimeFigureOut">
               <a:rPr lang="en-US" smtClean="0"/>
-              <a:t>4/4/25</a:t>
+              <a:t>4/6/25</a:t>
             </a:fld>
             <a:endParaRPr lang="en-US"/>
           </a:p>
@@ -10150,6 +14928,387 @@
       </p:grpSpPr>
       <p:sp useBgFill="1">
         <p:nvSpPr>
+          <p:cNvPr id="13" name="Rectangle 12">
+            <a:extLst>
+              <a:ext uri="{FF2B5EF4-FFF2-40B4-BE49-F238E27FC236}">
+                <a16:creationId xmlns:a16="http://schemas.microsoft.com/office/drawing/2014/main" id="{081EA652-8C6A-4E69-BEB9-170809474553}"/>
+              </a:ext>
+              <a:ext uri="{C183D7F6-B498-43B3-948B-1728B52AA6E4}">
+                <adec:decorative xmlns:adec="http://schemas.microsoft.com/office/drawing/2017/decorative" val="1"/>
+              </a:ext>
+            </a:extLst>
+          </p:cNvPr>
+          <p:cNvSpPr>
+            <a:spLocks noGrp="1" noRot="1" noChangeAspect="1" noMove="1" noResize="1" noEditPoints="1" noAdjustHandles="1" noChangeArrowheads="1" noChangeShapeType="1" noTextEdit="1"/>
+          </p:cNvSpPr>
+          <p:nvPr>
+            <p:extLst>
+              <p:ext uri="{386F3935-93C4-4BCD-93E2-E3B085C9AB24}">
+                <p16:designElem xmlns:p16="http://schemas.microsoft.com/office/powerpoint/2015/main" val="1"/>
+              </p:ext>
+            </p:extLst>
+          </p:nvPr>
+        </p:nvSpPr>
+        <p:spPr>
+          <a:xfrm>
+            <a:off x="0" y="0"/>
+            <a:ext cx="12192000" cy="6858000"/>
+          </a:xfrm>
+          <a:prstGeom prst="rect">
+            <a:avLst/>
+          </a:prstGeom>
+          <a:ln>
+            <a:noFill/>
+          </a:ln>
+        </p:spPr>
+        <p:style>
+          <a:lnRef idx="2">
+            <a:schemeClr val="accent1">
+              <a:shade val="50000"/>
+            </a:schemeClr>
+          </a:lnRef>
+          <a:fillRef idx="1">
+            <a:schemeClr val="accent1"/>
+          </a:fillRef>
+          <a:effectRef idx="0">
+            <a:schemeClr val="accent1"/>
+          </a:effectRef>
+          <a:fontRef idx="minor">
+            <a:schemeClr val="lt1"/>
+          </a:fontRef>
+        </p:style>
+        <p:txBody>
+          <a:bodyPr rtlCol="0" anchor="ctr"/>
+          <a:lstStyle/>
+          <a:p>
+            <a:pPr algn="ctr"/>
+            <a:endParaRPr lang="en-US"/>
+          </a:p>
+        </p:txBody>
+      </p:sp>
+      <p:sp>
+        <p:nvSpPr>
+          <p:cNvPr id="15" name="Right Triangle 14">
+            <a:extLst>
+              <a:ext uri="{FF2B5EF4-FFF2-40B4-BE49-F238E27FC236}">
+                <a16:creationId xmlns:a16="http://schemas.microsoft.com/office/drawing/2014/main" id="{5298780A-33B9-4EA2-8F67-DE68AD62841B}"/>
+              </a:ext>
+              <a:ext uri="{C183D7F6-B498-43B3-948B-1728B52AA6E4}">
+                <adec:decorative xmlns:adec="http://schemas.microsoft.com/office/drawing/2017/decorative" val="1"/>
+              </a:ext>
+            </a:extLst>
+          </p:cNvPr>
+          <p:cNvSpPr>
+            <a:spLocks noGrp="1" noRot="1" noChangeAspect="1" noMove="1" noResize="1" noEditPoints="1" noAdjustHandles="1" noChangeArrowheads="1" noChangeShapeType="1" noTextEdit="1"/>
+          </p:cNvSpPr>
+          <p:nvPr>
+            <p:extLst>
+              <p:ext uri="{386F3935-93C4-4BCD-93E2-E3B085C9AB24}">
+                <p16:designElem xmlns:p16="http://schemas.microsoft.com/office/powerpoint/2015/main" val="1"/>
+              </p:ext>
+            </p:extLst>
+          </p:nvPr>
+        </p:nvSpPr>
+        <p:spPr>
+          <a:xfrm flipH="1">
+            <a:off x="8576720" y="3335867"/>
+            <a:ext cx="3291840" cy="3200400"/>
+          </a:xfrm>
+          <a:prstGeom prst="rtTriangle">
+            <a:avLst/>
+          </a:prstGeom>
+          <a:solidFill>
+            <a:schemeClr val="accent4"/>
+          </a:solidFill>
+          <a:ln>
+            <a:noFill/>
+          </a:ln>
+        </p:spPr>
+        <p:style>
+          <a:lnRef idx="2">
+            <a:schemeClr val="accent1">
+              <a:shade val="50000"/>
+            </a:schemeClr>
+          </a:lnRef>
+          <a:fillRef idx="1">
+            <a:schemeClr val="accent1"/>
+          </a:fillRef>
+          <a:effectRef idx="0">
+            <a:schemeClr val="accent1"/>
+          </a:effectRef>
+          <a:fontRef idx="minor">
+            <a:schemeClr val="lt1"/>
+          </a:fontRef>
+        </p:style>
+        <p:txBody>
+          <a:bodyPr rtlCol="0" anchor="ctr"/>
+          <a:lstStyle/>
+          <a:p>
+            <a:pPr algn="ctr"/>
+            <a:endParaRPr lang="en-US" dirty="0"/>
+          </a:p>
+        </p:txBody>
+      </p:sp>
+      <p:sp>
+        <p:nvSpPr>
+          <p:cNvPr id="17" name="Rectangle 16">
+            <a:extLst>
+              <a:ext uri="{FF2B5EF4-FFF2-40B4-BE49-F238E27FC236}">
+                <a16:creationId xmlns:a16="http://schemas.microsoft.com/office/drawing/2014/main" id="{7F488E8B-4E1E-4402-8935-D4E6C02615C7}"/>
+              </a:ext>
+              <a:ext uri="{C183D7F6-B498-43B3-948B-1728B52AA6E4}">
+                <adec:decorative xmlns:adec="http://schemas.microsoft.com/office/drawing/2017/decorative" val="1"/>
+              </a:ext>
+            </a:extLst>
+          </p:cNvPr>
+          <p:cNvSpPr>
+            <a:spLocks noGrp="1" noRot="1" noChangeAspect="1" noMove="1" noResize="1" noEditPoints="1" noAdjustHandles="1" noChangeArrowheads="1" noChangeShapeType="1" noTextEdit="1"/>
+          </p:cNvSpPr>
+          <p:nvPr>
+            <p:extLst>
+              <p:ext uri="{386F3935-93C4-4BCD-93E2-E3B085C9AB24}">
+                <p16:designElem xmlns:p16="http://schemas.microsoft.com/office/powerpoint/2015/main" val="1"/>
+              </p:ext>
+            </p:extLst>
+          </p:nvPr>
+        </p:nvSpPr>
+        <p:spPr>
+          <a:xfrm>
+            <a:off x="641774" y="623275"/>
+            <a:ext cx="10905053" cy="5607882"/>
+          </a:xfrm>
+          <a:prstGeom prst="rect">
+            <a:avLst/>
+          </a:prstGeom>
+          <a:noFill/>
+          <a:ln w="19050">
+            <a:solidFill>
+              <a:schemeClr val="tx1">
+                <a:lumMod val="75000"/>
+                <a:lumOff val="25000"/>
+              </a:schemeClr>
+            </a:solidFill>
+          </a:ln>
+        </p:spPr>
+        <p:style>
+          <a:lnRef idx="2">
+            <a:schemeClr val="accent1">
+              <a:shade val="50000"/>
+            </a:schemeClr>
+          </a:lnRef>
+          <a:fillRef idx="1">
+            <a:schemeClr val="accent1"/>
+          </a:fillRef>
+          <a:effectRef idx="0">
+            <a:schemeClr val="accent1"/>
+          </a:effectRef>
+          <a:fontRef idx="minor">
+            <a:schemeClr val="lt1"/>
+          </a:fontRef>
+        </p:style>
+        <p:txBody>
+          <a:bodyPr rtlCol="0" anchor="ctr"/>
+          <a:lstStyle/>
+          <a:p>
+            <a:pPr algn="ctr"/>
+            <a:endParaRPr lang="en-US"/>
+          </a:p>
+        </p:txBody>
+      </p:sp>
+      <p:sp>
+        <p:nvSpPr>
+          <p:cNvPr id="2" name="Title 1">
+            <a:extLst>
+              <a:ext uri="{FF2B5EF4-FFF2-40B4-BE49-F238E27FC236}">
+                <a16:creationId xmlns:a16="http://schemas.microsoft.com/office/drawing/2014/main" id="{9FC63624-E242-BA67-2A91-EEBC908FDFFB}"/>
+              </a:ext>
+            </a:extLst>
+          </p:cNvPr>
+          <p:cNvSpPr>
+            <a:spLocks noGrp="1"/>
+          </p:cNvSpPr>
+          <p:nvPr>
+            <p:ph type="title"/>
+          </p:nvPr>
+        </p:nvSpPr>
+        <p:spPr>
+          <a:xfrm>
+            <a:off x="1285240" y="1050595"/>
+            <a:ext cx="8074815" cy="1618489"/>
+          </a:xfrm>
+        </p:spPr>
+        <p:txBody>
+          <a:bodyPr anchor="ctr">
+            <a:normAutofit/>
+          </a:bodyPr>
+          <a:lstStyle/>
+          <a:p>
+            <a:r>
+              <a:rPr lang="en-US" sz="7200" dirty="0"/>
+              <a:t>Data Sources Used</a:t>
+            </a:r>
+          </a:p>
+        </p:txBody>
+      </p:sp>
+      <p:sp>
+        <p:nvSpPr>
+          <p:cNvPr id="3" name="Content Placeholder 2">
+            <a:extLst>
+              <a:ext uri="{FF2B5EF4-FFF2-40B4-BE49-F238E27FC236}">
+                <a16:creationId xmlns:a16="http://schemas.microsoft.com/office/drawing/2014/main" id="{B99F3062-E6D0-6566-3405-058197DBA0D2}"/>
+              </a:ext>
+            </a:extLst>
+          </p:cNvPr>
+          <p:cNvSpPr>
+            <a:spLocks noGrp="1"/>
+          </p:cNvSpPr>
+          <p:nvPr>
+            <p:ph idx="1"/>
+          </p:nvPr>
+        </p:nvSpPr>
+        <p:spPr>
+          <a:xfrm>
+            <a:off x="1285240" y="2969469"/>
+            <a:ext cx="8074815" cy="2800395"/>
+          </a:xfrm>
+        </p:spPr>
+        <p:txBody>
+          <a:bodyPr anchor="t">
+            <a:normAutofit lnSpcReduction="10000"/>
+          </a:bodyPr>
+          <a:lstStyle/>
+          <a:p>
+            <a:r>
+              <a:rPr lang="en-US" sz="1200" dirty="0"/>
+              <a:t>NVD</a:t>
+            </a:r>
+          </a:p>
+          <a:p>
+            <a:pPr lvl="1"/>
+            <a:r>
+              <a:rPr lang="en-US" sz="1200" dirty="0"/>
+              <a:t>2.0 API </a:t>
+            </a:r>
+          </a:p>
+          <a:p>
+            <a:pPr lvl="1"/>
+            <a:r>
+              <a:rPr lang="en-US" sz="1200" dirty="0"/>
+              <a:t>NVD JSONL File</a:t>
+            </a:r>
+          </a:p>
+          <a:p>
+            <a:pPr lvl="2"/>
+            <a:r>
+              <a:rPr lang="en-US" sz="1200" dirty="0">
+                <a:hlinkClick r:id="rId2"/>
+              </a:rPr>
+              <a:t>nvd.handsonhacking.org/nvd.jsonl</a:t>
+            </a:r>
+            <a:endParaRPr lang="en-US" sz="1200" dirty="0"/>
+          </a:p>
+          <a:p>
+            <a:pPr lvl="1"/>
+            <a:r>
+              <a:rPr lang="en-US" sz="1200" dirty="0"/>
+              <a:t>1.5 GB</a:t>
+            </a:r>
+          </a:p>
+          <a:p>
+            <a:r>
+              <a:rPr lang="en-US" sz="1200" dirty="0"/>
+              <a:t>CVE </a:t>
+            </a:r>
+          </a:p>
+          <a:p>
+            <a:pPr lvl="1"/>
+            <a:r>
+              <a:rPr lang="en-US" sz="1200" dirty="0"/>
+              <a:t>CVE V5 List</a:t>
+            </a:r>
+          </a:p>
+          <a:p>
+            <a:pPr lvl="1"/>
+            <a:r>
+              <a:rPr lang="en-US" sz="1200" dirty="0"/>
+              <a:t>Individual JSON Files</a:t>
+            </a:r>
+          </a:p>
+          <a:p>
+            <a:pPr lvl="2"/>
+            <a:r>
+              <a:rPr lang="en-US" sz="1200" dirty="0">
+                <a:hlinkClick r:id="rId3"/>
+              </a:rPr>
+              <a:t>github.com/CVEProject/CVElistv5</a:t>
+            </a:r>
+            <a:endParaRPr lang="en-US" sz="1200" dirty="0"/>
+          </a:p>
+          <a:p>
+            <a:pPr lvl="1"/>
+            <a:r>
+              <a:rPr lang="en-US" sz="1200" dirty="0"/>
+              <a:t>Limited to CVE-2025-* CVEs</a:t>
+            </a:r>
+          </a:p>
+          <a:p>
+            <a:pPr lvl="2"/>
+            <a:r>
+              <a:rPr lang="en-US" sz="1200" dirty="0"/>
+              <a:t>200 MB</a:t>
+            </a:r>
+          </a:p>
+          <a:p>
+            <a:pPr marL="914400" lvl="2" indent="0">
+              <a:buNone/>
+            </a:pPr>
+            <a:r>
+              <a:rPr lang="en-US" sz="1700" dirty="0"/>
+              <a:t>			</a:t>
+            </a:r>
+          </a:p>
+        </p:txBody>
+      </p:sp>
+    </p:spTree>
+    <p:extLst>
+      <p:ext uri="{BB962C8B-B14F-4D97-AF65-F5344CB8AC3E}">
+        <p14:creationId xmlns:p14="http://schemas.microsoft.com/office/powerpoint/2010/main" val="4231051311"/>
+      </p:ext>
+    </p:extLst>
+  </p:cSld>
+  <p:clrMapOvr>
+    <a:masterClrMapping/>
+  </p:clrMapOvr>
+</p:sld>
+</file>
+
+<file path=ppt/slides/slide11.xml><?xml version="1.0" encoding="utf-8"?>
+<p:sld xmlns:a="http://schemas.openxmlformats.org/drawingml/2006/main" xmlns:r="http://schemas.openxmlformats.org/officeDocument/2006/relationships" xmlns:p="http://schemas.openxmlformats.org/presentationml/2006/main">
+  <p:cSld>
+    <p:bg>
+      <p:bgPr>
+        <a:solidFill>
+          <a:schemeClr val="bg1"/>
+        </a:solidFill>
+        <a:effectLst/>
+      </p:bgPr>
+    </p:bg>
+    <p:spTree>
+      <p:nvGrpSpPr>
+        <p:cNvPr id="1" name=""/>
+        <p:cNvGrpSpPr/>
+        <p:nvPr/>
+      </p:nvGrpSpPr>
+      <p:grpSpPr>
+        <a:xfrm>
+          <a:off x="0" y="0"/>
+          <a:ext cx="0" cy="0"/>
+          <a:chOff x="0" y="0"/>
+          <a:chExt cx="0" cy="0"/>
+        </a:xfrm>
+      </p:grpSpPr>
+      <p:sp useBgFill="1">
+        <p:nvSpPr>
           <p:cNvPr id="8" name="Rectangle 7">
             <a:extLst>
               <a:ext uri="{FF2B5EF4-FFF2-40B4-BE49-F238E27FC236}">
@@ -10506,7 +15665,7 @@
 </p:sld>
 </file>
 
-<file path=ppt/slides/slide11.xml><?xml version="1.0" encoding="utf-8"?>
+<file path=ppt/slides/slide12.xml><?xml version="1.0" encoding="utf-8"?>
 <p:sld xmlns:a="http://schemas.openxmlformats.org/drawingml/2006/main" xmlns:r="http://schemas.openxmlformats.org/officeDocument/2006/relationships" xmlns:p="http://schemas.openxmlformats.org/presentationml/2006/main">
   <p:cSld>
     <p:bg>
@@ -10784,39 +15943,43 @@
           <a:lstStyle/>
           <a:p>
             <a:r>
-              <a:rPr lang="en-US" sz="2400"/>
+              <a:rPr lang="en-US" sz="2400" dirty="0"/>
               <a:t>GitHub Repository: </a:t>
             </a:r>
           </a:p>
           <a:p>
             <a:pPr lvl="1"/>
             <a:r>
-              <a:rPr lang="en-US" dirty="0">
+              <a:rPr lang="en-US" sz="2000" dirty="0">
                 <a:hlinkClick r:id="rId2"/>
               </a:rPr>
               <a:t>https://github.com/jgamblin/vulnconworkshop</a:t>
             </a:r>
             <a:r>
-              <a:rPr lang="en-US" dirty="0"/>
+              <a:rPr lang="en-US" sz="2000" dirty="0"/>
               <a:t> </a:t>
             </a:r>
           </a:p>
           <a:p>
             <a:r>
-              <a:rPr lang="en-US" sz="2400"/>
-              <a:t>MyBinder Preferred:</a:t>
+              <a:rPr lang="en-US" sz="2400" dirty="0" err="1"/>
+              <a:t>MyBinder</a:t>
+            </a:r>
+            <a:r>
+              <a:rPr lang="en-US" sz="2400" dirty="0"/>
+              <a:t> Preferred:</a:t>
             </a:r>
           </a:p>
           <a:p>
             <a:pPr lvl="1"/>
             <a:r>
-              <a:rPr lang="en-US" dirty="0">
+              <a:rPr lang="en-US" sz="2000" dirty="0">
                 <a:hlinkClick r:id="rId3"/>
               </a:rPr>
               <a:t>https://mybinder.org/v2/gh/jgamblin/VulnconWorkshop/HEAD</a:t>
             </a:r>
             <a:r>
-              <a:rPr lang="en-US" dirty="0"/>
+              <a:rPr lang="en-US" sz="2000" dirty="0"/>
               <a:t> </a:t>
             </a:r>
           </a:p>
@@ -10824,7 +15987,7 @@
             <a:pPr marL="0" indent="0">
               <a:buNone/>
             </a:pPr>
-            <a:endParaRPr lang="en-US" sz="2400"/>
+            <a:endParaRPr lang="en-US" sz="2400" dirty="0"/>
           </a:p>
         </p:txBody>
       </p:sp>
@@ -10841,7 +16004,7 @@
 </p:sld>
 </file>
 
-<file path=ppt/slides/slide12.xml><?xml version="1.0" encoding="utf-8"?>
+<file path=ppt/slides/slide13.xml><?xml version="1.0" encoding="utf-8"?>
 <p:sld xmlns:a="http://schemas.openxmlformats.org/drawingml/2006/main" xmlns:r="http://schemas.openxmlformats.org/officeDocument/2006/relationships" xmlns:p="http://schemas.openxmlformats.org/presentationml/2006/main">
   <p:cSld>
     <p:bg>
@@ -12272,9 +17435,10 @@
           <a:lstStyle/>
           <a:p>
             <a:r>
-              <a:rPr lang="en-US" dirty="0"/>
+              <a:rPr lang="en-US"/>
               <a:t>Vulnerability Visualizations Work</a:t>
             </a:r>
+            <a:endParaRPr lang="en-US" dirty="0"/>
           </a:p>
         </p:txBody>
       </p:sp>
@@ -12680,6 +17844,104 @@
           <a:chExt cx="0" cy="0"/>
         </a:xfrm>
       </p:grpSpPr>
+      <p:sp>
+        <p:nvSpPr>
+          <p:cNvPr id="4" name="Title 3">
+            <a:extLst>
+              <a:ext uri="{FF2B5EF4-FFF2-40B4-BE49-F238E27FC236}">
+                <a16:creationId xmlns:a16="http://schemas.microsoft.com/office/drawing/2014/main" id="{157F5BC5-FBCE-EA77-BD48-CA77E2CE53E3}"/>
+              </a:ext>
+            </a:extLst>
+          </p:cNvPr>
+          <p:cNvSpPr>
+            <a:spLocks noGrp="1"/>
+          </p:cNvSpPr>
+          <p:nvPr>
+            <p:ph type="title"/>
+          </p:nvPr>
+        </p:nvSpPr>
+        <p:spPr/>
+        <p:txBody>
+          <a:bodyPr/>
+          <a:lstStyle/>
+          <a:p>
+            <a:pPr algn="ctr"/>
+            <a:r>
+              <a:rPr lang="en-US" dirty="0"/>
+              <a:t>Direct People To CVE Program Data</a:t>
+            </a:r>
+          </a:p>
+        </p:txBody>
+      </p:sp>
+      <p:graphicFrame>
+        <p:nvGraphicFramePr>
+          <p:cNvPr id="7" name="Content Placeholder 6">
+            <a:extLst>
+              <a:ext uri="{FF2B5EF4-FFF2-40B4-BE49-F238E27FC236}">
+                <a16:creationId xmlns:a16="http://schemas.microsoft.com/office/drawing/2014/main" id="{E8EB4C12-5E43-A4D6-6137-BC773176BAE1}"/>
+              </a:ext>
+            </a:extLst>
+          </p:cNvPr>
+          <p:cNvGraphicFramePr>
+            <a:graphicFrameLocks noGrp="1"/>
+          </p:cNvGraphicFramePr>
+          <p:nvPr>
+            <p:ph idx="1"/>
+            <p:extLst>
+              <p:ext uri="{D42A27DB-BD31-4B8C-83A1-F6EECF244321}">
+                <p14:modId xmlns:p14="http://schemas.microsoft.com/office/powerpoint/2010/main" val="2249515745"/>
+              </p:ext>
+            </p:extLst>
+          </p:nvPr>
+        </p:nvGraphicFramePr>
+        <p:xfrm>
+          <a:off x="838200" y="1825625"/>
+          <a:ext cx="10515600" cy="4351338"/>
+        </p:xfrm>
+        <a:graphic>
+          <a:graphicData uri="http://schemas.openxmlformats.org/drawingml/2006/diagram">
+            <dgm:relIds xmlns:dgm="http://schemas.openxmlformats.org/drawingml/2006/diagram" xmlns:r="http://schemas.openxmlformats.org/officeDocument/2006/relationships" r:dm="rId2" r:lo="rId3" r:qs="rId4" r:cs="rId5"/>
+          </a:graphicData>
+        </a:graphic>
+      </p:graphicFrame>
+    </p:spTree>
+    <p:extLst>
+      <p:ext uri="{BB962C8B-B14F-4D97-AF65-F5344CB8AC3E}">
+        <p14:creationId xmlns:p14="http://schemas.microsoft.com/office/powerpoint/2010/main" val="2615637704"/>
+      </p:ext>
+    </p:extLst>
+  </p:cSld>
+  <p:clrMapOvr>
+    <a:masterClrMapping/>
+  </p:clrMapOvr>
+</p:sld>
+</file>
+
+<file path=ppt/slides/slide8.xml><?xml version="1.0" encoding="utf-8"?>
+<p:sld xmlns:a="http://schemas.openxmlformats.org/drawingml/2006/main" xmlns:r="http://schemas.openxmlformats.org/officeDocument/2006/relationships" xmlns:p="http://schemas.openxmlformats.org/presentationml/2006/main">
+  <p:cSld>
+    <p:bg>
+      <p:bgPr>
+        <a:solidFill>
+          <a:schemeClr val="bg1"/>
+        </a:solidFill>
+        <a:effectLst/>
+      </p:bgPr>
+    </p:bg>
+    <p:spTree>
+      <p:nvGrpSpPr>
+        <p:cNvPr id="1" name=""/>
+        <p:cNvGrpSpPr/>
+        <p:nvPr/>
+      </p:nvGrpSpPr>
+      <p:grpSpPr>
+        <a:xfrm>
+          <a:off x="0" y="0"/>
+          <a:ext cx="0" cy="0"/>
+          <a:chOff x="0" y="0"/>
+          <a:chExt cx="0" cy="0"/>
+        </a:xfrm>
+      </p:grpSpPr>
       <p:sp useBgFill="1">
         <p:nvSpPr>
           <p:cNvPr id="46" name="Rectangle 45">
@@ -12820,89 +18082,6 @@
 </p:sld>
 </file>
 
-<file path=ppt/slides/slide8.xml><?xml version="1.0" encoding="utf-8"?>
-<p:sld xmlns:a="http://schemas.openxmlformats.org/drawingml/2006/main" xmlns:r="http://schemas.openxmlformats.org/officeDocument/2006/relationships" xmlns:p="http://schemas.openxmlformats.org/presentationml/2006/main">
-  <p:cSld>
-    <p:spTree>
-      <p:nvGrpSpPr>
-        <p:cNvPr id="1" name=""/>
-        <p:cNvGrpSpPr/>
-        <p:nvPr/>
-      </p:nvGrpSpPr>
-      <p:grpSpPr>
-        <a:xfrm>
-          <a:off x="0" y="0"/>
-          <a:ext cx="0" cy="0"/>
-          <a:chOff x="0" y="0"/>
-          <a:chExt cx="0" cy="0"/>
-        </a:xfrm>
-      </p:grpSpPr>
-      <p:sp>
-        <p:nvSpPr>
-          <p:cNvPr id="2" name="Title 1">
-            <a:extLst>
-              <a:ext uri="{FF2B5EF4-FFF2-40B4-BE49-F238E27FC236}">
-                <a16:creationId xmlns:a16="http://schemas.microsoft.com/office/drawing/2014/main" id="{D3EC1885-818D-A20A-5968-427BE0718A34}"/>
-              </a:ext>
-            </a:extLst>
-          </p:cNvPr>
-          <p:cNvSpPr>
-            <a:spLocks noGrp="1"/>
-          </p:cNvSpPr>
-          <p:nvPr>
-            <p:ph type="title"/>
-          </p:nvPr>
-        </p:nvSpPr>
-        <p:spPr/>
-        <p:txBody>
-          <a:bodyPr/>
-          <a:lstStyle/>
-          <a:p>
-            <a:r>
-              <a:rPr lang="en-US" dirty="0"/>
-              <a:t>Workshop Overview</a:t>
-            </a:r>
-          </a:p>
-        </p:txBody>
-      </p:sp>
-      <p:sp>
-        <p:nvSpPr>
-          <p:cNvPr id="3" name="Text Placeholder 2">
-            <a:extLst>
-              <a:ext uri="{FF2B5EF4-FFF2-40B4-BE49-F238E27FC236}">
-                <a16:creationId xmlns:a16="http://schemas.microsoft.com/office/drawing/2014/main" id="{F991F0E0-18F4-6677-11D7-44825A3623E1}"/>
-              </a:ext>
-            </a:extLst>
-          </p:cNvPr>
-          <p:cNvSpPr>
-            <a:spLocks noGrp="1"/>
-          </p:cNvSpPr>
-          <p:nvPr>
-            <p:ph type="body" idx="1"/>
-          </p:nvPr>
-        </p:nvSpPr>
-        <p:spPr/>
-        <p:txBody>
-          <a:bodyPr/>
-          <a:lstStyle/>
-          <a:p>
-            <a:endParaRPr lang="en-US"/>
-          </a:p>
-        </p:txBody>
-      </p:sp>
-    </p:spTree>
-    <p:extLst>
-      <p:ext uri="{BB962C8B-B14F-4D97-AF65-F5344CB8AC3E}">
-        <p14:creationId xmlns:p14="http://schemas.microsoft.com/office/powerpoint/2010/main" val="3417000361"/>
-      </p:ext>
-    </p:extLst>
-  </p:cSld>
-  <p:clrMapOvr>
-    <a:masterClrMapping/>
-  </p:clrMapOvr>
-</p:sld>
-</file>
-
 <file path=ppt/slides/slide9.xml><?xml version="1.0" encoding="utf-8"?>
 <p:sld xmlns:a="http://schemas.openxmlformats.org/drawingml/2006/main" xmlns:r="http://schemas.openxmlformats.org/officeDocument/2006/relationships" xmlns:p="http://schemas.openxmlformats.org/presentationml/2006/main">
   <p:cSld>
@@ -12930,10 +18109,10 @@
       </p:grpSpPr>
       <p:sp useBgFill="1">
         <p:nvSpPr>
-          <p:cNvPr id="13" name="Rectangle 12">
+          <p:cNvPr id="8" name="Rectangle 7">
             <a:extLst>
               <a:ext uri="{FF2B5EF4-FFF2-40B4-BE49-F238E27FC236}">
-                <a16:creationId xmlns:a16="http://schemas.microsoft.com/office/drawing/2014/main" id="{081EA652-8C6A-4E69-BEB9-170809474553}"/>
+                <a16:creationId xmlns:a16="http://schemas.microsoft.com/office/drawing/2014/main" id="{934F1179-B481-4F9E-BCA3-AFB972070F83}"/>
               </a:ext>
               <a:ext uri="{C183D7F6-B498-43B3-948B-1728B52AA6E4}">
                 <adec:decorative xmlns:adec="http://schemas.microsoft.com/office/drawing/2017/decorative" val="1"/>
@@ -12990,10 +18169,10 @@
       </p:sp>
       <p:sp>
         <p:nvSpPr>
-          <p:cNvPr id="15" name="Right Triangle 14">
+          <p:cNvPr id="10" name="Right Triangle 9">
             <a:extLst>
               <a:ext uri="{FF2B5EF4-FFF2-40B4-BE49-F238E27FC236}">
-                <a16:creationId xmlns:a16="http://schemas.microsoft.com/office/drawing/2014/main" id="{5298780A-33B9-4EA2-8F67-DE68AD62841B}"/>
+                <a16:creationId xmlns:a16="http://schemas.microsoft.com/office/drawing/2014/main" id="{827DC2C4-B485-428A-BF4A-472D2967F47F}"/>
               </a:ext>
               <a:ext uri="{C183D7F6-B498-43B3-948B-1728B52AA6E4}">
                 <adec:decorative xmlns:adec="http://schemas.microsoft.com/office/drawing/2017/decorative" val="1"/>
@@ -13053,10 +18232,10 @@
       </p:sp>
       <p:sp>
         <p:nvSpPr>
-          <p:cNvPr id="17" name="Rectangle 16">
+          <p:cNvPr id="12" name="Rectangle 11">
             <a:extLst>
               <a:ext uri="{FF2B5EF4-FFF2-40B4-BE49-F238E27FC236}">
-                <a16:creationId xmlns:a16="http://schemas.microsoft.com/office/drawing/2014/main" id="{7F488E8B-4E1E-4402-8935-D4E6C02615C7}"/>
+                <a16:creationId xmlns:a16="http://schemas.microsoft.com/office/drawing/2014/main" id="{EE04B5EB-F158-4507-90DD-BD23620C7CC9}"/>
               </a:ext>
               <a:ext uri="{C183D7F6-B498-43B3-948B-1728B52AA6E4}">
                 <adec:decorative xmlns:adec="http://schemas.microsoft.com/office/drawing/2017/decorative" val="1"/>
@@ -13122,7 +18301,7 @@
           <p:cNvPr id="2" name="Title 1">
             <a:extLst>
               <a:ext uri="{FF2B5EF4-FFF2-40B4-BE49-F238E27FC236}">
-                <a16:creationId xmlns:a16="http://schemas.microsoft.com/office/drawing/2014/main" id="{9FC63624-E242-BA67-2A91-EEBC908FDFFB}"/>
+                <a16:creationId xmlns:a16="http://schemas.microsoft.com/office/drawing/2014/main" id="{D3EC1885-818D-A20A-5968-427BE0718A34}"/>
               </a:ext>
             </a:extLst>
           </p:cNvPr>
@@ -13135,29 +18314,36 @@
         </p:nvSpPr>
         <p:spPr>
           <a:xfrm>
-            <a:off x="1285240" y="1050595"/>
-            <a:ext cx="8074815" cy="1618489"/>
+            <a:off x="1285241" y="1008993"/>
+            <a:ext cx="9231410" cy="3542045"/>
           </a:xfrm>
         </p:spPr>
         <p:txBody>
-          <a:bodyPr anchor="ctr">
+          <a:bodyPr vert="horz" lIns="91440" tIns="45720" rIns="91440" bIns="45720" rtlCol="0" anchor="b">
             <a:normAutofit/>
           </a:bodyPr>
           <a:lstStyle/>
           <a:p>
             <a:r>
-              <a:rPr lang="en-US" sz="7200" dirty="0"/>
-              <a:t>Data Sources Used</a:t>
+              <a:rPr lang="en-US" sz="11500" kern="1200">
+                <a:solidFill>
+                  <a:schemeClr val="tx1"/>
+                </a:solidFill>
+                <a:latin typeface="+mj-lt"/>
+                <a:ea typeface="+mj-ea"/>
+                <a:cs typeface="+mj-cs"/>
+              </a:rPr>
+              <a:t>Workshop Overview</a:t>
             </a:r>
           </a:p>
         </p:txBody>
       </p:sp>
       <p:sp>
         <p:nvSpPr>
-          <p:cNvPr id="3" name="Content Placeholder 2">
+          <p:cNvPr id="3" name="Text Placeholder 2">
             <a:extLst>
               <a:ext uri="{FF2B5EF4-FFF2-40B4-BE49-F238E27FC236}">
-                <a16:creationId xmlns:a16="http://schemas.microsoft.com/office/drawing/2014/main" id="{B99F3062-E6D0-6566-3405-058197DBA0D2}"/>
+                <a16:creationId xmlns:a16="http://schemas.microsoft.com/office/drawing/2014/main" id="{F991F0E0-18F4-6677-11D7-44825A3623E1}"/>
               </a:ext>
             </a:extLst>
           </p:cNvPr>
@@ -13165,116 +18351,36 @@
             <a:spLocks noGrp="1"/>
           </p:cNvSpPr>
           <p:nvPr>
-            <p:ph idx="1"/>
+            <p:ph type="body" idx="1"/>
           </p:nvPr>
         </p:nvSpPr>
         <p:spPr>
           <a:xfrm>
-            <a:off x="1285240" y="2969469"/>
-            <a:ext cx="8074815" cy="2800395"/>
+            <a:off x="1285241" y="4582814"/>
+            <a:ext cx="7132335" cy="1312657"/>
           </a:xfrm>
         </p:spPr>
         <p:txBody>
-          <a:bodyPr anchor="t">
-            <a:normAutofit lnSpcReduction="10000"/>
+          <a:bodyPr vert="horz" lIns="91440" tIns="45720" rIns="91440" bIns="45720" rtlCol="0" anchor="t">
+            <a:normAutofit/>
           </a:bodyPr>
           <a:lstStyle/>
           <a:p>
-            <a:r>
-              <a:rPr lang="en-US" sz="1200" dirty="0"/>
-              <a:t>NVD</a:t>
-            </a:r>
-          </a:p>
-          <a:p>
-            <a:pPr lvl="1"/>
-            <a:r>
-              <a:rPr lang="en-US" sz="1200" dirty="0"/>
-              <a:t>2.0 API </a:t>
-            </a:r>
-          </a:p>
-          <a:p>
-            <a:pPr lvl="1"/>
-            <a:r>
-              <a:rPr lang="en-US" sz="1200" dirty="0"/>
-              <a:t>NVD JSONL File</a:t>
-            </a:r>
-          </a:p>
-          <a:p>
-            <a:pPr lvl="2"/>
-            <a:r>
-              <a:rPr lang="en-US" sz="1200" dirty="0">
-                <a:hlinkClick r:id="rId2"/>
-              </a:rPr>
-              <a:t>nvd.handsonhacking.org/nvd.jsonl</a:t>
-            </a:r>
-            <a:endParaRPr lang="en-US" sz="1200" dirty="0"/>
-          </a:p>
-          <a:p>
-            <a:pPr lvl="1"/>
-            <a:r>
-              <a:rPr lang="en-US" sz="1200" dirty="0"/>
-              <a:t>1.5 GB</a:t>
-            </a:r>
-          </a:p>
-          <a:p>
-            <a:r>
-              <a:rPr lang="en-US" sz="1200" dirty="0"/>
-              <a:t>CVE </a:t>
-            </a:r>
-          </a:p>
-          <a:p>
-            <a:pPr lvl="1"/>
-            <a:r>
-              <a:rPr lang="en-US" sz="1200" dirty="0"/>
-              <a:t>CVE V5 List</a:t>
-            </a:r>
-          </a:p>
-          <a:p>
-            <a:pPr lvl="1"/>
-            <a:r>
-              <a:rPr lang="en-US" sz="1200" dirty="0"/>
-              <a:t>Individual JSON Files</a:t>
-            </a:r>
-          </a:p>
-          <a:p>
-            <a:pPr lvl="2"/>
-            <a:r>
-              <a:rPr lang="en-US" sz="1200" dirty="0">
-                <a:hlinkClick r:id="rId3"/>
-              </a:rPr>
-              <a:t>github.com/CVEProject/CVElistv5</a:t>
-            </a:r>
-            <a:endParaRPr lang="en-US" sz="1200" dirty="0"/>
-          </a:p>
-          <a:p>
-            <a:pPr lvl="1"/>
-            <a:r>
-              <a:rPr lang="en-US" sz="1200" dirty="0"/>
-              <a:t>Limited to CVE-2025-* CVEs</a:t>
-            </a:r>
-          </a:p>
-          <a:p>
-            <a:pPr lvl="2"/>
-            <a:r>
-              <a:rPr lang="en-US" sz="1200" dirty="0"/>
-              <a:t>200 MB</a:t>
-            </a:r>
-          </a:p>
-          <a:p>
-            <a:pPr marL="914400" lvl="2" indent="0">
-              <a:buNone/>
-            </a:pPr>
-            <a:r>
-              <a:rPr lang="en-US" sz="1700" dirty="0"/>
-              <a:t>			</a:t>
-            </a:r>
+            <a:endParaRPr lang="en-US" sz="2400" kern="1200">
+              <a:solidFill>
+                <a:schemeClr val="tx1"/>
+              </a:solidFill>
+              <a:latin typeface="+mn-lt"/>
+              <a:ea typeface="+mn-ea"/>
+              <a:cs typeface="+mn-cs"/>
+            </a:endParaRPr>
           </a:p>
         </p:txBody>
       </p:sp>
     </p:spTree>
     <p:extLst>
       <p:ext uri="{BB962C8B-B14F-4D97-AF65-F5344CB8AC3E}">
-        <p14:creationId xmlns:p14="http://schemas.microsoft.com/office/powerpoint/2010/main" val="4231051311"/>
+        <p14:creationId xmlns:p14="http://schemas.microsoft.com/office/powerpoint/2010/main" val="3417000361"/>
       </p:ext>
     </p:extLst>
   </p:cSld>

--- a/Presentation/Workshop.pptx
+++ b/Presentation/Workshop.pptx
@@ -18,6 +18,7 @@
     <p:sldId id="280" r:id="rId12"/>
     <p:sldId id="285" r:id="rId13"/>
     <p:sldId id="286" r:id="rId14"/>
+    <p:sldId id="289" r:id="rId15"/>
   </p:sldIdLst>
   <p:sldSz cx="12192000" cy="6858000"/>
   <p:notesSz cx="6858000" cy="9144000"/>
@@ -11578,7 +11579,7 @@
           <a:p>
             <a:fld id="{6A0FEE8E-93C1-BB4F-9B68-9364C0B53575}" type="datetimeFigureOut">
               <a:rPr lang="en-US" smtClean="0"/>
-              <a:t>4/6/25</a:t>
+              <a:t>4/7/25</a:t>
             </a:fld>
             <a:endParaRPr lang="en-US"/>
           </a:p>
@@ -11776,7 +11777,7 @@
           <a:p>
             <a:fld id="{6A0FEE8E-93C1-BB4F-9B68-9364C0B53575}" type="datetimeFigureOut">
               <a:rPr lang="en-US" smtClean="0"/>
-              <a:t>4/6/25</a:t>
+              <a:t>4/7/25</a:t>
             </a:fld>
             <a:endParaRPr lang="en-US"/>
           </a:p>
@@ -11984,7 +11985,7 @@
           <a:p>
             <a:fld id="{6A0FEE8E-93C1-BB4F-9B68-9364C0B53575}" type="datetimeFigureOut">
               <a:rPr lang="en-US" smtClean="0"/>
-              <a:t>4/6/25</a:t>
+              <a:t>4/7/25</a:t>
             </a:fld>
             <a:endParaRPr lang="en-US"/>
           </a:p>
@@ -12182,7 +12183,7 @@
           <a:p>
             <a:fld id="{6A0FEE8E-93C1-BB4F-9B68-9364C0B53575}" type="datetimeFigureOut">
               <a:rPr lang="en-US" smtClean="0"/>
-              <a:t>4/6/25</a:t>
+              <a:t>4/7/25</a:t>
             </a:fld>
             <a:endParaRPr lang="en-US"/>
           </a:p>
@@ -12457,7 +12458,7 @@
           <a:p>
             <a:fld id="{6A0FEE8E-93C1-BB4F-9B68-9364C0B53575}" type="datetimeFigureOut">
               <a:rPr lang="en-US" smtClean="0"/>
-              <a:t>4/6/25</a:t>
+              <a:t>4/7/25</a:t>
             </a:fld>
             <a:endParaRPr lang="en-US"/>
           </a:p>
@@ -12722,7 +12723,7 @@
           <a:p>
             <a:fld id="{6A0FEE8E-93C1-BB4F-9B68-9364C0B53575}" type="datetimeFigureOut">
               <a:rPr lang="en-US" smtClean="0"/>
-              <a:t>4/6/25</a:t>
+              <a:t>4/7/25</a:t>
             </a:fld>
             <a:endParaRPr lang="en-US"/>
           </a:p>
@@ -13134,7 +13135,7 @@
           <a:p>
             <a:fld id="{6A0FEE8E-93C1-BB4F-9B68-9364C0B53575}" type="datetimeFigureOut">
               <a:rPr lang="en-US" smtClean="0"/>
-              <a:t>4/6/25</a:t>
+              <a:t>4/7/25</a:t>
             </a:fld>
             <a:endParaRPr lang="en-US"/>
           </a:p>
@@ -13275,7 +13276,7 @@
           <a:p>
             <a:fld id="{6A0FEE8E-93C1-BB4F-9B68-9364C0B53575}" type="datetimeFigureOut">
               <a:rPr lang="en-US" smtClean="0"/>
-              <a:t>4/6/25</a:t>
+              <a:t>4/7/25</a:t>
             </a:fld>
             <a:endParaRPr lang="en-US"/>
           </a:p>
@@ -13388,7 +13389,7 @@
           <a:p>
             <a:fld id="{6A0FEE8E-93C1-BB4F-9B68-9364C0B53575}" type="datetimeFigureOut">
               <a:rPr lang="en-US" smtClean="0"/>
-              <a:t>4/6/25</a:t>
+              <a:t>4/7/25</a:t>
             </a:fld>
             <a:endParaRPr lang="en-US"/>
           </a:p>
@@ -13699,7 +13700,7 @@
           <a:p>
             <a:fld id="{6A0FEE8E-93C1-BB4F-9B68-9364C0B53575}" type="datetimeFigureOut">
               <a:rPr lang="en-US" smtClean="0"/>
-              <a:t>4/6/25</a:t>
+              <a:t>4/7/25</a:t>
             </a:fld>
             <a:endParaRPr lang="en-US"/>
           </a:p>
@@ -13987,7 +13988,7 @@
           <a:p>
             <a:fld id="{6A0FEE8E-93C1-BB4F-9B68-9364C0B53575}" type="datetimeFigureOut">
               <a:rPr lang="en-US" smtClean="0"/>
-              <a:t>4/6/25</a:t>
+              <a:t>4/7/25</a:t>
             </a:fld>
             <a:endParaRPr lang="en-US"/>
           </a:p>
@@ -14228,7 +14229,7 @@
           <a:p>
             <a:fld id="{6A0FEE8E-93C1-BB4F-9B68-9364C0B53575}" type="datetimeFigureOut">
               <a:rPr lang="en-US" smtClean="0"/>
-              <a:t>4/6/25</a:t>
+              <a:t>4/7/25</a:t>
             </a:fld>
             <a:endParaRPr lang="en-US"/>
           </a:p>
@@ -16415,6 +16416,291 @@
     <p:extLst>
       <p:ext uri="{BB962C8B-B14F-4D97-AF65-F5344CB8AC3E}">
         <p14:creationId xmlns:p14="http://schemas.microsoft.com/office/powerpoint/2010/main" val="407937194"/>
+      </p:ext>
+    </p:extLst>
+  </p:cSld>
+  <p:clrMapOvr>
+    <a:masterClrMapping/>
+  </p:clrMapOvr>
+</p:sld>
+</file>
+
+<file path=ppt/slides/slide14.xml><?xml version="1.0" encoding="utf-8"?>
+<p:sld xmlns:a="http://schemas.openxmlformats.org/drawingml/2006/main" xmlns:r="http://schemas.openxmlformats.org/officeDocument/2006/relationships" xmlns:p="http://schemas.openxmlformats.org/presentationml/2006/main">
+  <p:cSld>
+    <p:bg>
+      <p:bgPr>
+        <a:solidFill>
+          <a:schemeClr val="bg1"/>
+        </a:solidFill>
+        <a:effectLst/>
+      </p:bgPr>
+    </p:bg>
+    <p:spTree>
+      <p:nvGrpSpPr>
+        <p:cNvPr id="1" name=""/>
+        <p:cNvGrpSpPr/>
+        <p:nvPr/>
+      </p:nvGrpSpPr>
+      <p:grpSpPr>
+        <a:xfrm>
+          <a:off x="0" y="0"/>
+          <a:ext cx="0" cy="0"/>
+          <a:chOff x="0" y="0"/>
+          <a:chExt cx="0" cy="0"/>
+        </a:xfrm>
+      </p:grpSpPr>
+      <p:pic>
+        <p:nvPicPr>
+          <p:cNvPr id="5" name="Content Placeholder 4" descr="A computer screen shot of a computer error&#10;&#10;AI-generated content may be incorrect.">
+            <a:extLst>
+              <a:ext uri="{FF2B5EF4-FFF2-40B4-BE49-F238E27FC236}">
+                <a16:creationId xmlns:a16="http://schemas.microsoft.com/office/drawing/2014/main" id="{5F8D7BDB-54FD-5E3B-632F-0F929DA2E4FE}"/>
+              </a:ext>
+            </a:extLst>
+          </p:cNvPr>
+          <p:cNvPicPr>
+            <a:picLocks noGrp="1" noChangeAspect="1"/>
+          </p:cNvPicPr>
+          <p:nvPr>
+            <p:ph idx="1"/>
+          </p:nvPr>
+        </p:nvPicPr>
+        <p:blipFill>
+          <a:blip r:embed="rId2"/>
+          <a:srcRect t="3017"/>
+          <a:stretch/>
+        </p:blipFill>
+        <p:spPr>
+          <a:xfrm>
+            <a:off x="20" y="10"/>
+            <a:ext cx="12191980" cy="6857990"/>
+          </a:xfrm>
+          <a:prstGeom prst="rect">
+            <a:avLst/>
+          </a:prstGeom>
+        </p:spPr>
+      </p:pic>
+      <p:sp>
+        <p:nvSpPr>
+          <p:cNvPr id="10" name="Rectangle 9">
+            <a:extLst>
+              <a:ext uri="{FF2B5EF4-FFF2-40B4-BE49-F238E27FC236}">
+                <a16:creationId xmlns:a16="http://schemas.microsoft.com/office/drawing/2014/main" id="{37C89E4B-3C9F-44B9-8B86-D9E3D112D8EC}"/>
+              </a:ext>
+              <a:ext uri="{C183D7F6-B498-43B3-948B-1728B52AA6E4}">
+                <adec:decorative xmlns:adec="http://schemas.microsoft.com/office/drawing/2017/decorative" val="1"/>
+              </a:ext>
+            </a:extLst>
+          </p:cNvPr>
+          <p:cNvSpPr>
+            <a:spLocks noGrp="1" noRot="1" noChangeAspect="1" noMove="1" noResize="1" noEditPoints="1" noAdjustHandles="1" noChangeArrowheads="1" noChangeShapeType="1" noTextEdit="1"/>
+          </p:cNvSpPr>
+          <p:nvPr>
+            <p:extLst>
+              <p:ext uri="{386F3935-93C4-4BCD-93E2-E3B085C9AB24}">
+                <p16:designElem xmlns:p16="http://schemas.microsoft.com/office/powerpoint/2015/main" val="1"/>
+              </p:ext>
+            </p:extLst>
+          </p:nvPr>
+        </p:nvSpPr>
+        <p:spPr>
+          <a:xfrm>
+            <a:off x="0" y="5320142"/>
+            <a:ext cx="12192000" cy="736551"/>
+          </a:xfrm>
+          <a:prstGeom prst="rect">
+            <a:avLst/>
+          </a:prstGeom>
+          <a:solidFill>
+            <a:schemeClr val="bg1">
+              <a:alpha val="93000"/>
+            </a:schemeClr>
+          </a:solidFill>
+          <a:ln>
+            <a:noFill/>
+          </a:ln>
+        </p:spPr>
+        <p:style>
+          <a:lnRef idx="2">
+            <a:schemeClr val="accent1">
+              <a:shade val="50000"/>
+            </a:schemeClr>
+          </a:lnRef>
+          <a:fillRef idx="1">
+            <a:schemeClr val="accent1"/>
+          </a:fillRef>
+          <a:effectRef idx="0">
+            <a:schemeClr val="accent1"/>
+          </a:effectRef>
+          <a:fontRef idx="minor">
+            <a:schemeClr val="lt1"/>
+          </a:fontRef>
+        </p:style>
+        <p:txBody>
+          <a:bodyPr rtlCol="0" anchor="ctr"/>
+          <a:lstStyle/>
+          <a:p>
+            <a:pPr algn="ctr"/>
+            <a:endParaRPr lang="en-US"/>
+          </a:p>
+        </p:txBody>
+      </p:sp>
+      <p:sp>
+        <p:nvSpPr>
+          <p:cNvPr id="2" name="Title 1">
+            <a:extLst>
+              <a:ext uri="{FF2B5EF4-FFF2-40B4-BE49-F238E27FC236}">
+                <a16:creationId xmlns:a16="http://schemas.microsoft.com/office/drawing/2014/main" id="{AF22AB23-ACEA-873A-4249-A752BCB2114E}"/>
+              </a:ext>
+            </a:extLst>
+          </p:cNvPr>
+          <p:cNvSpPr>
+            <a:spLocks noGrp="1"/>
+          </p:cNvSpPr>
+          <p:nvPr>
+            <p:ph type="title"/>
+          </p:nvPr>
+        </p:nvSpPr>
+        <p:spPr>
+          <a:xfrm>
+            <a:off x="523875" y="5317240"/>
+            <a:ext cx="11210925" cy="744836"/>
+          </a:xfrm>
+        </p:spPr>
+        <p:txBody>
+          <a:bodyPr vert="horz" lIns="91440" tIns="45720" rIns="91440" bIns="45720" rtlCol="0" anchor="ctr">
+            <a:normAutofit/>
+          </a:bodyPr>
+          <a:lstStyle/>
+          <a:p>
+            <a:pPr algn="ctr"/>
+            <a:r>
+              <a:rPr lang="en-US" sz="3600" dirty="0">
+                <a:solidFill>
+                  <a:schemeClr val="tx1">
+                    <a:lumMod val="85000"/>
+                    <a:lumOff val="15000"/>
+                  </a:schemeClr>
+                </a:solidFill>
+              </a:rPr>
+              <a:t>Possible Demo Issues On NC State WIFI</a:t>
+            </a:r>
+          </a:p>
+        </p:txBody>
+      </p:sp>
+      <p:cxnSp>
+        <p:nvCxnSpPr>
+          <p:cNvPr id="12" name="Straight Connector 11">
+            <a:extLst>
+              <a:ext uri="{FF2B5EF4-FFF2-40B4-BE49-F238E27FC236}">
+                <a16:creationId xmlns:a16="http://schemas.microsoft.com/office/drawing/2014/main" id="{AA2EAA10-076F-46BD-8F0F-B9A2FB77A85C}"/>
+              </a:ext>
+              <a:ext uri="{C183D7F6-B498-43B3-948B-1728B52AA6E4}">
+                <adec:decorative xmlns:adec="http://schemas.microsoft.com/office/drawing/2017/decorative" val="1"/>
+              </a:ext>
+            </a:extLst>
+          </p:cNvPr>
+          <p:cNvCxnSpPr>
+            <a:cxnSpLocks noGrp="1" noRot="1" noChangeAspect="1" noMove="1" noResize="1" noEditPoints="1" noAdjustHandles="1" noChangeArrowheads="1" noChangeShapeType="1"/>
+          </p:cNvCxnSpPr>
+          <p:nvPr>
+            <p:extLst>
+              <p:ext uri="{386F3935-93C4-4BCD-93E2-E3B085C9AB24}">
+                <p16:designElem xmlns:p16="http://schemas.microsoft.com/office/powerpoint/2015/main" val="1"/>
+              </p:ext>
+            </p:extLst>
+          </p:nvPr>
+        </p:nvCxnSpPr>
+        <p:spPr>
+          <a:xfrm>
+            <a:off x="0" y="5241983"/>
+            <a:ext cx="12192000" cy="0"/>
+          </a:xfrm>
+          <a:prstGeom prst="line">
+            <a:avLst/>
+          </a:prstGeom>
+          <a:ln w="41275">
+            <a:solidFill>
+              <a:schemeClr val="bg1">
+                <a:alpha val="90000"/>
+              </a:schemeClr>
+            </a:solidFill>
+          </a:ln>
+        </p:spPr>
+        <p:style>
+          <a:lnRef idx="1">
+            <a:schemeClr val="accent1"/>
+          </a:lnRef>
+          <a:fillRef idx="0">
+            <a:schemeClr val="accent1"/>
+          </a:fillRef>
+          <a:effectRef idx="0">
+            <a:schemeClr val="accent1"/>
+          </a:effectRef>
+          <a:fontRef idx="minor">
+            <a:schemeClr val="tx1"/>
+          </a:fontRef>
+        </p:style>
+      </p:cxnSp>
+      <p:cxnSp>
+        <p:nvCxnSpPr>
+          <p:cNvPr id="14" name="Straight Connector 13">
+            <a:extLst>
+              <a:ext uri="{FF2B5EF4-FFF2-40B4-BE49-F238E27FC236}">
+                <a16:creationId xmlns:a16="http://schemas.microsoft.com/office/drawing/2014/main" id="{D891E407-403B-4764-86C9-33A56D3BCAA3}"/>
+              </a:ext>
+              <a:ext uri="{C183D7F6-B498-43B3-948B-1728B52AA6E4}">
+                <adec:decorative xmlns:adec="http://schemas.microsoft.com/office/drawing/2017/decorative" val="1"/>
+              </a:ext>
+            </a:extLst>
+          </p:cNvPr>
+          <p:cNvCxnSpPr>
+            <a:cxnSpLocks noGrp="1" noRot="1" noChangeAspect="1" noMove="1" noResize="1" noEditPoints="1" noAdjustHandles="1" noChangeArrowheads="1" noChangeShapeType="1"/>
+          </p:cNvCxnSpPr>
+          <p:nvPr>
+            <p:extLst>
+              <p:ext uri="{386F3935-93C4-4BCD-93E2-E3B085C9AB24}">
+                <p16:designElem xmlns:p16="http://schemas.microsoft.com/office/powerpoint/2015/main" val="1"/>
+              </p:ext>
+            </p:extLst>
+          </p:nvPr>
+        </p:nvCxnSpPr>
+        <p:spPr>
+          <a:xfrm>
+            <a:off x="0" y="6134852"/>
+            <a:ext cx="12192000" cy="0"/>
+          </a:xfrm>
+          <a:prstGeom prst="line">
+            <a:avLst/>
+          </a:prstGeom>
+          <a:ln w="41275">
+            <a:solidFill>
+              <a:schemeClr val="bg1">
+                <a:alpha val="90000"/>
+              </a:schemeClr>
+            </a:solidFill>
+          </a:ln>
+        </p:spPr>
+        <p:style>
+          <a:lnRef idx="1">
+            <a:schemeClr val="accent1"/>
+          </a:lnRef>
+          <a:fillRef idx="0">
+            <a:schemeClr val="accent1"/>
+          </a:fillRef>
+          <a:effectRef idx="0">
+            <a:schemeClr val="accent1"/>
+          </a:effectRef>
+          <a:fontRef idx="minor">
+            <a:schemeClr val="tx1"/>
+          </a:fontRef>
+        </p:style>
+      </p:cxnSp>
+    </p:spTree>
+    <p:extLst>
+      <p:ext uri="{BB962C8B-B14F-4D97-AF65-F5344CB8AC3E}">
+        <p14:creationId xmlns:p14="http://schemas.microsoft.com/office/powerpoint/2010/main" val="221931195"/>
       </p:ext>
     </p:extLst>
   </p:cSld>
